--- a/BluePrint/Aplikasi Suhu Tubuh FIX.pptx
+++ b/BluePrint/Aplikasi Suhu Tubuh FIX.pptx
@@ -15,8 +15,8 @@
     <p:sldId id="288" r:id="rId6"/>
     <p:sldId id="289" r:id="rId7"/>
     <p:sldId id="290" r:id="rId8"/>
-    <p:sldId id="291" r:id="rId9"/>
-    <p:sldId id="293" r:id="rId10"/>
+    <p:sldId id="293" r:id="rId9"/>
+    <p:sldId id="291" r:id="rId10"/>
     <p:sldId id="292" r:id="rId11"/>
     <p:sldId id="285" r:id="rId12"/>
   </p:sldIdLst>
@@ -1107,7 +1107,7 @@
     </p:spTree>
     <p:extLst>
       <p:ext uri="{BB962C8B-B14F-4D97-AF65-F5344CB8AC3E}">
-        <p14:creationId xmlns:p14="http://schemas.microsoft.com/office/powerpoint/2010/main" val="3314705921"/>
+        <p14:creationId xmlns:p14="http://schemas.microsoft.com/office/powerpoint/2010/main" val="2623608925"/>
       </p:ext>
     </p:extLst>
   </p:cSld>
@@ -1191,7 +1191,7 @@
     </p:spTree>
     <p:extLst>
       <p:ext uri="{BB962C8B-B14F-4D97-AF65-F5344CB8AC3E}">
-        <p14:creationId xmlns:p14="http://schemas.microsoft.com/office/powerpoint/2010/main" val="2623608925"/>
+        <p14:creationId xmlns:p14="http://schemas.microsoft.com/office/powerpoint/2010/main" val="3314705921"/>
       </p:ext>
     </p:extLst>
   </p:cSld>
@@ -29199,7 +29199,7 @@
                   </a:schemeClr>
                 </a:solidFill>
               </a:rPr>
-              <a:t>BPMN</a:t>
+              <a:t>ACTIVITY DIAGRAM</a:t>
             </a:r>
             <a:br>
               <a:rPr lang="en-US" sz="2800" dirty="0">
@@ -36365,10 +36365,10 @@
       </p:grpSp>
       <p:pic>
         <p:nvPicPr>
-          <p:cNvPr id="3" name="Picture 2" descr="Diagram, schematic&#10;&#10;Description automatically generated">
+          <p:cNvPr id="5" name="Picture 4" descr="Diagram&#10;&#10;Description automatically generated">
             <a:extLst>
               <a:ext uri="{FF2B5EF4-FFF2-40B4-BE49-F238E27FC236}">
-                <a16:creationId xmlns:a16="http://schemas.microsoft.com/office/drawing/2014/main" id="{45ABA0E1-40D9-4DA8-8880-56B9E904E105}"/>
+                <a16:creationId xmlns:a16="http://schemas.microsoft.com/office/drawing/2014/main" id="{C4E52587-EB16-49A0-9925-E3798F3C4EC8}"/>
               </a:ext>
             </a:extLst>
           </p:cNvPr>
@@ -36385,13 +36385,13 @@
               </a:ext>
             </a:extLst>
           </a:blip>
-          <a:srcRect l="17942"/>
+          <a:srcRect l="17426"/>
           <a:stretch/>
         </p:blipFill>
         <p:spPr>
           <a:xfrm>
-            <a:off x="379935" y="879986"/>
-            <a:ext cx="11432130" cy="5242901"/>
+            <a:off x="341487" y="855297"/>
+            <a:ext cx="11509025" cy="5245266"/>
           </a:xfrm>
           <a:prstGeom prst="rect">
             <a:avLst/>
@@ -36401,7 +36401,7 @@
     </p:spTree>
     <p:extLst>
       <p:ext uri="{BB962C8B-B14F-4D97-AF65-F5344CB8AC3E}">
-        <p14:creationId xmlns:p14="http://schemas.microsoft.com/office/powerpoint/2010/main" val="2296679694"/>
+        <p14:creationId xmlns:p14="http://schemas.microsoft.com/office/powerpoint/2010/main" val="4053941695"/>
       </p:ext>
     </p:extLst>
   </p:cSld>
@@ -36570,7 +36570,7 @@
                   </a:schemeClr>
                 </a:solidFill>
               </a:rPr>
-              <a:t>ACTIVITY DIAGRAM</a:t>
+              <a:t>BPMN</a:t>
             </a:r>
             <a:br>
               <a:rPr lang="en-US" sz="2800" dirty="0">
@@ -43736,10 +43736,10 @@
       </p:grpSp>
       <p:pic>
         <p:nvPicPr>
-          <p:cNvPr id="5" name="Picture 4" descr="Diagram&#10;&#10;Description automatically generated">
+          <p:cNvPr id="3" name="Picture 2" descr="Diagram, schematic&#10;&#10;Description automatically generated">
             <a:extLst>
               <a:ext uri="{FF2B5EF4-FFF2-40B4-BE49-F238E27FC236}">
-                <a16:creationId xmlns:a16="http://schemas.microsoft.com/office/drawing/2014/main" id="{C4E52587-EB16-49A0-9925-E3798F3C4EC8}"/>
+                <a16:creationId xmlns:a16="http://schemas.microsoft.com/office/drawing/2014/main" id="{45ABA0E1-40D9-4DA8-8880-56B9E904E105}"/>
               </a:ext>
             </a:extLst>
           </p:cNvPr>
@@ -43756,13 +43756,13 @@
               </a:ext>
             </a:extLst>
           </a:blip>
-          <a:srcRect l="17426"/>
+          <a:srcRect l="17942"/>
           <a:stretch/>
         </p:blipFill>
         <p:spPr>
           <a:xfrm>
-            <a:off x="341487" y="855297"/>
-            <a:ext cx="11509025" cy="5245266"/>
+            <a:off x="379935" y="879986"/>
+            <a:ext cx="11432130" cy="5242901"/>
           </a:xfrm>
           <a:prstGeom prst="rect">
             <a:avLst/>
@@ -43772,7 +43772,7 @@
     </p:spTree>
     <p:extLst>
       <p:ext uri="{BB962C8B-B14F-4D97-AF65-F5344CB8AC3E}">
-        <p14:creationId xmlns:p14="http://schemas.microsoft.com/office/powerpoint/2010/main" val="4053941695"/>
+        <p14:creationId xmlns:p14="http://schemas.microsoft.com/office/powerpoint/2010/main" val="2296679694"/>
       </p:ext>
     </p:extLst>
   </p:cSld>
@@ -43854,8 +43854,8 @@
         </p:nvCxnSpPr>
         <p:spPr>
           <a:xfrm>
-            <a:off x="8105775" y="522898"/>
-            <a:ext cx="4086225" cy="0"/>
+            <a:off x="8453718" y="522898"/>
+            <a:ext cx="3738282" cy="0"/>
           </a:xfrm>
           <a:prstGeom prst="line">
             <a:avLst/>
@@ -43941,7 +43941,7 @@
                   </a:schemeClr>
                 </a:solidFill>
               </a:rPr>
-              <a:t>TAHAPAN PROTOTYPE</a:t>
+              <a:t>TAHAPAN SD:C PROTOTYPE</a:t>
             </a:r>
             <a:br>
               <a:rPr lang="en-US" sz="2800" dirty="0">
@@ -43983,7 +43983,7 @@
         </p:nvCxnSpPr>
         <p:spPr>
           <a:xfrm>
-            <a:off x="0" y="522898"/>
+            <a:off x="-290513" y="534808"/>
             <a:ext cx="4086225" cy="0"/>
           </a:xfrm>
           <a:prstGeom prst="line">
@@ -46671,23 +46671,6 @@
 </file>
 
 <file path=customXml/item1.xml><?xml version="1.0" encoding="utf-8"?>
-<?mso-contentType ?>
-<FormTemplates xmlns="http://schemas.microsoft.com/sharepoint/v3/contenttype/forms">
-  <Display>DocumentLibraryForm</Display>
-  <Edit>DocumentLibraryForm</Edit>
-  <New>DocumentLibraryForm</New>
-</FormTemplates>
-</file>
-
-<file path=customXml/item2.xml><?xml version="1.0" encoding="utf-8"?>
-<p:properties xmlns:p="http://schemas.microsoft.com/office/2006/metadata/properties" xmlns:xsi="http://www.w3.org/2001/XMLSchema-instance" xmlns:pc="http://schemas.microsoft.com/office/infopath/2007/PartnerControls">
-  <documentManagement>
-    <MediaServiceKeyPoints xmlns="71af3243-3dd4-4a8d-8c0d-dd76da1f02a5" xsi:nil="true"/>
-  </documentManagement>
-</p:properties>
-</file>
-
-<file path=customXml/item3.xml><?xml version="1.0" encoding="utf-8"?>
 <ct:contentTypeSchema xmlns:ct="http://schemas.microsoft.com/office/2006/metadata/contentType" xmlns:ma="http://schemas.microsoft.com/office/2006/metadata/properties/metaAttributes" ct:_="" ma:_="" ma:contentTypeName="Document" ma:contentTypeID="0x01010079F111ED35F8CC479449609E8A0923A6" ma:contentTypeVersion="11" ma:contentTypeDescription="Create a new document." ma:contentTypeScope="" ma:versionID="9677210f24a1be23c92c90fd886aa0aa">
   <xsd:schema xmlns:xsd="http://www.w3.org/2001/XMLSchema" xmlns:xs="http://www.w3.org/2001/XMLSchema" xmlns:p="http://schemas.microsoft.com/office/2006/metadata/properties" xmlns:ns2="71af3243-3dd4-4a8d-8c0d-dd76da1f02a5" xmlns:ns3="16c05727-aa75-4e4a-9b5f-8a80a1165891" targetNamespace="http://schemas.microsoft.com/office/2006/metadata/properties" ma:root="true" ma:fieldsID="60e05723c5c1908df1a1a4ebf11d344e" ns2:_="" ns3:_="">
     <xsd:import namespace="71af3243-3dd4-4a8d-8c0d-dd76da1f02a5"/>
@@ -46898,25 +46881,24 @@
 </ct:contentTypeSchema>
 </file>
 
-<file path=customXml/itemProps1.xml><?xml version="1.0" encoding="utf-8"?>
-<ds:datastoreItem xmlns:ds="http://schemas.openxmlformats.org/officeDocument/2006/customXml" ds:itemID="{2FD05317-60D6-4B3A-8545-888496D1A8EC}">
-  <ds:schemaRefs>
-    <ds:schemaRef ds:uri="http://schemas.microsoft.com/sharepoint/v3/contenttype/forms"/>
-  </ds:schemaRefs>
-</ds:datastoreItem>
+<file path=customXml/item2.xml><?xml version="1.0" encoding="utf-8"?>
+<p:properties xmlns:p="http://schemas.microsoft.com/office/2006/metadata/properties" xmlns:xsi="http://www.w3.org/2001/XMLSchema-instance" xmlns:pc="http://schemas.microsoft.com/office/infopath/2007/PartnerControls">
+  <documentManagement>
+    <MediaServiceKeyPoints xmlns="71af3243-3dd4-4a8d-8c0d-dd76da1f02a5" xsi:nil="true"/>
+  </documentManagement>
+</p:properties>
 </file>
 
-<file path=customXml/itemProps2.xml><?xml version="1.0" encoding="utf-8"?>
-<ds:datastoreItem xmlns:ds="http://schemas.openxmlformats.org/officeDocument/2006/customXml" ds:itemID="{EF609EDA-869E-4BE5-AE5D-B898C584B6FF}">
-  <ds:schemaRefs>
-    <ds:schemaRef ds:uri="http://schemas.microsoft.com/office/2006/metadata/properties"/>
-    <ds:schemaRef ds:uri="http://schemas.microsoft.com/office/infopath/2007/PartnerControls"/>
-    <ds:schemaRef ds:uri="71af3243-3dd4-4a8d-8c0d-dd76da1f02a5"/>
-  </ds:schemaRefs>
-</ds:datastoreItem>
+<file path=customXml/item3.xml><?xml version="1.0" encoding="utf-8"?>
+<?mso-contentType ?>
+<FormTemplates xmlns="http://schemas.microsoft.com/sharepoint/v3/contenttype/forms">
+  <Display>DocumentLibraryForm</Display>
+  <Edit>DocumentLibraryForm</Edit>
+  <New>DocumentLibraryForm</New>
+</FormTemplates>
 </file>
 
-<file path=customXml/itemProps3.xml><?xml version="1.0" encoding="utf-8"?>
+<file path=customXml/itemProps1.xml><?xml version="1.0" encoding="utf-8"?>
 <ds:datastoreItem xmlns:ds="http://schemas.openxmlformats.org/officeDocument/2006/customXml" ds:itemID="{61A00BBF-EEBB-4E18-B8CB-F926EAAC48F7}">
   <ds:schemaRefs>
     <ds:schemaRef ds:uri="http://schemas.microsoft.com/office/2006/metadata/contentType"/>
@@ -46933,4 +46915,22 @@
     <ds:schemaRef ds:uri="http://schemas.microsoft.com/internal/obd"/>
   </ds:schemaRefs>
 </ds:datastoreItem>
+</file>
+
+<file path=customXml/itemProps2.xml><?xml version="1.0" encoding="utf-8"?>
+<ds:datastoreItem xmlns:ds="http://schemas.openxmlformats.org/officeDocument/2006/customXml" ds:itemID="{EF609EDA-869E-4BE5-AE5D-B898C584B6FF}">
+  <ds:schemaRefs>
+    <ds:schemaRef ds:uri="http://schemas.microsoft.com/office/2006/metadata/properties"/>
+    <ds:schemaRef ds:uri="http://schemas.microsoft.com/office/infopath/2007/PartnerControls"/>
+    <ds:schemaRef ds:uri="71af3243-3dd4-4a8d-8c0d-dd76da1f02a5"/>
+  </ds:schemaRefs>
+</ds:datastoreItem>
+</file>
+
+<file path=customXml/itemProps3.xml><?xml version="1.0" encoding="utf-8"?>
+<ds:datastoreItem xmlns:ds="http://schemas.openxmlformats.org/officeDocument/2006/customXml" ds:itemID="{2FD05317-60D6-4B3A-8545-888496D1A8EC}">
+  <ds:schemaRefs>
+    <ds:schemaRef ds:uri="http://schemas.microsoft.com/sharepoint/v3/contenttype/forms"/>
+  </ds:schemaRefs>
+</ds:datastoreItem>
 </file>
--- a/BluePrint/Aplikasi Suhu Tubuh FIX.pptx
+++ b/BluePrint/Aplikasi Suhu Tubuh FIX.pptx
@@ -21647,8 +21647,8 @@
         </p:blipFill>
         <p:spPr>
           <a:xfrm>
-            <a:off x="1524001" y="855297"/>
-            <a:ext cx="9592234" cy="5419521"/>
+            <a:off x="1827881" y="1160605"/>
+            <a:ext cx="8956660" cy="5060428"/>
           </a:xfrm>
           <a:prstGeom prst="rect">
             <a:avLst/>
@@ -43933,6 +43933,17 @@
           <a:p>
             <a:pPr algn="ctr"/>
             <a:r>
+              <a:rPr lang="en-US" sz="2800" b="1">
+                <a:solidFill>
+                  <a:schemeClr val="tx1">
+                    <a:lumMod val="75000"/>
+                    <a:lumOff val="25000"/>
+                  </a:schemeClr>
+                </a:solidFill>
+              </a:rPr>
+              <a:t>TAHAPAN SDLC </a:t>
+            </a:r>
+            <a:r>
               <a:rPr lang="en-US" sz="2800" b="1" dirty="0">
                 <a:solidFill>
                   <a:schemeClr val="tx1">
@@ -43941,7 +43952,7 @@
                   </a:schemeClr>
                 </a:solidFill>
               </a:rPr>
-              <a:t>TAHAPAN SD:C PROTOTYPE</a:t>
+              <a:t>PROTOTYPE</a:t>
             </a:r>
             <a:br>
               <a:rPr lang="en-US" sz="2800" dirty="0">
@@ -46671,6 +46682,23 @@
 </file>
 
 <file path=customXml/item1.xml><?xml version="1.0" encoding="utf-8"?>
+<?mso-contentType ?>
+<FormTemplates xmlns="http://schemas.microsoft.com/sharepoint/v3/contenttype/forms">
+  <Display>DocumentLibraryForm</Display>
+  <Edit>DocumentLibraryForm</Edit>
+  <New>DocumentLibraryForm</New>
+</FormTemplates>
+</file>
+
+<file path=customXml/item2.xml><?xml version="1.0" encoding="utf-8"?>
+<p:properties xmlns:p="http://schemas.microsoft.com/office/2006/metadata/properties" xmlns:xsi="http://www.w3.org/2001/XMLSchema-instance" xmlns:pc="http://schemas.microsoft.com/office/infopath/2007/PartnerControls">
+  <documentManagement>
+    <MediaServiceKeyPoints xmlns="71af3243-3dd4-4a8d-8c0d-dd76da1f02a5" xsi:nil="true"/>
+  </documentManagement>
+</p:properties>
+</file>
+
+<file path=customXml/item3.xml><?xml version="1.0" encoding="utf-8"?>
 <ct:contentTypeSchema xmlns:ct="http://schemas.microsoft.com/office/2006/metadata/contentType" xmlns:ma="http://schemas.microsoft.com/office/2006/metadata/properties/metaAttributes" ct:_="" ma:_="" ma:contentTypeName="Document" ma:contentTypeID="0x01010079F111ED35F8CC479449609E8A0923A6" ma:contentTypeVersion="11" ma:contentTypeDescription="Create a new document." ma:contentTypeScope="" ma:versionID="9677210f24a1be23c92c90fd886aa0aa">
   <xsd:schema xmlns:xsd="http://www.w3.org/2001/XMLSchema" xmlns:xs="http://www.w3.org/2001/XMLSchema" xmlns:p="http://schemas.microsoft.com/office/2006/metadata/properties" xmlns:ns2="71af3243-3dd4-4a8d-8c0d-dd76da1f02a5" xmlns:ns3="16c05727-aa75-4e4a-9b5f-8a80a1165891" targetNamespace="http://schemas.microsoft.com/office/2006/metadata/properties" ma:root="true" ma:fieldsID="60e05723c5c1908df1a1a4ebf11d344e" ns2:_="" ns3:_="">
     <xsd:import namespace="71af3243-3dd4-4a8d-8c0d-dd76da1f02a5"/>
@@ -46881,24 +46909,25 @@
 </ct:contentTypeSchema>
 </file>
 
-<file path=customXml/item2.xml><?xml version="1.0" encoding="utf-8"?>
-<p:properties xmlns:p="http://schemas.microsoft.com/office/2006/metadata/properties" xmlns:xsi="http://www.w3.org/2001/XMLSchema-instance" xmlns:pc="http://schemas.microsoft.com/office/infopath/2007/PartnerControls">
-  <documentManagement>
-    <MediaServiceKeyPoints xmlns="71af3243-3dd4-4a8d-8c0d-dd76da1f02a5" xsi:nil="true"/>
-  </documentManagement>
-</p:properties>
+<file path=customXml/itemProps1.xml><?xml version="1.0" encoding="utf-8"?>
+<ds:datastoreItem xmlns:ds="http://schemas.openxmlformats.org/officeDocument/2006/customXml" ds:itemID="{2FD05317-60D6-4B3A-8545-888496D1A8EC}">
+  <ds:schemaRefs>
+    <ds:schemaRef ds:uri="http://schemas.microsoft.com/sharepoint/v3/contenttype/forms"/>
+  </ds:schemaRefs>
+</ds:datastoreItem>
 </file>
 
-<file path=customXml/item3.xml><?xml version="1.0" encoding="utf-8"?>
-<?mso-contentType ?>
-<FormTemplates xmlns="http://schemas.microsoft.com/sharepoint/v3/contenttype/forms">
-  <Display>DocumentLibraryForm</Display>
-  <Edit>DocumentLibraryForm</Edit>
-  <New>DocumentLibraryForm</New>
-</FormTemplates>
+<file path=customXml/itemProps2.xml><?xml version="1.0" encoding="utf-8"?>
+<ds:datastoreItem xmlns:ds="http://schemas.openxmlformats.org/officeDocument/2006/customXml" ds:itemID="{EF609EDA-869E-4BE5-AE5D-B898C584B6FF}">
+  <ds:schemaRefs>
+    <ds:schemaRef ds:uri="http://schemas.microsoft.com/office/2006/metadata/properties"/>
+    <ds:schemaRef ds:uri="http://schemas.microsoft.com/office/infopath/2007/PartnerControls"/>
+    <ds:schemaRef ds:uri="71af3243-3dd4-4a8d-8c0d-dd76da1f02a5"/>
+  </ds:schemaRefs>
+</ds:datastoreItem>
 </file>
 
-<file path=customXml/itemProps1.xml><?xml version="1.0" encoding="utf-8"?>
+<file path=customXml/itemProps3.xml><?xml version="1.0" encoding="utf-8"?>
 <ds:datastoreItem xmlns:ds="http://schemas.openxmlformats.org/officeDocument/2006/customXml" ds:itemID="{61A00BBF-EEBB-4E18-B8CB-F926EAAC48F7}">
   <ds:schemaRefs>
     <ds:schemaRef ds:uri="http://schemas.microsoft.com/office/2006/metadata/contentType"/>
@@ -46915,22 +46944,4 @@
     <ds:schemaRef ds:uri="http://schemas.microsoft.com/internal/obd"/>
   </ds:schemaRefs>
 </ds:datastoreItem>
-</file>
-
-<file path=customXml/itemProps2.xml><?xml version="1.0" encoding="utf-8"?>
-<ds:datastoreItem xmlns:ds="http://schemas.openxmlformats.org/officeDocument/2006/customXml" ds:itemID="{EF609EDA-869E-4BE5-AE5D-B898C584B6FF}">
-  <ds:schemaRefs>
-    <ds:schemaRef ds:uri="http://schemas.microsoft.com/office/2006/metadata/properties"/>
-    <ds:schemaRef ds:uri="http://schemas.microsoft.com/office/infopath/2007/PartnerControls"/>
-    <ds:schemaRef ds:uri="71af3243-3dd4-4a8d-8c0d-dd76da1f02a5"/>
-  </ds:schemaRefs>
-</ds:datastoreItem>
-</file>
-
-<file path=customXml/itemProps3.xml><?xml version="1.0" encoding="utf-8"?>
-<ds:datastoreItem xmlns:ds="http://schemas.openxmlformats.org/officeDocument/2006/customXml" ds:itemID="{2FD05317-60D6-4B3A-8545-888496D1A8EC}">
-  <ds:schemaRefs>
-    <ds:schemaRef ds:uri="http://schemas.microsoft.com/sharepoint/v3/contenttype/forms"/>
-  </ds:schemaRefs>
-</ds:datastoreItem>
 </file>
--- a/BluePrint/Aplikasi Suhu Tubuh FIX.pptx
+++ b/BluePrint/Aplikasi Suhu Tubuh FIX.pptx
@@ -5,10 +5,10 @@
     <p:sldMasterId id="2147483648" r:id="rId4"/>
   </p:sldMasterIdLst>
   <p:notesMasterIdLst>
-    <p:notesMasterId r:id="rId13"/>
+    <p:notesMasterId r:id="rId14"/>
   </p:notesMasterIdLst>
   <p:handoutMasterIdLst>
-    <p:handoutMasterId r:id="rId14"/>
+    <p:handoutMasterId r:id="rId15"/>
   </p:handoutMasterIdLst>
   <p:sldIdLst>
     <p:sldId id="256" r:id="rId5"/>
@@ -18,7 +18,8 @@
     <p:sldId id="293" r:id="rId9"/>
     <p:sldId id="291" r:id="rId10"/>
     <p:sldId id="292" r:id="rId11"/>
-    <p:sldId id="285" r:id="rId12"/>
+    <p:sldId id="294" r:id="rId12"/>
+    <p:sldId id="285" r:id="rId13"/>
   </p:sldIdLst>
   <p:sldSz cx="12192000" cy="6858000"/>
   <p:notesSz cx="6858000" cy="9144000"/>
@@ -1351,6 +1352,90 @@
             <a:fld id="{BE60DC36-8EFA-4378-9855-E019C55AC472}" type="slidenum">
               <a:rPr lang="en-US" smtClean="0"/>
               <a:t>8</a:t>
+            </a:fld>
+            <a:endParaRPr lang="en-US" dirty="0"/>
+          </a:p>
+        </p:txBody>
+      </p:sp>
+    </p:spTree>
+    <p:extLst>
+      <p:ext uri="{BB962C8B-B14F-4D97-AF65-F5344CB8AC3E}">
+        <p14:creationId xmlns:p14="http://schemas.microsoft.com/office/powerpoint/2010/main" val="1017725908"/>
+      </p:ext>
+    </p:extLst>
+  </p:cSld>
+  <p:clrMapOvr>
+    <a:masterClrMapping/>
+  </p:clrMapOvr>
+</p:notes>
+</file>
+
+<file path=ppt/notesSlides/notesSlide9.xml><?xml version="1.0" encoding="utf-8"?>
+<p:notes xmlns:a="http://schemas.openxmlformats.org/drawingml/2006/main" xmlns:r="http://schemas.openxmlformats.org/officeDocument/2006/relationships" xmlns:p="http://schemas.openxmlformats.org/presentationml/2006/main">
+  <p:cSld>
+    <p:spTree>
+      <p:nvGrpSpPr>
+        <p:cNvPr id="1" name=""/>
+        <p:cNvGrpSpPr/>
+        <p:nvPr/>
+      </p:nvGrpSpPr>
+      <p:grpSpPr>
+        <a:xfrm>
+          <a:off x="0" y="0"/>
+          <a:ext cx="0" cy="0"/>
+          <a:chOff x="0" y="0"/>
+          <a:chExt cx="0" cy="0"/>
+        </a:xfrm>
+      </p:grpSpPr>
+      <p:sp>
+        <p:nvSpPr>
+          <p:cNvPr id="2" name="Slide Image Placeholder 1"/>
+          <p:cNvSpPr>
+            <a:spLocks noGrp="1" noRot="1" noChangeAspect="1"/>
+          </p:cNvSpPr>
+          <p:nvPr>
+            <p:ph type="sldImg"/>
+          </p:nvPr>
+        </p:nvSpPr>
+        <p:spPr/>
+      </p:sp>
+      <p:sp>
+        <p:nvSpPr>
+          <p:cNvPr id="3" name="Notes Placeholder 2"/>
+          <p:cNvSpPr>
+            <a:spLocks noGrp="1"/>
+          </p:cNvSpPr>
+          <p:nvPr>
+            <p:ph type="body" idx="1"/>
+          </p:nvPr>
+        </p:nvSpPr>
+        <p:spPr/>
+        <p:txBody>
+          <a:bodyPr/>
+          <a:lstStyle/>
+          <a:p>
+            <a:endParaRPr lang="en-US" dirty="0"/>
+          </a:p>
+        </p:txBody>
+      </p:sp>
+      <p:sp>
+        <p:nvSpPr>
+          <p:cNvPr id="4" name="Slide Number Placeholder 3"/>
+          <p:cNvSpPr>
+            <a:spLocks noGrp="1"/>
+          </p:cNvSpPr>
+          <p:nvPr>
+            <p:ph type="sldNum" sz="quarter" idx="5"/>
+          </p:nvPr>
+        </p:nvSpPr>
+        <p:spPr/>
+        <p:txBody>
+          <a:bodyPr/>
+          <a:lstStyle/>
+          <a:p>
+            <a:fld id="{BE60DC36-8EFA-4378-9855-E019C55AC472}" type="slidenum">
+              <a:rPr lang="en-US" smtClean="0"/>
+              <a:t>9</a:t>
             </a:fld>
             <a:endParaRPr lang="en-US" dirty="0"/>
           </a:p>
@@ -13612,7 +13697,7 @@
               </a:r>
               <a:r>
                 <a:rPr lang="en-US" sz="1600" dirty="0" err="1"/>
-                <a:t>dibutuh</a:t>
+                <a:t>dibutuhkan</a:t>
               </a:r>
               <a:r>
                 <a:rPr lang="en-US" sz="1600" dirty="0"/>
@@ -13662,8 +13747,8 @@
           </p:nvSpPr>
           <p:spPr>
             <a:xfrm>
-              <a:off x="1710121" y="2632154"/>
-              <a:ext cx="7377607" cy="740997"/>
+              <a:off x="1435571" y="2654201"/>
+              <a:ext cx="7652156" cy="740997"/>
             </a:xfrm>
             <a:prstGeom prst="roundRect">
               <a:avLst>
@@ -45671,6 +45756,8886 @@
 <file path=ppt/slides/slide8.xml><?xml version="1.0" encoding="utf-8"?>
 <p:sld xmlns:a="http://schemas.openxmlformats.org/drawingml/2006/main" xmlns:r="http://schemas.openxmlformats.org/officeDocument/2006/relationships" xmlns:p="http://schemas.openxmlformats.org/presentationml/2006/main">
   <p:cSld>
+    <p:spTree>
+      <p:nvGrpSpPr>
+        <p:cNvPr id="1" name=""/>
+        <p:cNvGrpSpPr/>
+        <p:nvPr/>
+      </p:nvGrpSpPr>
+      <p:grpSpPr>
+        <a:xfrm>
+          <a:off x="0" y="0"/>
+          <a:ext cx="0" cy="0"/>
+          <a:chOff x="0" y="0"/>
+          <a:chExt cx="0" cy="0"/>
+        </a:xfrm>
+      </p:grpSpPr>
+      <p:sp>
+        <p:nvSpPr>
+          <p:cNvPr id="4" name="Title 3" hidden="1">
+            <a:extLst>
+              <a:ext uri="{FF2B5EF4-FFF2-40B4-BE49-F238E27FC236}">
+                <a16:creationId xmlns:a16="http://schemas.microsoft.com/office/drawing/2014/main" id="{B5981CF1-BC08-49F8-B0F9-AAF98EC67450}"/>
+              </a:ext>
+            </a:extLst>
+          </p:cNvPr>
+          <p:cNvSpPr>
+            <a:spLocks noGrp="1"/>
+          </p:cNvSpPr>
+          <p:nvPr>
+            <p:ph type="title" idx="4294967295"/>
+          </p:nvPr>
+        </p:nvSpPr>
+        <p:spPr>
+          <a:xfrm>
+            <a:off x="0" y="365125"/>
+            <a:ext cx="10515600" cy="1325563"/>
+          </a:xfrm>
+        </p:spPr>
+        <p:txBody>
+          <a:bodyPr/>
+          <a:lstStyle/>
+          <a:p>
+            <a:r>
+              <a:rPr lang="en-US" dirty="0"/>
+              <a:t>Project analysis slide 2</a:t>
+            </a:r>
+          </a:p>
+        </p:txBody>
+      </p:sp>
+      <p:cxnSp>
+        <p:nvCxnSpPr>
+          <p:cNvPr id="8" name="Straight Connector 7">
+            <a:extLst>
+              <a:ext uri="{FF2B5EF4-FFF2-40B4-BE49-F238E27FC236}">
+                <a16:creationId xmlns:a16="http://schemas.microsoft.com/office/drawing/2014/main" id="{D0986099-F5F2-4E8B-BE17-81194861A00C}"/>
+              </a:ext>
+              <a:ext uri="{C183D7F6-B498-43B3-948B-1728B52AA6E4}">
+                <adec:decorative xmlns:adec="http://schemas.microsoft.com/office/drawing/2017/decorative" val="1"/>
+              </a:ext>
+            </a:extLst>
+          </p:cNvPr>
+          <p:cNvCxnSpPr>
+            <a:cxnSpLocks/>
+          </p:cNvCxnSpPr>
+          <p:nvPr/>
+        </p:nvCxnSpPr>
+        <p:spPr>
+          <a:xfrm>
+            <a:off x="8225640" y="522898"/>
+            <a:ext cx="3966360" cy="0"/>
+          </a:xfrm>
+          <a:prstGeom prst="line">
+            <a:avLst/>
+          </a:prstGeom>
+          <a:ln>
+            <a:solidFill>
+              <a:schemeClr val="accent3">
+                <a:lumMod val="50000"/>
+              </a:schemeClr>
+            </a:solidFill>
+            <a:headEnd type="oval"/>
+          </a:ln>
+        </p:spPr>
+        <p:style>
+          <a:lnRef idx="1">
+            <a:schemeClr val="accent1"/>
+          </a:lnRef>
+          <a:fillRef idx="0">
+            <a:schemeClr val="accent1"/>
+          </a:fillRef>
+          <a:effectRef idx="0">
+            <a:schemeClr val="accent1"/>
+          </a:effectRef>
+          <a:fontRef idx="minor">
+            <a:schemeClr val="tx1"/>
+          </a:fontRef>
+        </p:style>
+      </p:cxnSp>
+      <p:sp>
+        <p:nvSpPr>
+          <p:cNvPr id="11" name="Title 1">
+            <a:extLst>
+              <a:ext uri="{FF2B5EF4-FFF2-40B4-BE49-F238E27FC236}">
+                <a16:creationId xmlns:a16="http://schemas.microsoft.com/office/drawing/2014/main" id="{4E3F5479-058B-4FA8-92E9-18CAB8CDC5C5}"/>
+              </a:ext>
+            </a:extLst>
+          </p:cNvPr>
+          <p:cNvSpPr txBox="1">
+            <a:spLocks/>
+          </p:cNvSpPr>
+          <p:nvPr/>
+        </p:nvSpPr>
+        <p:spPr>
+          <a:xfrm>
+            <a:off x="228600" y="190500"/>
+            <a:ext cx="11734800" cy="387798"/>
+          </a:xfrm>
+          <a:prstGeom prst="rect">
+            <a:avLst/>
+          </a:prstGeom>
+        </p:spPr>
+        <p:txBody>
+          <a:bodyPr vert="horz" wrap="square" lIns="0" tIns="0" rIns="0" bIns="0" rtlCol="0" anchor="t">
+            <a:spAutoFit/>
+          </a:bodyPr>
+          <a:lstStyle>
+            <a:lvl1pPr algn="l" defTabSz="914400" rtl="0" eaLnBrk="1" latinLnBrk="0" hangingPunct="1">
+              <a:lnSpc>
+                <a:spcPct val="90000"/>
+              </a:lnSpc>
+              <a:spcBef>
+                <a:spcPct val="0"/>
+              </a:spcBef>
+              <a:buNone/>
+              <a:defRPr sz="4400" kern="1200">
+                <a:solidFill>
+                  <a:schemeClr val="tx1"/>
+                </a:solidFill>
+                <a:latin typeface="+mj-lt"/>
+                <a:ea typeface="+mj-ea"/>
+                <a:cs typeface="+mj-cs"/>
+              </a:defRPr>
+            </a:lvl1pPr>
+          </a:lstStyle>
+          <a:p>
+            <a:pPr algn="ctr"/>
+            <a:r>
+              <a:rPr lang="en-US" sz="2800" b="1" dirty="0" err="1">
+                <a:solidFill>
+                  <a:schemeClr val="tx1">
+                    <a:lumMod val="75000"/>
+                    <a:lumOff val="25000"/>
+                  </a:schemeClr>
+                </a:solidFill>
+              </a:rPr>
+              <a:t>Kelebihan</a:t>
+            </a:r>
+            <a:r>
+              <a:rPr lang="en-US" sz="2800" b="1" dirty="0">
+                <a:solidFill>
+                  <a:schemeClr val="tx1">
+                    <a:lumMod val="75000"/>
+                    <a:lumOff val="25000"/>
+                  </a:schemeClr>
+                </a:solidFill>
+              </a:rPr>
+              <a:t> Program </a:t>
+            </a:r>
+            <a:r>
+              <a:rPr lang="en-US" sz="2800" b="1" dirty="0" err="1">
+                <a:solidFill>
+                  <a:schemeClr val="tx1">
+                    <a:lumMod val="75000"/>
+                    <a:lumOff val="25000"/>
+                  </a:schemeClr>
+                </a:solidFill>
+              </a:rPr>
+              <a:t>ini</a:t>
+            </a:r>
+            <a:endParaRPr lang="en-US" sz="2800" dirty="0">
+              <a:solidFill>
+                <a:schemeClr val="tx1">
+                  <a:lumMod val="75000"/>
+                  <a:lumOff val="25000"/>
+                </a:schemeClr>
+              </a:solidFill>
+            </a:endParaRPr>
+          </a:p>
+        </p:txBody>
+      </p:sp>
+      <p:cxnSp>
+        <p:nvCxnSpPr>
+          <p:cNvPr id="14" name="Straight Connector 13">
+            <a:extLst>
+              <a:ext uri="{FF2B5EF4-FFF2-40B4-BE49-F238E27FC236}">
+                <a16:creationId xmlns:a16="http://schemas.microsoft.com/office/drawing/2014/main" id="{83E690F4-843A-47A5-8620-4FB01C0D8E68}"/>
+              </a:ext>
+              <a:ext uri="{C183D7F6-B498-43B3-948B-1728B52AA6E4}">
+                <adec:decorative xmlns:adec="http://schemas.microsoft.com/office/drawing/2017/decorative" val="1"/>
+              </a:ext>
+            </a:extLst>
+          </p:cNvPr>
+          <p:cNvCxnSpPr>
+            <a:cxnSpLocks/>
+          </p:cNvCxnSpPr>
+          <p:nvPr/>
+        </p:nvCxnSpPr>
+        <p:spPr>
+          <a:xfrm>
+            <a:off x="0" y="522898"/>
+            <a:ext cx="3924886" cy="0"/>
+          </a:xfrm>
+          <a:prstGeom prst="line">
+            <a:avLst/>
+          </a:prstGeom>
+          <a:ln>
+            <a:solidFill>
+              <a:schemeClr val="accent3">
+                <a:lumMod val="50000"/>
+              </a:schemeClr>
+            </a:solidFill>
+            <a:tailEnd type="oval"/>
+          </a:ln>
+        </p:spPr>
+        <p:style>
+          <a:lnRef idx="1">
+            <a:schemeClr val="accent1"/>
+          </a:lnRef>
+          <a:fillRef idx="0">
+            <a:schemeClr val="accent1"/>
+          </a:fillRef>
+          <a:effectRef idx="0">
+            <a:schemeClr val="accent1"/>
+          </a:effectRef>
+          <a:fontRef idx="minor">
+            <a:schemeClr val="tx1"/>
+          </a:fontRef>
+        </p:style>
+      </p:cxnSp>
+      <p:grpSp>
+        <p:nvGrpSpPr>
+          <p:cNvPr id="31" name="Group 30" descr="Icons of bar chart and line graph.">
+            <a:extLst>
+              <a:ext uri="{FF2B5EF4-FFF2-40B4-BE49-F238E27FC236}">
+                <a16:creationId xmlns:a16="http://schemas.microsoft.com/office/drawing/2014/main" id="{044C3643-8A0E-47C1-BEB8-C73203B5E58D}"/>
+              </a:ext>
+            </a:extLst>
+          </p:cNvPr>
+          <p:cNvGrpSpPr/>
+          <p:nvPr/>
+        </p:nvGrpSpPr>
+        <p:grpSpPr>
+          <a:xfrm>
+            <a:off x="4715661" y="1810536"/>
+            <a:ext cx="347679" cy="347679"/>
+            <a:chOff x="4319588" y="2492375"/>
+            <a:chExt cx="287338" cy="287338"/>
+          </a:xfrm>
+          <a:solidFill>
+            <a:schemeClr val="bg1"/>
+          </a:solidFill>
+        </p:grpSpPr>
+        <p:sp>
+          <p:nvSpPr>
+            <p:cNvPr id="32" name="Freeform 372">
+              <a:extLst>
+                <a:ext uri="{FF2B5EF4-FFF2-40B4-BE49-F238E27FC236}">
+                  <a16:creationId xmlns:a16="http://schemas.microsoft.com/office/drawing/2014/main" id="{56E8F5A5-5318-470B-8F42-337C264086AA}"/>
+                </a:ext>
+              </a:extLst>
+            </p:cNvPr>
+            <p:cNvSpPr>
+              <a:spLocks/>
+            </p:cNvSpPr>
+            <p:nvPr/>
+          </p:nvSpPr>
+          <p:spPr bwMode="auto">
+            <a:xfrm>
+              <a:off x="4319588" y="2587625"/>
+              <a:ext cx="287338" cy="192088"/>
+            </a:xfrm>
+            <a:custGeom>
+              <a:avLst/>
+              <a:gdLst>
+                <a:gd name="T0" fmla="*/ 843 w 904"/>
+                <a:gd name="T1" fmla="*/ 572 h 602"/>
+                <a:gd name="T2" fmla="*/ 843 w 904"/>
+                <a:gd name="T3" fmla="*/ 12 h 602"/>
+                <a:gd name="T4" fmla="*/ 841 w 904"/>
+                <a:gd name="T5" fmla="*/ 7 h 602"/>
+                <a:gd name="T6" fmla="*/ 836 w 904"/>
+                <a:gd name="T7" fmla="*/ 3 h 602"/>
+                <a:gd name="T8" fmla="*/ 831 w 904"/>
+                <a:gd name="T9" fmla="*/ 1 h 602"/>
+                <a:gd name="T10" fmla="*/ 708 w 904"/>
+                <a:gd name="T11" fmla="*/ 0 h 602"/>
+                <a:gd name="T12" fmla="*/ 702 w 904"/>
+                <a:gd name="T13" fmla="*/ 2 h 602"/>
+                <a:gd name="T14" fmla="*/ 697 w 904"/>
+                <a:gd name="T15" fmla="*/ 5 h 602"/>
+                <a:gd name="T16" fmla="*/ 694 w 904"/>
+                <a:gd name="T17" fmla="*/ 9 h 602"/>
+                <a:gd name="T18" fmla="*/ 693 w 904"/>
+                <a:gd name="T19" fmla="*/ 16 h 602"/>
+                <a:gd name="T20" fmla="*/ 632 w 904"/>
+                <a:gd name="T21" fmla="*/ 572 h 602"/>
+                <a:gd name="T22" fmla="*/ 632 w 904"/>
+                <a:gd name="T23" fmla="*/ 283 h 602"/>
+                <a:gd name="T24" fmla="*/ 630 w 904"/>
+                <a:gd name="T25" fmla="*/ 277 h 602"/>
+                <a:gd name="T26" fmla="*/ 626 w 904"/>
+                <a:gd name="T27" fmla="*/ 274 h 602"/>
+                <a:gd name="T28" fmla="*/ 621 w 904"/>
+                <a:gd name="T29" fmla="*/ 271 h 602"/>
+                <a:gd name="T30" fmla="*/ 497 w 904"/>
+                <a:gd name="T31" fmla="*/ 271 h 602"/>
+                <a:gd name="T32" fmla="*/ 491 w 904"/>
+                <a:gd name="T33" fmla="*/ 272 h 602"/>
+                <a:gd name="T34" fmla="*/ 487 w 904"/>
+                <a:gd name="T35" fmla="*/ 275 h 602"/>
+                <a:gd name="T36" fmla="*/ 483 w 904"/>
+                <a:gd name="T37" fmla="*/ 281 h 602"/>
+                <a:gd name="T38" fmla="*/ 482 w 904"/>
+                <a:gd name="T39" fmla="*/ 286 h 602"/>
+                <a:gd name="T40" fmla="*/ 421 w 904"/>
+                <a:gd name="T41" fmla="*/ 572 h 602"/>
+                <a:gd name="T42" fmla="*/ 421 w 904"/>
+                <a:gd name="T43" fmla="*/ 193 h 602"/>
+                <a:gd name="T44" fmla="*/ 419 w 904"/>
+                <a:gd name="T45" fmla="*/ 187 h 602"/>
+                <a:gd name="T46" fmla="*/ 415 w 904"/>
+                <a:gd name="T47" fmla="*/ 183 h 602"/>
+                <a:gd name="T48" fmla="*/ 409 w 904"/>
+                <a:gd name="T49" fmla="*/ 181 h 602"/>
+                <a:gd name="T50" fmla="*/ 286 w 904"/>
+                <a:gd name="T51" fmla="*/ 181 h 602"/>
+                <a:gd name="T52" fmla="*/ 281 w 904"/>
+                <a:gd name="T53" fmla="*/ 182 h 602"/>
+                <a:gd name="T54" fmla="*/ 275 w 904"/>
+                <a:gd name="T55" fmla="*/ 185 h 602"/>
+                <a:gd name="T56" fmla="*/ 272 w 904"/>
+                <a:gd name="T57" fmla="*/ 190 h 602"/>
+                <a:gd name="T58" fmla="*/ 271 w 904"/>
+                <a:gd name="T59" fmla="*/ 196 h 602"/>
+                <a:gd name="T60" fmla="*/ 211 w 904"/>
+                <a:gd name="T61" fmla="*/ 572 h 602"/>
+                <a:gd name="T62" fmla="*/ 211 w 904"/>
+                <a:gd name="T63" fmla="*/ 404 h 602"/>
+                <a:gd name="T64" fmla="*/ 209 w 904"/>
+                <a:gd name="T65" fmla="*/ 399 h 602"/>
+                <a:gd name="T66" fmla="*/ 205 w 904"/>
+                <a:gd name="T67" fmla="*/ 394 h 602"/>
+                <a:gd name="T68" fmla="*/ 199 w 904"/>
+                <a:gd name="T69" fmla="*/ 392 h 602"/>
+                <a:gd name="T70" fmla="*/ 76 w 904"/>
+                <a:gd name="T71" fmla="*/ 391 h 602"/>
+                <a:gd name="T72" fmla="*/ 69 w 904"/>
+                <a:gd name="T73" fmla="*/ 392 h 602"/>
+                <a:gd name="T74" fmla="*/ 65 w 904"/>
+                <a:gd name="T75" fmla="*/ 396 h 602"/>
+                <a:gd name="T76" fmla="*/ 62 w 904"/>
+                <a:gd name="T77" fmla="*/ 401 h 602"/>
+                <a:gd name="T78" fmla="*/ 61 w 904"/>
+                <a:gd name="T79" fmla="*/ 406 h 602"/>
+                <a:gd name="T80" fmla="*/ 15 w 904"/>
+                <a:gd name="T81" fmla="*/ 572 h 602"/>
+                <a:gd name="T82" fmla="*/ 9 w 904"/>
+                <a:gd name="T83" fmla="*/ 573 h 602"/>
+                <a:gd name="T84" fmla="*/ 5 w 904"/>
+                <a:gd name="T85" fmla="*/ 577 h 602"/>
+                <a:gd name="T86" fmla="*/ 2 w 904"/>
+                <a:gd name="T87" fmla="*/ 581 h 602"/>
+                <a:gd name="T88" fmla="*/ 0 w 904"/>
+                <a:gd name="T89" fmla="*/ 587 h 602"/>
+                <a:gd name="T90" fmla="*/ 2 w 904"/>
+                <a:gd name="T91" fmla="*/ 593 h 602"/>
+                <a:gd name="T92" fmla="*/ 5 w 904"/>
+                <a:gd name="T93" fmla="*/ 598 h 602"/>
+                <a:gd name="T94" fmla="*/ 9 w 904"/>
+                <a:gd name="T95" fmla="*/ 601 h 602"/>
+                <a:gd name="T96" fmla="*/ 15 w 904"/>
+                <a:gd name="T97" fmla="*/ 602 h 602"/>
+                <a:gd name="T98" fmla="*/ 196 w 904"/>
+                <a:gd name="T99" fmla="*/ 602 h 602"/>
+                <a:gd name="T100" fmla="*/ 406 w 904"/>
+                <a:gd name="T101" fmla="*/ 602 h 602"/>
+                <a:gd name="T102" fmla="*/ 617 w 904"/>
+                <a:gd name="T103" fmla="*/ 602 h 602"/>
+                <a:gd name="T104" fmla="*/ 828 w 904"/>
+                <a:gd name="T105" fmla="*/ 602 h 602"/>
+                <a:gd name="T106" fmla="*/ 891 w 904"/>
+                <a:gd name="T107" fmla="*/ 602 h 602"/>
+                <a:gd name="T108" fmla="*/ 896 w 904"/>
+                <a:gd name="T109" fmla="*/ 600 h 602"/>
+                <a:gd name="T110" fmla="*/ 901 w 904"/>
+                <a:gd name="T111" fmla="*/ 596 h 602"/>
+                <a:gd name="T112" fmla="*/ 903 w 904"/>
+                <a:gd name="T113" fmla="*/ 591 h 602"/>
+                <a:gd name="T114" fmla="*/ 903 w 904"/>
+                <a:gd name="T115" fmla="*/ 584 h 602"/>
+                <a:gd name="T116" fmla="*/ 901 w 904"/>
+                <a:gd name="T117" fmla="*/ 579 h 602"/>
+                <a:gd name="T118" fmla="*/ 896 w 904"/>
+                <a:gd name="T119" fmla="*/ 575 h 602"/>
+                <a:gd name="T120" fmla="*/ 891 w 904"/>
+                <a:gd name="T121" fmla="*/ 572 h 602"/>
+              </a:gdLst>
+              <a:ahLst/>
+              <a:cxnLst>
+                <a:cxn ang="0">
+                  <a:pos x="T0" y="T1"/>
+                </a:cxn>
+                <a:cxn ang="0">
+                  <a:pos x="T2" y="T3"/>
+                </a:cxn>
+                <a:cxn ang="0">
+                  <a:pos x="T4" y="T5"/>
+                </a:cxn>
+                <a:cxn ang="0">
+                  <a:pos x="T6" y="T7"/>
+                </a:cxn>
+                <a:cxn ang="0">
+                  <a:pos x="T8" y="T9"/>
+                </a:cxn>
+                <a:cxn ang="0">
+                  <a:pos x="T10" y="T11"/>
+                </a:cxn>
+                <a:cxn ang="0">
+                  <a:pos x="T12" y="T13"/>
+                </a:cxn>
+                <a:cxn ang="0">
+                  <a:pos x="T14" y="T15"/>
+                </a:cxn>
+                <a:cxn ang="0">
+                  <a:pos x="T16" y="T17"/>
+                </a:cxn>
+                <a:cxn ang="0">
+                  <a:pos x="T18" y="T19"/>
+                </a:cxn>
+                <a:cxn ang="0">
+                  <a:pos x="T20" y="T21"/>
+                </a:cxn>
+                <a:cxn ang="0">
+                  <a:pos x="T22" y="T23"/>
+                </a:cxn>
+                <a:cxn ang="0">
+                  <a:pos x="T24" y="T25"/>
+                </a:cxn>
+                <a:cxn ang="0">
+                  <a:pos x="T26" y="T27"/>
+                </a:cxn>
+                <a:cxn ang="0">
+                  <a:pos x="T28" y="T29"/>
+                </a:cxn>
+                <a:cxn ang="0">
+                  <a:pos x="T30" y="T31"/>
+                </a:cxn>
+                <a:cxn ang="0">
+                  <a:pos x="T32" y="T33"/>
+                </a:cxn>
+                <a:cxn ang="0">
+                  <a:pos x="T34" y="T35"/>
+                </a:cxn>
+                <a:cxn ang="0">
+                  <a:pos x="T36" y="T37"/>
+                </a:cxn>
+                <a:cxn ang="0">
+                  <a:pos x="T38" y="T39"/>
+                </a:cxn>
+                <a:cxn ang="0">
+                  <a:pos x="T40" y="T41"/>
+                </a:cxn>
+                <a:cxn ang="0">
+                  <a:pos x="T42" y="T43"/>
+                </a:cxn>
+                <a:cxn ang="0">
+                  <a:pos x="T44" y="T45"/>
+                </a:cxn>
+                <a:cxn ang="0">
+                  <a:pos x="T46" y="T47"/>
+                </a:cxn>
+                <a:cxn ang="0">
+                  <a:pos x="T48" y="T49"/>
+                </a:cxn>
+                <a:cxn ang="0">
+                  <a:pos x="T50" y="T51"/>
+                </a:cxn>
+                <a:cxn ang="0">
+                  <a:pos x="T52" y="T53"/>
+                </a:cxn>
+                <a:cxn ang="0">
+                  <a:pos x="T54" y="T55"/>
+                </a:cxn>
+                <a:cxn ang="0">
+                  <a:pos x="T56" y="T57"/>
+                </a:cxn>
+                <a:cxn ang="0">
+                  <a:pos x="T58" y="T59"/>
+                </a:cxn>
+                <a:cxn ang="0">
+                  <a:pos x="T60" y="T61"/>
+                </a:cxn>
+                <a:cxn ang="0">
+                  <a:pos x="T62" y="T63"/>
+                </a:cxn>
+                <a:cxn ang="0">
+                  <a:pos x="T64" y="T65"/>
+                </a:cxn>
+                <a:cxn ang="0">
+                  <a:pos x="T66" y="T67"/>
+                </a:cxn>
+                <a:cxn ang="0">
+                  <a:pos x="T68" y="T69"/>
+                </a:cxn>
+                <a:cxn ang="0">
+                  <a:pos x="T70" y="T71"/>
+                </a:cxn>
+                <a:cxn ang="0">
+                  <a:pos x="T72" y="T73"/>
+                </a:cxn>
+                <a:cxn ang="0">
+                  <a:pos x="T74" y="T75"/>
+                </a:cxn>
+                <a:cxn ang="0">
+                  <a:pos x="T76" y="T77"/>
+                </a:cxn>
+                <a:cxn ang="0">
+                  <a:pos x="T78" y="T79"/>
+                </a:cxn>
+                <a:cxn ang="0">
+                  <a:pos x="T80" y="T81"/>
+                </a:cxn>
+                <a:cxn ang="0">
+                  <a:pos x="T82" y="T83"/>
+                </a:cxn>
+                <a:cxn ang="0">
+                  <a:pos x="T84" y="T85"/>
+                </a:cxn>
+                <a:cxn ang="0">
+                  <a:pos x="T86" y="T87"/>
+                </a:cxn>
+                <a:cxn ang="0">
+                  <a:pos x="T88" y="T89"/>
+                </a:cxn>
+                <a:cxn ang="0">
+                  <a:pos x="T90" y="T91"/>
+                </a:cxn>
+                <a:cxn ang="0">
+                  <a:pos x="T92" y="T93"/>
+                </a:cxn>
+                <a:cxn ang="0">
+                  <a:pos x="T94" y="T95"/>
+                </a:cxn>
+                <a:cxn ang="0">
+                  <a:pos x="T96" y="T97"/>
+                </a:cxn>
+                <a:cxn ang="0">
+                  <a:pos x="T98" y="T99"/>
+                </a:cxn>
+                <a:cxn ang="0">
+                  <a:pos x="T100" y="T101"/>
+                </a:cxn>
+                <a:cxn ang="0">
+                  <a:pos x="T102" y="T103"/>
+                </a:cxn>
+                <a:cxn ang="0">
+                  <a:pos x="T104" y="T105"/>
+                </a:cxn>
+                <a:cxn ang="0">
+                  <a:pos x="T106" y="T107"/>
+                </a:cxn>
+                <a:cxn ang="0">
+                  <a:pos x="T108" y="T109"/>
+                </a:cxn>
+                <a:cxn ang="0">
+                  <a:pos x="T110" y="T111"/>
+                </a:cxn>
+                <a:cxn ang="0">
+                  <a:pos x="T112" y="T113"/>
+                </a:cxn>
+                <a:cxn ang="0">
+                  <a:pos x="T114" y="T115"/>
+                </a:cxn>
+                <a:cxn ang="0">
+                  <a:pos x="T116" y="T117"/>
+                </a:cxn>
+                <a:cxn ang="0">
+                  <a:pos x="T118" y="T119"/>
+                </a:cxn>
+                <a:cxn ang="0">
+                  <a:pos x="T120" y="T121"/>
+                </a:cxn>
+              </a:cxnLst>
+              <a:rect l="0" t="0" r="r" b="b"/>
+              <a:pathLst>
+                <a:path w="904" h="602">
+                  <a:moveTo>
+                    <a:pt x="889" y="572"/>
+                  </a:moveTo>
+                  <a:lnTo>
+                    <a:pt x="843" y="572"/>
+                  </a:lnTo>
+                  <a:lnTo>
+                    <a:pt x="843" y="16"/>
+                  </a:lnTo>
+                  <a:lnTo>
+                    <a:pt x="843" y="12"/>
+                  </a:lnTo>
+                  <a:lnTo>
+                    <a:pt x="842" y="9"/>
+                  </a:lnTo>
+                  <a:lnTo>
+                    <a:pt x="841" y="7"/>
+                  </a:lnTo>
+                  <a:lnTo>
+                    <a:pt x="838" y="5"/>
+                  </a:lnTo>
+                  <a:lnTo>
+                    <a:pt x="836" y="3"/>
+                  </a:lnTo>
+                  <a:lnTo>
+                    <a:pt x="834" y="2"/>
+                  </a:lnTo>
+                  <a:lnTo>
+                    <a:pt x="831" y="1"/>
+                  </a:lnTo>
+                  <a:lnTo>
+                    <a:pt x="828" y="1"/>
+                  </a:lnTo>
+                  <a:lnTo>
+                    <a:pt x="708" y="0"/>
+                  </a:lnTo>
+                  <a:lnTo>
+                    <a:pt x="704" y="1"/>
+                  </a:lnTo>
+                  <a:lnTo>
+                    <a:pt x="702" y="2"/>
+                  </a:lnTo>
+                  <a:lnTo>
+                    <a:pt x="699" y="3"/>
+                  </a:lnTo>
+                  <a:lnTo>
+                    <a:pt x="697" y="5"/>
+                  </a:lnTo>
+                  <a:lnTo>
+                    <a:pt x="695" y="7"/>
+                  </a:lnTo>
+                  <a:lnTo>
+                    <a:pt x="694" y="9"/>
+                  </a:lnTo>
+                  <a:lnTo>
+                    <a:pt x="693" y="12"/>
+                  </a:lnTo>
+                  <a:lnTo>
+                    <a:pt x="693" y="16"/>
+                  </a:lnTo>
+                  <a:lnTo>
+                    <a:pt x="693" y="572"/>
+                  </a:lnTo>
+                  <a:lnTo>
+                    <a:pt x="632" y="572"/>
+                  </a:lnTo>
+                  <a:lnTo>
+                    <a:pt x="632" y="286"/>
+                  </a:lnTo>
+                  <a:lnTo>
+                    <a:pt x="632" y="283"/>
+                  </a:lnTo>
+                  <a:lnTo>
+                    <a:pt x="631" y="281"/>
+                  </a:lnTo>
+                  <a:lnTo>
+                    <a:pt x="630" y="277"/>
+                  </a:lnTo>
+                  <a:lnTo>
+                    <a:pt x="628" y="275"/>
+                  </a:lnTo>
+                  <a:lnTo>
+                    <a:pt x="626" y="274"/>
+                  </a:lnTo>
+                  <a:lnTo>
+                    <a:pt x="623" y="272"/>
+                  </a:lnTo>
+                  <a:lnTo>
+                    <a:pt x="621" y="271"/>
+                  </a:lnTo>
+                  <a:lnTo>
+                    <a:pt x="617" y="271"/>
+                  </a:lnTo>
+                  <a:lnTo>
+                    <a:pt x="497" y="271"/>
+                  </a:lnTo>
+                  <a:lnTo>
+                    <a:pt x="494" y="271"/>
+                  </a:lnTo>
+                  <a:lnTo>
+                    <a:pt x="491" y="272"/>
+                  </a:lnTo>
+                  <a:lnTo>
+                    <a:pt x="489" y="274"/>
+                  </a:lnTo>
+                  <a:lnTo>
+                    <a:pt x="487" y="275"/>
+                  </a:lnTo>
+                  <a:lnTo>
+                    <a:pt x="484" y="277"/>
+                  </a:lnTo>
+                  <a:lnTo>
+                    <a:pt x="483" y="281"/>
+                  </a:lnTo>
+                  <a:lnTo>
+                    <a:pt x="482" y="283"/>
+                  </a:lnTo>
+                  <a:lnTo>
+                    <a:pt x="482" y="286"/>
+                  </a:lnTo>
+                  <a:lnTo>
+                    <a:pt x="482" y="572"/>
+                  </a:lnTo>
+                  <a:lnTo>
+                    <a:pt x="421" y="572"/>
+                  </a:lnTo>
+                  <a:lnTo>
+                    <a:pt x="421" y="196"/>
+                  </a:lnTo>
+                  <a:lnTo>
+                    <a:pt x="421" y="193"/>
+                  </a:lnTo>
+                  <a:lnTo>
+                    <a:pt x="420" y="190"/>
+                  </a:lnTo>
+                  <a:lnTo>
+                    <a:pt x="419" y="187"/>
+                  </a:lnTo>
+                  <a:lnTo>
+                    <a:pt x="417" y="185"/>
+                  </a:lnTo>
+                  <a:lnTo>
+                    <a:pt x="415" y="183"/>
+                  </a:lnTo>
+                  <a:lnTo>
+                    <a:pt x="413" y="182"/>
+                  </a:lnTo>
+                  <a:lnTo>
+                    <a:pt x="409" y="181"/>
+                  </a:lnTo>
+                  <a:lnTo>
+                    <a:pt x="406" y="181"/>
+                  </a:lnTo>
+                  <a:lnTo>
+                    <a:pt x="286" y="181"/>
+                  </a:lnTo>
+                  <a:lnTo>
+                    <a:pt x="283" y="181"/>
+                  </a:lnTo>
+                  <a:lnTo>
+                    <a:pt x="281" y="182"/>
+                  </a:lnTo>
+                  <a:lnTo>
+                    <a:pt x="277" y="183"/>
+                  </a:lnTo>
+                  <a:lnTo>
+                    <a:pt x="275" y="185"/>
+                  </a:lnTo>
+                  <a:lnTo>
+                    <a:pt x="273" y="187"/>
+                  </a:lnTo>
+                  <a:lnTo>
+                    <a:pt x="272" y="190"/>
+                  </a:lnTo>
+                  <a:lnTo>
+                    <a:pt x="271" y="193"/>
+                  </a:lnTo>
+                  <a:lnTo>
+                    <a:pt x="271" y="196"/>
+                  </a:lnTo>
+                  <a:lnTo>
+                    <a:pt x="271" y="572"/>
+                  </a:lnTo>
+                  <a:lnTo>
+                    <a:pt x="211" y="572"/>
+                  </a:lnTo>
+                  <a:lnTo>
+                    <a:pt x="211" y="406"/>
+                  </a:lnTo>
+                  <a:lnTo>
+                    <a:pt x="211" y="404"/>
+                  </a:lnTo>
+                  <a:lnTo>
+                    <a:pt x="210" y="401"/>
+                  </a:lnTo>
+                  <a:lnTo>
+                    <a:pt x="209" y="399"/>
+                  </a:lnTo>
+                  <a:lnTo>
+                    <a:pt x="207" y="396"/>
+                  </a:lnTo>
+                  <a:lnTo>
+                    <a:pt x="205" y="394"/>
+                  </a:lnTo>
+                  <a:lnTo>
+                    <a:pt x="201" y="393"/>
+                  </a:lnTo>
+                  <a:lnTo>
+                    <a:pt x="199" y="392"/>
+                  </a:lnTo>
+                  <a:lnTo>
+                    <a:pt x="196" y="391"/>
+                  </a:lnTo>
+                  <a:lnTo>
+                    <a:pt x="76" y="391"/>
+                  </a:lnTo>
+                  <a:lnTo>
+                    <a:pt x="73" y="392"/>
+                  </a:lnTo>
+                  <a:lnTo>
+                    <a:pt x="69" y="392"/>
+                  </a:lnTo>
+                  <a:lnTo>
+                    <a:pt x="67" y="394"/>
+                  </a:lnTo>
+                  <a:lnTo>
+                    <a:pt x="65" y="396"/>
+                  </a:lnTo>
+                  <a:lnTo>
+                    <a:pt x="63" y="399"/>
+                  </a:lnTo>
+                  <a:lnTo>
+                    <a:pt x="62" y="401"/>
+                  </a:lnTo>
+                  <a:lnTo>
+                    <a:pt x="61" y="404"/>
+                  </a:lnTo>
+                  <a:lnTo>
+                    <a:pt x="61" y="406"/>
+                  </a:lnTo>
+                  <a:lnTo>
+                    <a:pt x="61" y="572"/>
+                  </a:lnTo>
+                  <a:lnTo>
+                    <a:pt x="15" y="572"/>
+                  </a:lnTo>
+                  <a:lnTo>
+                    <a:pt x="13" y="572"/>
+                  </a:lnTo>
+                  <a:lnTo>
+                    <a:pt x="9" y="573"/>
+                  </a:lnTo>
+                  <a:lnTo>
+                    <a:pt x="7" y="575"/>
+                  </a:lnTo>
+                  <a:lnTo>
+                    <a:pt x="5" y="577"/>
+                  </a:lnTo>
+                  <a:lnTo>
+                    <a:pt x="3" y="579"/>
+                  </a:lnTo>
+                  <a:lnTo>
+                    <a:pt x="2" y="581"/>
+                  </a:lnTo>
+                  <a:lnTo>
+                    <a:pt x="1" y="584"/>
+                  </a:lnTo>
+                  <a:lnTo>
+                    <a:pt x="0" y="587"/>
+                  </a:lnTo>
+                  <a:lnTo>
+                    <a:pt x="1" y="591"/>
+                  </a:lnTo>
+                  <a:lnTo>
+                    <a:pt x="2" y="593"/>
+                  </a:lnTo>
+                  <a:lnTo>
+                    <a:pt x="3" y="596"/>
+                  </a:lnTo>
+                  <a:lnTo>
+                    <a:pt x="5" y="598"/>
+                  </a:lnTo>
+                  <a:lnTo>
+                    <a:pt x="7" y="600"/>
+                  </a:lnTo>
+                  <a:lnTo>
+                    <a:pt x="9" y="601"/>
+                  </a:lnTo>
+                  <a:lnTo>
+                    <a:pt x="13" y="602"/>
+                  </a:lnTo>
+                  <a:lnTo>
+                    <a:pt x="15" y="602"/>
+                  </a:lnTo>
+                  <a:lnTo>
+                    <a:pt x="76" y="602"/>
+                  </a:lnTo>
+                  <a:lnTo>
+                    <a:pt x="196" y="602"/>
+                  </a:lnTo>
+                  <a:lnTo>
+                    <a:pt x="286" y="602"/>
+                  </a:lnTo>
+                  <a:lnTo>
+                    <a:pt x="406" y="602"/>
+                  </a:lnTo>
+                  <a:lnTo>
+                    <a:pt x="497" y="602"/>
+                  </a:lnTo>
+                  <a:lnTo>
+                    <a:pt x="617" y="602"/>
+                  </a:lnTo>
+                  <a:lnTo>
+                    <a:pt x="708" y="602"/>
+                  </a:lnTo>
+                  <a:lnTo>
+                    <a:pt x="828" y="602"/>
+                  </a:lnTo>
+                  <a:lnTo>
+                    <a:pt x="889" y="602"/>
+                  </a:lnTo>
+                  <a:lnTo>
+                    <a:pt x="891" y="602"/>
+                  </a:lnTo>
+                  <a:lnTo>
+                    <a:pt x="894" y="601"/>
+                  </a:lnTo>
+                  <a:lnTo>
+                    <a:pt x="896" y="600"/>
+                  </a:lnTo>
+                  <a:lnTo>
+                    <a:pt x="898" y="598"/>
+                  </a:lnTo>
+                  <a:lnTo>
+                    <a:pt x="901" y="596"/>
+                  </a:lnTo>
+                  <a:lnTo>
+                    <a:pt x="902" y="593"/>
+                  </a:lnTo>
+                  <a:lnTo>
+                    <a:pt x="903" y="591"/>
+                  </a:lnTo>
+                  <a:lnTo>
+                    <a:pt x="904" y="587"/>
+                  </a:lnTo>
+                  <a:lnTo>
+                    <a:pt x="903" y="584"/>
+                  </a:lnTo>
+                  <a:lnTo>
+                    <a:pt x="902" y="581"/>
+                  </a:lnTo>
+                  <a:lnTo>
+                    <a:pt x="901" y="579"/>
+                  </a:lnTo>
+                  <a:lnTo>
+                    <a:pt x="898" y="577"/>
+                  </a:lnTo>
+                  <a:lnTo>
+                    <a:pt x="896" y="575"/>
+                  </a:lnTo>
+                  <a:lnTo>
+                    <a:pt x="894" y="573"/>
+                  </a:lnTo>
+                  <a:lnTo>
+                    <a:pt x="891" y="572"/>
+                  </a:lnTo>
+                  <a:lnTo>
+                    <a:pt x="889" y="572"/>
+                  </a:lnTo>
+                  <a:close/>
+                </a:path>
+              </a:pathLst>
+            </a:custGeom>
+            <a:grpFill/>
+            <a:ln>
+              <a:noFill/>
+            </a:ln>
+            <a:extLst>
+              <a:ext uri="{91240B29-F687-4F45-9708-019B960494DF}">
+                <a14:hiddenLine xmlns:a14="http://schemas.microsoft.com/office/drawing/2010/main" w="9525">
+                  <a:solidFill>
+                    <a:srgbClr val="000000"/>
+                  </a:solidFill>
+                  <a:round/>
+                  <a:headEnd/>
+                  <a:tailEnd/>
+                </a14:hiddenLine>
+              </a:ext>
+            </a:extLst>
+          </p:spPr>
+          <p:txBody>
+            <a:bodyPr vert="horz" wrap="square" lIns="91440" tIns="45720" rIns="91440" bIns="45720" numCol="1" anchor="t" anchorCtr="0" compatLnSpc="1">
+              <a:prstTxWarp prst="textNoShape">
+                <a:avLst/>
+              </a:prstTxWarp>
+            </a:bodyPr>
+            <a:lstStyle/>
+            <a:p>
+              <a:endParaRPr lang="en-US" dirty="0"/>
+            </a:p>
+          </p:txBody>
+        </p:sp>
+        <p:sp>
+          <p:nvSpPr>
+            <p:cNvPr id="33" name="Freeform 373">
+              <a:extLst>
+                <a:ext uri="{FF2B5EF4-FFF2-40B4-BE49-F238E27FC236}">
+                  <a16:creationId xmlns:a16="http://schemas.microsoft.com/office/drawing/2014/main" id="{6AA1356D-8F1B-4281-BEC5-5B4EBF7467B1}"/>
+                </a:ext>
+              </a:extLst>
+            </p:cNvPr>
+            <p:cNvSpPr>
+              <a:spLocks/>
+            </p:cNvSpPr>
+            <p:nvPr/>
+          </p:nvSpPr>
+          <p:spPr bwMode="auto">
+            <a:xfrm>
+              <a:off x="4338638" y="2492375"/>
+              <a:ext cx="252413" cy="157163"/>
+            </a:xfrm>
+            <a:custGeom>
+              <a:avLst/>
+              <a:gdLst>
+                <a:gd name="T0" fmla="*/ 77 w 797"/>
+                <a:gd name="T1" fmla="*/ 494 h 497"/>
+                <a:gd name="T2" fmla="*/ 97 w 797"/>
+                <a:gd name="T3" fmla="*/ 483 h 497"/>
+                <a:gd name="T4" fmla="*/ 112 w 797"/>
+                <a:gd name="T5" fmla="*/ 466 h 497"/>
+                <a:gd name="T6" fmla="*/ 120 w 797"/>
+                <a:gd name="T7" fmla="*/ 443 h 497"/>
+                <a:gd name="T8" fmla="*/ 116 w 797"/>
+                <a:gd name="T9" fmla="*/ 416 h 497"/>
+                <a:gd name="T10" fmla="*/ 267 w 797"/>
+                <a:gd name="T11" fmla="*/ 298 h 497"/>
+                <a:gd name="T12" fmla="*/ 300 w 797"/>
+                <a:gd name="T13" fmla="*/ 299 h 497"/>
+                <a:gd name="T14" fmla="*/ 325 w 797"/>
+                <a:gd name="T15" fmla="*/ 287 h 497"/>
+                <a:gd name="T16" fmla="*/ 451 w 797"/>
+                <a:gd name="T17" fmla="*/ 327 h 497"/>
+                <a:gd name="T18" fmla="*/ 454 w 797"/>
+                <a:gd name="T19" fmla="*/ 349 h 497"/>
+                <a:gd name="T20" fmla="*/ 464 w 797"/>
+                <a:gd name="T21" fmla="*/ 369 h 497"/>
+                <a:gd name="T22" fmla="*/ 482 w 797"/>
+                <a:gd name="T23" fmla="*/ 384 h 497"/>
+                <a:gd name="T24" fmla="*/ 505 w 797"/>
+                <a:gd name="T25" fmla="*/ 391 h 497"/>
+                <a:gd name="T26" fmla="*/ 529 w 797"/>
+                <a:gd name="T27" fmla="*/ 389 h 497"/>
+                <a:gd name="T28" fmla="*/ 550 w 797"/>
+                <a:gd name="T29" fmla="*/ 378 h 497"/>
+                <a:gd name="T30" fmla="*/ 564 w 797"/>
+                <a:gd name="T31" fmla="*/ 360 h 497"/>
+                <a:gd name="T32" fmla="*/ 571 w 797"/>
+                <a:gd name="T33" fmla="*/ 337 h 497"/>
+                <a:gd name="T34" fmla="*/ 565 w 797"/>
+                <a:gd name="T35" fmla="*/ 304 h 497"/>
+                <a:gd name="T36" fmla="*/ 724 w 797"/>
+                <a:gd name="T37" fmla="*/ 119 h 497"/>
+                <a:gd name="T38" fmla="*/ 750 w 797"/>
+                <a:gd name="T39" fmla="*/ 119 h 497"/>
+                <a:gd name="T40" fmla="*/ 771 w 797"/>
+                <a:gd name="T41" fmla="*/ 110 h 497"/>
+                <a:gd name="T42" fmla="*/ 787 w 797"/>
+                <a:gd name="T43" fmla="*/ 94 h 497"/>
+                <a:gd name="T44" fmla="*/ 796 w 797"/>
+                <a:gd name="T45" fmla="*/ 72 h 497"/>
+                <a:gd name="T46" fmla="*/ 796 w 797"/>
+                <a:gd name="T47" fmla="*/ 48 h 497"/>
+                <a:gd name="T48" fmla="*/ 787 w 797"/>
+                <a:gd name="T49" fmla="*/ 27 h 497"/>
+                <a:gd name="T50" fmla="*/ 771 w 797"/>
+                <a:gd name="T51" fmla="*/ 10 h 497"/>
+                <a:gd name="T52" fmla="*/ 750 w 797"/>
+                <a:gd name="T53" fmla="*/ 1 h 497"/>
+                <a:gd name="T54" fmla="*/ 725 w 797"/>
+                <a:gd name="T55" fmla="*/ 1 h 497"/>
+                <a:gd name="T56" fmla="*/ 703 w 797"/>
+                <a:gd name="T57" fmla="*/ 10 h 497"/>
+                <a:gd name="T58" fmla="*/ 687 w 797"/>
+                <a:gd name="T59" fmla="*/ 27 h 497"/>
+                <a:gd name="T60" fmla="*/ 678 w 797"/>
+                <a:gd name="T61" fmla="*/ 48 h 497"/>
+                <a:gd name="T62" fmla="*/ 680 w 797"/>
+                <a:gd name="T63" fmla="*/ 79 h 497"/>
+                <a:gd name="T64" fmla="*/ 531 w 797"/>
+                <a:gd name="T65" fmla="*/ 275 h 497"/>
+                <a:gd name="T66" fmla="*/ 504 w 797"/>
+                <a:gd name="T67" fmla="*/ 272 h 497"/>
+                <a:gd name="T68" fmla="*/ 478 w 797"/>
+                <a:gd name="T69" fmla="*/ 281 h 497"/>
+                <a:gd name="T70" fmla="*/ 345 w 797"/>
+                <a:gd name="T71" fmla="*/ 248 h 497"/>
+                <a:gd name="T72" fmla="*/ 344 w 797"/>
+                <a:gd name="T73" fmla="*/ 229 h 497"/>
+                <a:gd name="T74" fmla="*/ 336 w 797"/>
+                <a:gd name="T75" fmla="*/ 207 h 497"/>
+                <a:gd name="T76" fmla="*/ 319 w 797"/>
+                <a:gd name="T77" fmla="*/ 191 h 497"/>
+                <a:gd name="T78" fmla="*/ 298 w 797"/>
+                <a:gd name="T79" fmla="*/ 181 h 497"/>
+                <a:gd name="T80" fmla="*/ 273 w 797"/>
+                <a:gd name="T81" fmla="*/ 181 h 497"/>
+                <a:gd name="T82" fmla="*/ 252 w 797"/>
+                <a:gd name="T83" fmla="*/ 191 h 497"/>
+                <a:gd name="T84" fmla="*/ 236 w 797"/>
+                <a:gd name="T85" fmla="*/ 207 h 497"/>
+                <a:gd name="T86" fmla="*/ 226 w 797"/>
+                <a:gd name="T87" fmla="*/ 229 h 497"/>
+                <a:gd name="T88" fmla="*/ 227 w 797"/>
+                <a:gd name="T89" fmla="*/ 254 h 497"/>
+                <a:gd name="T90" fmla="*/ 86 w 797"/>
+                <a:gd name="T91" fmla="*/ 382 h 497"/>
+                <a:gd name="T92" fmla="*/ 53 w 797"/>
+                <a:gd name="T93" fmla="*/ 377 h 497"/>
+                <a:gd name="T94" fmla="*/ 31 w 797"/>
+                <a:gd name="T95" fmla="*/ 383 h 497"/>
+                <a:gd name="T96" fmla="*/ 13 w 797"/>
+                <a:gd name="T97" fmla="*/ 398 h 497"/>
+                <a:gd name="T98" fmla="*/ 2 w 797"/>
+                <a:gd name="T99" fmla="*/ 419 h 497"/>
+                <a:gd name="T100" fmla="*/ 0 w 797"/>
+                <a:gd name="T101" fmla="*/ 443 h 497"/>
+                <a:gd name="T102" fmla="*/ 6 w 797"/>
+                <a:gd name="T103" fmla="*/ 466 h 497"/>
+                <a:gd name="T104" fmla="*/ 21 w 797"/>
+                <a:gd name="T105" fmla="*/ 483 h 497"/>
+                <a:gd name="T106" fmla="*/ 42 w 797"/>
+                <a:gd name="T107" fmla="*/ 494 h 497"/>
+              </a:gdLst>
+              <a:ahLst/>
+              <a:cxnLst>
+                <a:cxn ang="0">
+                  <a:pos x="T0" y="T1"/>
+                </a:cxn>
+                <a:cxn ang="0">
+                  <a:pos x="T2" y="T3"/>
+                </a:cxn>
+                <a:cxn ang="0">
+                  <a:pos x="T4" y="T5"/>
+                </a:cxn>
+                <a:cxn ang="0">
+                  <a:pos x="T6" y="T7"/>
+                </a:cxn>
+                <a:cxn ang="0">
+                  <a:pos x="T8" y="T9"/>
+                </a:cxn>
+                <a:cxn ang="0">
+                  <a:pos x="T10" y="T11"/>
+                </a:cxn>
+                <a:cxn ang="0">
+                  <a:pos x="T12" y="T13"/>
+                </a:cxn>
+                <a:cxn ang="0">
+                  <a:pos x="T14" y="T15"/>
+                </a:cxn>
+                <a:cxn ang="0">
+                  <a:pos x="T16" y="T17"/>
+                </a:cxn>
+                <a:cxn ang="0">
+                  <a:pos x="T18" y="T19"/>
+                </a:cxn>
+                <a:cxn ang="0">
+                  <a:pos x="T20" y="T21"/>
+                </a:cxn>
+                <a:cxn ang="0">
+                  <a:pos x="T22" y="T23"/>
+                </a:cxn>
+                <a:cxn ang="0">
+                  <a:pos x="T24" y="T25"/>
+                </a:cxn>
+                <a:cxn ang="0">
+                  <a:pos x="T26" y="T27"/>
+                </a:cxn>
+                <a:cxn ang="0">
+                  <a:pos x="T28" y="T29"/>
+                </a:cxn>
+                <a:cxn ang="0">
+                  <a:pos x="T30" y="T31"/>
+                </a:cxn>
+                <a:cxn ang="0">
+                  <a:pos x="T32" y="T33"/>
+                </a:cxn>
+                <a:cxn ang="0">
+                  <a:pos x="T34" y="T35"/>
+                </a:cxn>
+                <a:cxn ang="0">
+                  <a:pos x="T36" y="T37"/>
+                </a:cxn>
+                <a:cxn ang="0">
+                  <a:pos x="T38" y="T39"/>
+                </a:cxn>
+                <a:cxn ang="0">
+                  <a:pos x="T40" y="T41"/>
+                </a:cxn>
+                <a:cxn ang="0">
+                  <a:pos x="T42" y="T43"/>
+                </a:cxn>
+                <a:cxn ang="0">
+                  <a:pos x="T44" y="T45"/>
+                </a:cxn>
+                <a:cxn ang="0">
+                  <a:pos x="T46" y="T47"/>
+                </a:cxn>
+                <a:cxn ang="0">
+                  <a:pos x="T48" y="T49"/>
+                </a:cxn>
+                <a:cxn ang="0">
+                  <a:pos x="T50" y="T51"/>
+                </a:cxn>
+                <a:cxn ang="0">
+                  <a:pos x="T52" y="T53"/>
+                </a:cxn>
+                <a:cxn ang="0">
+                  <a:pos x="T54" y="T55"/>
+                </a:cxn>
+                <a:cxn ang="0">
+                  <a:pos x="T56" y="T57"/>
+                </a:cxn>
+                <a:cxn ang="0">
+                  <a:pos x="T58" y="T59"/>
+                </a:cxn>
+                <a:cxn ang="0">
+                  <a:pos x="T60" y="T61"/>
+                </a:cxn>
+                <a:cxn ang="0">
+                  <a:pos x="T62" y="T63"/>
+                </a:cxn>
+                <a:cxn ang="0">
+                  <a:pos x="T64" y="T65"/>
+                </a:cxn>
+                <a:cxn ang="0">
+                  <a:pos x="T66" y="T67"/>
+                </a:cxn>
+                <a:cxn ang="0">
+                  <a:pos x="T68" y="T69"/>
+                </a:cxn>
+                <a:cxn ang="0">
+                  <a:pos x="T70" y="T71"/>
+                </a:cxn>
+                <a:cxn ang="0">
+                  <a:pos x="T72" y="T73"/>
+                </a:cxn>
+                <a:cxn ang="0">
+                  <a:pos x="T74" y="T75"/>
+                </a:cxn>
+                <a:cxn ang="0">
+                  <a:pos x="T76" y="T77"/>
+                </a:cxn>
+                <a:cxn ang="0">
+                  <a:pos x="T78" y="T79"/>
+                </a:cxn>
+                <a:cxn ang="0">
+                  <a:pos x="T80" y="T81"/>
+                </a:cxn>
+                <a:cxn ang="0">
+                  <a:pos x="T82" y="T83"/>
+                </a:cxn>
+                <a:cxn ang="0">
+                  <a:pos x="T84" y="T85"/>
+                </a:cxn>
+                <a:cxn ang="0">
+                  <a:pos x="T86" y="T87"/>
+                </a:cxn>
+                <a:cxn ang="0">
+                  <a:pos x="T88" y="T89"/>
+                </a:cxn>
+                <a:cxn ang="0">
+                  <a:pos x="T90" y="T91"/>
+                </a:cxn>
+                <a:cxn ang="0">
+                  <a:pos x="T92" y="T93"/>
+                </a:cxn>
+                <a:cxn ang="0">
+                  <a:pos x="T94" y="T95"/>
+                </a:cxn>
+                <a:cxn ang="0">
+                  <a:pos x="T96" y="T97"/>
+                </a:cxn>
+                <a:cxn ang="0">
+                  <a:pos x="T98" y="T99"/>
+                </a:cxn>
+                <a:cxn ang="0">
+                  <a:pos x="T100" y="T101"/>
+                </a:cxn>
+                <a:cxn ang="0">
+                  <a:pos x="T102" y="T103"/>
+                </a:cxn>
+                <a:cxn ang="0">
+                  <a:pos x="T104" y="T105"/>
+                </a:cxn>
+                <a:cxn ang="0">
+                  <a:pos x="T106" y="T107"/>
+                </a:cxn>
+              </a:cxnLst>
+              <a:rect l="0" t="0" r="r" b="b"/>
+              <a:pathLst>
+                <a:path w="797" h="497">
+                  <a:moveTo>
+                    <a:pt x="60" y="497"/>
+                  </a:moveTo>
+                  <a:lnTo>
+                    <a:pt x="65" y="497"/>
+                  </a:lnTo>
+                  <a:lnTo>
+                    <a:pt x="72" y="496"/>
+                  </a:lnTo>
+                  <a:lnTo>
+                    <a:pt x="77" y="494"/>
+                  </a:lnTo>
+                  <a:lnTo>
+                    <a:pt x="83" y="493"/>
+                  </a:lnTo>
+                  <a:lnTo>
+                    <a:pt x="89" y="489"/>
+                  </a:lnTo>
+                  <a:lnTo>
+                    <a:pt x="93" y="486"/>
+                  </a:lnTo>
+                  <a:lnTo>
+                    <a:pt x="97" y="483"/>
+                  </a:lnTo>
+                  <a:lnTo>
+                    <a:pt x="102" y="480"/>
+                  </a:lnTo>
+                  <a:lnTo>
+                    <a:pt x="106" y="475"/>
+                  </a:lnTo>
+                  <a:lnTo>
+                    <a:pt x="109" y="470"/>
+                  </a:lnTo>
+                  <a:lnTo>
+                    <a:pt x="112" y="466"/>
+                  </a:lnTo>
+                  <a:lnTo>
+                    <a:pt x="115" y="460"/>
+                  </a:lnTo>
+                  <a:lnTo>
+                    <a:pt x="117" y="455"/>
+                  </a:lnTo>
+                  <a:lnTo>
+                    <a:pt x="119" y="449"/>
+                  </a:lnTo>
+                  <a:lnTo>
+                    <a:pt x="120" y="443"/>
+                  </a:lnTo>
+                  <a:lnTo>
+                    <a:pt x="120" y="437"/>
+                  </a:lnTo>
+                  <a:lnTo>
+                    <a:pt x="119" y="429"/>
+                  </a:lnTo>
+                  <a:lnTo>
+                    <a:pt x="118" y="423"/>
+                  </a:lnTo>
+                  <a:lnTo>
+                    <a:pt x="116" y="416"/>
+                  </a:lnTo>
+                  <a:lnTo>
+                    <a:pt x="114" y="410"/>
+                  </a:lnTo>
+                  <a:lnTo>
+                    <a:pt x="251" y="290"/>
+                  </a:lnTo>
+                  <a:lnTo>
+                    <a:pt x="259" y="295"/>
+                  </a:lnTo>
+                  <a:lnTo>
+                    <a:pt x="267" y="298"/>
+                  </a:lnTo>
+                  <a:lnTo>
+                    <a:pt x="277" y="301"/>
+                  </a:lnTo>
+                  <a:lnTo>
+                    <a:pt x="285" y="302"/>
+                  </a:lnTo>
+                  <a:lnTo>
+                    <a:pt x="293" y="301"/>
+                  </a:lnTo>
+                  <a:lnTo>
+                    <a:pt x="300" y="299"/>
+                  </a:lnTo>
+                  <a:lnTo>
+                    <a:pt x="307" y="297"/>
+                  </a:lnTo>
+                  <a:lnTo>
+                    <a:pt x="313" y="294"/>
+                  </a:lnTo>
+                  <a:lnTo>
+                    <a:pt x="318" y="291"/>
+                  </a:lnTo>
+                  <a:lnTo>
+                    <a:pt x="325" y="287"/>
+                  </a:lnTo>
+                  <a:lnTo>
+                    <a:pt x="329" y="282"/>
+                  </a:lnTo>
+                  <a:lnTo>
+                    <a:pt x="333" y="277"/>
+                  </a:lnTo>
+                  <a:lnTo>
+                    <a:pt x="451" y="324"/>
+                  </a:lnTo>
+                  <a:lnTo>
+                    <a:pt x="451" y="327"/>
+                  </a:lnTo>
+                  <a:lnTo>
+                    <a:pt x="451" y="332"/>
+                  </a:lnTo>
+                  <a:lnTo>
+                    <a:pt x="451" y="337"/>
+                  </a:lnTo>
+                  <a:lnTo>
+                    <a:pt x="452" y="343"/>
+                  </a:lnTo>
+                  <a:lnTo>
+                    <a:pt x="454" y="349"/>
+                  </a:lnTo>
+                  <a:lnTo>
+                    <a:pt x="456" y="354"/>
+                  </a:lnTo>
+                  <a:lnTo>
+                    <a:pt x="458" y="360"/>
+                  </a:lnTo>
+                  <a:lnTo>
+                    <a:pt x="461" y="365"/>
+                  </a:lnTo>
+                  <a:lnTo>
+                    <a:pt x="464" y="369"/>
+                  </a:lnTo>
+                  <a:lnTo>
+                    <a:pt x="469" y="374"/>
+                  </a:lnTo>
+                  <a:lnTo>
+                    <a:pt x="473" y="378"/>
+                  </a:lnTo>
+                  <a:lnTo>
+                    <a:pt x="477" y="381"/>
+                  </a:lnTo>
+                  <a:lnTo>
+                    <a:pt x="482" y="384"/>
+                  </a:lnTo>
+                  <a:lnTo>
+                    <a:pt x="488" y="386"/>
+                  </a:lnTo>
+                  <a:lnTo>
+                    <a:pt x="493" y="389"/>
+                  </a:lnTo>
+                  <a:lnTo>
+                    <a:pt x="499" y="391"/>
+                  </a:lnTo>
+                  <a:lnTo>
+                    <a:pt x="505" y="391"/>
+                  </a:lnTo>
+                  <a:lnTo>
+                    <a:pt x="511" y="392"/>
+                  </a:lnTo>
+                  <a:lnTo>
+                    <a:pt x="518" y="391"/>
+                  </a:lnTo>
+                  <a:lnTo>
+                    <a:pt x="523" y="391"/>
+                  </a:lnTo>
+                  <a:lnTo>
+                    <a:pt x="529" y="389"/>
+                  </a:lnTo>
+                  <a:lnTo>
+                    <a:pt x="535" y="386"/>
+                  </a:lnTo>
+                  <a:lnTo>
+                    <a:pt x="540" y="384"/>
+                  </a:lnTo>
+                  <a:lnTo>
+                    <a:pt x="545" y="381"/>
+                  </a:lnTo>
+                  <a:lnTo>
+                    <a:pt x="550" y="378"/>
+                  </a:lnTo>
+                  <a:lnTo>
+                    <a:pt x="553" y="374"/>
+                  </a:lnTo>
+                  <a:lnTo>
+                    <a:pt x="558" y="369"/>
+                  </a:lnTo>
+                  <a:lnTo>
+                    <a:pt x="561" y="365"/>
+                  </a:lnTo>
+                  <a:lnTo>
+                    <a:pt x="564" y="360"/>
+                  </a:lnTo>
+                  <a:lnTo>
+                    <a:pt x="567" y="354"/>
+                  </a:lnTo>
+                  <a:lnTo>
+                    <a:pt x="568" y="349"/>
+                  </a:lnTo>
+                  <a:lnTo>
+                    <a:pt x="570" y="343"/>
+                  </a:lnTo>
+                  <a:lnTo>
+                    <a:pt x="571" y="337"/>
+                  </a:lnTo>
+                  <a:lnTo>
+                    <a:pt x="571" y="332"/>
+                  </a:lnTo>
+                  <a:lnTo>
+                    <a:pt x="570" y="322"/>
+                  </a:lnTo>
+                  <a:lnTo>
+                    <a:pt x="568" y="312"/>
+                  </a:lnTo>
+                  <a:lnTo>
+                    <a:pt x="565" y="304"/>
+                  </a:lnTo>
+                  <a:lnTo>
+                    <a:pt x="560" y="296"/>
+                  </a:lnTo>
+                  <a:lnTo>
+                    <a:pt x="711" y="114"/>
+                  </a:lnTo>
+                  <a:lnTo>
+                    <a:pt x="717" y="117"/>
+                  </a:lnTo>
+                  <a:lnTo>
+                    <a:pt x="724" y="119"/>
+                  </a:lnTo>
+                  <a:lnTo>
+                    <a:pt x="730" y="120"/>
+                  </a:lnTo>
+                  <a:lnTo>
+                    <a:pt x="737" y="120"/>
+                  </a:lnTo>
+                  <a:lnTo>
+                    <a:pt x="743" y="120"/>
+                  </a:lnTo>
+                  <a:lnTo>
+                    <a:pt x="750" y="119"/>
+                  </a:lnTo>
+                  <a:lnTo>
+                    <a:pt x="755" y="118"/>
+                  </a:lnTo>
+                  <a:lnTo>
+                    <a:pt x="760" y="116"/>
+                  </a:lnTo>
+                  <a:lnTo>
+                    <a:pt x="766" y="113"/>
+                  </a:lnTo>
+                  <a:lnTo>
+                    <a:pt x="771" y="110"/>
+                  </a:lnTo>
+                  <a:lnTo>
+                    <a:pt x="775" y="106"/>
+                  </a:lnTo>
+                  <a:lnTo>
+                    <a:pt x="780" y="103"/>
+                  </a:lnTo>
+                  <a:lnTo>
+                    <a:pt x="784" y="99"/>
+                  </a:lnTo>
+                  <a:lnTo>
+                    <a:pt x="787" y="94"/>
+                  </a:lnTo>
+                  <a:lnTo>
+                    <a:pt x="790" y="89"/>
+                  </a:lnTo>
+                  <a:lnTo>
+                    <a:pt x="792" y="84"/>
+                  </a:lnTo>
+                  <a:lnTo>
+                    <a:pt x="795" y="79"/>
+                  </a:lnTo>
+                  <a:lnTo>
+                    <a:pt x="796" y="72"/>
+                  </a:lnTo>
+                  <a:lnTo>
+                    <a:pt x="797" y="67"/>
+                  </a:lnTo>
+                  <a:lnTo>
+                    <a:pt x="797" y="60"/>
+                  </a:lnTo>
+                  <a:lnTo>
+                    <a:pt x="797" y="54"/>
+                  </a:lnTo>
+                  <a:lnTo>
+                    <a:pt x="796" y="48"/>
+                  </a:lnTo>
+                  <a:lnTo>
+                    <a:pt x="795" y="42"/>
+                  </a:lnTo>
+                  <a:lnTo>
+                    <a:pt x="792" y="37"/>
+                  </a:lnTo>
+                  <a:lnTo>
+                    <a:pt x="790" y="31"/>
+                  </a:lnTo>
+                  <a:lnTo>
+                    <a:pt x="787" y="27"/>
+                  </a:lnTo>
+                  <a:lnTo>
+                    <a:pt x="784" y="22"/>
+                  </a:lnTo>
+                  <a:lnTo>
+                    <a:pt x="780" y="17"/>
+                  </a:lnTo>
+                  <a:lnTo>
+                    <a:pt x="775" y="14"/>
+                  </a:lnTo>
+                  <a:lnTo>
+                    <a:pt x="771" y="10"/>
+                  </a:lnTo>
+                  <a:lnTo>
+                    <a:pt x="766" y="8"/>
+                  </a:lnTo>
+                  <a:lnTo>
+                    <a:pt x="760" y="5"/>
+                  </a:lnTo>
+                  <a:lnTo>
+                    <a:pt x="755" y="2"/>
+                  </a:lnTo>
+                  <a:lnTo>
+                    <a:pt x="750" y="1"/>
+                  </a:lnTo>
+                  <a:lnTo>
+                    <a:pt x="743" y="0"/>
+                  </a:lnTo>
+                  <a:lnTo>
+                    <a:pt x="737" y="0"/>
+                  </a:lnTo>
+                  <a:lnTo>
+                    <a:pt x="731" y="0"/>
+                  </a:lnTo>
+                  <a:lnTo>
+                    <a:pt x="725" y="1"/>
+                  </a:lnTo>
+                  <a:lnTo>
+                    <a:pt x="719" y="2"/>
+                  </a:lnTo>
+                  <a:lnTo>
+                    <a:pt x="713" y="5"/>
+                  </a:lnTo>
+                  <a:lnTo>
+                    <a:pt x="709" y="8"/>
+                  </a:lnTo>
+                  <a:lnTo>
+                    <a:pt x="703" y="10"/>
+                  </a:lnTo>
+                  <a:lnTo>
+                    <a:pt x="699" y="14"/>
+                  </a:lnTo>
+                  <a:lnTo>
+                    <a:pt x="695" y="17"/>
+                  </a:lnTo>
+                  <a:lnTo>
+                    <a:pt x="691" y="22"/>
+                  </a:lnTo>
+                  <a:lnTo>
+                    <a:pt x="687" y="27"/>
+                  </a:lnTo>
+                  <a:lnTo>
+                    <a:pt x="684" y="31"/>
+                  </a:lnTo>
+                  <a:lnTo>
+                    <a:pt x="682" y="37"/>
+                  </a:lnTo>
+                  <a:lnTo>
+                    <a:pt x="680" y="42"/>
+                  </a:lnTo>
+                  <a:lnTo>
+                    <a:pt x="678" y="48"/>
+                  </a:lnTo>
+                  <a:lnTo>
+                    <a:pt x="677" y="54"/>
+                  </a:lnTo>
+                  <a:lnTo>
+                    <a:pt x="677" y="60"/>
+                  </a:lnTo>
+                  <a:lnTo>
+                    <a:pt x="678" y="70"/>
+                  </a:lnTo>
+                  <a:lnTo>
+                    <a:pt x="680" y="79"/>
+                  </a:lnTo>
+                  <a:lnTo>
+                    <a:pt x="683" y="87"/>
+                  </a:lnTo>
+                  <a:lnTo>
+                    <a:pt x="688" y="96"/>
+                  </a:lnTo>
+                  <a:lnTo>
+                    <a:pt x="537" y="277"/>
+                  </a:lnTo>
+                  <a:lnTo>
+                    <a:pt x="531" y="275"/>
+                  </a:lnTo>
+                  <a:lnTo>
+                    <a:pt x="524" y="273"/>
+                  </a:lnTo>
+                  <a:lnTo>
+                    <a:pt x="518" y="272"/>
+                  </a:lnTo>
+                  <a:lnTo>
+                    <a:pt x="511" y="271"/>
+                  </a:lnTo>
+                  <a:lnTo>
+                    <a:pt x="504" y="272"/>
+                  </a:lnTo>
+                  <a:lnTo>
+                    <a:pt x="496" y="273"/>
+                  </a:lnTo>
+                  <a:lnTo>
+                    <a:pt x="490" y="275"/>
+                  </a:lnTo>
+                  <a:lnTo>
+                    <a:pt x="484" y="278"/>
+                  </a:lnTo>
+                  <a:lnTo>
+                    <a:pt x="478" y="281"/>
+                  </a:lnTo>
+                  <a:lnTo>
+                    <a:pt x="472" y="286"/>
+                  </a:lnTo>
+                  <a:lnTo>
+                    <a:pt x="467" y="291"/>
+                  </a:lnTo>
+                  <a:lnTo>
+                    <a:pt x="463" y="295"/>
+                  </a:lnTo>
+                  <a:lnTo>
+                    <a:pt x="345" y="248"/>
+                  </a:lnTo>
+                  <a:lnTo>
+                    <a:pt x="345" y="245"/>
+                  </a:lnTo>
+                  <a:lnTo>
+                    <a:pt x="345" y="240"/>
+                  </a:lnTo>
+                  <a:lnTo>
+                    <a:pt x="345" y="235"/>
+                  </a:lnTo>
+                  <a:lnTo>
+                    <a:pt x="344" y="229"/>
+                  </a:lnTo>
+                  <a:lnTo>
+                    <a:pt x="343" y="223"/>
+                  </a:lnTo>
+                  <a:lnTo>
+                    <a:pt x="341" y="218"/>
+                  </a:lnTo>
+                  <a:lnTo>
+                    <a:pt x="339" y="213"/>
+                  </a:lnTo>
+                  <a:lnTo>
+                    <a:pt x="336" y="207"/>
+                  </a:lnTo>
+                  <a:lnTo>
+                    <a:pt x="332" y="203"/>
+                  </a:lnTo>
+                  <a:lnTo>
+                    <a:pt x="328" y="199"/>
+                  </a:lnTo>
+                  <a:lnTo>
+                    <a:pt x="324" y="194"/>
+                  </a:lnTo>
+                  <a:lnTo>
+                    <a:pt x="319" y="191"/>
+                  </a:lnTo>
+                  <a:lnTo>
+                    <a:pt x="314" y="188"/>
+                  </a:lnTo>
+                  <a:lnTo>
+                    <a:pt x="309" y="186"/>
+                  </a:lnTo>
+                  <a:lnTo>
+                    <a:pt x="303" y="184"/>
+                  </a:lnTo>
+                  <a:lnTo>
+                    <a:pt x="298" y="181"/>
+                  </a:lnTo>
+                  <a:lnTo>
+                    <a:pt x="292" y="181"/>
+                  </a:lnTo>
+                  <a:lnTo>
+                    <a:pt x="285" y="180"/>
+                  </a:lnTo>
+                  <a:lnTo>
+                    <a:pt x="280" y="181"/>
+                  </a:lnTo>
+                  <a:lnTo>
+                    <a:pt x="273" y="181"/>
+                  </a:lnTo>
+                  <a:lnTo>
+                    <a:pt x="268" y="184"/>
+                  </a:lnTo>
+                  <a:lnTo>
+                    <a:pt x="262" y="186"/>
+                  </a:lnTo>
+                  <a:lnTo>
+                    <a:pt x="257" y="188"/>
+                  </a:lnTo>
+                  <a:lnTo>
+                    <a:pt x="252" y="191"/>
+                  </a:lnTo>
+                  <a:lnTo>
+                    <a:pt x="248" y="194"/>
+                  </a:lnTo>
+                  <a:lnTo>
+                    <a:pt x="243" y="199"/>
+                  </a:lnTo>
+                  <a:lnTo>
+                    <a:pt x="239" y="203"/>
+                  </a:lnTo>
+                  <a:lnTo>
+                    <a:pt x="236" y="207"/>
+                  </a:lnTo>
+                  <a:lnTo>
+                    <a:pt x="233" y="213"/>
+                  </a:lnTo>
+                  <a:lnTo>
+                    <a:pt x="230" y="218"/>
+                  </a:lnTo>
+                  <a:lnTo>
+                    <a:pt x="228" y="223"/>
+                  </a:lnTo>
+                  <a:lnTo>
+                    <a:pt x="226" y="229"/>
+                  </a:lnTo>
+                  <a:lnTo>
+                    <a:pt x="225" y="235"/>
+                  </a:lnTo>
+                  <a:lnTo>
+                    <a:pt x="225" y="240"/>
+                  </a:lnTo>
+                  <a:lnTo>
+                    <a:pt x="226" y="248"/>
+                  </a:lnTo>
+                  <a:lnTo>
+                    <a:pt x="227" y="254"/>
+                  </a:lnTo>
+                  <a:lnTo>
+                    <a:pt x="229" y="261"/>
+                  </a:lnTo>
+                  <a:lnTo>
+                    <a:pt x="231" y="267"/>
+                  </a:lnTo>
+                  <a:lnTo>
+                    <a:pt x="94" y="387"/>
+                  </a:lnTo>
+                  <a:lnTo>
+                    <a:pt x="86" y="382"/>
+                  </a:lnTo>
+                  <a:lnTo>
+                    <a:pt x="78" y="379"/>
+                  </a:lnTo>
+                  <a:lnTo>
+                    <a:pt x="68" y="377"/>
+                  </a:lnTo>
+                  <a:lnTo>
+                    <a:pt x="60" y="377"/>
+                  </a:lnTo>
+                  <a:lnTo>
+                    <a:pt x="53" y="377"/>
+                  </a:lnTo>
+                  <a:lnTo>
+                    <a:pt x="47" y="378"/>
+                  </a:lnTo>
+                  <a:lnTo>
+                    <a:pt x="42" y="379"/>
+                  </a:lnTo>
+                  <a:lnTo>
+                    <a:pt x="36" y="381"/>
+                  </a:lnTo>
+                  <a:lnTo>
+                    <a:pt x="31" y="383"/>
+                  </a:lnTo>
+                  <a:lnTo>
+                    <a:pt x="26" y="386"/>
+                  </a:lnTo>
+                  <a:lnTo>
+                    <a:pt x="21" y="391"/>
+                  </a:lnTo>
+                  <a:lnTo>
+                    <a:pt x="17" y="394"/>
+                  </a:lnTo>
+                  <a:lnTo>
+                    <a:pt x="13" y="398"/>
+                  </a:lnTo>
+                  <a:lnTo>
+                    <a:pt x="9" y="402"/>
+                  </a:lnTo>
+                  <a:lnTo>
+                    <a:pt x="6" y="408"/>
+                  </a:lnTo>
+                  <a:lnTo>
+                    <a:pt x="4" y="413"/>
+                  </a:lnTo>
+                  <a:lnTo>
+                    <a:pt x="2" y="419"/>
+                  </a:lnTo>
+                  <a:lnTo>
+                    <a:pt x="1" y="425"/>
+                  </a:lnTo>
+                  <a:lnTo>
+                    <a:pt x="0" y="430"/>
+                  </a:lnTo>
+                  <a:lnTo>
+                    <a:pt x="0" y="437"/>
+                  </a:lnTo>
+                  <a:lnTo>
+                    <a:pt x="0" y="443"/>
+                  </a:lnTo>
+                  <a:lnTo>
+                    <a:pt x="1" y="449"/>
+                  </a:lnTo>
+                  <a:lnTo>
+                    <a:pt x="2" y="455"/>
+                  </a:lnTo>
+                  <a:lnTo>
+                    <a:pt x="4" y="460"/>
+                  </a:lnTo>
+                  <a:lnTo>
+                    <a:pt x="6" y="466"/>
+                  </a:lnTo>
+                  <a:lnTo>
+                    <a:pt x="9" y="470"/>
+                  </a:lnTo>
+                  <a:lnTo>
+                    <a:pt x="13" y="475"/>
+                  </a:lnTo>
+                  <a:lnTo>
+                    <a:pt x="17" y="480"/>
+                  </a:lnTo>
+                  <a:lnTo>
+                    <a:pt x="21" y="483"/>
+                  </a:lnTo>
+                  <a:lnTo>
+                    <a:pt x="26" y="486"/>
+                  </a:lnTo>
+                  <a:lnTo>
+                    <a:pt x="31" y="489"/>
+                  </a:lnTo>
+                  <a:lnTo>
+                    <a:pt x="36" y="493"/>
+                  </a:lnTo>
+                  <a:lnTo>
+                    <a:pt x="42" y="494"/>
+                  </a:lnTo>
+                  <a:lnTo>
+                    <a:pt x="47" y="496"/>
+                  </a:lnTo>
+                  <a:lnTo>
+                    <a:pt x="53" y="497"/>
+                  </a:lnTo>
+                  <a:lnTo>
+                    <a:pt x="60" y="497"/>
+                  </a:lnTo>
+                  <a:close/>
+                </a:path>
+              </a:pathLst>
+            </a:custGeom>
+            <a:grpFill/>
+            <a:ln>
+              <a:noFill/>
+            </a:ln>
+            <a:extLst>
+              <a:ext uri="{91240B29-F687-4F45-9708-019B960494DF}">
+                <a14:hiddenLine xmlns:a14="http://schemas.microsoft.com/office/drawing/2010/main" w="9525">
+                  <a:solidFill>
+                    <a:srgbClr val="000000"/>
+                  </a:solidFill>
+                  <a:round/>
+                  <a:headEnd/>
+                  <a:tailEnd/>
+                </a14:hiddenLine>
+              </a:ext>
+            </a:extLst>
+          </p:spPr>
+          <p:txBody>
+            <a:bodyPr vert="horz" wrap="square" lIns="91440" tIns="45720" rIns="91440" bIns="45720" numCol="1" anchor="t" anchorCtr="0" compatLnSpc="1">
+              <a:prstTxWarp prst="textNoShape">
+                <a:avLst/>
+              </a:prstTxWarp>
+            </a:bodyPr>
+            <a:lstStyle/>
+            <a:p>
+              <a:endParaRPr lang="en-US" dirty="0"/>
+            </a:p>
+          </p:txBody>
+        </p:sp>
+      </p:grpSp>
+      <p:sp>
+        <p:nvSpPr>
+          <p:cNvPr id="34" name="Freeform 1676" descr="Icon of check box. ">
+            <a:extLst>
+              <a:ext uri="{FF2B5EF4-FFF2-40B4-BE49-F238E27FC236}">
+                <a16:creationId xmlns:a16="http://schemas.microsoft.com/office/drawing/2014/main" id="{6FB02354-C73F-4DCF-8004-E9CCA66963EA}"/>
+              </a:ext>
+            </a:extLst>
+          </p:cNvPr>
+          <p:cNvSpPr>
+            <a:spLocks noEditPoints="1"/>
+          </p:cNvSpPr>
+          <p:nvPr/>
+        </p:nvSpPr>
+        <p:spPr bwMode="auto">
+          <a:xfrm>
+            <a:off x="7129621" y="1811496"/>
+            <a:ext cx="345758" cy="345758"/>
+          </a:xfrm>
+          <a:custGeom>
+            <a:avLst/>
+            <a:gdLst>
+              <a:gd name="T0" fmla="*/ 374 w 719"/>
+              <a:gd name="T1" fmla="*/ 267 h 719"/>
+              <a:gd name="T2" fmla="*/ 366 w 719"/>
+              <a:gd name="T3" fmla="*/ 263 h 719"/>
+              <a:gd name="T4" fmla="*/ 362 w 719"/>
+              <a:gd name="T5" fmla="*/ 254 h 719"/>
+              <a:gd name="T6" fmla="*/ 366 w 719"/>
+              <a:gd name="T7" fmla="*/ 247 h 719"/>
+              <a:gd name="T8" fmla="*/ 374 w 719"/>
+              <a:gd name="T9" fmla="*/ 243 h 719"/>
+              <a:gd name="T10" fmla="*/ 621 w 719"/>
+              <a:gd name="T11" fmla="*/ 244 h 719"/>
+              <a:gd name="T12" fmla="*/ 627 w 719"/>
+              <a:gd name="T13" fmla="*/ 250 h 719"/>
+              <a:gd name="T14" fmla="*/ 627 w 719"/>
+              <a:gd name="T15" fmla="*/ 260 h 719"/>
+              <a:gd name="T16" fmla="*/ 621 w 719"/>
+              <a:gd name="T17" fmla="*/ 265 h 719"/>
+              <a:gd name="T18" fmla="*/ 616 w 719"/>
+              <a:gd name="T19" fmla="*/ 528 h 719"/>
+              <a:gd name="T20" fmla="*/ 370 w 719"/>
+              <a:gd name="T21" fmla="*/ 527 h 719"/>
+              <a:gd name="T22" fmla="*/ 363 w 719"/>
+              <a:gd name="T23" fmla="*/ 521 h 719"/>
+              <a:gd name="T24" fmla="*/ 363 w 719"/>
+              <a:gd name="T25" fmla="*/ 512 h 719"/>
+              <a:gd name="T26" fmla="*/ 370 w 719"/>
+              <a:gd name="T27" fmla="*/ 505 h 719"/>
+              <a:gd name="T28" fmla="*/ 616 w 719"/>
+              <a:gd name="T29" fmla="*/ 504 h 719"/>
+              <a:gd name="T30" fmla="*/ 625 w 719"/>
+              <a:gd name="T31" fmla="*/ 507 h 719"/>
+              <a:gd name="T32" fmla="*/ 628 w 719"/>
+              <a:gd name="T33" fmla="*/ 516 h 719"/>
+              <a:gd name="T34" fmla="*/ 625 w 719"/>
+              <a:gd name="T35" fmla="*/ 525 h 719"/>
+              <a:gd name="T36" fmla="*/ 616 w 719"/>
+              <a:gd name="T37" fmla="*/ 528 h 719"/>
+              <a:gd name="T38" fmla="*/ 171 w 719"/>
+              <a:gd name="T39" fmla="*/ 279 h 719"/>
+              <a:gd name="T40" fmla="*/ 164 w 719"/>
+              <a:gd name="T41" fmla="*/ 282 h 719"/>
+              <a:gd name="T42" fmla="*/ 155 w 719"/>
+              <a:gd name="T43" fmla="*/ 279 h 719"/>
+              <a:gd name="T44" fmla="*/ 92 w 719"/>
+              <a:gd name="T45" fmla="*/ 214 h 719"/>
+              <a:gd name="T46" fmla="*/ 92 w 719"/>
+              <a:gd name="T47" fmla="*/ 205 h 719"/>
+              <a:gd name="T48" fmla="*/ 98 w 719"/>
+              <a:gd name="T49" fmla="*/ 198 h 719"/>
+              <a:gd name="T50" fmla="*/ 107 w 719"/>
+              <a:gd name="T51" fmla="*/ 198 h 719"/>
+              <a:gd name="T52" fmla="*/ 164 w 719"/>
+              <a:gd name="T53" fmla="*/ 253 h 719"/>
+              <a:gd name="T54" fmla="*/ 309 w 719"/>
+              <a:gd name="T55" fmla="*/ 109 h 719"/>
+              <a:gd name="T56" fmla="*/ 318 w 719"/>
+              <a:gd name="T57" fmla="*/ 109 h 719"/>
+              <a:gd name="T58" fmla="*/ 325 w 719"/>
+              <a:gd name="T59" fmla="*/ 114 h 719"/>
+              <a:gd name="T60" fmla="*/ 325 w 719"/>
+              <a:gd name="T61" fmla="*/ 124 h 719"/>
+              <a:gd name="T62" fmla="*/ 323 w 719"/>
+              <a:gd name="T63" fmla="*/ 414 h 719"/>
+              <a:gd name="T64" fmla="*/ 168 w 719"/>
+              <a:gd name="T65" fmla="*/ 568 h 719"/>
+              <a:gd name="T66" fmla="*/ 158 w 719"/>
+              <a:gd name="T67" fmla="*/ 568 h 719"/>
+              <a:gd name="T68" fmla="*/ 94 w 719"/>
+              <a:gd name="T69" fmla="*/ 505 h 719"/>
+              <a:gd name="T70" fmla="*/ 91 w 719"/>
+              <a:gd name="T71" fmla="*/ 497 h 719"/>
+              <a:gd name="T72" fmla="*/ 94 w 719"/>
+              <a:gd name="T73" fmla="*/ 488 h 719"/>
+              <a:gd name="T74" fmla="*/ 103 w 719"/>
+              <a:gd name="T75" fmla="*/ 485 h 719"/>
+              <a:gd name="T76" fmla="*/ 111 w 719"/>
+              <a:gd name="T77" fmla="*/ 488 h 719"/>
+              <a:gd name="T78" fmla="*/ 306 w 719"/>
+              <a:gd name="T79" fmla="*/ 397 h 719"/>
+              <a:gd name="T80" fmla="*/ 314 w 719"/>
+              <a:gd name="T81" fmla="*/ 394 h 719"/>
+              <a:gd name="T82" fmla="*/ 323 w 719"/>
+              <a:gd name="T83" fmla="*/ 398 h 719"/>
+              <a:gd name="T84" fmla="*/ 326 w 719"/>
+              <a:gd name="T85" fmla="*/ 406 h 719"/>
+              <a:gd name="T86" fmla="*/ 323 w 719"/>
+              <a:gd name="T87" fmla="*/ 414 h 719"/>
+              <a:gd name="T88" fmla="*/ 12 w 719"/>
+              <a:gd name="T89" fmla="*/ 0 h 719"/>
+              <a:gd name="T90" fmla="*/ 3 w 719"/>
+              <a:gd name="T91" fmla="*/ 5 h 719"/>
+              <a:gd name="T92" fmla="*/ 0 w 719"/>
+              <a:gd name="T93" fmla="*/ 13 h 719"/>
+              <a:gd name="T94" fmla="*/ 1 w 719"/>
+              <a:gd name="T95" fmla="*/ 713 h 719"/>
+              <a:gd name="T96" fmla="*/ 8 w 719"/>
+              <a:gd name="T97" fmla="*/ 719 h 719"/>
+              <a:gd name="T98" fmla="*/ 707 w 719"/>
+              <a:gd name="T99" fmla="*/ 719 h 719"/>
+              <a:gd name="T100" fmla="*/ 716 w 719"/>
+              <a:gd name="T101" fmla="*/ 716 h 719"/>
+              <a:gd name="T102" fmla="*/ 719 w 719"/>
+              <a:gd name="T103" fmla="*/ 707 h 719"/>
+              <a:gd name="T104" fmla="*/ 718 w 719"/>
+              <a:gd name="T105" fmla="*/ 8 h 719"/>
+              <a:gd name="T106" fmla="*/ 711 w 719"/>
+              <a:gd name="T107" fmla="*/ 2 h 719"/>
+            </a:gdLst>
+            <a:ahLst/>
+            <a:cxnLst>
+              <a:cxn ang="0">
+                <a:pos x="T0" y="T1"/>
+              </a:cxn>
+              <a:cxn ang="0">
+                <a:pos x="T2" y="T3"/>
+              </a:cxn>
+              <a:cxn ang="0">
+                <a:pos x="T4" y="T5"/>
+              </a:cxn>
+              <a:cxn ang="0">
+                <a:pos x="T6" y="T7"/>
+              </a:cxn>
+              <a:cxn ang="0">
+                <a:pos x="T8" y="T9"/>
+              </a:cxn>
+              <a:cxn ang="0">
+                <a:pos x="T10" y="T11"/>
+              </a:cxn>
+              <a:cxn ang="0">
+                <a:pos x="T12" y="T13"/>
+              </a:cxn>
+              <a:cxn ang="0">
+                <a:pos x="T14" y="T15"/>
+              </a:cxn>
+              <a:cxn ang="0">
+                <a:pos x="T16" y="T17"/>
+              </a:cxn>
+              <a:cxn ang="0">
+                <a:pos x="T18" y="T19"/>
+              </a:cxn>
+              <a:cxn ang="0">
+                <a:pos x="T20" y="T21"/>
+              </a:cxn>
+              <a:cxn ang="0">
+                <a:pos x="T22" y="T23"/>
+              </a:cxn>
+              <a:cxn ang="0">
+                <a:pos x="T24" y="T25"/>
+              </a:cxn>
+              <a:cxn ang="0">
+                <a:pos x="T26" y="T27"/>
+              </a:cxn>
+              <a:cxn ang="0">
+                <a:pos x="T28" y="T29"/>
+              </a:cxn>
+              <a:cxn ang="0">
+                <a:pos x="T30" y="T31"/>
+              </a:cxn>
+              <a:cxn ang="0">
+                <a:pos x="T32" y="T33"/>
+              </a:cxn>
+              <a:cxn ang="0">
+                <a:pos x="T34" y="T35"/>
+              </a:cxn>
+              <a:cxn ang="0">
+                <a:pos x="T36" y="T37"/>
+              </a:cxn>
+              <a:cxn ang="0">
+                <a:pos x="T38" y="T39"/>
+              </a:cxn>
+              <a:cxn ang="0">
+                <a:pos x="T40" y="T41"/>
+              </a:cxn>
+              <a:cxn ang="0">
+                <a:pos x="T42" y="T43"/>
+              </a:cxn>
+              <a:cxn ang="0">
+                <a:pos x="T44" y="T45"/>
+              </a:cxn>
+              <a:cxn ang="0">
+                <a:pos x="T46" y="T47"/>
+              </a:cxn>
+              <a:cxn ang="0">
+                <a:pos x="T48" y="T49"/>
+              </a:cxn>
+              <a:cxn ang="0">
+                <a:pos x="T50" y="T51"/>
+              </a:cxn>
+              <a:cxn ang="0">
+                <a:pos x="T52" y="T53"/>
+              </a:cxn>
+              <a:cxn ang="0">
+                <a:pos x="T54" y="T55"/>
+              </a:cxn>
+              <a:cxn ang="0">
+                <a:pos x="T56" y="T57"/>
+              </a:cxn>
+              <a:cxn ang="0">
+                <a:pos x="T58" y="T59"/>
+              </a:cxn>
+              <a:cxn ang="0">
+                <a:pos x="T60" y="T61"/>
+              </a:cxn>
+              <a:cxn ang="0">
+                <a:pos x="T62" y="T63"/>
+              </a:cxn>
+              <a:cxn ang="0">
+                <a:pos x="T64" y="T65"/>
+              </a:cxn>
+              <a:cxn ang="0">
+                <a:pos x="T66" y="T67"/>
+              </a:cxn>
+              <a:cxn ang="0">
+                <a:pos x="T68" y="T69"/>
+              </a:cxn>
+              <a:cxn ang="0">
+                <a:pos x="T70" y="T71"/>
+              </a:cxn>
+              <a:cxn ang="0">
+                <a:pos x="T72" y="T73"/>
+              </a:cxn>
+              <a:cxn ang="0">
+                <a:pos x="T74" y="T75"/>
+              </a:cxn>
+              <a:cxn ang="0">
+                <a:pos x="T76" y="T77"/>
+              </a:cxn>
+              <a:cxn ang="0">
+                <a:pos x="T78" y="T79"/>
+              </a:cxn>
+              <a:cxn ang="0">
+                <a:pos x="T80" y="T81"/>
+              </a:cxn>
+              <a:cxn ang="0">
+                <a:pos x="T82" y="T83"/>
+              </a:cxn>
+              <a:cxn ang="0">
+                <a:pos x="T84" y="T85"/>
+              </a:cxn>
+              <a:cxn ang="0">
+                <a:pos x="T86" y="T87"/>
+              </a:cxn>
+              <a:cxn ang="0">
+                <a:pos x="T88" y="T89"/>
+              </a:cxn>
+              <a:cxn ang="0">
+                <a:pos x="T90" y="T91"/>
+              </a:cxn>
+              <a:cxn ang="0">
+                <a:pos x="T92" y="T93"/>
+              </a:cxn>
+              <a:cxn ang="0">
+                <a:pos x="T94" y="T95"/>
+              </a:cxn>
+              <a:cxn ang="0">
+                <a:pos x="T96" y="T97"/>
+              </a:cxn>
+              <a:cxn ang="0">
+                <a:pos x="T98" y="T99"/>
+              </a:cxn>
+              <a:cxn ang="0">
+                <a:pos x="T100" y="T101"/>
+              </a:cxn>
+              <a:cxn ang="0">
+                <a:pos x="T102" y="T103"/>
+              </a:cxn>
+              <a:cxn ang="0">
+                <a:pos x="T104" y="T105"/>
+              </a:cxn>
+              <a:cxn ang="0">
+                <a:pos x="T106" y="T107"/>
+              </a:cxn>
+            </a:cxnLst>
+            <a:rect l="0" t="0" r="r" b="b"/>
+            <a:pathLst>
+              <a:path w="719" h="719">
+                <a:moveTo>
+                  <a:pt x="616" y="267"/>
+                </a:moveTo>
+                <a:lnTo>
+                  <a:pt x="374" y="267"/>
+                </a:lnTo>
+                <a:lnTo>
+                  <a:pt x="370" y="265"/>
+                </a:lnTo>
+                <a:lnTo>
+                  <a:pt x="366" y="263"/>
+                </a:lnTo>
+                <a:lnTo>
+                  <a:pt x="363" y="260"/>
+                </a:lnTo>
+                <a:lnTo>
+                  <a:pt x="362" y="254"/>
+                </a:lnTo>
+                <a:lnTo>
+                  <a:pt x="363" y="250"/>
+                </a:lnTo>
+                <a:lnTo>
+                  <a:pt x="366" y="247"/>
+                </a:lnTo>
+                <a:lnTo>
+                  <a:pt x="370" y="244"/>
+                </a:lnTo>
+                <a:lnTo>
+                  <a:pt x="374" y="243"/>
+                </a:lnTo>
+                <a:lnTo>
+                  <a:pt x="616" y="243"/>
+                </a:lnTo>
+                <a:lnTo>
+                  <a:pt x="621" y="244"/>
+                </a:lnTo>
+                <a:lnTo>
+                  <a:pt x="625" y="247"/>
+                </a:lnTo>
+                <a:lnTo>
+                  <a:pt x="627" y="250"/>
+                </a:lnTo>
+                <a:lnTo>
+                  <a:pt x="628" y="254"/>
+                </a:lnTo>
+                <a:lnTo>
+                  <a:pt x="627" y="260"/>
+                </a:lnTo>
+                <a:lnTo>
+                  <a:pt x="625" y="263"/>
+                </a:lnTo>
+                <a:lnTo>
+                  <a:pt x="621" y="265"/>
+                </a:lnTo>
+                <a:lnTo>
+                  <a:pt x="616" y="267"/>
+                </a:lnTo>
+                <a:close/>
+                <a:moveTo>
+                  <a:pt x="616" y="528"/>
+                </a:moveTo>
+                <a:lnTo>
+                  <a:pt x="374" y="528"/>
+                </a:lnTo>
+                <a:lnTo>
+                  <a:pt x="370" y="527"/>
+                </a:lnTo>
+                <a:lnTo>
+                  <a:pt x="366" y="525"/>
+                </a:lnTo>
+                <a:lnTo>
+                  <a:pt x="363" y="521"/>
+                </a:lnTo>
+                <a:lnTo>
+                  <a:pt x="362" y="516"/>
+                </a:lnTo>
+                <a:lnTo>
+                  <a:pt x="363" y="512"/>
+                </a:lnTo>
+                <a:lnTo>
+                  <a:pt x="366" y="507"/>
+                </a:lnTo>
+                <a:lnTo>
+                  <a:pt x="370" y="505"/>
+                </a:lnTo>
+                <a:lnTo>
+                  <a:pt x="374" y="504"/>
+                </a:lnTo>
+                <a:lnTo>
+                  <a:pt x="616" y="504"/>
+                </a:lnTo>
+                <a:lnTo>
+                  <a:pt x="621" y="505"/>
+                </a:lnTo>
+                <a:lnTo>
+                  <a:pt x="625" y="507"/>
+                </a:lnTo>
+                <a:lnTo>
+                  <a:pt x="627" y="512"/>
+                </a:lnTo>
+                <a:lnTo>
+                  <a:pt x="628" y="516"/>
+                </a:lnTo>
+                <a:lnTo>
+                  <a:pt x="627" y="521"/>
+                </a:lnTo>
+                <a:lnTo>
+                  <a:pt x="625" y="525"/>
+                </a:lnTo>
+                <a:lnTo>
+                  <a:pt x="621" y="527"/>
+                </a:lnTo>
+                <a:lnTo>
+                  <a:pt x="616" y="528"/>
+                </a:lnTo>
+                <a:close/>
+                <a:moveTo>
+                  <a:pt x="323" y="127"/>
+                </a:moveTo>
+                <a:lnTo>
+                  <a:pt x="171" y="279"/>
+                </a:lnTo>
+                <a:lnTo>
+                  <a:pt x="168" y="282"/>
+                </a:lnTo>
+                <a:lnTo>
+                  <a:pt x="164" y="282"/>
+                </a:lnTo>
+                <a:lnTo>
+                  <a:pt x="158" y="282"/>
+                </a:lnTo>
+                <a:lnTo>
+                  <a:pt x="155" y="279"/>
+                </a:lnTo>
+                <a:lnTo>
+                  <a:pt x="94" y="218"/>
+                </a:lnTo>
+                <a:lnTo>
+                  <a:pt x="92" y="214"/>
+                </a:lnTo>
+                <a:lnTo>
+                  <a:pt x="91" y="209"/>
+                </a:lnTo>
+                <a:lnTo>
+                  <a:pt x="92" y="205"/>
+                </a:lnTo>
+                <a:lnTo>
+                  <a:pt x="94" y="201"/>
+                </a:lnTo>
+                <a:lnTo>
+                  <a:pt x="98" y="198"/>
+                </a:lnTo>
+                <a:lnTo>
+                  <a:pt x="103" y="197"/>
+                </a:lnTo>
+                <a:lnTo>
+                  <a:pt x="107" y="198"/>
+                </a:lnTo>
+                <a:lnTo>
+                  <a:pt x="111" y="201"/>
+                </a:lnTo>
+                <a:lnTo>
+                  <a:pt x="164" y="253"/>
+                </a:lnTo>
+                <a:lnTo>
+                  <a:pt x="306" y="111"/>
+                </a:lnTo>
+                <a:lnTo>
+                  <a:pt x="309" y="109"/>
+                </a:lnTo>
+                <a:lnTo>
+                  <a:pt x="314" y="108"/>
+                </a:lnTo>
+                <a:lnTo>
+                  <a:pt x="318" y="109"/>
+                </a:lnTo>
+                <a:lnTo>
+                  <a:pt x="323" y="111"/>
+                </a:lnTo>
+                <a:lnTo>
+                  <a:pt x="325" y="114"/>
+                </a:lnTo>
+                <a:lnTo>
+                  <a:pt x="326" y="119"/>
+                </a:lnTo>
+                <a:lnTo>
+                  <a:pt x="325" y="124"/>
+                </a:lnTo>
+                <a:lnTo>
+                  <a:pt x="323" y="127"/>
+                </a:lnTo>
+                <a:close/>
+                <a:moveTo>
+                  <a:pt x="323" y="414"/>
+                </a:moveTo>
+                <a:lnTo>
+                  <a:pt x="171" y="565"/>
+                </a:lnTo>
+                <a:lnTo>
+                  <a:pt x="168" y="568"/>
+                </a:lnTo>
+                <a:lnTo>
+                  <a:pt x="164" y="569"/>
+                </a:lnTo>
+                <a:lnTo>
+                  <a:pt x="158" y="568"/>
+                </a:lnTo>
+                <a:lnTo>
+                  <a:pt x="155" y="565"/>
+                </a:lnTo>
+                <a:lnTo>
+                  <a:pt x="94" y="505"/>
+                </a:lnTo>
+                <a:lnTo>
+                  <a:pt x="92" y="502"/>
+                </a:lnTo>
+                <a:lnTo>
+                  <a:pt x="91" y="497"/>
+                </a:lnTo>
+                <a:lnTo>
+                  <a:pt x="92" y="493"/>
+                </a:lnTo>
+                <a:lnTo>
+                  <a:pt x="94" y="488"/>
+                </a:lnTo>
+                <a:lnTo>
+                  <a:pt x="98" y="486"/>
+                </a:lnTo>
+                <a:lnTo>
+                  <a:pt x="103" y="485"/>
+                </a:lnTo>
+                <a:lnTo>
+                  <a:pt x="107" y="486"/>
+                </a:lnTo>
+                <a:lnTo>
+                  <a:pt x="111" y="488"/>
+                </a:lnTo>
+                <a:lnTo>
+                  <a:pt x="164" y="540"/>
+                </a:lnTo>
+                <a:lnTo>
+                  <a:pt x="306" y="397"/>
+                </a:lnTo>
+                <a:lnTo>
+                  <a:pt x="309" y="395"/>
+                </a:lnTo>
+                <a:lnTo>
+                  <a:pt x="314" y="394"/>
+                </a:lnTo>
+                <a:lnTo>
+                  <a:pt x="318" y="395"/>
+                </a:lnTo>
+                <a:lnTo>
+                  <a:pt x="323" y="398"/>
+                </a:lnTo>
+                <a:lnTo>
+                  <a:pt x="325" y="401"/>
+                </a:lnTo>
+                <a:lnTo>
+                  <a:pt x="326" y="406"/>
+                </a:lnTo>
+                <a:lnTo>
+                  <a:pt x="325" y="410"/>
+                </a:lnTo>
+                <a:lnTo>
+                  <a:pt x="323" y="414"/>
+                </a:lnTo>
+                <a:close/>
+                <a:moveTo>
+                  <a:pt x="707" y="0"/>
+                </a:moveTo>
+                <a:lnTo>
+                  <a:pt x="12" y="0"/>
+                </a:lnTo>
+                <a:lnTo>
+                  <a:pt x="8" y="2"/>
+                </a:lnTo>
+                <a:lnTo>
+                  <a:pt x="3" y="5"/>
+                </a:lnTo>
+                <a:lnTo>
+                  <a:pt x="1" y="8"/>
+                </a:lnTo>
+                <a:lnTo>
+                  <a:pt x="0" y="13"/>
+                </a:lnTo>
+                <a:lnTo>
+                  <a:pt x="0" y="707"/>
+                </a:lnTo>
+                <a:lnTo>
+                  <a:pt x="1" y="713"/>
+                </a:lnTo>
+                <a:lnTo>
+                  <a:pt x="3" y="716"/>
+                </a:lnTo>
+                <a:lnTo>
+                  <a:pt x="8" y="719"/>
+                </a:lnTo>
+                <a:lnTo>
+                  <a:pt x="12" y="719"/>
+                </a:lnTo>
+                <a:lnTo>
+                  <a:pt x="707" y="719"/>
+                </a:lnTo>
+                <a:lnTo>
+                  <a:pt x="711" y="719"/>
+                </a:lnTo>
+                <a:lnTo>
+                  <a:pt x="716" y="716"/>
+                </a:lnTo>
+                <a:lnTo>
+                  <a:pt x="718" y="713"/>
+                </a:lnTo>
+                <a:lnTo>
+                  <a:pt x="719" y="707"/>
+                </a:lnTo>
+                <a:lnTo>
+                  <a:pt x="719" y="13"/>
+                </a:lnTo>
+                <a:lnTo>
+                  <a:pt x="718" y="8"/>
+                </a:lnTo>
+                <a:lnTo>
+                  <a:pt x="716" y="5"/>
+                </a:lnTo>
+                <a:lnTo>
+                  <a:pt x="711" y="2"/>
+                </a:lnTo>
+                <a:lnTo>
+                  <a:pt x="707" y="0"/>
+                </a:lnTo>
+                <a:close/>
+              </a:path>
+            </a:pathLst>
+          </a:custGeom>
+          <a:solidFill>
+            <a:schemeClr val="bg1"/>
+          </a:solidFill>
+          <a:ln>
+            <a:noFill/>
+          </a:ln>
+        </p:spPr>
+        <p:txBody>
+          <a:bodyPr vert="horz" wrap="square" lIns="91440" tIns="45720" rIns="91440" bIns="45720" numCol="1" anchor="t" anchorCtr="0" compatLnSpc="1">
+            <a:prstTxWarp prst="textNoShape">
+              <a:avLst/>
+            </a:prstTxWarp>
+          </a:bodyPr>
+          <a:lstStyle/>
+          <a:p>
+            <a:endParaRPr lang="en-US" dirty="0"/>
+          </a:p>
+        </p:txBody>
+      </p:sp>
+      <p:sp>
+        <p:nvSpPr>
+          <p:cNvPr id="35" name="Freeform 4665" descr="Icon of graph. ">
+            <a:extLst>
+              <a:ext uri="{FF2B5EF4-FFF2-40B4-BE49-F238E27FC236}">
+                <a16:creationId xmlns:a16="http://schemas.microsoft.com/office/drawing/2014/main" id="{557E39B2-E017-4E5C-B53E-DDE3B9D4C92C}"/>
+              </a:ext>
+            </a:extLst>
+          </p:cNvPr>
+          <p:cNvSpPr>
+            <a:spLocks/>
+          </p:cNvSpPr>
+          <p:nvPr/>
+        </p:nvSpPr>
+        <p:spPr bwMode="auto">
+          <a:xfrm>
+            <a:off x="7877961" y="3531386"/>
+            <a:ext cx="347679" cy="347679"/>
+          </a:xfrm>
+          <a:custGeom>
+            <a:avLst/>
+            <a:gdLst>
+              <a:gd name="T0" fmla="*/ 761 w 904"/>
+              <a:gd name="T1" fmla="*/ 213 h 903"/>
+              <a:gd name="T2" fmla="*/ 754 w 904"/>
+              <a:gd name="T3" fmla="*/ 225 h 903"/>
+              <a:gd name="T4" fmla="*/ 576 w 904"/>
+              <a:gd name="T5" fmla="*/ 277 h 903"/>
+              <a:gd name="T6" fmla="*/ 498 w 904"/>
+              <a:gd name="T7" fmla="*/ 298 h 903"/>
+              <a:gd name="T8" fmla="*/ 431 w 904"/>
+              <a:gd name="T9" fmla="*/ 329 h 903"/>
+              <a:gd name="T10" fmla="*/ 578 w 904"/>
+              <a:gd name="T11" fmla="*/ 170 h 903"/>
+              <a:gd name="T12" fmla="*/ 618 w 904"/>
+              <a:gd name="T13" fmla="*/ 180 h 903"/>
+              <a:gd name="T14" fmla="*/ 661 w 904"/>
+              <a:gd name="T15" fmla="*/ 169 h 903"/>
+              <a:gd name="T16" fmla="*/ 693 w 904"/>
+              <a:gd name="T17" fmla="*/ 141 h 903"/>
+              <a:gd name="T18" fmla="*/ 707 w 904"/>
+              <a:gd name="T19" fmla="*/ 99 h 903"/>
+              <a:gd name="T20" fmla="*/ 701 w 904"/>
+              <a:gd name="T21" fmla="*/ 55 h 903"/>
+              <a:gd name="T22" fmla="*/ 676 w 904"/>
+              <a:gd name="T23" fmla="*/ 20 h 903"/>
+              <a:gd name="T24" fmla="*/ 636 w 904"/>
+              <a:gd name="T25" fmla="*/ 2 h 903"/>
+              <a:gd name="T26" fmla="*/ 591 w 904"/>
+              <a:gd name="T27" fmla="*/ 4 h 903"/>
+              <a:gd name="T28" fmla="*/ 554 w 904"/>
+              <a:gd name="T29" fmla="*/ 25 h 903"/>
+              <a:gd name="T30" fmla="*/ 531 w 904"/>
+              <a:gd name="T31" fmla="*/ 63 h 903"/>
+              <a:gd name="T32" fmla="*/ 532 w 904"/>
+              <a:gd name="T33" fmla="*/ 118 h 903"/>
+              <a:gd name="T34" fmla="*/ 369 w 904"/>
+              <a:gd name="T35" fmla="*/ 289 h 903"/>
+              <a:gd name="T36" fmla="*/ 325 w 904"/>
+              <a:gd name="T37" fmla="*/ 289 h 903"/>
+              <a:gd name="T38" fmla="*/ 294 w 904"/>
+              <a:gd name="T39" fmla="*/ 308 h 903"/>
+              <a:gd name="T40" fmla="*/ 275 w 904"/>
+              <a:gd name="T41" fmla="*/ 338 h 903"/>
+              <a:gd name="T42" fmla="*/ 275 w 904"/>
+              <a:gd name="T43" fmla="*/ 383 h 903"/>
+              <a:gd name="T44" fmla="*/ 113 w 904"/>
+              <a:gd name="T45" fmla="*/ 545 h 903"/>
+              <a:gd name="T46" fmla="*/ 64 w 904"/>
+              <a:gd name="T47" fmla="*/ 546 h 903"/>
+              <a:gd name="T48" fmla="*/ 26 w 904"/>
+              <a:gd name="T49" fmla="*/ 568 h 903"/>
+              <a:gd name="T50" fmla="*/ 5 w 904"/>
+              <a:gd name="T51" fmla="*/ 605 h 903"/>
+              <a:gd name="T52" fmla="*/ 3 w 904"/>
+              <a:gd name="T53" fmla="*/ 650 h 903"/>
+              <a:gd name="T54" fmla="*/ 21 w 904"/>
+              <a:gd name="T55" fmla="*/ 690 h 903"/>
+              <a:gd name="T56" fmla="*/ 56 w 904"/>
+              <a:gd name="T57" fmla="*/ 716 h 903"/>
+              <a:gd name="T58" fmla="*/ 100 w 904"/>
+              <a:gd name="T59" fmla="*/ 722 h 903"/>
+              <a:gd name="T60" fmla="*/ 142 w 904"/>
+              <a:gd name="T61" fmla="*/ 706 h 903"/>
+              <a:gd name="T62" fmla="*/ 170 w 904"/>
+              <a:gd name="T63" fmla="*/ 675 h 903"/>
+              <a:gd name="T64" fmla="*/ 181 w 904"/>
+              <a:gd name="T65" fmla="*/ 632 h 903"/>
+              <a:gd name="T66" fmla="*/ 171 w 904"/>
+              <a:gd name="T67" fmla="*/ 591 h 903"/>
+              <a:gd name="T68" fmla="*/ 316 w 904"/>
+              <a:gd name="T69" fmla="*/ 430 h 903"/>
+              <a:gd name="T70" fmla="*/ 286 w 904"/>
+              <a:gd name="T71" fmla="*/ 538 h 903"/>
+              <a:gd name="T72" fmla="*/ 271 w 904"/>
+              <a:gd name="T73" fmla="*/ 753 h 903"/>
+              <a:gd name="T74" fmla="*/ 216 w 904"/>
+              <a:gd name="T75" fmla="*/ 757 h 903"/>
+              <a:gd name="T76" fmla="*/ 212 w 904"/>
+              <a:gd name="T77" fmla="*/ 888 h 903"/>
+              <a:gd name="T78" fmla="*/ 218 w 904"/>
+              <a:gd name="T79" fmla="*/ 901 h 903"/>
+              <a:gd name="T80" fmla="*/ 349 w 904"/>
+              <a:gd name="T81" fmla="*/ 903 h 903"/>
+              <a:gd name="T82" fmla="*/ 361 w 904"/>
+              <a:gd name="T83" fmla="*/ 894 h 903"/>
+              <a:gd name="T84" fmla="*/ 361 w 904"/>
+              <a:gd name="T85" fmla="*/ 762 h 903"/>
+              <a:gd name="T86" fmla="*/ 349 w 904"/>
+              <a:gd name="T87" fmla="*/ 753 h 903"/>
+              <a:gd name="T88" fmla="*/ 305 w 904"/>
+              <a:gd name="T89" fmla="*/ 597 h 903"/>
+              <a:gd name="T90" fmla="*/ 343 w 904"/>
+              <a:gd name="T91" fmla="*/ 469 h 903"/>
+              <a:gd name="T92" fmla="*/ 383 w 904"/>
+              <a:gd name="T93" fmla="*/ 426 h 903"/>
+              <a:gd name="T94" fmla="*/ 418 w 904"/>
+              <a:gd name="T95" fmla="*/ 383 h 903"/>
+              <a:gd name="T96" fmla="*/ 471 w 904"/>
+              <a:gd name="T97" fmla="*/ 342 h 903"/>
+              <a:gd name="T98" fmla="*/ 544 w 904"/>
+              <a:gd name="T99" fmla="*/ 315 h 903"/>
+              <a:gd name="T100" fmla="*/ 627 w 904"/>
+              <a:gd name="T101" fmla="*/ 302 h 903"/>
+              <a:gd name="T102" fmla="*/ 754 w 904"/>
+              <a:gd name="T103" fmla="*/ 348 h 903"/>
+              <a:gd name="T104" fmla="*/ 763 w 904"/>
+              <a:gd name="T105" fmla="*/ 360 h 903"/>
+              <a:gd name="T106" fmla="*/ 895 w 904"/>
+              <a:gd name="T107" fmla="*/ 360 h 903"/>
+              <a:gd name="T108" fmla="*/ 904 w 904"/>
+              <a:gd name="T109" fmla="*/ 348 h 903"/>
+              <a:gd name="T110" fmla="*/ 902 w 904"/>
+              <a:gd name="T111" fmla="*/ 217 h 903"/>
+              <a:gd name="T112" fmla="*/ 889 w 904"/>
+              <a:gd name="T113" fmla="*/ 211 h 903"/>
+            </a:gdLst>
+            <a:ahLst/>
+            <a:cxnLst>
+              <a:cxn ang="0">
+                <a:pos x="T0" y="T1"/>
+              </a:cxn>
+              <a:cxn ang="0">
+                <a:pos x="T2" y="T3"/>
+              </a:cxn>
+              <a:cxn ang="0">
+                <a:pos x="T4" y="T5"/>
+              </a:cxn>
+              <a:cxn ang="0">
+                <a:pos x="T6" y="T7"/>
+              </a:cxn>
+              <a:cxn ang="0">
+                <a:pos x="T8" y="T9"/>
+              </a:cxn>
+              <a:cxn ang="0">
+                <a:pos x="T10" y="T11"/>
+              </a:cxn>
+              <a:cxn ang="0">
+                <a:pos x="T12" y="T13"/>
+              </a:cxn>
+              <a:cxn ang="0">
+                <a:pos x="T14" y="T15"/>
+              </a:cxn>
+              <a:cxn ang="0">
+                <a:pos x="T16" y="T17"/>
+              </a:cxn>
+              <a:cxn ang="0">
+                <a:pos x="T18" y="T19"/>
+              </a:cxn>
+              <a:cxn ang="0">
+                <a:pos x="T20" y="T21"/>
+              </a:cxn>
+              <a:cxn ang="0">
+                <a:pos x="T22" y="T23"/>
+              </a:cxn>
+              <a:cxn ang="0">
+                <a:pos x="T24" y="T25"/>
+              </a:cxn>
+              <a:cxn ang="0">
+                <a:pos x="T26" y="T27"/>
+              </a:cxn>
+              <a:cxn ang="0">
+                <a:pos x="T28" y="T29"/>
+              </a:cxn>
+              <a:cxn ang="0">
+                <a:pos x="T30" y="T31"/>
+              </a:cxn>
+              <a:cxn ang="0">
+                <a:pos x="T32" y="T33"/>
+              </a:cxn>
+              <a:cxn ang="0">
+                <a:pos x="T34" y="T35"/>
+              </a:cxn>
+              <a:cxn ang="0">
+                <a:pos x="T36" y="T37"/>
+              </a:cxn>
+              <a:cxn ang="0">
+                <a:pos x="T38" y="T39"/>
+              </a:cxn>
+              <a:cxn ang="0">
+                <a:pos x="T40" y="T41"/>
+              </a:cxn>
+              <a:cxn ang="0">
+                <a:pos x="T42" y="T43"/>
+              </a:cxn>
+              <a:cxn ang="0">
+                <a:pos x="T44" y="T45"/>
+              </a:cxn>
+              <a:cxn ang="0">
+                <a:pos x="T46" y="T47"/>
+              </a:cxn>
+              <a:cxn ang="0">
+                <a:pos x="T48" y="T49"/>
+              </a:cxn>
+              <a:cxn ang="0">
+                <a:pos x="T50" y="T51"/>
+              </a:cxn>
+              <a:cxn ang="0">
+                <a:pos x="T52" y="T53"/>
+              </a:cxn>
+              <a:cxn ang="0">
+                <a:pos x="T54" y="T55"/>
+              </a:cxn>
+              <a:cxn ang="0">
+                <a:pos x="T56" y="T57"/>
+              </a:cxn>
+              <a:cxn ang="0">
+                <a:pos x="T58" y="T59"/>
+              </a:cxn>
+              <a:cxn ang="0">
+                <a:pos x="T60" y="T61"/>
+              </a:cxn>
+              <a:cxn ang="0">
+                <a:pos x="T62" y="T63"/>
+              </a:cxn>
+              <a:cxn ang="0">
+                <a:pos x="T64" y="T65"/>
+              </a:cxn>
+              <a:cxn ang="0">
+                <a:pos x="T66" y="T67"/>
+              </a:cxn>
+              <a:cxn ang="0">
+                <a:pos x="T68" y="T69"/>
+              </a:cxn>
+              <a:cxn ang="0">
+                <a:pos x="T70" y="T71"/>
+              </a:cxn>
+              <a:cxn ang="0">
+                <a:pos x="T72" y="T73"/>
+              </a:cxn>
+              <a:cxn ang="0">
+                <a:pos x="T74" y="T75"/>
+              </a:cxn>
+              <a:cxn ang="0">
+                <a:pos x="T76" y="T77"/>
+              </a:cxn>
+              <a:cxn ang="0">
+                <a:pos x="T78" y="T79"/>
+              </a:cxn>
+              <a:cxn ang="0">
+                <a:pos x="T80" y="T81"/>
+              </a:cxn>
+              <a:cxn ang="0">
+                <a:pos x="T82" y="T83"/>
+              </a:cxn>
+              <a:cxn ang="0">
+                <a:pos x="T84" y="T85"/>
+              </a:cxn>
+              <a:cxn ang="0">
+                <a:pos x="T86" y="T87"/>
+              </a:cxn>
+              <a:cxn ang="0">
+                <a:pos x="T88" y="T89"/>
+              </a:cxn>
+              <a:cxn ang="0">
+                <a:pos x="T90" y="T91"/>
+              </a:cxn>
+              <a:cxn ang="0">
+                <a:pos x="T92" y="T93"/>
+              </a:cxn>
+              <a:cxn ang="0">
+                <a:pos x="T94" y="T95"/>
+              </a:cxn>
+              <a:cxn ang="0">
+                <a:pos x="T96" y="T97"/>
+              </a:cxn>
+              <a:cxn ang="0">
+                <a:pos x="T98" y="T99"/>
+              </a:cxn>
+              <a:cxn ang="0">
+                <a:pos x="T100" y="T101"/>
+              </a:cxn>
+              <a:cxn ang="0">
+                <a:pos x="T102" y="T103"/>
+              </a:cxn>
+              <a:cxn ang="0">
+                <a:pos x="T104" y="T105"/>
+              </a:cxn>
+              <a:cxn ang="0">
+                <a:pos x="T106" y="T107"/>
+              </a:cxn>
+              <a:cxn ang="0">
+                <a:pos x="T108" y="T109"/>
+              </a:cxn>
+              <a:cxn ang="0">
+                <a:pos x="T110" y="T111"/>
+              </a:cxn>
+              <a:cxn ang="0">
+                <a:pos x="T112" y="T113"/>
+              </a:cxn>
+            </a:cxnLst>
+            <a:rect l="0" t="0" r="r" b="b"/>
+            <a:pathLst>
+              <a:path w="904" h="903">
+                <a:moveTo>
+                  <a:pt x="889" y="211"/>
+                </a:moveTo>
+                <a:lnTo>
+                  <a:pt x="768" y="211"/>
+                </a:lnTo>
+                <a:lnTo>
+                  <a:pt x="765" y="211"/>
+                </a:lnTo>
+                <a:lnTo>
+                  <a:pt x="763" y="212"/>
+                </a:lnTo>
+                <a:lnTo>
+                  <a:pt x="761" y="213"/>
+                </a:lnTo>
+                <a:lnTo>
+                  <a:pt x="758" y="215"/>
+                </a:lnTo>
+                <a:lnTo>
+                  <a:pt x="756" y="217"/>
+                </a:lnTo>
+                <a:lnTo>
+                  <a:pt x="755" y="220"/>
+                </a:lnTo>
+                <a:lnTo>
+                  <a:pt x="754" y="222"/>
+                </a:lnTo>
+                <a:lnTo>
+                  <a:pt x="754" y="225"/>
+                </a:lnTo>
+                <a:lnTo>
+                  <a:pt x="754" y="271"/>
+                </a:lnTo>
+                <a:lnTo>
+                  <a:pt x="663" y="271"/>
+                </a:lnTo>
+                <a:lnTo>
+                  <a:pt x="627" y="272"/>
+                </a:lnTo>
+                <a:lnTo>
+                  <a:pt x="593" y="275"/>
+                </a:lnTo>
+                <a:lnTo>
+                  <a:pt x="576" y="277"/>
+                </a:lnTo>
+                <a:lnTo>
+                  <a:pt x="561" y="281"/>
+                </a:lnTo>
+                <a:lnTo>
+                  <a:pt x="545" y="284"/>
+                </a:lnTo>
+                <a:lnTo>
+                  <a:pt x="529" y="287"/>
+                </a:lnTo>
+                <a:lnTo>
+                  <a:pt x="513" y="292"/>
+                </a:lnTo>
+                <a:lnTo>
+                  <a:pt x="498" y="298"/>
+                </a:lnTo>
+                <a:lnTo>
+                  <a:pt x="484" y="302"/>
+                </a:lnTo>
+                <a:lnTo>
+                  <a:pt x="470" y="309"/>
+                </a:lnTo>
+                <a:lnTo>
+                  <a:pt x="457" y="315"/>
+                </a:lnTo>
+                <a:lnTo>
+                  <a:pt x="443" y="323"/>
+                </a:lnTo>
+                <a:lnTo>
+                  <a:pt x="431" y="329"/>
+                </a:lnTo>
+                <a:lnTo>
+                  <a:pt x="418" y="337"/>
+                </a:lnTo>
+                <a:lnTo>
+                  <a:pt x="415" y="328"/>
+                </a:lnTo>
+                <a:lnTo>
+                  <a:pt x="409" y="319"/>
+                </a:lnTo>
+                <a:lnTo>
+                  <a:pt x="565" y="163"/>
+                </a:lnTo>
+                <a:lnTo>
+                  <a:pt x="578" y="170"/>
+                </a:lnTo>
+                <a:lnTo>
+                  <a:pt x="590" y="176"/>
+                </a:lnTo>
+                <a:lnTo>
+                  <a:pt x="597" y="178"/>
+                </a:lnTo>
+                <a:lnTo>
+                  <a:pt x="604" y="179"/>
+                </a:lnTo>
+                <a:lnTo>
+                  <a:pt x="610" y="180"/>
+                </a:lnTo>
+                <a:lnTo>
+                  <a:pt x="618" y="180"/>
+                </a:lnTo>
+                <a:lnTo>
+                  <a:pt x="627" y="180"/>
+                </a:lnTo>
+                <a:lnTo>
+                  <a:pt x="636" y="178"/>
+                </a:lnTo>
+                <a:lnTo>
+                  <a:pt x="644" y="176"/>
+                </a:lnTo>
+                <a:lnTo>
+                  <a:pt x="653" y="173"/>
+                </a:lnTo>
+                <a:lnTo>
+                  <a:pt x="661" y="169"/>
+                </a:lnTo>
+                <a:lnTo>
+                  <a:pt x="668" y="164"/>
+                </a:lnTo>
+                <a:lnTo>
+                  <a:pt x="676" y="160"/>
+                </a:lnTo>
+                <a:lnTo>
+                  <a:pt x="681" y="154"/>
+                </a:lnTo>
+                <a:lnTo>
+                  <a:pt x="687" y="147"/>
+                </a:lnTo>
+                <a:lnTo>
+                  <a:pt x="693" y="141"/>
+                </a:lnTo>
+                <a:lnTo>
+                  <a:pt x="697" y="133"/>
+                </a:lnTo>
+                <a:lnTo>
+                  <a:pt x="701" y="125"/>
+                </a:lnTo>
+                <a:lnTo>
+                  <a:pt x="704" y="117"/>
+                </a:lnTo>
+                <a:lnTo>
+                  <a:pt x="706" y="108"/>
+                </a:lnTo>
+                <a:lnTo>
+                  <a:pt x="707" y="99"/>
+                </a:lnTo>
+                <a:lnTo>
+                  <a:pt x="709" y="90"/>
+                </a:lnTo>
+                <a:lnTo>
+                  <a:pt x="707" y="81"/>
+                </a:lnTo>
+                <a:lnTo>
+                  <a:pt x="706" y="72"/>
+                </a:lnTo>
+                <a:lnTo>
+                  <a:pt x="704" y="63"/>
+                </a:lnTo>
+                <a:lnTo>
+                  <a:pt x="701" y="55"/>
+                </a:lnTo>
+                <a:lnTo>
+                  <a:pt x="697" y="47"/>
+                </a:lnTo>
+                <a:lnTo>
+                  <a:pt x="693" y="39"/>
+                </a:lnTo>
+                <a:lnTo>
+                  <a:pt x="687" y="32"/>
+                </a:lnTo>
+                <a:lnTo>
+                  <a:pt x="681" y="25"/>
+                </a:lnTo>
+                <a:lnTo>
+                  <a:pt x="676" y="20"/>
+                </a:lnTo>
+                <a:lnTo>
+                  <a:pt x="668" y="15"/>
+                </a:lnTo>
+                <a:lnTo>
+                  <a:pt x="661" y="11"/>
+                </a:lnTo>
+                <a:lnTo>
+                  <a:pt x="653" y="6"/>
+                </a:lnTo>
+                <a:lnTo>
+                  <a:pt x="644" y="4"/>
+                </a:lnTo>
+                <a:lnTo>
+                  <a:pt x="636" y="2"/>
+                </a:lnTo>
+                <a:lnTo>
+                  <a:pt x="627" y="0"/>
+                </a:lnTo>
+                <a:lnTo>
+                  <a:pt x="618" y="0"/>
+                </a:lnTo>
+                <a:lnTo>
+                  <a:pt x="609" y="0"/>
+                </a:lnTo>
+                <a:lnTo>
+                  <a:pt x="600" y="2"/>
+                </a:lnTo>
+                <a:lnTo>
+                  <a:pt x="591" y="4"/>
+                </a:lnTo>
+                <a:lnTo>
+                  <a:pt x="583" y="6"/>
+                </a:lnTo>
+                <a:lnTo>
+                  <a:pt x="575" y="11"/>
+                </a:lnTo>
+                <a:lnTo>
+                  <a:pt x="567" y="15"/>
+                </a:lnTo>
+                <a:lnTo>
+                  <a:pt x="561" y="20"/>
+                </a:lnTo>
+                <a:lnTo>
+                  <a:pt x="554" y="25"/>
+                </a:lnTo>
+                <a:lnTo>
+                  <a:pt x="548" y="32"/>
+                </a:lnTo>
+                <a:lnTo>
+                  <a:pt x="543" y="39"/>
+                </a:lnTo>
+                <a:lnTo>
+                  <a:pt x="538" y="47"/>
+                </a:lnTo>
+                <a:lnTo>
+                  <a:pt x="535" y="55"/>
+                </a:lnTo>
+                <a:lnTo>
+                  <a:pt x="531" y="63"/>
+                </a:lnTo>
+                <a:lnTo>
+                  <a:pt x="529" y="72"/>
+                </a:lnTo>
+                <a:lnTo>
+                  <a:pt x="528" y="81"/>
+                </a:lnTo>
+                <a:lnTo>
+                  <a:pt x="528" y="90"/>
+                </a:lnTo>
+                <a:lnTo>
+                  <a:pt x="529" y="105"/>
+                </a:lnTo>
+                <a:lnTo>
+                  <a:pt x="532" y="118"/>
+                </a:lnTo>
+                <a:lnTo>
+                  <a:pt x="537" y="131"/>
+                </a:lnTo>
+                <a:lnTo>
+                  <a:pt x="545" y="142"/>
+                </a:lnTo>
+                <a:lnTo>
+                  <a:pt x="388" y="298"/>
+                </a:lnTo>
+                <a:lnTo>
+                  <a:pt x="379" y="293"/>
+                </a:lnTo>
+                <a:lnTo>
+                  <a:pt x="369" y="289"/>
+                </a:lnTo>
+                <a:lnTo>
+                  <a:pt x="358" y="286"/>
+                </a:lnTo>
+                <a:lnTo>
+                  <a:pt x="347" y="285"/>
+                </a:lnTo>
+                <a:lnTo>
+                  <a:pt x="339" y="286"/>
+                </a:lnTo>
+                <a:lnTo>
+                  <a:pt x="331" y="287"/>
+                </a:lnTo>
+                <a:lnTo>
+                  <a:pt x="325" y="289"/>
+                </a:lnTo>
+                <a:lnTo>
+                  <a:pt x="318" y="292"/>
+                </a:lnTo>
+                <a:lnTo>
+                  <a:pt x="311" y="294"/>
+                </a:lnTo>
+                <a:lnTo>
+                  <a:pt x="304" y="299"/>
+                </a:lnTo>
+                <a:lnTo>
+                  <a:pt x="299" y="303"/>
+                </a:lnTo>
+                <a:lnTo>
+                  <a:pt x="294" y="308"/>
+                </a:lnTo>
+                <a:lnTo>
+                  <a:pt x="288" y="313"/>
+                </a:lnTo>
+                <a:lnTo>
+                  <a:pt x="284" y="319"/>
+                </a:lnTo>
+                <a:lnTo>
+                  <a:pt x="281" y="325"/>
+                </a:lnTo>
+                <a:lnTo>
+                  <a:pt x="277" y="332"/>
+                </a:lnTo>
+                <a:lnTo>
+                  <a:pt x="275" y="338"/>
+                </a:lnTo>
+                <a:lnTo>
+                  <a:pt x="273" y="346"/>
+                </a:lnTo>
+                <a:lnTo>
+                  <a:pt x="271" y="353"/>
+                </a:lnTo>
+                <a:lnTo>
+                  <a:pt x="271" y="361"/>
+                </a:lnTo>
+                <a:lnTo>
+                  <a:pt x="273" y="372"/>
+                </a:lnTo>
+                <a:lnTo>
+                  <a:pt x="275" y="383"/>
+                </a:lnTo>
+                <a:lnTo>
+                  <a:pt x="278" y="393"/>
+                </a:lnTo>
+                <a:lnTo>
+                  <a:pt x="284" y="403"/>
+                </a:lnTo>
+                <a:lnTo>
+                  <a:pt x="134" y="553"/>
+                </a:lnTo>
+                <a:lnTo>
+                  <a:pt x="124" y="547"/>
+                </a:lnTo>
+                <a:lnTo>
+                  <a:pt x="113" y="545"/>
+                </a:lnTo>
+                <a:lnTo>
+                  <a:pt x="102" y="543"/>
+                </a:lnTo>
+                <a:lnTo>
+                  <a:pt x="91" y="542"/>
+                </a:lnTo>
+                <a:lnTo>
+                  <a:pt x="82" y="542"/>
+                </a:lnTo>
+                <a:lnTo>
+                  <a:pt x="73" y="544"/>
+                </a:lnTo>
+                <a:lnTo>
+                  <a:pt x="64" y="546"/>
+                </a:lnTo>
+                <a:lnTo>
+                  <a:pt x="56" y="548"/>
+                </a:lnTo>
+                <a:lnTo>
+                  <a:pt x="48" y="553"/>
+                </a:lnTo>
+                <a:lnTo>
+                  <a:pt x="40" y="557"/>
+                </a:lnTo>
+                <a:lnTo>
+                  <a:pt x="33" y="562"/>
+                </a:lnTo>
+                <a:lnTo>
+                  <a:pt x="26" y="568"/>
+                </a:lnTo>
+                <a:lnTo>
+                  <a:pt x="21" y="574"/>
+                </a:lnTo>
+                <a:lnTo>
+                  <a:pt x="16" y="581"/>
+                </a:lnTo>
+                <a:lnTo>
+                  <a:pt x="12" y="589"/>
+                </a:lnTo>
+                <a:lnTo>
+                  <a:pt x="7" y="597"/>
+                </a:lnTo>
+                <a:lnTo>
+                  <a:pt x="5" y="605"/>
+                </a:lnTo>
+                <a:lnTo>
+                  <a:pt x="3" y="614"/>
+                </a:lnTo>
+                <a:lnTo>
+                  <a:pt x="0" y="623"/>
+                </a:lnTo>
+                <a:lnTo>
+                  <a:pt x="0" y="632"/>
+                </a:lnTo>
+                <a:lnTo>
+                  <a:pt x="0" y="641"/>
+                </a:lnTo>
+                <a:lnTo>
+                  <a:pt x="3" y="650"/>
+                </a:lnTo>
+                <a:lnTo>
+                  <a:pt x="5" y="659"/>
+                </a:lnTo>
+                <a:lnTo>
+                  <a:pt x="7" y="667"/>
+                </a:lnTo>
+                <a:lnTo>
+                  <a:pt x="12" y="675"/>
+                </a:lnTo>
+                <a:lnTo>
+                  <a:pt x="16" y="683"/>
+                </a:lnTo>
+                <a:lnTo>
+                  <a:pt x="21" y="690"/>
+                </a:lnTo>
+                <a:lnTo>
+                  <a:pt x="26" y="696"/>
+                </a:lnTo>
+                <a:lnTo>
+                  <a:pt x="33" y="702"/>
+                </a:lnTo>
+                <a:lnTo>
+                  <a:pt x="40" y="706"/>
+                </a:lnTo>
+                <a:lnTo>
+                  <a:pt x="48" y="711"/>
+                </a:lnTo>
+                <a:lnTo>
+                  <a:pt x="56" y="716"/>
+                </a:lnTo>
+                <a:lnTo>
+                  <a:pt x="64" y="718"/>
+                </a:lnTo>
+                <a:lnTo>
+                  <a:pt x="73" y="720"/>
+                </a:lnTo>
+                <a:lnTo>
+                  <a:pt x="82" y="722"/>
+                </a:lnTo>
+                <a:lnTo>
+                  <a:pt x="91" y="722"/>
+                </a:lnTo>
+                <a:lnTo>
+                  <a:pt x="100" y="722"/>
+                </a:lnTo>
+                <a:lnTo>
+                  <a:pt x="109" y="720"/>
+                </a:lnTo>
+                <a:lnTo>
+                  <a:pt x="118" y="718"/>
+                </a:lnTo>
+                <a:lnTo>
+                  <a:pt x="126" y="716"/>
+                </a:lnTo>
+                <a:lnTo>
+                  <a:pt x="134" y="711"/>
+                </a:lnTo>
+                <a:lnTo>
+                  <a:pt x="142" y="706"/>
+                </a:lnTo>
+                <a:lnTo>
+                  <a:pt x="148" y="702"/>
+                </a:lnTo>
+                <a:lnTo>
+                  <a:pt x="155" y="696"/>
+                </a:lnTo>
+                <a:lnTo>
+                  <a:pt x="161" y="690"/>
+                </a:lnTo>
+                <a:lnTo>
+                  <a:pt x="165" y="683"/>
+                </a:lnTo>
+                <a:lnTo>
+                  <a:pt x="170" y="675"/>
+                </a:lnTo>
+                <a:lnTo>
+                  <a:pt x="174" y="667"/>
+                </a:lnTo>
+                <a:lnTo>
+                  <a:pt x="177" y="659"/>
+                </a:lnTo>
+                <a:lnTo>
+                  <a:pt x="179" y="650"/>
+                </a:lnTo>
+                <a:lnTo>
+                  <a:pt x="181" y="641"/>
+                </a:lnTo>
+                <a:lnTo>
+                  <a:pt x="181" y="632"/>
+                </a:lnTo>
+                <a:lnTo>
+                  <a:pt x="181" y="623"/>
+                </a:lnTo>
+                <a:lnTo>
+                  <a:pt x="180" y="615"/>
+                </a:lnTo>
+                <a:lnTo>
+                  <a:pt x="178" y="607"/>
+                </a:lnTo>
+                <a:lnTo>
+                  <a:pt x="174" y="599"/>
+                </a:lnTo>
+                <a:lnTo>
+                  <a:pt x="171" y="591"/>
+                </a:lnTo>
+                <a:lnTo>
+                  <a:pt x="168" y="585"/>
+                </a:lnTo>
+                <a:lnTo>
+                  <a:pt x="163" y="578"/>
+                </a:lnTo>
+                <a:lnTo>
+                  <a:pt x="157" y="571"/>
+                </a:lnTo>
+                <a:lnTo>
+                  <a:pt x="305" y="424"/>
+                </a:lnTo>
+                <a:lnTo>
+                  <a:pt x="316" y="430"/>
+                </a:lnTo>
+                <a:lnTo>
+                  <a:pt x="328" y="433"/>
+                </a:lnTo>
+                <a:lnTo>
+                  <a:pt x="314" y="457"/>
+                </a:lnTo>
+                <a:lnTo>
+                  <a:pt x="303" y="483"/>
+                </a:lnTo>
+                <a:lnTo>
+                  <a:pt x="294" y="510"/>
+                </a:lnTo>
+                <a:lnTo>
+                  <a:pt x="286" y="538"/>
+                </a:lnTo>
+                <a:lnTo>
+                  <a:pt x="279" y="568"/>
+                </a:lnTo>
+                <a:lnTo>
+                  <a:pt x="275" y="598"/>
+                </a:lnTo>
+                <a:lnTo>
+                  <a:pt x="273" y="630"/>
+                </a:lnTo>
+                <a:lnTo>
+                  <a:pt x="271" y="662"/>
+                </a:lnTo>
+                <a:lnTo>
+                  <a:pt x="271" y="753"/>
+                </a:lnTo>
+                <a:lnTo>
+                  <a:pt x="226" y="753"/>
+                </a:lnTo>
+                <a:lnTo>
+                  <a:pt x="223" y="753"/>
+                </a:lnTo>
+                <a:lnTo>
+                  <a:pt x="221" y="754"/>
+                </a:lnTo>
+                <a:lnTo>
+                  <a:pt x="218" y="755"/>
+                </a:lnTo>
+                <a:lnTo>
+                  <a:pt x="216" y="757"/>
+                </a:lnTo>
+                <a:lnTo>
+                  <a:pt x="214" y="760"/>
+                </a:lnTo>
+                <a:lnTo>
+                  <a:pt x="213" y="762"/>
+                </a:lnTo>
+                <a:lnTo>
+                  <a:pt x="212" y="764"/>
+                </a:lnTo>
+                <a:lnTo>
+                  <a:pt x="212" y="767"/>
+                </a:lnTo>
+                <a:lnTo>
+                  <a:pt x="212" y="888"/>
+                </a:lnTo>
+                <a:lnTo>
+                  <a:pt x="212" y="891"/>
+                </a:lnTo>
+                <a:lnTo>
+                  <a:pt x="213" y="894"/>
+                </a:lnTo>
+                <a:lnTo>
+                  <a:pt x="214" y="896"/>
+                </a:lnTo>
+                <a:lnTo>
+                  <a:pt x="216" y="898"/>
+                </a:lnTo>
+                <a:lnTo>
+                  <a:pt x="218" y="901"/>
+                </a:lnTo>
+                <a:lnTo>
+                  <a:pt x="221" y="902"/>
+                </a:lnTo>
+                <a:lnTo>
+                  <a:pt x="223" y="903"/>
+                </a:lnTo>
+                <a:lnTo>
+                  <a:pt x="226" y="903"/>
+                </a:lnTo>
+                <a:lnTo>
+                  <a:pt x="347" y="903"/>
+                </a:lnTo>
+                <a:lnTo>
+                  <a:pt x="349" y="903"/>
+                </a:lnTo>
+                <a:lnTo>
+                  <a:pt x="353" y="902"/>
+                </a:lnTo>
+                <a:lnTo>
+                  <a:pt x="355" y="901"/>
+                </a:lnTo>
+                <a:lnTo>
+                  <a:pt x="357" y="898"/>
+                </a:lnTo>
+                <a:lnTo>
+                  <a:pt x="360" y="896"/>
+                </a:lnTo>
+                <a:lnTo>
+                  <a:pt x="361" y="894"/>
+                </a:lnTo>
+                <a:lnTo>
+                  <a:pt x="362" y="891"/>
+                </a:lnTo>
+                <a:lnTo>
+                  <a:pt x="362" y="888"/>
+                </a:lnTo>
+                <a:lnTo>
+                  <a:pt x="362" y="767"/>
+                </a:lnTo>
+                <a:lnTo>
+                  <a:pt x="362" y="764"/>
+                </a:lnTo>
+                <a:lnTo>
+                  <a:pt x="361" y="762"/>
+                </a:lnTo>
+                <a:lnTo>
+                  <a:pt x="360" y="760"/>
+                </a:lnTo>
+                <a:lnTo>
+                  <a:pt x="357" y="757"/>
+                </a:lnTo>
+                <a:lnTo>
+                  <a:pt x="355" y="755"/>
+                </a:lnTo>
+                <a:lnTo>
+                  <a:pt x="353" y="754"/>
+                </a:lnTo>
+                <a:lnTo>
+                  <a:pt x="349" y="753"/>
+                </a:lnTo>
+                <a:lnTo>
+                  <a:pt x="347" y="753"/>
+                </a:lnTo>
+                <a:lnTo>
+                  <a:pt x="302" y="753"/>
+                </a:lnTo>
+                <a:lnTo>
+                  <a:pt x="302" y="662"/>
+                </a:lnTo>
+                <a:lnTo>
+                  <a:pt x="303" y="629"/>
+                </a:lnTo>
+                <a:lnTo>
+                  <a:pt x="305" y="597"/>
+                </a:lnTo>
+                <a:lnTo>
+                  <a:pt x="310" y="566"/>
+                </a:lnTo>
+                <a:lnTo>
+                  <a:pt x="317" y="537"/>
+                </a:lnTo>
+                <a:lnTo>
+                  <a:pt x="326" y="509"/>
+                </a:lnTo>
+                <a:lnTo>
+                  <a:pt x="336" y="482"/>
+                </a:lnTo>
+                <a:lnTo>
+                  <a:pt x="343" y="469"/>
+                </a:lnTo>
+                <a:lnTo>
+                  <a:pt x="348" y="457"/>
+                </a:lnTo>
+                <a:lnTo>
+                  <a:pt x="355" y="446"/>
+                </a:lnTo>
+                <a:lnTo>
+                  <a:pt x="363" y="434"/>
+                </a:lnTo>
+                <a:lnTo>
+                  <a:pt x="373" y="431"/>
+                </a:lnTo>
+                <a:lnTo>
+                  <a:pt x="383" y="426"/>
+                </a:lnTo>
+                <a:lnTo>
+                  <a:pt x="393" y="420"/>
+                </a:lnTo>
+                <a:lnTo>
+                  <a:pt x="401" y="413"/>
+                </a:lnTo>
+                <a:lnTo>
+                  <a:pt x="408" y="404"/>
+                </a:lnTo>
+                <a:lnTo>
+                  <a:pt x="414" y="395"/>
+                </a:lnTo>
+                <a:lnTo>
+                  <a:pt x="418" y="383"/>
+                </a:lnTo>
+                <a:lnTo>
+                  <a:pt x="421" y="372"/>
+                </a:lnTo>
+                <a:lnTo>
+                  <a:pt x="433" y="364"/>
+                </a:lnTo>
+                <a:lnTo>
+                  <a:pt x="445" y="356"/>
+                </a:lnTo>
+                <a:lnTo>
+                  <a:pt x="458" y="348"/>
+                </a:lnTo>
+                <a:lnTo>
+                  <a:pt x="471" y="342"/>
+                </a:lnTo>
+                <a:lnTo>
+                  <a:pt x="485" y="335"/>
+                </a:lnTo>
+                <a:lnTo>
+                  <a:pt x="498" y="329"/>
+                </a:lnTo>
+                <a:lnTo>
+                  <a:pt x="513" y="324"/>
+                </a:lnTo>
+                <a:lnTo>
+                  <a:pt x="529" y="319"/>
+                </a:lnTo>
+                <a:lnTo>
+                  <a:pt x="544" y="315"/>
+                </a:lnTo>
+                <a:lnTo>
+                  <a:pt x="559" y="311"/>
+                </a:lnTo>
+                <a:lnTo>
+                  <a:pt x="576" y="308"/>
+                </a:lnTo>
+                <a:lnTo>
+                  <a:pt x="593" y="306"/>
+                </a:lnTo>
+                <a:lnTo>
+                  <a:pt x="610" y="303"/>
+                </a:lnTo>
+                <a:lnTo>
+                  <a:pt x="627" y="302"/>
+                </a:lnTo>
+                <a:lnTo>
+                  <a:pt x="645" y="301"/>
+                </a:lnTo>
+                <a:lnTo>
+                  <a:pt x="663" y="301"/>
+                </a:lnTo>
+                <a:lnTo>
+                  <a:pt x="754" y="301"/>
+                </a:lnTo>
+                <a:lnTo>
+                  <a:pt x="754" y="346"/>
+                </a:lnTo>
+                <a:lnTo>
+                  <a:pt x="754" y="348"/>
+                </a:lnTo>
+                <a:lnTo>
+                  <a:pt x="755" y="352"/>
+                </a:lnTo>
+                <a:lnTo>
+                  <a:pt x="756" y="354"/>
+                </a:lnTo>
+                <a:lnTo>
+                  <a:pt x="758" y="356"/>
+                </a:lnTo>
+                <a:lnTo>
+                  <a:pt x="761" y="359"/>
+                </a:lnTo>
+                <a:lnTo>
+                  <a:pt x="763" y="360"/>
+                </a:lnTo>
+                <a:lnTo>
+                  <a:pt x="765" y="361"/>
+                </a:lnTo>
+                <a:lnTo>
+                  <a:pt x="768" y="361"/>
+                </a:lnTo>
+                <a:lnTo>
+                  <a:pt x="889" y="361"/>
+                </a:lnTo>
+                <a:lnTo>
+                  <a:pt x="892" y="361"/>
+                </a:lnTo>
+                <a:lnTo>
+                  <a:pt x="895" y="360"/>
+                </a:lnTo>
+                <a:lnTo>
+                  <a:pt x="897" y="359"/>
+                </a:lnTo>
+                <a:lnTo>
+                  <a:pt x="899" y="356"/>
+                </a:lnTo>
+                <a:lnTo>
+                  <a:pt x="902" y="354"/>
+                </a:lnTo>
+                <a:lnTo>
+                  <a:pt x="903" y="352"/>
+                </a:lnTo>
+                <a:lnTo>
+                  <a:pt x="904" y="348"/>
+                </a:lnTo>
+                <a:lnTo>
+                  <a:pt x="904" y="346"/>
+                </a:lnTo>
+                <a:lnTo>
+                  <a:pt x="904" y="225"/>
+                </a:lnTo>
+                <a:lnTo>
+                  <a:pt x="904" y="222"/>
+                </a:lnTo>
+                <a:lnTo>
+                  <a:pt x="903" y="220"/>
+                </a:lnTo>
+                <a:lnTo>
+                  <a:pt x="902" y="217"/>
+                </a:lnTo>
+                <a:lnTo>
+                  <a:pt x="899" y="215"/>
+                </a:lnTo>
+                <a:lnTo>
+                  <a:pt x="897" y="213"/>
+                </a:lnTo>
+                <a:lnTo>
+                  <a:pt x="895" y="212"/>
+                </a:lnTo>
+                <a:lnTo>
+                  <a:pt x="892" y="211"/>
+                </a:lnTo>
+                <a:lnTo>
+                  <a:pt x="889" y="211"/>
+                </a:lnTo>
+                <a:close/>
+              </a:path>
+            </a:pathLst>
+          </a:custGeom>
+          <a:solidFill>
+            <a:schemeClr val="bg1"/>
+          </a:solidFill>
+          <a:ln>
+            <a:noFill/>
+          </a:ln>
+        </p:spPr>
+        <p:txBody>
+          <a:bodyPr vert="horz" wrap="square" lIns="91440" tIns="45720" rIns="91440" bIns="45720" numCol="1" anchor="t" anchorCtr="0" compatLnSpc="1">
+            <a:prstTxWarp prst="textNoShape">
+              <a:avLst/>
+            </a:prstTxWarp>
+          </a:bodyPr>
+          <a:lstStyle/>
+          <a:p>
+            <a:endParaRPr lang="en-US" dirty="0"/>
+          </a:p>
+        </p:txBody>
+      </p:sp>
+      <p:grpSp>
+        <p:nvGrpSpPr>
+          <p:cNvPr id="36" name="Group 35" descr="Icon of human being and gear. ">
+            <a:extLst>
+              <a:ext uri="{FF2B5EF4-FFF2-40B4-BE49-F238E27FC236}">
+                <a16:creationId xmlns:a16="http://schemas.microsoft.com/office/drawing/2014/main" id="{ECC5F635-1712-4572-A9EC-F94E2199DDBD}"/>
+              </a:ext>
+            </a:extLst>
+          </p:cNvPr>
+          <p:cNvGrpSpPr/>
+          <p:nvPr/>
+        </p:nvGrpSpPr>
+        <p:grpSpPr>
+          <a:xfrm>
+            <a:off x="7133464" y="5355478"/>
+            <a:ext cx="338073" cy="339996"/>
+            <a:chOff x="6450013" y="5349875"/>
+            <a:chExt cx="279399" cy="280988"/>
+          </a:xfrm>
+          <a:solidFill>
+            <a:schemeClr val="bg1"/>
+          </a:solidFill>
+        </p:grpSpPr>
+        <p:sp>
+          <p:nvSpPr>
+            <p:cNvPr id="37" name="Freeform 3673">
+              <a:extLst>
+                <a:ext uri="{FF2B5EF4-FFF2-40B4-BE49-F238E27FC236}">
+                  <a16:creationId xmlns:a16="http://schemas.microsoft.com/office/drawing/2014/main" id="{D1391604-D4EC-48A8-AE57-EDF194392FB1}"/>
+                </a:ext>
+              </a:extLst>
+            </p:cNvPr>
+            <p:cNvSpPr>
+              <a:spLocks/>
+            </p:cNvSpPr>
+            <p:nvPr/>
+          </p:nvSpPr>
+          <p:spPr bwMode="auto">
+            <a:xfrm>
+              <a:off x="6450013" y="5349875"/>
+              <a:ext cx="182562" cy="238125"/>
+            </a:xfrm>
+            <a:custGeom>
+              <a:avLst/>
+              <a:gdLst>
+                <a:gd name="T0" fmla="*/ 379 w 459"/>
+                <a:gd name="T1" fmla="*/ 550 h 602"/>
+                <a:gd name="T2" fmla="*/ 380 w 459"/>
+                <a:gd name="T3" fmla="*/ 519 h 602"/>
+                <a:gd name="T4" fmla="*/ 345 w 459"/>
+                <a:gd name="T5" fmla="*/ 495 h 602"/>
+                <a:gd name="T6" fmla="*/ 397 w 459"/>
+                <a:gd name="T7" fmla="*/ 400 h 602"/>
+                <a:gd name="T8" fmla="*/ 408 w 459"/>
+                <a:gd name="T9" fmla="*/ 395 h 602"/>
+                <a:gd name="T10" fmla="*/ 450 w 459"/>
+                <a:gd name="T11" fmla="*/ 406 h 602"/>
+                <a:gd name="T12" fmla="*/ 412 w 459"/>
+                <a:gd name="T13" fmla="*/ 384 h 602"/>
+                <a:gd name="T14" fmla="*/ 376 w 459"/>
+                <a:gd name="T15" fmla="*/ 370 h 602"/>
+                <a:gd name="T16" fmla="*/ 361 w 459"/>
+                <a:gd name="T17" fmla="*/ 307 h 602"/>
+                <a:gd name="T18" fmla="*/ 379 w 459"/>
+                <a:gd name="T19" fmla="*/ 288 h 602"/>
+                <a:gd name="T20" fmla="*/ 397 w 459"/>
+                <a:gd name="T21" fmla="*/ 252 h 602"/>
+                <a:gd name="T22" fmla="*/ 406 w 459"/>
+                <a:gd name="T23" fmla="*/ 214 h 602"/>
+                <a:gd name="T24" fmla="*/ 415 w 459"/>
+                <a:gd name="T25" fmla="*/ 202 h 602"/>
+                <a:gd name="T26" fmla="*/ 420 w 459"/>
+                <a:gd name="T27" fmla="*/ 183 h 602"/>
+                <a:gd name="T28" fmla="*/ 416 w 459"/>
+                <a:gd name="T29" fmla="*/ 152 h 602"/>
+                <a:gd name="T30" fmla="*/ 412 w 459"/>
+                <a:gd name="T31" fmla="*/ 121 h 602"/>
+                <a:gd name="T32" fmla="*/ 420 w 459"/>
+                <a:gd name="T33" fmla="*/ 78 h 602"/>
+                <a:gd name="T34" fmla="*/ 415 w 459"/>
+                <a:gd name="T35" fmla="*/ 45 h 602"/>
+                <a:gd name="T36" fmla="*/ 403 w 459"/>
+                <a:gd name="T37" fmla="*/ 27 h 602"/>
+                <a:gd name="T38" fmla="*/ 382 w 459"/>
+                <a:gd name="T39" fmla="*/ 15 h 602"/>
+                <a:gd name="T40" fmla="*/ 341 w 459"/>
+                <a:gd name="T41" fmla="*/ 3 h 602"/>
+                <a:gd name="T42" fmla="*/ 291 w 459"/>
+                <a:gd name="T43" fmla="*/ 0 h 602"/>
+                <a:gd name="T44" fmla="*/ 245 w 459"/>
+                <a:gd name="T45" fmla="*/ 9 h 602"/>
+                <a:gd name="T46" fmla="*/ 213 w 459"/>
+                <a:gd name="T47" fmla="*/ 27 h 602"/>
+                <a:gd name="T48" fmla="*/ 201 w 459"/>
+                <a:gd name="T49" fmla="*/ 42 h 602"/>
+                <a:gd name="T50" fmla="*/ 181 w 459"/>
+                <a:gd name="T51" fmla="*/ 44 h 602"/>
+                <a:gd name="T52" fmla="*/ 163 w 459"/>
+                <a:gd name="T53" fmla="*/ 56 h 602"/>
+                <a:gd name="T54" fmla="*/ 155 w 459"/>
+                <a:gd name="T55" fmla="*/ 87 h 602"/>
+                <a:gd name="T56" fmla="*/ 164 w 459"/>
+                <a:gd name="T57" fmla="*/ 138 h 602"/>
+                <a:gd name="T58" fmla="*/ 159 w 459"/>
+                <a:gd name="T59" fmla="*/ 144 h 602"/>
+                <a:gd name="T60" fmla="*/ 150 w 459"/>
+                <a:gd name="T61" fmla="*/ 162 h 602"/>
+                <a:gd name="T62" fmla="*/ 149 w 459"/>
+                <a:gd name="T63" fmla="*/ 184 h 602"/>
+                <a:gd name="T64" fmla="*/ 154 w 459"/>
+                <a:gd name="T65" fmla="*/ 201 h 602"/>
+                <a:gd name="T66" fmla="*/ 163 w 459"/>
+                <a:gd name="T67" fmla="*/ 214 h 602"/>
+                <a:gd name="T68" fmla="*/ 169 w 459"/>
+                <a:gd name="T69" fmla="*/ 237 h 602"/>
+                <a:gd name="T70" fmla="*/ 179 w 459"/>
+                <a:gd name="T71" fmla="*/ 271 h 602"/>
+                <a:gd name="T72" fmla="*/ 203 w 459"/>
+                <a:gd name="T73" fmla="*/ 306 h 602"/>
+                <a:gd name="T74" fmla="*/ 215 w 459"/>
+                <a:gd name="T75" fmla="*/ 364 h 602"/>
+                <a:gd name="T76" fmla="*/ 171 w 459"/>
+                <a:gd name="T77" fmla="*/ 381 h 602"/>
+                <a:gd name="T78" fmla="*/ 106 w 459"/>
+                <a:gd name="T79" fmla="*/ 401 h 602"/>
+                <a:gd name="T80" fmla="*/ 46 w 459"/>
+                <a:gd name="T81" fmla="*/ 428 h 602"/>
+                <a:gd name="T82" fmla="*/ 22 w 459"/>
+                <a:gd name="T83" fmla="*/ 449 h 602"/>
+                <a:gd name="T84" fmla="*/ 10 w 459"/>
+                <a:gd name="T85" fmla="*/ 479 h 602"/>
+                <a:gd name="T86" fmla="*/ 2 w 459"/>
+                <a:gd name="T87" fmla="*/ 540 h 602"/>
+                <a:gd name="T88" fmla="*/ 1 w 459"/>
+                <a:gd name="T89" fmla="*/ 594 h 602"/>
+                <a:gd name="T90" fmla="*/ 11 w 459"/>
+                <a:gd name="T91" fmla="*/ 602 h 602"/>
+                <a:gd name="T92" fmla="*/ 345 w 459"/>
+                <a:gd name="T93" fmla="*/ 589 h 602"/>
+                <a:gd name="T94" fmla="*/ 352 w 459"/>
+                <a:gd name="T95" fmla="*/ 577 h 602"/>
+              </a:gdLst>
+              <a:ahLst/>
+              <a:cxnLst>
+                <a:cxn ang="0">
+                  <a:pos x="T0" y="T1"/>
+                </a:cxn>
+                <a:cxn ang="0">
+                  <a:pos x="T2" y="T3"/>
+                </a:cxn>
+                <a:cxn ang="0">
+                  <a:pos x="T4" y="T5"/>
+                </a:cxn>
+                <a:cxn ang="0">
+                  <a:pos x="T6" y="T7"/>
+                </a:cxn>
+                <a:cxn ang="0">
+                  <a:pos x="T8" y="T9"/>
+                </a:cxn>
+                <a:cxn ang="0">
+                  <a:pos x="T10" y="T11"/>
+                </a:cxn>
+                <a:cxn ang="0">
+                  <a:pos x="T12" y="T13"/>
+                </a:cxn>
+                <a:cxn ang="0">
+                  <a:pos x="T14" y="T15"/>
+                </a:cxn>
+                <a:cxn ang="0">
+                  <a:pos x="T16" y="T17"/>
+                </a:cxn>
+                <a:cxn ang="0">
+                  <a:pos x="T18" y="T19"/>
+                </a:cxn>
+                <a:cxn ang="0">
+                  <a:pos x="T20" y="T21"/>
+                </a:cxn>
+                <a:cxn ang="0">
+                  <a:pos x="T22" y="T23"/>
+                </a:cxn>
+                <a:cxn ang="0">
+                  <a:pos x="T24" y="T25"/>
+                </a:cxn>
+                <a:cxn ang="0">
+                  <a:pos x="T26" y="T27"/>
+                </a:cxn>
+                <a:cxn ang="0">
+                  <a:pos x="T28" y="T29"/>
+                </a:cxn>
+                <a:cxn ang="0">
+                  <a:pos x="T30" y="T31"/>
+                </a:cxn>
+                <a:cxn ang="0">
+                  <a:pos x="T32" y="T33"/>
+                </a:cxn>
+                <a:cxn ang="0">
+                  <a:pos x="T34" y="T35"/>
+                </a:cxn>
+                <a:cxn ang="0">
+                  <a:pos x="T36" y="T37"/>
+                </a:cxn>
+                <a:cxn ang="0">
+                  <a:pos x="T38" y="T39"/>
+                </a:cxn>
+                <a:cxn ang="0">
+                  <a:pos x="T40" y="T41"/>
+                </a:cxn>
+                <a:cxn ang="0">
+                  <a:pos x="T42" y="T43"/>
+                </a:cxn>
+                <a:cxn ang="0">
+                  <a:pos x="T44" y="T45"/>
+                </a:cxn>
+                <a:cxn ang="0">
+                  <a:pos x="T46" y="T47"/>
+                </a:cxn>
+                <a:cxn ang="0">
+                  <a:pos x="T48" y="T49"/>
+                </a:cxn>
+                <a:cxn ang="0">
+                  <a:pos x="T50" y="T51"/>
+                </a:cxn>
+                <a:cxn ang="0">
+                  <a:pos x="T52" y="T53"/>
+                </a:cxn>
+                <a:cxn ang="0">
+                  <a:pos x="T54" y="T55"/>
+                </a:cxn>
+                <a:cxn ang="0">
+                  <a:pos x="T56" y="T57"/>
+                </a:cxn>
+                <a:cxn ang="0">
+                  <a:pos x="T58" y="T59"/>
+                </a:cxn>
+                <a:cxn ang="0">
+                  <a:pos x="T60" y="T61"/>
+                </a:cxn>
+                <a:cxn ang="0">
+                  <a:pos x="T62" y="T63"/>
+                </a:cxn>
+                <a:cxn ang="0">
+                  <a:pos x="T64" y="T65"/>
+                </a:cxn>
+                <a:cxn ang="0">
+                  <a:pos x="T66" y="T67"/>
+                </a:cxn>
+                <a:cxn ang="0">
+                  <a:pos x="T68" y="T69"/>
+                </a:cxn>
+                <a:cxn ang="0">
+                  <a:pos x="T70" y="T71"/>
+                </a:cxn>
+                <a:cxn ang="0">
+                  <a:pos x="T72" y="T73"/>
+                </a:cxn>
+                <a:cxn ang="0">
+                  <a:pos x="T74" y="T75"/>
+                </a:cxn>
+                <a:cxn ang="0">
+                  <a:pos x="T76" y="T77"/>
+                </a:cxn>
+                <a:cxn ang="0">
+                  <a:pos x="T78" y="T79"/>
+                </a:cxn>
+                <a:cxn ang="0">
+                  <a:pos x="T80" y="T81"/>
+                </a:cxn>
+                <a:cxn ang="0">
+                  <a:pos x="T82" y="T83"/>
+                </a:cxn>
+                <a:cxn ang="0">
+                  <a:pos x="T84" y="T85"/>
+                </a:cxn>
+                <a:cxn ang="0">
+                  <a:pos x="T86" y="T87"/>
+                </a:cxn>
+                <a:cxn ang="0">
+                  <a:pos x="T88" y="T89"/>
+                </a:cxn>
+                <a:cxn ang="0">
+                  <a:pos x="T90" y="T91"/>
+                </a:cxn>
+                <a:cxn ang="0">
+                  <a:pos x="T92" y="T93"/>
+                </a:cxn>
+                <a:cxn ang="0">
+                  <a:pos x="T94" y="T95"/>
+                </a:cxn>
+              </a:cxnLst>
+              <a:rect l="0" t="0" r="r" b="b"/>
+              <a:pathLst>
+                <a:path w="459" h="602">
+                  <a:moveTo>
+                    <a:pt x="352" y="577"/>
+                  </a:moveTo>
+                  <a:lnTo>
+                    <a:pt x="380" y="560"/>
+                  </a:lnTo>
+                  <a:lnTo>
+                    <a:pt x="379" y="550"/>
+                  </a:lnTo>
+                  <a:lnTo>
+                    <a:pt x="379" y="540"/>
+                  </a:lnTo>
+                  <a:lnTo>
+                    <a:pt x="379" y="530"/>
+                  </a:lnTo>
+                  <a:lnTo>
+                    <a:pt x="380" y="519"/>
+                  </a:lnTo>
+                  <a:lnTo>
+                    <a:pt x="352" y="503"/>
+                  </a:lnTo>
+                  <a:lnTo>
+                    <a:pt x="348" y="499"/>
+                  </a:lnTo>
+                  <a:lnTo>
+                    <a:pt x="345" y="495"/>
+                  </a:lnTo>
+                  <a:lnTo>
+                    <a:pt x="345" y="490"/>
+                  </a:lnTo>
+                  <a:lnTo>
+                    <a:pt x="346" y="486"/>
+                  </a:lnTo>
+                  <a:lnTo>
+                    <a:pt x="397" y="400"/>
+                  </a:lnTo>
+                  <a:lnTo>
+                    <a:pt x="399" y="397"/>
+                  </a:lnTo>
+                  <a:lnTo>
+                    <a:pt x="403" y="395"/>
+                  </a:lnTo>
+                  <a:lnTo>
+                    <a:pt x="408" y="395"/>
+                  </a:lnTo>
+                  <a:lnTo>
+                    <a:pt x="413" y="396"/>
+                  </a:lnTo>
+                  <a:lnTo>
+                    <a:pt x="441" y="413"/>
+                  </a:lnTo>
+                  <a:lnTo>
+                    <a:pt x="450" y="406"/>
+                  </a:lnTo>
+                  <a:lnTo>
+                    <a:pt x="459" y="401"/>
+                  </a:lnTo>
+                  <a:lnTo>
+                    <a:pt x="424" y="388"/>
+                  </a:lnTo>
+                  <a:lnTo>
+                    <a:pt x="412" y="384"/>
+                  </a:lnTo>
+                  <a:lnTo>
+                    <a:pt x="400" y="379"/>
+                  </a:lnTo>
+                  <a:lnTo>
+                    <a:pt x="389" y="375"/>
+                  </a:lnTo>
+                  <a:lnTo>
+                    <a:pt x="376" y="370"/>
+                  </a:lnTo>
+                  <a:lnTo>
+                    <a:pt x="368" y="368"/>
+                  </a:lnTo>
+                  <a:lnTo>
+                    <a:pt x="361" y="364"/>
+                  </a:lnTo>
+                  <a:lnTo>
+                    <a:pt x="361" y="307"/>
+                  </a:lnTo>
+                  <a:lnTo>
+                    <a:pt x="366" y="302"/>
+                  </a:lnTo>
+                  <a:lnTo>
+                    <a:pt x="372" y="297"/>
+                  </a:lnTo>
+                  <a:lnTo>
+                    <a:pt x="379" y="288"/>
+                  </a:lnTo>
+                  <a:lnTo>
+                    <a:pt x="385" y="279"/>
+                  </a:lnTo>
+                  <a:lnTo>
+                    <a:pt x="391" y="266"/>
+                  </a:lnTo>
+                  <a:lnTo>
+                    <a:pt x="397" y="252"/>
+                  </a:lnTo>
+                  <a:lnTo>
+                    <a:pt x="400" y="235"/>
+                  </a:lnTo>
+                  <a:lnTo>
+                    <a:pt x="402" y="216"/>
+                  </a:lnTo>
+                  <a:lnTo>
+                    <a:pt x="406" y="214"/>
+                  </a:lnTo>
+                  <a:lnTo>
+                    <a:pt x="409" y="211"/>
+                  </a:lnTo>
+                  <a:lnTo>
+                    <a:pt x="412" y="207"/>
+                  </a:lnTo>
+                  <a:lnTo>
+                    <a:pt x="415" y="202"/>
+                  </a:lnTo>
+                  <a:lnTo>
+                    <a:pt x="417" y="197"/>
+                  </a:lnTo>
+                  <a:lnTo>
+                    <a:pt x="418" y="191"/>
+                  </a:lnTo>
+                  <a:lnTo>
+                    <a:pt x="420" y="183"/>
+                  </a:lnTo>
+                  <a:lnTo>
+                    <a:pt x="420" y="175"/>
+                  </a:lnTo>
+                  <a:lnTo>
+                    <a:pt x="420" y="164"/>
+                  </a:lnTo>
+                  <a:lnTo>
+                    <a:pt x="416" y="152"/>
+                  </a:lnTo>
+                  <a:lnTo>
+                    <a:pt x="412" y="144"/>
+                  </a:lnTo>
+                  <a:lnTo>
+                    <a:pt x="406" y="137"/>
+                  </a:lnTo>
+                  <a:lnTo>
+                    <a:pt x="412" y="121"/>
+                  </a:lnTo>
+                  <a:lnTo>
+                    <a:pt x="417" y="101"/>
+                  </a:lnTo>
+                  <a:lnTo>
+                    <a:pt x="420" y="89"/>
+                  </a:lnTo>
+                  <a:lnTo>
+                    <a:pt x="420" y="78"/>
+                  </a:lnTo>
+                  <a:lnTo>
+                    <a:pt x="420" y="65"/>
+                  </a:lnTo>
+                  <a:lnTo>
+                    <a:pt x="417" y="53"/>
+                  </a:lnTo>
+                  <a:lnTo>
+                    <a:pt x="415" y="45"/>
+                  </a:lnTo>
+                  <a:lnTo>
+                    <a:pt x="412" y="39"/>
+                  </a:lnTo>
+                  <a:lnTo>
+                    <a:pt x="407" y="34"/>
+                  </a:lnTo>
+                  <a:lnTo>
+                    <a:pt x="403" y="27"/>
+                  </a:lnTo>
+                  <a:lnTo>
+                    <a:pt x="397" y="24"/>
+                  </a:lnTo>
+                  <a:lnTo>
+                    <a:pt x="390" y="18"/>
+                  </a:lnTo>
+                  <a:lnTo>
+                    <a:pt x="382" y="15"/>
+                  </a:lnTo>
+                  <a:lnTo>
+                    <a:pt x="376" y="12"/>
+                  </a:lnTo>
+                  <a:lnTo>
+                    <a:pt x="359" y="7"/>
+                  </a:lnTo>
+                  <a:lnTo>
+                    <a:pt x="341" y="3"/>
+                  </a:lnTo>
+                  <a:lnTo>
+                    <a:pt x="325" y="0"/>
+                  </a:lnTo>
+                  <a:lnTo>
+                    <a:pt x="307" y="0"/>
+                  </a:lnTo>
+                  <a:lnTo>
+                    <a:pt x="291" y="0"/>
+                  </a:lnTo>
+                  <a:lnTo>
+                    <a:pt x="276" y="2"/>
+                  </a:lnTo>
+                  <a:lnTo>
+                    <a:pt x="260" y="6"/>
+                  </a:lnTo>
+                  <a:lnTo>
+                    <a:pt x="245" y="9"/>
+                  </a:lnTo>
+                  <a:lnTo>
+                    <a:pt x="231" y="16"/>
+                  </a:lnTo>
+                  <a:lnTo>
+                    <a:pt x="218" y="22"/>
+                  </a:lnTo>
+                  <a:lnTo>
+                    <a:pt x="213" y="27"/>
+                  </a:lnTo>
+                  <a:lnTo>
+                    <a:pt x="209" y="31"/>
+                  </a:lnTo>
+                  <a:lnTo>
+                    <a:pt x="204" y="36"/>
+                  </a:lnTo>
+                  <a:lnTo>
+                    <a:pt x="201" y="42"/>
+                  </a:lnTo>
+                  <a:lnTo>
+                    <a:pt x="194" y="42"/>
+                  </a:lnTo>
+                  <a:lnTo>
+                    <a:pt x="187" y="43"/>
+                  </a:lnTo>
+                  <a:lnTo>
+                    <a:pt x="181" y="44"/>
+                  </a:lnTo>
+                  <a:lnTo>
+                    <a:pt x="176" y="45"/>
+                  </a:lnTo>
+                  <a:lnTo>
+                    <a:pt x="168" y="51"/>
+                  </a:lnTo>
+                  <a:lnTo>
+                    <a:pt x="163" y="56"/>
+                  </a:lnTo>
+                  <a:lnTo>
+                    <a:pt x="158" y="65"/>
+                  </a:lnTo>
+                  <a:lnTo>
+                    <a:pt x="155" y="75"/>
+                  </a:lnTo>
+                  <a:lnTo>
+                    <a:pt x="155" y="87"/>
+                  </a:lnTo>
+                  <a:lnTo>
+                    <a:pt x="155" y="98"/>
+                  </a:lnTo>
+                  <a:lnTo>
+                    <a:pt x="159" y="120"/>
+                  </a:lnTo>
+                  <a:lnTo>
+                    <a:pt x="164" y="138"/>
+                  </a:lnTo>
+                  <a:lnTo>
+                    <a:pt x="164" y="139"/>
+                  </a:lnTo>
+                  <a:lnTo>
+                    <a:pt x="164" y="139"/>
+                  </a:lnTo>
+                  <a:lnTo>
+                    <a:pt x="159" y="144"/>
+                  </a:lnTo>
+                  <a:lnTo>
+                    <a:pt x="154" y="151"/>
+                  </a:lnTo>
+                  <a:lnTo>
+                    <a:pt x="151" y="156"/>
+                  </a:lnTo>
+                  <a:lnTo>
+                    <a:pt x="150" y="162"/>
+                  </a:lnTo>
+                  <a:lnTo>
+                    <a:pt x="149" y="170"/>
+                  </a:lnTo>
+                  <a:lnTo>
+                    <a:pt x="149" y="176"/>
+                  </a:lnTo>
+                  <a:lnTo>
+                    <a:pt x="149" y="184"/>
+                  </a:lnTo>
+                  <a:lnTo>
+                    <a:pt x="150" y="191"/>
+                  </a:lnTo>
+                  <a:lnTo>
+                    <a:pt x="151" y="196"/>
+                  </a:lnTo>
+                  <a:lnTo>
+                    <a:pt x="154" y="201"/>
+                  </a:lnTo>
+                  <a:lnTo>
+                    <a:pt x="156" y="206"/>
+                  </a:lnTo>
+                  <a:lnTo>
+                    <a:pt x="159" y="210"/>
+                  </a:lnTo>
+                  <a:lnTo>
+                    <a:pt x="163" y="214"/>
+                  </a:lnTo>
+                  <a:lnTo>
+                    <a:pt x="167" y="216"/>
+                  </a:lnTo>
+                  <a:lnTo>
+                    <a:pt x="168" y="227"/>
+                  </a:lnTo>
+                  <a:lnTo>
+                    <a:pt x="169" y="237"/>
+                  </a:lnTo>
+                  <a:lnTo>
+                    <a:pt x="172" y="246"/>
+                  </a:lnTo>
+                  <a:lnTo>
+                    <a:pt x="174" y="255"/>
+                  </a:lnTo>
+                  <a:lnTo>
+                    <a:pt x="179" y="271"/>
+                  </a:lnTo>
+                  <a:lnTo>
+                    <a:pt x="187" y="286"/>
+                  </a:lnTo>
+                  <a:lnTo>
+                    <a:pt x="195" y="297"/>
+                  </a:lnTo>
+                  <a:lnTo>
+                    <a:pt x="203" y="306"/>
+                  </a:lnTo>
+                  <a:lnTo>
+                    <a:pt x="210" y="314"/>
+                  </a:lnTo>
+                  <a:lnTo>
+                    <a:pt x="215" y="319"/>
+                  </a:lnTo>
+                  <a:lnTo>
+                    <a:pt x="215" y="364"/>
+                  </a:lnTo>
+                  <a:lnTo>
+                    <a:pt x="201" y="369"/>
+                  </a:lnTo>
+                  <a:lnTo>
+                    <a:pt x="186" y="375"/>
+                  </a:lnTo>
+                  <a:lnTo>
+                    <a:pt x="171" y="381"/>
+                  </a:lnTo>
+                  <a:lnTo>
+                    <a:pt x="155" y="384"/>
+                  </a:lnTo>
+                  <a:lnTo>
+                    <a:pt x="129" y="393"/>
+                  </a:lnTo>
+                  <a:lnTo>
+                    <a:pt x="106" y="401"/>
+                  </a:lnTo>
+                  <a:lnTo>
+                    <a:pt x="83" y="410"/>
+                  </a:lnTo>
+                  <a:lnTo>
+                    <a:pt x="64" y="419"/>
+                  </a:lnTo>
+                  <a:lnTo>
+                    <a:pt x="46" y="428"/>
+                  </a:lnTo>
+                  <a:lnTo>
+                    <a:pt x="32" y="438"/>
+                  </a:lnTo>
+                  <a:lnTo>
+                    <a:pt x="27" y="444"/>
+                  </a:lnTo>
+                  <a:lnTo>
+                    <a:pt x="22" y="449"/>
+                  </a:lnTo>
+                  <a:lnTo>
+                    <a:pt x="18" y="455"/>
+                  </a:lnTo>
+                  <a:lnTo>
+                    <a:pt x="15" y="460"/>
+                  </a:lnTo>
+                  <a:lnTo>
+                    <a:pt x="10" y="479"/>
+                  </a:lnTo>
+                  <a:lnTo>
+                    <a:pt x="6" y="499"/>
+                  </a:lnTo>
+                  <a:lnTo>
+                    <a:pt x="4" y="521"/>
+                  </a:lnTo>
+                  <a:lnTo>
+                    <a:pt x="2" y="540"/>
+                  </a:lnTo>
+                  <a:lnTo>
+                    <a:pt x="0" y="573"/>
+                  </a:lnTo>
+                  <a:lnTo>
+                    <a:pt x="0" y="589"/>
+                  </a:lnTo>
+                  <a:lnTo>
+                    <a:pt x="1" y="594"/>
+                  </a:lnTo>
+                  <a:lnTo>
+                    <a:pt x="4" y="598"/>
+                  </a:lnTo>
+                  <a:lnTo>
+                    <a:pt x="7" y="600"/>
+                  </a:lnTo>
+                  <a:lnTo>
+                    <a:pt x="11" y="602"/>
+                  </a:lnTo>
+                  <a:lnTo>
+                    <a:pt x="350" y="602"/>
+                  </a:lnTo>
+                  <a:lnTo>
+                    <a:pt x="346" y="594"/>
+                  </a:lnTo>
+                  <a:lnTo>
+                    <a:pt x="345" y="589"/>
+                  </a:lnTo>
+                  <a:lnTo>
+                    <a:pt x="345" y="585"/>
+                  </a:lnTo>
+                  <a:lnTo>
+                    <a:pt x="348" y="581"/>
+                  </a:lnTo>
+                  <a:lnTo>
+                    <a:pt x="352" y="577"/>
+                  </a:lnTo>
+                  <a:close/>
+                </a:path>
+              </a:pathLst>
+            </a:custGeom>
+            <a:grpFill/>
+            <a:ln>
+              <a:noFill/>
+            </a:ln>
+            <a:extLst>
+              <a:ext uri="{91240B29-F687-4F45-9708-019B960494DF}">
+                <a14:hiddenLine xmlns:a14="http://schemas.microsoft.com/office/drawing/2010/main" w="9525">
+                  <a:solidFill>
+                    <a:srgbClr val="000000"/>
+                  </a:solidFill>
+                  <a:round/>
+                  <a:headEnd/>
+                  <a:tailEnd/>
+                </a14:hiddenLine>
+              </a:ext>
+            </a:extLst>
+          </p:spPr>
+          <p:txBody>
+            <a:bodyPr vert="horz" wrap="square" lIns="91440" tIns="45720" rIns="91440" bIns="45720" numCol="1" anchor="t" anchorCtr="0" compatLnSpc="1">
+              <a:prstTxWarp prst="textNoShape">
+                <a:avLst/>
+              </a:prstTxWarp>
+            </a:bodyPr>
+            <a:lstStyle/>
+            <a:p>
+              <a:endParaRPr lang="en-US" dirty="0"/>
+            </a:p>
+          </p:txBody>
+        </p:sp>
+        <p:sp>
+          <p:nvSpPr>
+            <p:cNvPr id="38" name="Freeform 3674">
+              <a:extLst>
+                <a:ext uri="{FF2B5EF4-FFF2-40B4-BE49-F238E27FC236}">
+                  <a16:creationId xmlns:a16="http://schemas.microsoft.com/office/drawing/2014/main" id="{44A4D0F8-0767-41BC-BE62-0AED99EC8B25}"/>
+                </a:ext>
+              </a:extLst>
+            </p:cNvPr>
+            <p:cNvSpPr>
+              <a:spLocks noEditPoints="1"/>
+            </p:cNvSpPr>
+            <p:nvPr/>
+          </p:nvSpPr>
+          <p:spPr bwMode="auto">
+            <a:xfrm>
+              <a:off x="6597650" y="5497513"/>
+              <a:ext cx="131762" cy="133350"/>
+            </a:xfrm>
+            <a:custGeom>
+              <a:avLst/>
+              <a:gdLst>
+                <a:gd name="T0" fmla="*/ 151 w 332"/>
+                <a:gd name="T1" fmla="*/ 243 h 336"/>
+                <a:gd name="T2" fmla="*/ 129 w 332"/>
+                <a:gd name="T3" fmla="*/ 235 h 336"/>
+                <a:gd name="T4" fmla="*/ 111 w 332"/>
+                <a:gd name="T5" fmla="*/ 222 h 336"/>
+                <a:gd name="T6" fmla="*/ 97 w 332"/>
+                <a:gd name="T7" fmla="*/ 204 h 336"/>
+                <a:gd name="T8" fmla="*/ 89 w 332"/>
+                <a:gd name="T9" fmla="*/ 182 h 336"/>
+                <a:gd name="T10" fmla="*/ 88 w 332"/>
+                <a:gd name="T11" fmla="*/ 159 h 336"/>
+                <a:gd name="T12" fmla="*/ 94 w 332"/>
+                <a:gd name="T13" fmla="*/ 136 h 336"/>
+                <a:gd name="T14" fmla="*/ 106 w 332"/>
+                <a:gd name="T15" fmla="*/ 117 h 336"/>
+                <a:gd name="T16" fmla="*/ 122 w 332"/>
+                <a:gd name="T17" fmla="*/ 103 h 336"/>
+                <a:gd name="T18" fmla="*/ 143 w 332"/>
+                <a:gd name="T19" fmla="*/ 92 h 336"/>
+                <a:gd name="T20" fmla="*/ 166 w 332"/>
+                <a:gd name="T21" fmla="*/ 89 h 336"/>
+                <a:gd name="T22" fmla="*/ 189 w 332"/>
+                <a:gd name="T23" fmla="*/ 92 h 336"/>
+                <a:gd name="T24" fmla="*/ 210 w 332"/>
+                <a:gd name="T25" fmla="*/ 103 h 336"/>
+                <a:gd name="T26" fmla="*/ 226 w 332"/>
+                <a:gd name="T27" fmla="*/ 117 h 336"/>
+                <a:gd name="T28" fmla="*/ 238 w 332"/>
+                <a:gd name="T29" fmla="*/ 136 h 336"/>
+                <a:gd name="T30" fmla="*/ 243 w 332"/>
+                <a:gd name="T31" fmla="*/ 159 h 336"/>
+                <a:gd name="T32" fmla="*/ 242 w 332"/>
+                <a:gd name="T33" fmla="*/ 182 h 336"/>
+                <a:gd name="T34" fmla="*/ 234 w 332"/>
+                <a:gd name="T35" fmla="*/ 204 h 336"/>
+                <a:gd name="T36" fmla="*/ 221 w 332"/>
+                <a:gd name="T37" fmla="*/ 222 h 336"/>
+                <a:gd name="T38" fmla="*/ 203 w 332"/>
+                <a:gd name="T39" fmla="*/ 235 h 336"/>
+                <a:gd name="T40" fmla="*/ 181 w 332"/>
+                <a:gd name="T41" fmla="*/ 243 h 336"/>
+                <a:gd name="T42" fmla="*/ 306 w 332"/>
+                <a:gd name="T43" fmla="*/ 204 h 336"/>
+                <a:gd name="T44" fmla="*/ 300 w 332"/>
+                <a:gd name="T45" fmla="*/ 195 h 336"/>
+                <a:gd name="T46" fmla="*/ 302 w 332"/>
+                <a:gd name="T47" fmla="*/ 167 h 336"/>
+                <a:gd name="T48" fmla="*/ 300 w 332"/>
+                <a:gd name="T49" fmla="*/ 139 h 336"/>
+                <a:gd name="T50" fmla="*/ 306 w 332"/>
+                <a:gd name="T51" fmla="*/ 130 h 336"/>
+                <a:gd name="T52" fmla="*/ 269 w 332"/>
+                <a:gd name="T53" fmla="*/ 64 h 336"/>
+                <a:gd name="T54" fmla="*/ 257 w 332"/>
+                <a:gd name="T55" fmla="*/ 65 h 336"/>
+                <a:gd name="T56" fmla="*/ 242 w 332"/>
+                <a:gd name="T57" fmla="*/ 53 h 336"/>
+                <a:gd name="T58" fmla="*/ 215 w 332"/>
+                <a:gd name="T59" fmla="*/ 35 h 336"/>
+                <a:gd name="T60" fmla="*/ 207 w 332"/>
+                <a:gd name="T61" fmla="*/ 27 h 336"/>
+                <a:gd name="T62" fmla="*/ 135 w 332"/>
+                <a:gd name="T63" fmla="*/ 0 h 336"/>
+                <a:gd name="T64" fmla="*/ 133 w 332"/>
+                <a:gd name="T65" fmla="*/ 31 h 336"/>
+                <a:gd name="T66" fmla="*/ 113 w 332"/>
+                <a:gd name="T67" fmla="*/ 41 h 336"/>
+                <a:gd name="T68" fmla="*/ 77 w 332"/>
+                <a:gd name="T69" fmla="*/ 63 h 336"/>
+                <a:gd name="T70" fmla="*/ 67 w 332"/>
+                <a:gd name="T71" fmla="*/ 65 h 336"/>
+                <a:gd name="T72" fmla="*/ 0 w 332"/>
+                <a:gd name="T73" fmla="*/ 114 h 336"/>
+                <a:gd name="T74" fmla="*/ 31 w 332"/>
+                <a:gd name="T75" fmla="*/ 135 h 336"/>
+                <a:gd name="T76" fmla="*/ 30 w 332"/>
+                <a:gd name="T77" fmla="*/ 154 h 336"/>
+                <a:gd name="T78" fmla="*/ 31 w 332"/>
+                <a:gd name="T79" fmla="*/ 191 h 336"/>
+                <a:gd name="T80" fmla="*/ 29 w 332"/>
+                <a:gd name="T81" fmla="*/ 202 h 336"/>
+                <a:gd name="T82" fmla="*/ 38 w 332"/>
+                <a:gd name="T83" fmla="*/ 284 h 336"/>
+                <a:gd name="T84" fmla="*/ 71 w 332"/>
+                <a:gd name="T85" fmla="*/ 267 h 336"/>
+                <a:gd name="T86" fmla="*/ 89 w 332"/>
+                <a:gd name="T87" fmla="*/ 279 h 336"/>
+                <a:gd name="T88" fmla="*/ 139 w 332"/>
+                <a:gd name="T89" fmla="*/ 300 h 336"/>
+                <a:gd name="T90" fmla="*/ 146 w 332"/>
+                <a:gd name="T91" fmla="*/ 308 h 336"/>
+                <a:gd name="T92" fmla="*/ 207 w 332"/>
+                <a:gd name="T93" fmla="*/ 336 h 336"/>
+                <a:gd name="T94" fmla="*/ 208 w 332"/>
+                <a:gd name="T95" fmla="*/ 306 h 336"/>
+                <a:gd name="T96" fmla="*/ 223 w 332"/>
+                <a:gd name="T97" fmla="*/ 297 h 336"/>
+                <a:gd name="T98" fmla="*/ 246 w 332"/>
+                <a:gd name="T99" fmla="*/ 279 h 336"/>
+                <a:gd name="T100" fmla="*/ 257 w 332"/>
+                <a:gd name="T101" fmla="*/ 268 h 336"/>
+                <a:gd name="T102" fmla="*/ 269 w 332"/>
+                <a:gd name="T103" fmla="*/ 270 h 336"/>
+                <a:gd name="T104" fmla="*/ 306 w 332"/>
+                <a:gd name="T105" fmla="*/ 204 h 336"/>
+              </a:gdLst>
+              <a:ahLst/>
+              <a:cxnLst>
+                <a:cxn ang="0">
+                  <a:pos x="T0" y="T1"/>
+                </a:cxn>
+                <a:cxn ang="0">
+                  <a:pos x="T2" y="T3"/>
+                </a:cxn>
+                <a:cxn ang="0">
+                  <a:pos x="T4" y="T5"/>
+                </a:cxn>
+                <a:cxn ang="0">
+                  <a:pos x="T6" y="T7"/>
+                </a:cxn>
+                <a:cxn ang="0">
+                  <a:pos x="T8" y="T9"/>
+                </a:cxn>
+                <a:cxn ang="0">
+                  <a:pos x="T10" y="T11"/>
+                </a:cxn>
+                <a:cxn ang="0">
+                  <a:pos x="T12" y="T13"/>
+                </a:cxn>
+                <a:cxn ang="0">
+                  <a:pos x="T14" y="T15"/>
+                </a:cxn>
+                <a:cxn ang="0">
+                  <a:pos x="T16" y="T17"/>
+                </a:cxn>
+                <a:cxn ang="0">
+                  <a:pos x="T18" y="T19"/>
+                </a:cxn>
+                <a:cxn ang="0">
+                  <a:pos x="T20" y="T21"/>
+                </a:cxn>
+                <a:cxn ang="0">
+                  <a:pos x="T22" y="T23"/>
+                </a:cxn>
+                <a:cxn ang="0">
+                  <a:pos x="T24" y="T25"/>
+                </a:cxn>
+                <a:cxn ang="0">
+                  <a:pos x="T26" y="T27"/>
+                </a:cxn>
+                <a:cxn ang="0">
+                  <a:pos x="T28" y="T29"/>
+                </a:cxn>
+                <a:cxn ang="0">
+                  <a:pos x="T30" y="T31"/>
+                </a:cxn>
+                <a:cxn ang="0">
+                  <a:pos x="T32" y="T33"/>
+                </a:cxn>
+                <a:cxn ang="0">
+                  <a:pos x="T34" y="T35"/>
+                </a:cxn>
+                <a:cxn ang="0">
+                  <a:pos x="T36" y="T37"/>
+                </a:cxn>
+                <a:cxn ang="0">
+                  <a:pos x="T38" y="T39"/>
+                </a:cxn>
+                <a:cxn ang="0">
+                  <a:pos x="T40" y="T41"/>
+                </a:cxn>
+                <a:cxn ang="0">
+                  <a:pos x="T42" y="T43"/>
+                </a:cxn>
+                <a:cxn ang="0">
+                  <a:pos x="T44" y="T45"/>
+                </a:cxn>
+                <a:cxn ang="0">
+                  <a:pos x="T46" y="T47"/>
+                </a:cxn>
+                <a:cxn ang="0">
+                  <a:pos x="T48" y="T49"/>
+                </a:cxn>
+                <a:cxn ang="0">
+                  <a:pos x="T50" y="T51"/>
+                </a:cxn>
+                <a:cxn ang="0">
+                  <a:pos x="T52" y="T53"/>
+                </a:cxn>
+                <a:cxn ang="0">
+                  <a:pos x="T54" y="T55"/>
+                </a:cxn>
+                <a:cxn ang="0">
+                  <a:pos x="T56" y="T57"/>
+                </a:cxn>
+                <a:cxn ang="0">
+                  <a:pos x="T58" y="T59"/>
+                </a:cxn>
+                <a:cxn ang="0">
+                  <a:pos x="T60" y="T61"/>
+                </a:cxn>
+                <a:cxn ang="0">
+                  <a:pos x="T62" y="T63"/>
+                </a:cxn>
+                <a:cxn ang="0">
+                  <a:pos x="T64" y="T65"/>
+                </a:cxn>
+                <a:cxn ang="0">
+                  <a:pos x="T66" y="T67"/>
+                </a:cxn>
+                <a:cxn ang="0">
+                  <a:pos x="T68" y="T69"/>
+                </a:cxn>
+                <a:cxn ang="0">
+                  <a:pos x="T70" y="T71"/>
+                </a:cxn>
+                <a:cxn ang="0">
+                  <a:pos x="T72" y="T73"/>
+                </a:cxn>
+                <a:cxn ang="0">
+                  <a:pos x="T74" y="T75"/>
+                </a:cxn>
+                <a:cxn ang="0">
+                  <a:pos x="T76" y="T77"/>
+                </a:cxn>
+                <a:cxn ang="0">
+                  <a:pos x="T78" y="T79"/>
+                </a:cxn>
+                <a:cxn ang="0">
+                  <a:pos x="T80" y="T81"/>
+                </a:cxn>
+                <a:cxn ang="0">
+                  <a:pos x="T82" y="T83"/>
+                </a:cxn>
+                <a:cxn ang="0">
+                  <a:pos x="T84" y="T85"/>
+                </a:cxn>
+                <a:cxn ang="0">
+                  <a:pos x="T86" y="T87"/>
+                </a:cxn>
+                <a:cxn ang="0">
+                  <a:pos x="T88" y="T89"/>
+                </a:cxn>
+                <a:cxn ang="0">
+                  <a:pos x="T90" y="T91"/>
+                </a:cxn>
+                <a:cxn ang="0">
+                  <a:pos x="T92" y="T93"/>
+                </a:cxn>
+                <a:cxn ang="0">
+                  <a:pos x="T94" y="T95"/>
+                </a:cxn>
+                <a:cxn ang="0">
+                  <a:pos x="T96" y="T97"/>
+                </a:cxn>
+                <a:cxn ang="0">
+                  <a:pos x="T98" y="T99"/>
+                </a:cxn>
+                <a:cxn ang="0">
+                  <a:pos x="T100" y="T101"/>
+                </a:cxn>
+                <a:cxn ang="0">
+                  <a:pos x="T102" y="T103"/>
+                </a:cxn>
+                <a:cxn ang="0">
+                  <a:pos x="T104" y="T105"/>
+                </a:cxn>
+              </a:cxnLst>
+              <a:rect l="0" t="0" r="r" b="b"/>
+              <a:pathLst>
+                <a:path w="332" h="336">
+                  <a:moveTo>
+                    <a:pt x="166" y="245"/>
+                  </a:moveTo>
+                  <a:lnTo>
+                    <a:pt x="158" y="244"/>
+                  </a:lnTo>
+                  <a:lnTo>
+                    <a:pt x="151" y="243"/>
+                  </a:lnTo>
+                  <a:lnTo>
+                    <a:pt x="143" y="241"/>
+                  </a:lnTo>
+                  <a:lnTo>
+                    <a:pt x="135" y="239"/>
+                  </a:lnTo>
+                  <a:lnTo>
+                    <a:pt x="129" y="235"/>
+                  </a:lnTo>
+                  <a:lnTo>
+                    <a:pt x="122" y="231"/>
+                  </a:lnTo>
+                  <a:lnTo>
+                    <a:pt x="116" y="227"/>
+                  </a:lnTo>
+                  <a:lnTo>
+                    <a:pt x="111" y="222"/>
+                  </a:lnTo>
+                  <a:lnTo>
+                    <a:pt x="106" y="217"/>
+                  </a:lnTo>
+                  <a:lnTo>
+                    <a:pt x="101" y="211"/>
+                  </a:lnTo>
+                  <a:lnTo>
+                    <a:pt x="97" y="204"/>
+                  </a:lnTo>
+                  <a:lnTo>
+                    <a:pt x="94" y="198"/>
+                  </a:lnTo>
+                  <a:lnTo>
+                    <a:pt x="92" y="190"/>
+                  </a:lnTo>
+                  <a:lnTo>
+                    <a:pt x="89" y="182"/>
+                  </a:lnTo>
+                  <a:lnTo>
+                    <a:pt x="88" y="175"/>
+                  </a:lnTo>
+                  <a:lnTo>
+                    <a:pt x="88" y="167"/>
+                  </a:lnTo>
+                  <a:lnTo>
+                    <a:pt x="88" y="159"/>
+                  </a:lnTo>
+                  <a:lnTo>
+                    <a:pt x="89" y="151"/>
+                  </a:lnTo>
+                  <a:lnTo>
+                    <a:pt x="92" y="144"/>
+                  </a:lnTo>
+                  <a:lnTo>
+                    <a:pt x="94" y="136"/>
+                  </a:lnTo>
+                  <a:lnTo>
+                    <a:pt x="97" y="130"/>
+                  </a:lnTo>
+                  <a:lnTo>
+                    <a:pt x="101" y="123"/>
+                  </a:lnTo>
+                  <a:lnTo>
+                    <a:pt x="106" y="117"/>
+                  </a:lnTo>
+                  <a:lnTo>
+                    <a:pt x="111" y="112"/>
+                  </a:lnTo>
+                  <a:lnTo>
+                    <a:pt x="116" y="106"/>
+                  </a:lnTo>
+                  <a:lnTo>
+                    <a:pt x="122" y="103"/>
+                  </a:lnTo>
+                  <a:lnTo>
+                    <a:pt x="129" y="99"/>
+                  </a:lnTo>
+                  <a:lnTo>
+                    <a:pt x="135" y="95"/>
+                  </a:lnTo>
+                  <a:lnTo>
+                    <a:pt x="143" y="92"/>
+                  </a:lnTo>
+                  <a:lnTo>
+                    <a:pt x="151" y="90"/>
+                  </a:lnTo>
+                  <a:lnTo>
+                    <a:pt x="158" y="90"/>
+                  </a:lnTo>
+                  <a:lnTo>
+                    <a:pt x="166" y="89"/>
+                  </a:lnTo>
+                  <a:lnTo>
+                    <a:pt x="174" y="90"/>
+                  </a:lnTo>
+                  <a:lnTo>
+                    <a:pt x="181" y="90"/>
+                  </a:lnTo>
+                  <a:lnTo>
+                    <a:pt x="189" y="92"/>
+                  </a:lnTo>
+                  <a:lnTo>
+                    <a:pt x="196" y="95"/>
+                  </a:lnTo>
+                  <a:lnTo>
+                    <a:pt x="203" y="99"/>
+                  </a:lnTo>
+                  <a:lnTo>
+                    <a:pt x="210" y="103"/>
+                  </a:lnTo>
+                  <a:lnTo>
+                    <a:pt x="215" y="106"/>
+                  </a:lnTo>
+                  <a:lnTo>
+                    <a:pt x="221" y="112"/>
+                  </a:lnTo>
+                  <a:lnTo>
+                    <a:pt x="226" y="117"/>
+                  </a:lnTo>
+                  <a:lnTo>
+                    <a:pt x="230" y="123"/>
+                  </a:lnTo>
+                  <a:lnTo>
+                    <a:pt x="234" y="130"/>
+                  </a:lnTo>
+                  <a:lnTo>
+                    <a:pt x="238" y="136"/>
+                  </a:lnTo>
+                  <a:lnTo>
+                    <a:pt x="241" y="144"/>
+                  </a:lnTo>
+                  <a:lnTo>
+                    <a:pt x="242" y="151"/>
+                  </a:lnTo>
+                  <a:lnTo>
+                    <a:pt x="243" y="159"/>
+                  </a:lnTo>
+                  <a:lnTo>
+                    <a:pt x="244" y="167"/>
+                  </a:lnTo>
+                  <a:lnTo>
+                    <a:pt x="243" y="175"/>
+                  </a:lnTo>
+                  <a:lnTo>
+                    <a:pt x="242" y="182"/>
+                  </a:lnTo>
+                  <a:lnTo>
+                    <a:pt x="241" y="190"/>
+                  </a:lnTo>
+                  <a:lnTo>
+                    <a:pt x="238" y="198"/>
+                  </a:lnTo>
+                  <a:lnTo>
+                    <a:pt x="234" y="204"/>
+                  </a:lnTo>
+                  <a:lnTo>
+                    <a:pt x="230" y="211"/>
+                  </a:lnTo>
+                  <a:lnTo>
+                    <a:pt x="226" y="217"/>
+                  </a:lnTo>
+                  <a:lnTo>
+                    <a:pt x="221" y="222"/>
+                  </a:lnTo>
+                  <a:lnTo>
+                    <a:pt x="215" y="227"/>
+                  </a:lnTo>
+                  <a:lnTo>
+                    <a:pt x="210" y="231"/>
+                  </a:lnTo>
+                  <a:lnTo>
+                    <a:pt x="203" y="235"/>
+                  </a:lnTo>
+                  <a:lnTo>
+                    <a:pt x="196" y="239"/>
+                  </a:lnTo>
+                  <a:lnTo>
+                    <a:pt x="189" y="241"/>
+                  </a:lnTo>
+                  <a:lnTo>
+                    <a:pt x="181" y="243"/>
+                  </a:lnTo>
+                  <a:lnTo>
+                    <a:pt x="174" y="244"/>
+                  </a:lnTo>
+                  <a:lnTo>
+                    <a:pt x="166" y="245"/>
+                  </a:lnTo>
+                  <a:close/>
+                  <a:moveTo>
+                    <a:pt x="306" y="204"/>
+                  </a:moveTo>
+                  <a:lnTo>
+                    <a:pt x="302" y="202"/>
+                  </a:lnTo>
+                  <a:lnTo>
+                    <a:pt x="301" y="199"/>
+                  </a:lnTo>
+                  <a:lnTo>
+                    <a:pt x="300" y="195"/>
+                  </a:lnTo>
+                  <a:lnTo>
+                    <a:pt x="300" y="191"/>
+                  </a:lnTo>
+                  <a:lnTo>
+                    <a:pt x="302" y="180"/>
+                  </a:lnTo>
+                  <a:lnTo>
+                    <a:pt x="302" y="167"/>
+                  </a:lnTo>
+                  <a:lnTo>
+                    <a:pt x="302" y="154"/>
+                  </a:lnTo>
+                  <a:lnTo>
+                    <a:pt x="300" y="142"/>
+                  </a:lnTo>
+                  <a:lnTo>
+                    <a:pt x="300" y="139"/>
+                  </a:lnTo>
+                  <a:lnTo>
+                    <a:pt x="301" y="135"/>
+                  </a:lnTo>
+                  <a:lnTo>
+                    <a:pt x="302" y="132"/>
+                  </a:lnTo>
+                  <a:lnTo>
+                    <a:pt x="306" y="130"/>
+                  </a:lnTo>
+                  <a:lnTo>
+                    <a:pt x="332" y="114"/>
+                  </a:lnTo>
+                  <a:lnTo>
+                    <a:pt x="293" y="50"/>
+                  </a:lnTo>
+                  <a:lnTo>
+                    <a:pt x="269" y="64"/>
+                  </a:lnTo>
+                  <a:lnTo>
+                    <a:pt x="265" y="65"/>
+                  </a:lnTo>
+                  <a:lnTo>
+                    <a:pt x="261" y="65"/>
+                  </a:lnTo>
+                  <a:lnTo>
+                    <a:pt x="257" y="65"/>
+                  </a:lnTo>
+                  <a:lnTo>
+                    <a:pt x="255" y="63"/>
+                  </a:lnTo>
+                  <a:lnTo>
+                    <a:pt x="251" y="59"/>
+                  </a:lnTo>
+                  <a:lnTo>
+                    <a:pt x="242" y="53"/>
+                  </a:lnTo>
+                  <a:lnTo>
+                    <a:pt x="233" y="45"/>
+                  </a:lnTo>
+                  <a:lnTo>
+                    <a:pt x="224" y="40"/>
+                  </a:lnTo>
+                  <a:lnTo>
+                    <a:pt x="215" y="35"/>
+                  </a:lnTo>
+                  <a:lnTo>
+                    <a:pt x="211" y="33"/>
+                  </a:lnTo>
+                  <a:lnTo>
+                    <a:pt x="208" y="31"/>
+                  </a:lnTo>
+                  <a:lnTo>
+                    <a:pt x="207" y="27"/>
+                  </a:lnTo>
+                  <a:lnTo>
+                    <a:pt x="207" y="24"/>
+                  </a:lnTo>
+                  <a:lnTo>
+                    <a:pt x="207" y="0"/>
+                  </a:lnTo>
+                  <a:lnTo>
+                    <a:pt x="135" y="0"/>
+                  </a:lnTo>
+                  <a:lnTo>
+                    <a:pt x="135" y="24"/>
+                  </a:lnTo>
+                  <a:lnTo>
+                    <a:pt x="134" y="27"/>
+                  </a:lnTo>
+                  <a:lnTo>
+                    <a:pt x="133" y="31"/>
+                  </a:lnTo>
+                  <a:lnTo>
+                    <a:pt x="130" y="33"/>
+                  </a:lnTo>
+                  <a:lnTo>
+                    <a:pt x="126" y="35"/>
+                  </a:lnTo>
+                  <a:lnTo>
+                    <a:pt x="113" y="41"/>
+                  </a:lnTo>
+                  <a:lnTo>
+                    <a:pt x="101" y="47"/>
+                  </a:lnTo>
+                  <a:lnTo>
+                    <a:pt x="88" y="55"/>
+                  </a:lnTo>
+                  <a:lnTo>
+                    <a:pt x="77" y="63"/>
+                  </a:lnTo>
+                  <a:lnTo>
+                    <a:pt x="75" y="65"/>
+                  </a:lnTo>
+                  <a:lnTo>
+                    <a:pt x="71" y="65"/>
+                  </a:lnTo>
+                  <a:lnTo>
+                    <a:pt x="67" y="65"/>
+                  </a:lnTo>
+                  <a:lnTo>
+                    <a:pt x="63" y="64"/>
+                  </a:lnTo>
+                  <a:lnTo>
+                    <a:pt x="38" y="50"/>
+                  </a:lnTo>
+                  <a:lnTo>
+                    <a:pt x="0" y="114"/>
+                  </a:lnTo>
+                  <a:lnTo>
+                    <a:pt x="26" y="130"/>
+                  </a:lnTo>
+                  <a:lnTo>
+                    <a:pt x="29" y="132"/>
+                  </a:lnTo>
+                  <a:lnTo>
+                    <a:pt x="31" y="135"/>
+                  </a:lnTo>
+                  <a:lnTo>
+                    <a:pt x="33" y="139"/>
+                  </a:lnTo>
+                  <a:lnTo>
+                    <a:pt x="31" y="142"/>
+                  </a:lnTo>
+                  <a:lnTo>
+                    <a:pt x="30" y="154"/>
+                  </a:lnTo>
+                  <a:lnTo>
+                    <a:pt x="30" y="167"/>
+                  </a:lnTo>
+                  <a:lnTo>
+                    <a:pt x="30" y="178"/>
+                  </a:lnTo>
+                  <a:lnTo>
+                    <a:pt x="31" y="191"/>
+                  </a:lnTo>
+                  <a:lnTo>
+                    <a:pt x="33" y="195"/>
+                  </a:lnTo>
+                  <a:lnTo>
+                    <a:pt x="31" y="199"/>
+                  </a:lnTo>
+                  <a:lnTo>
+                    <a:pt x="29" y="202"/>
+                  </a:lnTo>
+                  <a:lnTo>
+                    <a:pt x="26" y="204"/>
+                  </a:lnTo>
+                  <a:lnTo>
+                    <a:pt x="0" y="220"/>
+                  </a:lnTo>
+                  <a:lnTo>
+                    <a:pt x="38" y="284"/>
+                  </a:lnTo>
+                  <a:lnTo>
+                    <a:pt x="63" y="270"/>
+                  </a:lnTo>
+                  <a:lnTo>
+                    <a:pt x="67" y="268"/>
+                  </a:lnTo>
+                  <a:lnTo>
+                    <a:pt x="71" y="267"/>
+                  </a:lnTo>
+                  <a:lnTo>
+                    <a:pt x="75" y="268"/>
+                  </a:lnTo>
+                  <a:lnTo>
+                    <a:pt x="77" y="271"/>
+                  </a:lnTo>
+                  <a:lnTo>
+                    <a:pt x="89" y="279"/>
+                  </a:lnTo>
+                  <a:lnTo>
+                    <a:pt x="106" y="286"/>
+                  </a:lnTo>
+                  <a:lnTo>
+                    <a:pt x="124" y="295"/>
+                  </a:lnTo>
+                  <a:lnTo>
+                    <a:pt x="139" y="300"/>
+                  </a:lnTo>
+                  <a:lnTo>
+                    <a:pt x="142" y="303"/>
+                  </a:lnTo>
+                  <a:lnTo>
+                    <a:pt x="144" y="306"/>
+                  </a:lnTo>
+                  <a:lnTo>
+                    <a:pt x="146" y="308"/>
+                  </a:lnTo>
+                  <a:lnTo>
+                    <a:pt x="147" y="312"/>
+                  </a:lnTo>
+                  <a:lnTo>
+                    <a:pt x="147" y="336"/>
+                  </a:lnTo>
+                  <a:lnTo>
+                    <a:pt x="207" y="336"/>
+                  </a:lnTo>
+                  <a:lnTo>
+                    <a:pt x="207" y="312"/>
+                  </a:lnTo>
+                  <a:lnTo>
+                    <a:pt x="207" y="308"/>
+                  </a:lnTo>
+                  <a:lnTo>
+                    <a:pt x="208" y="306"/>
+                  </a:lnTo>
+                  <a:lnTo>
+                    <a:pt x="211" y="303"/>
+                  </a:lnTo>
+                  <a:lnTo>
+                    <a:pt x="215" y="300"/>
+                  </a:lnTo>
+                  <a:lnTo>
+                    <a:pt x="223" y="297"/>
+                  </a:lnTo>
+                  <a:lnTo>
+                    <a:pt x="230" y="291"/>
+                  </a:lnTo>
+                  <a:lnTo>
+                    <a:pt x="238" y="285"/>
+                  </a:lnTo>
+                  <a:lnTo>
+                    <a:pt x="246" y="279"/>
+                  </a:lnTo>
+                  <a:lnTo>
+                    <a:pt x="250" y="275"/>
+                  </a:lnTo>
+                  <a:lnTo>
+                    <a:pt x="255" y="271"/>
+                  </a:lnTo>
+                  <a:lnTo>
+                    <a:pt x="257" y="268"/>
+                  </a:lnTo>
+                  <a:lnTo>
+                    <a:pt x="261" y="267"/>
+                  </a:lnTo>
+                  <a:lnTo>
+                    <a:pt x="265" y="268"/>
+                  </a:lnTo>
+                  <a:lnTo>
+                    <a:pt x="269" y="270"/>
+                  </a:lnTo>
+                  <a:lnTo>
+                    <a:pt x="295" y="284"/>
+                  </a:lnTo>
+                  <a:lnTo>
+                    <a:pt x="332" y="220"/>
+                  </a:lnTo>
+                  <a:lnTo>
+                    <a:pt x="306" y="204"/>
+                  </a:lnTo>
+                  <a:close/>
+                </a:path>
+              </a:pathLst>
+            </a:custGeom>
+            <a:grpFill/>
+            <a:ln>
+              <a:noFill/>
+            </a:ln>
+            <a:extLst>
+              <a:ext uri="{91240B29-F687-4F45-9708-019B960494DF}">
+                <a14:hiddenLine xmlns:a14="http://schemas.microsoft.com/office/drawing/2010/main" w="9525">
+                  <a:solidFill>
+                    <a:srgbClr val="000000"/>
+                  </a:solidFill>
+                  <a:round/>
+                  <a:headEnd/>
+                  <a:tailEnd/>
+                </a14:hiddenLine>
+              </a:ext>
+            </a:extLst>
+          </p:spPr>
+          <p:txBody>
+            <a:bodyPr vert="horz" wrap="square" lIns="91440" tIns="45720" rIns="91440" bIns="45720" numCol="1" anchor="t" anchorCtr="0" compatLnSpc="1">
+              <a:prstTxWarp prst="textNoShape">
+                <a:avLst/>
+              </a:prstTxWarp>
+            </a:bodyPr>
+            <a:lstStyle/>
+            <a:p>
+              <a:endParaRPr lang="en-US" dirty="0"/>
+            </a:p>
+          </p:txBody>
+        </p:sp>
+      </p:grpSp>
+      <p:grpSp>
+        <p:nvGrpSpPr>
+          <p:cNvPr id="39" name="Group 38" descr="Icon of gears. ">
+            <a:extLst>
+              <a:ext uri="{FF2B5EF4-FFF2-40B4-BE49-F238E27FC236}">
+                <a16:creationId xmlns:a16="http://schemas.microsoft.com/office/drawing/2014/main" id="{5BC0E3F0-447D-4721-AB1F-C8243BA36671}"/>
+              </a:ext>
+            </a:extLst>
+          </p:cNvPr>
+          <p:cNvGrpSpPr/>
+          <p:nvPr/>
+        </p:nvGrpSpPr>
+        <p:grpSpPr>
+          <a:xfrm>
+            <a:off x="4717582" y="5353558"/>
+            <a:ext cx="343837" cy="343837"/>
+            <a:chOff x="7613650" y="1387475"/>
+            <a:chExt cx="284163" cy="284163"/>
+          </a:xfrm>
+          <a:solidFill>
+            <a:schemeClr val="bg1"/>
+          </a:solidFill>
+        </p:grpSpPr>
+        <p:sp>
+          <p:nvSpPr>
+            <p:cNvPr id="40" name="Freeform 4359">
+              <a:extLst>
+                <a:ext uri="{FF2B5EF4-FFF2-40B4-BE49-F238E27FC236}">
+                  <a16:creationId xmlns:a16="http://schemas.microsoft.com/office/drawing/2014/main" id="{351831F3-9830-4A23-8B34-11A3FCCA027E}"/>
+                </a:ext>
+              </a:extLst>
+            </p:cNvPr>
+            <p:cNvSpPr>
+              <a:spLocks noEditPoints="1"/>
+            </p:cNvSpPr>
+            <p:nvPr/>
+          </p:nvSpPr>
+          <p:spPr bwMode="auto">
+            <a:xfrm>
+              <a:off x="7613650" y="1471613"/>
+              <a:ext cx="200025" cy="200025"/>
+            </a:xfrm>
+            <a:custGeom>
+              <a:avLst/>
+              <a:gdLst>
+                <a:gd name="T0" fmla="*/ 276 w 629"/>
+                <a:gd name="T1" fmla="*/ 436 h 629"/>
+                <a:gd name="T2" fmla="*/ 233 w 629"/>
+                <a:gd name="T3" fmla="*/ 411 h 629"/>
+                <a:gd name="T4" fmla="*/ 202 w 629"/>
+                <a:gd name="T5" fmla="*/ 374 h 629"/>
+                <a:gd name="T6" fmla="*/ 187 w 629"/>
+                <a:gd name="T7" fmla="*/ 325 h 629"/>
+                <a:gd name="T8" fmla="*/ 192 w 629"/>
+                <a:gd name="T9" fmla="*/ 274 h 629"/>
+                <a:gd name="T10" fmla="*/ 216 w 629"/>
+                <a:gd name="T11" fmla="*/ 231 h 629"/>
+                <a:gd name="T12" fmla="*/ 253 w 629"/>
+                <a:gd name="T13" fmla="*/ 199 h 629"/>
+                <a:gd name="T14" fmla="*/ 301 w 629"/>
+                <a:gd name="T15" fmla="*/ 184 h 629"/>
+                <a:gd name="T16" fmla="*/ 352 w 629"/>
+                <a:gd name="T17" fmla="*/ 190 h 629"/>
+                <a:gd name="T18" fmla="*/ 395 w 629"/>
+                <a:gd name="T19" fmla="*/ 213 h 629"/>
+                <a:gd name="T20" fmla="*/ 426 w 629"/>
+                <a:gd name="T21" fmla="*/ 252 h 629"/>
+                <a:gd name="T22" fmla="*/ 441 w 629"/>
+                <a:gd name="T23" fmla="*/ 300 h 629"/>
+                <a:gd name="T24" fmla="*/ 436 w 629"/>
+                <a:gd name="T25" fmla="*/ 350 h 629"/>
+                <a:gd name="T26" fmla="*/ 413 w 629"/>
+                <a:gd name="T27" fmla="*/ 394 h 629"/>
+                <a:gd name="T28" fmla="*/ 375 w 629"/>
+                <a:gd name="T29" fmla="*/ 425 h 629"/>
+                <a:gd name="T30" fmla="*/ 327 w 629"/>
+                <a:gd name="T31" fmla="*/ 440 h 629"/>
+                <a:gd name="T32" fmla="*/ 572 w 629"/>
+                <a:gd name="T33" fmla="*/ 346 h 629"/>
+                <a:gd name="T34" fmla="*/ 574 w 629"/>
+                <a:gd name="T35" fmla="*/ 302 h 629"/>
+                <a:gd name="T36" fmla="*/ 620 w 629"/>
+                <a:gd name="T37" fmla="*/ 241 h 629"/>
+                <a:gd name="T38" fmla="*/ 628 w 629"/>
+                <a:gd name="T39" fmla="*/ 231 h 629"/>
+                <a:gd name="T40" fmla="*/ 625 w 629"/>
+                <a:gd name="T41" fmla="*/ 219 h 629"/>
+                <a:gd name="T42" fmla="*/ 544 w 629"/>
+                <a:gd name="T43" fmla="*/ 84 h 629"/>
+                <a:gd name="T44" fmla="*/ 532 w 629"/>
+                <a:gd name="T45" fmla="*/ 83 h 629"/>
+                <a:gd name="T46" fmla="*/ 447 w 629"/>
+                <a:gd name="T47" fmla="*/ 88 h 629"/>
+                <a:gd name="T48" fmla="*/ 407 w 629"/>
+                <a:gd name="T49" fmla="*/ 69 h 629"/>
+                <a:gd name="T50" fmla="*/ 404 w 629"/>
+                <a:gd name="T51" fmla="*/ 7 h 629"/>
+                <a:gd name="T52" fmla="*/ 395 w 629"/>
+                <a:gd name="T53" fmla="*/ 0 h 629"/>
+                <a:gd name="T54" fmla="*/ 235 w 629"/>
+                <a:gd name="T55" fmla="*/ 1 h 629"/>
+                <a:gd name="T56" fmla="*/ 227 w 629"/>
+                <a:gd name="T57" fmla="*/ 10 h 629"/>
+                <a:gd name="T58" fmla="*/ 216 w 629"/>
+                <a:gd name="T59" fmla="*/ 72 h 629"/>
+                <a:gd name="T60" fmla="*/ 177 w 629"/>
+                <a:gd name="T61" fmla="*/ 91 h 629"/>
+                <a:gd name="T62" fmla="*/ 98 w 629"/>
+                <a:gd name="T63" fmla="*/ 84 h 629"/>
+                <a:gd name="T64" fmla="*/ 87 w 629"/>
+                <a:gd name="T65" fmla="*/ 83 h 629"/>
+                <a:gd name="T66" fmla="*/ 78 w 629"/>
+                <a:gd name="T67" fmla="*/ 90 h 629"/>
+                <a:gd name="T68" fmla="*/ 1 w 629"/>
+                <a:gd name="T69" fmla="*/ 228 h 629"/>
+                <a:gd name="T70" fmla="*/ 57 w 629"/>
+                <a:gd name="T71" fmla="*/ 269 h 629"/>
+                <a:gd name="T72" fmla="*/ 54 w 629"/>
+                <a:gd name="T73" fmla="*/ 313 h 629"/>
+                <a:gd name="T74" fmla="*/ 57 w 629"/>
+                <a:gd name="T75" fmla="*/ 355 h 629"/>
+                <a:gd name="T76" fmla="*/ 2 w 629"/>
+                <a:gd name="T77" fmla="*/ 391 h 629"/>
+                <a:gd name="T78" fmla="*/ 1 w 629"/>
+                <a:gd name="T79" fmla="*/ 402 h 629"/>
+                <a:gd name="T80" fmla="*/ 86 w 629"/>
+                <a:gd name="T81" fmla="*/ 543 h 629"/>
+                <a:gd name="T82" fmla="*/ 98 w 629"/>
+                <a:gd name="T83" fmla="*/ 542 h 629"/>
+                <a:gd name="T84" fmla="*/ 177 w 629"/>
+                <a:gd name="T85" fmla="*/ 533 h 629"/>
+                <a:gd name="T86" fmla="*/ 216 w 629"/>
+                <a:gd name="T87" fmla="*/ 552 h 629"/>
+                <a:gd name="T88" fmla="*/ 227 w 629"/>
+                <a:gd name="T89" fmla="*/ 620 h 629"/>
+                <a:gd name="T90" fmla="*/ 235 w 629"/>
+                <a:gd name="T91" fmla="*/ 628 h 629"/>
+                <a:gd name="T92" fmla="*/ 395 w 629"/>
+                <a:gd name="T93" fmla="*/ 629 h 629"/>
+                <a:gd name="T94" fmla="*/ 404 w 629"/>
+                <a:gd name="T95" fmla="*/ 623 h 629"/>
+                <a:gd name="T96" fmla="*/ 407 w 629"/>
+                <a:gd name="T97" fmla="*/ 556 h 629"/>
+                <a:gd name="T98" fmla="*/ 447 w 629"/>
+                <a:gd name="T99" fmla="*/ 538 h 629"/>
+                <a:gd name="T100" fmla="*/ 533 w 629"/>
+                <a:gd name="T101" fmla="*/ 543 h 629"/>
+                <a:gd name="T102" fmla="*/ 545 w 629"/>
+                <a:gd name="T103" fmla="*/ 543 h 629"/>
+                <a:gd name="T104" fmla="*/ 627 w 629"/>
+                <a:gd name="T105" fmla="*/ 405 h 629"/>
+                <a:gd name="T106" fmla="*/ 628 w 629"/>
+                <a:gd name="T107" fmla="*/ 394 h 629"/>
+                <a:gd name="T108" fmla="*/ 621 w 629"/>
+                <a:gd name="T109" fmla="*/ 385 h 629"/>
+              </a:gdLst>
+              <a:ahLst/>
+              <a:cxnLst>
+                <a:cxn ang="0">
+                  <a:pos x="T0" y="T1"/>
+                </a:cxn>
+                <a:cxn ang="0">
+                  <a:pos x="T2" y="T3"/>
+                </a:cxn>
+                <a:cxn ang="0">
+                  <a:pos x="T4" y="T5"/>
+                </a:cxn>
+                <a:cxn ang="0">
+                  <a:pos x="T6" y="T7"/>
+                </a:cxn>
+                <a:cxn ang="0">
+                  <a:pos x="T8" y="T9"/>
+                </a:cxn>
+                <a:cxn ang="0">
+                  <a:pos x="T10" y="T11"/>
+                </a:cxn>
+                <a:cxn ang="0">
+                  <a:pos x="T12" y="T13"/>
+                </a:cxn>
+                <a:cxn ang="0">
+                  <a:pos x="T14" y="T15"/>
+                </a:cxn>
+                <a:cxn ang="0">
+                  <a:pos x="T16" y="T17"/>
+                </a:cxn>
+                <a:cxn ang="0">
+                  <a:pos x="T18" y="T19"/>
+                </a:cxn>
+                <a:cxn ang="0">
+                  <a:pos x="T20" y="T21"/>
+                </a:cxn>
+                <a:cxn ang="0">
+                  <a:pos x="T22" y="T23"/>
+                </a:cxn>
+                <a:cxn ang="0">
+                  <a:pos x="T24" y="T25"/>
+                </a:cxn>
+                <a:cxn ang="0">
+                  <a:pos x="T26" y="T27"/>
+                </a:cxn>
+                <a:cxn ang="0">
+                  <a:pos x="T28" y="T29"/>
+                </a:cxn>
+                <a:cxn ang="0">
+                  <a:pos x="T30" y="T31"/>
+                </a:cxn>
+                <a:cxn ang="0">
+                  <a:pos x="T32" y="T33"/>
+                </a:cxn>
+                <a:cxn ang="0">
+                  <a:pos x="T34" y="T35"/>
+                </a:cxn>
+                <a:cxn ang="0">
+                  <a:pos x="T36" y="T37"/>
+                </a:cxn>
+                <a:cxn ang="0">
+                  <a:pos x="T38" y="T39"/>
+                </a:cxn>
+                <a:cxn ang="0">
+                  <a:pos x="T40" y="T41"/>
+                </a:cxn>
+                <a:cxn ang="0">
+                  <a:pos x="T42" y="T43"/>
+                </a:cxn>
+                <a:cxn ang="0">
+                  <a:pos x="T44" y="T45"/>
+                </a:cxn>
+                <a:cxn ang="0">
+                  <a:pos x="T46" y="T47"/>
+                </a:cxn>
+                <a:cxn ang="0">
+                  <a:pos x="T48" y="T49"/>
+                </a:cxn>
+                <a:cxn ang="0">
+                  <a:pos x="T50" y="T51"/>
+                </a:cxn>
+                <a:cxn ang="0">
+                  <a:pos x="T52" y="T53"/>
+                </a:cxn>
+                <a:cxn ang="0">
+                  <a:pos x="T54" y="T55"/>
+                </a:cxn>
+                <a:cxn ang="0">
+                  <a:pos x="T56" y="T57"/>
+                </a:cxn>
+                <a:cxn ang="0">
+                  <a:pos x="T58" y="T59"/>
+                </a:cxn>
+                <a:cxn ang="0">
+                  <a:pos x="T60" y="T61"/>
+                </a:cxn>
+                <a:cxn ang="0">
+                  <a:pos x="T62" y="T63"/>
+                </a:cxn>
+                <a:cxn ang="0">
+                  <a:pos x="T64" y="T65"/>
+                </a:cxn>
+                <a:cxn ang="0">
+                  <a:pos x="T66" y="T67"/>
+                </a:cxn>
+                <a:cxn ang="0">
+                  <a:pos x="T68" y="T69"/>
+                </a:cxn>
+                <a:cxn ang="0">
+                  <a:pos x="T70" y="T71"/>
+                </a:cxn>
+                <a:cxn ang="0">
+                  <a:pos x="T72" y="T73"/>
+                </a:cxn>
+                <a:cxn ang="0">
+                  <a:pos x="T74" y="T75"/>
+                </a:cxn>
+                <a:cxn ang="0">
+                  <a:pos x="T76" y="T77"/>
+                </a:cxn>
+                <a:cxn ang="0">
+                  <a:pos x="T78" y="T79"/>
+                </a:cxn>
+                <a:cxn ang="0">
+                  <a:pos x="T80" y="T81"/>
+                </a:cxn>
+                <a:cxn ang="0">
+                  <a:pos x="T82" y="T83"/>
+                </a:cxn>
+                <a:cxn ang="0">
+                  <a:pos x="T84" y="T85"/>
+                </a:cxn>
+                <a:cxn ang="0">
+                  <a:pos x="T86" y="T87"/>
+                </a:cxn>
+                <a:cxn ang="0">
+                  <a:pos x="T88" y="T89"/>
+                </a:cxn>
+                <a:cxn ang="0">
+                  <a:pos x="T90" y="T91"/>
+                </a:cxn>
+                <a:cxn ang="0">
+                  <a:pos x="T92" y="T93"/>
+                </a:cxn>
+                <a:cxn ang="0">
+                  <a:pos x="T94" y="T95"/>
+                </a:cxn>
+                <a:cxn ang="0">
+                  <a:pos x="T96" y="T97"/>
+                </a:cxn>
+                <a:cxn ang="0">
+                  <a:pos x="T98" y="T99"/>
+                </a:cxn>
+                <a:cxn ang="0">
+                  <a:pos x="T100" y="T101"/>
+                </a:cxn>
+                <a:cxn ang="0">
+                  <a:pos x="T102" y="T103"/>
+                </a:cxn>
+                <a:cxn ang="0">
+                  <a:pos x="T104" y="T105"/>
+                </a:cxn>
+                <a:cxn ang="0">
+                  <a:pos x="T106" y="T107"/>
+                </a:cxn>
+                <a:cxn ang="0">
+                  <a:pos x="T108" y="T109"/>
+                </a:cxn>
+              </a:cxnLst>
+              <a:rect l="0" t="0" r="r" b="b"/>
+              <a:pathLst>
+                <a:path w="629" h="629">
+                  <a:moveTo>
+                    <a:pt x="314" y="441"/>
+                  </a:moveTo>
+                  <a:lnTo>
+                    <a:pt x="301" y="440"/>
+                  </a:lnTo>
+                  <a:lnTo>
+                    <a:pt x="288" y="439"/>
+                  </a:lnTo>
+                  <a:lnTo>
+                    <a:pt x="276" y="436"/>
+                  </a:lnTo>
+                  <a:lnTo>
+                    <a:pt x="264" y="430"/>
+                  </a:lnTo>
+                  <a:lnTo>
+                    <a:pt x="253" y="425"/>
+                  </a:lnTo>
+                  <a:lnTo>
+                    <a:pt x="242" y="418"/>
+                  </a:lnTo>
+                  <a:lnTo>
+                    <a:pt x="233" y="411"/>
+                  </a:lnTo>
+                  <a:lnTo>
+                    <a:pt x="223" y="404"/>
+                  </a:lnTo>
+                  <a:lnTo>
+                    <a:pt x="216" y="394"/>
+                  </a:lnTo>
+                  <a:lnTo>
+                    <a:pt x="208" y="384"/>
+                  </a:lnTo>
+                  <a:lnTo>
+                    <a:pt x="202" y="374"/>
+                  </a:lnTo>
+                  <a:lnTo>
+                    <a:pt x="196" y="362"/>
+                  </a:lnTo>
+                  <a:lnTo>
+                    <a:pt x="192" y="350"/>
+                  </a:lnTo>
+                  <a:lnTo>
+                    <a:pt x="189" y="338"/>
+                  </a:lnTo>
+                  <a:lnTo>
+                    <a:pt x="187" y="325"/>
+                  </a:lnTo>
+                  <a:lnTo>
+                    <a:pt x="186" y="313"/>
+                  </a:lnTo>
+                  <a:lnTo>
+                    <a:pt x="187" y="300"/>
+                  </a:lnTo>
+                  <a:lnTo>
+                    <a:pt x="189" y="287"/>
+                  </a:lnTo>
+                  <a:lnTo>
+                    <a:pt x="192" y="274"/>
+                  </a:lnTo>
+                  <a:lnTo>
+                    <a:pt x="196" y="262"/>
+                  </a:lnTo>
+                  <a:lnTo>
+                    <a:pt x="202" y="252"/>
+                  </a:lnTo>
+                  <a:lnTo>
+                    <a:pt x="208" y="241"/>
+                  </a:lnTo>
+                  <a:lnTo>
+                    <a:pt x="216" y="231"/>
+                  </a:lnTo>
+                  <a:lnTo>
+                    <a:pt x="223" y="222"/>
+                  </a:lnTo>
+                  <a:lnTo>
+                    <a:pt x="233" y="213"/>
+                  </a:lnTo>
+                  <a:lnTo>
+                    <a:pt x="242" y="206"/>
+                  </a:lnTo>
+                  <a:lnTo>
+                    <a:pt x="253" y="199"/>
+                  </a:lnTo>
+                  <a:lnTo>
+                    <a:pt x="264" y="194"/>
+                  </a:lnTo>
+                  <a:lnTo>
+                    <a:pt x="276" y="190"/>
+                  </a:lnTo>
+                  <a:lnTo>
+                    <a:pt x="288" y="186"/>
+                  </a:lnTo>
+                  <a:lnTo>
+                    <a:pt x="301" y="184"/>
+                  </a:lnTo>
+                  <a:lnTo>
+                    <a:pt x="314" y="184"/>
+                  </a:lnTo>
+                  <a:lnTo>
+                    <a:pt x="327" y="184"/>
+                  </a:lnTo>
+                  <a:lnTo>
+                    <a:pt x="340" y="186"/>
+                  </a:lnTo>
+                  <a:lnTo>
+                    <a:pt x="352" y="190"/>
+                  </a:lnTo>
+                  <a:lnTo>
+                    <a:pt x="363" y="194"/>
+                  </a:lnTo>
+                  <a:lnTo>
+                    <a:pt x="375" y="199"/>
+                  </a:lnTo>
+                  <a:lnTo>
+                    <a:pt x="386" y="206"/>
+                  </a:lnTo>
+                  <a:lnTo>
+                    <a:pt x="395" y="213"/>
+                  </a:lnTo>
+                  <a:lnTo>
+                    <a:pt x="404" y="222"/>
+                  </a:lnTo>
+                  <a:lnTo>
+                    <a:pt x="413" y="231"/>
+                  </a:lnTo>
+                  <a:lnTo>
+                    <a:pt x="420" y="241"/>
+                  </a:lnTo>
+                  <a:lnTo>
+                    <a:pt x="426" y="252"/>
+                  </a:lnTo>
+                  <a:lnTo>
+                    <a:pt x="432" y="262"/>
+                  </a:lnTo>
+                  <a:lnTo>
+                    <a:pt x="436" y="274"/>
+                  </a:lnTo>
+                  <a:lnTo>
+                    <a:pt x="439" y="287"/>
+                  </a:lnTo>
+                  <a:lnTo>
+                    <a:pt x="441" y="300"/>
+                  </a:lnTo>
+                  <a:lnTo>
+                    <a:pt x="443" y="313"/>
+                  </a:lnTo>
+                  <a:lnTo>
+                    <a:pt x="441" y="325"/>
+                  </a:lnTo>
+                  <a:lnTo>
+                    <a:pt x="439" y="338"/>
+                  </a:lnTo>
+                  <a:lnTo>
+                    <a:pt x="436" y="350"/>
+                  </a:lnTo>
+                  <a:lnTo>
+                    <a:pt x="432" y="362"/>
+                  </a:lnTo>
+                  <a:lnTo>
+                    <a:pt x="426" y="374"/>
+                  </a:lnTo>
+                  <a:lnTo>
+                    <a:pt x="420" y="384"/>
+                  </a:lnTo>
+                  <a:lnTo>
+                    <a:pt x="413" y="394"/>
+                  </a:lnTo>
+                  <a:lnTo>
+                    <a:pt x="404" y="404"/>
+                  </a:lnTo>
+                  <a:lnTo>
+                    <a:pt x="395" y="411"/>
+                  </a:lnTo>
+                  <a:lnTo>
+                    <a:pt x="386" y="418"/>
+                  </a:lnTo>
+                  <a:lnTo>
+                    <a:pt x="375" y="425"/>
+                  </a:lnTo>
+                  <a:lnTo>
+                    <a:pt x="363" y="430"/>
+                  </a:lnTo>
+                  <a:lnTo>
+                    <a:pt x="352" y="436"/>
+                  </a:lnTo>
+                  <a:lnTo>
+                    <a:pt x="340" y="439"/>
+                  </a:lnTo>
+                  <a:lnTo>
+                    <a:pt x="327" y="440"/>
+                  </a:lnTo>
+                  <a:lnTo>
+                    <a:pt x="314" y="441"/>
+                  </a:lnTo>
+                  <a:close/>
+                  <a:moveTo>
+                    <a:pt x="621" y="385"/>
+                  </a:moveTo>
+                  <a:lnTo>
+                    <a:pt x="571" y="355"/>
+                  </a:lnTo>
+                  <a:lnTo>
+                    <a:pt x="572" y="346"/>
+                  </a:lnTo>
+                  <a:lnTo>
+                    <a:pt x="573" y="335"/>
+                  </a:lnTo>
+                  <a:lnTo>
+                    <a:pt x="574" y="323"/>
+                  </a:lnTo>
+                  <a:lnTo>
+                    <a:pt x="574" y="313"/>
+                  </a:lnTo>
+                  <a:lnTo>
+                    <a:pt x="574" y="302"/>
+                  </a:lnTo>
+                  <a:lnTo>
+                    <a:pt x="573" y="291"/>
+                  </a:lnTo>
+                  <a:lnTo>
+                    <a:pt x="572" y="280"/>
+                  </a:lnTo>
+                  <a:lnTo>
+                    <a:pt x="570" y="269"/>
+                  </a:lnTo>
+                  <a:lnTo>
+                    <a:pt x="620" y="241"/>
+                  </a:lnTo>
+                  <a:lnTo>
+                    <a:pt x="623" y="239"/>
+                  </a:lnTo>
+                  <a:lnTo>
+                    <a:pt x="624" y="237"/>
+                  </a:lnTo>
+                  <a:lnTo>
+                    <a:pt x="627" y="234"/>
+                  </a:lnTo>
+                  <a:lnTo>
+                    <a:pt x="628" y="231"/>
+                  </a:lnTo>
+                  <a:lnTo>
+                    <a:pt x="628" y="228"/>
+                  </a:lnTo>
+                  <a:lnTo>
+                    <a:pt x="628" y="226"/>
+                  </a:lnTo>
+                  <a:lnTo>
+                    <a:pt x="628" y="223"/>
+                  </a:lnTo>
+                  <a:lnTo>
+                    <a:pt x="625" y="219"/>
+                  </a:lnTo>
+                  <a:lnTo>
+                    <a:pt x="551" y="90"/>
+                  </a:lnTo>
+                  <a:lnTo>
+                    <a:pt x="548" y="87"/>
+                  </a:lnTo>
+                  <a:lnTo>
+                    <a:pt x="546" y="85"/>
+                  </a:lnTo>
+                  <a:lnTo>
+                    <a:pt x="544" y="84"/>
+                  </a:lnTo>
+                  <a:lnTo>
+                    <a:pt x="541" y="83"/>
+                  </a:lnTo>
+                  <a:lnTo>
+                    <a:pt x="539" y="81"/>
+                  </a:lnTo>
+                  <a:lnTo>
+                    <a:pt x="536" y="81"/>
+                  </a:lnTo>
+                  <a:lnTo>
+                    <a:pt x="532" y="83"/>
+                  </a:lnTo>
+                  <a:lnTo>
+                    <a:pt x="530" y="84"/>
+                  </a:lnTo>
+                  <a:lnTo>
+                    <a:pt x="481" y="113"/>
+                  </a:lnTo>
+                  <a:lnTo>
+                    <a:pt x="465" y="99"/>
+                  </a:lnTo>
+                  <a:lnTo>
+                    <a:pt x="447" y="88"/>
+                  </a:lnTo>
+                  <a:lnTo>
+                    <a:pt x="438" y="83"/>
+                  </a:lnTo>
+                  <a:lnTo>
+                    <a:pt x="429" y="77"/>
+                  </a:lnTo>
+                  <a:lnTo>
+                    <a:pt x="418" y="73"/>
+                  </a:lnTo>
+                  <a:lnTo>
+                    <a:pt x="407" y="69"/>
+                  </a:lnTo>
+                  <a:lnTo>
+                    <a:pt x="407" y="15"/>
+                  </a:lnTo>
+                  <a:lnTo>
+                    <a:pt x="407" y="12"/>
+                  </a:lnTo>
+                  <a:lnTo>
+                    <a:pt x="406" y="10"/>
+                  </a:lnTo>
+                  <a:lnTo>
+                    <a:pt x="404" y="7"/>
+                  </a:lnTo>
+                  <a:lnTo>
+                    <a:pt x="403" y="4"/>
+                  </a:lnTo>
+                  <a:lnTo>
+                    <a:pt x="401" y="2"/>
+                  </a:lnTo>
+                  <a:lnTo>
+                    <a:pt x="398" y="1"/>
+                  </a:lnTo>
+                  <a:lnTo>
+                    <a:pt x="395" y="0"/>
+                  </a:lnTo>
+                  <a:lnTo>
+                    <a:pt x="392" y="0"/>
+                  </a:lnTo>
+                  <a:lnTo>
+                    <a:pt x="241" y="0"/>
+                  </a:lnTo>
+                  <a:lnTo>
+                    <a:pt x="238" y="0"/>
+                  </a:lnTo>
+                  <a:lnTo>
+                    <a:pt x="235" y="1"/>
+                  </a:lnTo>
+                  <a:lnTo>
+                    <a:pt x="233" y="2"/>
+                  </a:lnTo>
+                  <a:lnTo>
+                    <a:pt x="231" y="4"/>
+                  </a:lnTo>
+                  <a:lnTo>
+                    <a:pt x="229" y="7"/>
+                  </a:lnTo>
+                  <a:lnTo>
+                    <a:pt x="227" y="10"/>
+                  </a:lnTo>
+                  <a:lnTo>
+                    <a:pt x="226" y="12"/>
+                  </a:lnTo>
+                  <a:lnTo>
+                    <a:pt x="226" y="15"/>
+                  </a:lnTo>
+                  <a:lnTo>
+                    <a:pt x="226" y="69"/>
+                  </a:lnTo>
+                  <a:lnTo>
+                    <a:pt x="216" y="72"/>
+                  </a:lnTo>
+                  <a:lnTo>
+                    <a:pt x="206" y="76"/>
+                  </a:lnTo>
+                  <a:lnTo>
+                    <a:pt x="196" y="80"/>
+                  </a:lnTo>
+                  <a:lnTo>
+                    <a:pt x="187" y="86"/>
+                  </a:lnTo>
+                  <a:lnTo>
+                    <a:pt x="177" y="91"/>
+                  </a:lnTo>
+                  <a:lnTo>
+                    <a:pt x="168" y="98"/>
+                  </a:lnTo>
+                  <a:lnTo>
+                    <a:pt x="159" y="105"/>
+                  </a:lnTo>
+                  <a:lnTo>
+                    <a:pt x="149" y="113"/>
+                  </a:lnTo>
+                  <a:lnTo>
+                    <a:pt x="98" y="84"/>
+                  </a:lnTo>
+                  <a:lnTo>
+                    <a:pt x="96" y="83"/>
+                  </a:lnTo>
+                  <a:lnTo>
+                    <a:pt x="93" y="81"/>
+                  </a:lnTo>
+                  <a:lnTo>
+                    <a:pt x="90" y="81"/>
+                  </a:lnTo>
+                  <a:lnTo>
+                    <a:pt x="87" y="83"/>
+                  </a:lnTo>
+                  <a:lnTo>
+                    <a:pt x="84" y="84"/>
+                  </a:lnTo>
+                  <a:lnTo>
+                    <a:pt x="82" y="85"/>
+                  </a:lnTo>
+                  <a:lnTo>
+                    <a:pt x="80" y="87"/>
+                  </a:lnTo>
+                  <a:lnTo>
+                    <a:pt x="78" y="90"/>
+                  </a:lnTo>
+                  <a:lnTo>
+                    <a:pt x="3" y="219"/>
+                  </a:lnTo>
+                  <a:lnTo>
+                    <a:pt x="1" y="222"/>
+                  </a:lnTo>
+                  <a:lnTo>
+                    <a:pt x="1" y="225"/>
+                  </a:lnTo>
+                  <a:lnTo>
+                    <a:pt x="1" y="228"/>
+                  </a:lnTo>
+                  <a:lnTo>
+                    <a:pt x="1" y="230"/>
+                  </a:lnTo>
+                  <a:lnTo>
+                    <a:pt x="4" y="236"/>
+                  </a:lnTo>
+                  <a:lnTo>
+                    <a:pt x="8" y="241"/>
+                  </a:lnTo>
+                  <a:lnTo>
+                    <a:pt x="57" y="269"/>
+                  </a:lnTo>
+                  <a:lnTo>
+                    <a:pt x="56" y="280"/>
+                  </a:lnTo>
+                  <a:lnTo>
+                    <a:pt x="55" y="291"/>
+                  </a:lnTo>
+                  <a:lnTo>
+                    <a:pt x="54" y="302"/>
+                  </a:lnTo>
+                  <a:lnTo>
+                    <a:pt x="54" y="313"/>
+                  </a:lnTo>
+                  <a:lnTo>
+                    <a:pt x="54" y="323"/>
+                  </a:lnTo>
+                  <a:lnTo>
+                    <a:pt x="55" y="335"/>
+                  </a:lnTo>
+                  <a:lnTo>
+                    <a:pt x="56" y="346"/>
+                  </a:lnTo>
+                  <a:lnTo>
+                    <a:pt x="57" y="355"/>
+                  </a:lnTo>
+                  <a:lnTo>
+                    <a:pt x="7" y="385"/>
+                  </a:lnTo>
+                  <a:lnTo>
+                    <a:pt x="5" y="387"/>
+                  </a:lnTo>
+                  <a:lnTo>
+                    <a:pt x="3" y="389"/>
+                  </a:lnTo>
+                  <a:lnTo>
+                    <a:pt x="2" y="391"/>
+                  </a:lnTo>
+                  <a:lnTo>
+                    <a:pt x="1" y="394"/>
+                  </a:lnTo>
+                  <a:lnTo>
+                    <a:pt x="0" y="396"/>
+                  </a:lnTo>
+                  <a:lnTo>
+                    <a:pt x="1" y="399"/>
+                  </a:lnTo>
+                  <a:lnTo>
+                    <a:pt x="1" y="402"/>
+                  </a:lnTo>
+                  <a:lnTo>
+                    <a:pt x="2" y="405"/>
+                  </a:lnTo>
+                  <a:lnTo>
+                    <a:pt x="78" y="536"/>
+                  </a:lnTo>
+                  <a:lnTo>
+                    <a:pt x="81" y="540"/>
+                  </a:lnTo>
+                  <a:lnTo>
+                    <a:pt x="86" y="543"/>
+                  </a:lnTo>
+                  <a:lnTo>
+                    <a:pt x="89" y="544"/>
+                  </a:lnTo>
+                  <a:lnTo>
+                    <a:pt x="93" y="544"/>
+                  </a:lnTo>
+                  <a:lnTo>
+                    <a:pt x="95" y="543"/>
+                  </a:lnTo>
+                  <a:lnTo>
+                    <a:pt x="98" y="542"/>
+                  </a:lnTo>
+                  <a:lnTo>
+                    <a:pt x="149" y="513"/>
+                  </a:lnTo>
+                  <a:lnTo>
+                    <a:pt x="159" y="520"/>
+                  </a:lnTo>
+                  <a:lnTo>
+                    <a:pt x="168" y="527"/>
+                  </a:lnTo>
+                  <a:lnTo>
+                    <a:pt x="177" y="533"/>
+                  </a:lnTo>
+                  <a:lnTo>
+                    <a:pt x="187" y="539"/>
+                  </a:lnTo>
+                  <a:lnTo>
+                    <a:pt x="196" y="544"/>
+                  </a:lnTo>
+                  <a:lnTo>
+                    <a:pt x="206" y="549"/>
+                  </a:lnTo>
+                  <a:lnTo>
+                    <a:pt x="216" y="552"/>
+                  </a:lnTo>
+                  <a:lnTo>
+                    <a:pt x="226" y="556"/>
+                  </a:lnTo>
+                  <a:lnTo>
+                    <a:pt x="226" y="614"/>
+                  </a:lnTo>
+                  <a:lnTo>
+                    <a:pt x="226" y="617"/>
+                  </a:lnTo>
+                  <a:lnTo>
+                    <a:pt x="227" y="620"/>
+                  </a:lnTo>
+                  <a:lnTo>
+                    <a:pt x="229" y="623"/>
+                  </a:lnTo>
+                  <a:lnTo>
+                    <a:pt x="231" y="625"/>
+                  </a:lnTo>
+                  <a:lnTo>
+                    <a:pt x="233" y="627"/>
+                  </a:lnTo>
+                  <a:lnTo>
+                    <a:pt x="235" y="628"/>
+                  </a:lnTo>
+                  <a:lnTo>
+                    <a:pt x="238" y="629"/>
+                  </a:lnTo>
+                  <a:lnTo>
+                    <a:pt x="241" y="629"/>
+                  </a:lnTo>
+                  <a:lnTo>
+                    <a:pt x="392" y="629"/>
+                  </a:lnTo>
+                  <a:lnTo>
+                    <a:pt x="395" y="629"/>
+                  </a:lnTo>
+                  <a:lnTo>
+                    <a:pt x="398" y="628"/>
+                  </a:lnTo>
+                  <a:lnTo>
+                    <a:pt x="401" y="627"/>
+                  </a:lnTo>
+                  <a:lnTo>
+                    <a:pt x="403" y="625"/>
+                  </a:lnTo>
+                  <a:lnTo>
+                    <a:pt x="404" y="623"/>
+                  </a:lnTo>
+                  <a:lnTo>
+                    <a:pt x="406" y="620"/>
+                  </a:lnTo>
+                  <a:lnTo>
+                    <a:pt x="407" y="617"/>
+                  </a:lnTo>
+                  <a:lnTo>
+                    <a:pt x="407" y="614"/>
+                  </a:lnTo>
+                  <a:lnTo>
+                    <a:pt x="407" y="556"/>
+                  </a:lnTo>
+                  <a:lnTo>
+                    <a:pt x="418" y="552"/>
+                  </a:lnTo>
+                  <a:lnTo>
+                    <a:pt x="429" y="548"/>
+                  </a:lnTo>
+                  <a:lnTo>
+                    <a:pt x="438" y="544"/>
+                  </a:lnTo>
+                  <a:lnTo>
+                    <a:pt x="447" y="538"/>
+                  </a:lnTo>
+                  <a:lnTo>
+                    <a:pt x="465" y="527"/>
+                  </a:lnTo>
+                  <a:lnTo>
+                    <a:pt x="481" y="513"/>
+                  </a:lnTo>
+                  <a:lnTo>
+                    <a:pt x="530" y="542"/>
+                  </a:lnTo>
+                  <a:lnTo>
+                    <a:pt x="533" y="543"/>
+                  </a:lnTo>
+                  <a:lnTo>
+                    <a:pt x="537" y="544"/>
+                  </a:lnTo>
+                  <a:lnTo>
+                    <a:pt x="539" y="544"/>
+                  </a:lnTo>
+                  <a:lnTo>
+                    <a:pt x="542" y="543"/>
+                  </a:lnTo>
+                  <a:lnTo>
+                    <a:pt x="545" y="543"/>
+                  </a:lnTo>
+                  <a:lnTo>
+                    <a:pt x="547" y="540"/>
+                  </a:lnTo>
+                  <a:lnTo>
+                    <a:pt x="550" y="539"/>
+                  </a:lnTo>
+                  <a:lnTo>
+                    <a:pt x="552" y="536"/>
+                  </a:lnTo>
+                  <a:lnTo>
+                    <a:pt x="627" y="405"/>
+                  </a:lnTo>
+                  <a:lnTo>
+                    <a:pt x="628" y="402"/>
+                  </a:lnTo>
+                  <a:lnTo>
+                    <a:pt x="628" y="399"/>
+                  </a:lnTo>
+                  <a:lnTo>
+                    <a:pt x="629" y="396"/>
+                  </a:lnTo>
+                  <a:lnTo>
+                    <a:pt x="628" y="394"/>
+                  </a:lnTo>
+                  <a:lnTo>
+                    <a:pt x="627" y="391"/>
+                  </a:lnTo>
+                  <a:lnTo>
+                    <a:pt x="625" y="389"/>
+                  </a:lnTo>
+                  <a:lnTo>
+                    <a:pt x="623" y="387"/>
+                  </a:lnTo>
+                  <a:lnTo>
+                    <a:pt x="621" y="385"/>
+                  </a:lnTo>
+                  <a:close/>
+                </a:path>
+              </a:pathLst>
+            </a:custGeom>
+            <a:grpFill/>
+            <a:ln>
+              <a:noFill/>
+            </a:ln>
+            <a:extLst>
+              <a:ext uri="{91240B29-F687-4F45-9708-019B960494DF}">
+                <a14:hiddenLine xmlns:a14="http://schemas.microsoft.com/office/drawing/2010/main" w="9525">
+                  <a:solidFill>
+                    <a:srgbClr val="000000"/>
+                  </a:solidFill>
+                  <a:round/>
+                  <a:headEnd/>
+                  <a:tailEnd/>
+                </a14:hiddenLine>
+              </a:ext>
+            </a:extLst>
+          </p:spPr>
+          <p:txBody>
+            <a:bodyPr vert="horz" wrap="square" lIns="91440" tIns="45720" rIns="91440" bIns="45720" numCol="1" anchor="t" anchorCtr="0" compatLnSpc="1">
+              <a:prstTxWarp prst="textNoShape">
+                <a:avLst/>
+              </a:prstTxWarp>
+            </a:bodyPr>
+            <a:lstStyle/>
+            <a:p>
+              <a:endParaRPr lang="en-US" dirty="0"/>
+            </a:p>
+          </p:txBody>
+        </p:sp>
+        <p:sp>
+          <p:nvSpPr>
+            <p:cNvPr id="41" name="Freeform 4360">
+              <a:extLst>
+                <a:ext uri="{FF2B5EF4-FFF2-40B4-BE49-F238E27FC236}">
+                  <a16:creationId xmlns:a16="http://schemas.microsoft.com/office/drawing/2014/main" id="{CDB8F87B-81A2-480F-ADA8-BFB5FD890ACD}"/>
+                </a:ext>
+              </a:extLst>
+            </p:cNvPr>
+            <p:cNvSpPr>
+              <a:spLocks noEditPoints="1"/>
+            </p:cNvSpPr>
+            <p:nvPr/>
+          </p:nvSpPr>
+          <p:spPr bwMode="auto">
+            <a:xfrm>
+              <a:off x="7781925" y="1387475"/>
+              <a:ext cx="115888" cy="117475"/>
+            </a:xfrm>
+            <a:custGeom>
+              <a:avLst/>
+              <a:gdLst>
+                <a:gd name="T0" fmla="*/ 160 w 362"/>
+                <a:gd name="T1" fmla="*/ 252 h 369"/>
+                <a:gd name="T2" fmla="*/ 135 w 362"/>
+                <a:gd name="T3" fmla="*/ 238 h 369"/>
+                <a:gd name="T4" fmla="*/ 118 w 362"/>
+                <a:gd name="T5" fmla="*/ 218 h 369"/>
+                <a:gd name="T6" fmla="*/ 109 w 362"/>
+                <a:gd name="T7" fmla="*/ 190 h 369"/>
+                <a:gd name="T8" fmla="*/ 113 w 362"/>
+                <a:gd name="T9" fmla="*/ 162 h 369"/>
+                <a:gd name="T10" fmla="*/ 125 w 362"/>
+                <a:gd name="T11" fmla="*/ 138 h 369"/>
+                <a:gd name="T12" fmla="*/ 147 w 362"/>
+                <a:gd name="T13" fmla="*/ 121 h 369"/>
+                <a:gd name="T14" fmla="*/ 174 w 362"/>
+                <a:gd name="T15" fmla="*/ 112 h 369"/>
+                <a:gd name="T16" fmla="*/ 202 w 362"/>
+                <a:gd name="T17" fmla="*/ 114 h 369"/>
+                <a:gd name="T18" fmla="*/ 226 w 362"/>
+                <a:gd name="T19" fmla="*/ 128 h 369"/>
+                <a:gd name="T20" fmla="*/ 244 w 362"/>
+                <a:gd name="T21" fmla="*/ 149 h 369"/>
+                <a:gd name="T22" fmla="*/ 252 w 362"/>
+                <a:gd name="T23" fmla="*/ 176 h 369"/>
+                <a:gd name="T24" fmla="*/ 250 w 362"/>
+                <a:gd name="T25" fmla="*/ 205 h 369"/>
+                <a:gd name="T26" fmla="*/ 236 w 362"/>
+                <a:gd name="T27" fmla="*/ 229 h 369"/>
+                <a:gd name="T28" fmla="*/ 215 w 362"/>
+                <a:gd name="T29" fmla="*/ 247 h 369"/>
+                <a:gd name="T30" fmla="*/ 189 w 362"/>
+                <a:gd name="T31" fmla="*/ 254 h 369"/>
+                <a:gd name="T32" fmla="*/ 328 w 362"/>
+                <a:gd name="T33" fmla="*/ 195 h 369"/>
+                <a:gd name="T34" fmla="*/ 354 w 362"/>
+                <a:gd name="T35" fmla="*/ 144 h 369"/>
+                <a:gd name="T36" fmla="*/ 361 w 362"/>
+                <a:gd name="T37" fmla="*/ 136 h 369"/>
+                <a:gd name="T38" fmla="*/ 360 w 362"/>
+                <a:gd name="T39" fmla="*/ 124 h 369"/>
+                <a:gd name="T40" fmla="*/ 316 w 362"/>
+                <a:gd name="T41" fmla="*/ 53 h 369"/>
+                <a:gd name="T42" fmla="*/ 304 w 362"/>
+                <a:gd name="T43" fmla="*/ 52 h 369"/>
+                <a:gd name="T44" fmla="*/ 256 w 362"/>
+                <a:gd name="T45" fmla="*/ 56 h 369"/>
+                <a:gd name="T46" fmla="*/ 236 w 362"/>
+                <a:gd name="T47" fmla="*/ 10 h 369"/>
+                <a:gd name="T48" fmla="*/ 229 w 362"/>
+                <a:gd name="T49" fmla="*/ 2 h 369"/>
+                <a:gd name="T50" fmla="*/ 146 w 362"/>
+                <a:gd name="T51" fmla="*/ 0 h 369"/>
+                <a:gd name="T52" fmla="*/ 135 w 362"/>
+                <a:gd name="T53" fmla="*/ 3 h 369"/>
+                <a:gd name="T54" fmla="*/ 131 w 362"/>
+                <a:gd name="T55" fmla="*/ 14 h 369"/>
+                <a:gd name="T56" fmla="*/ 99 w 362"/>
+                <a:gd name="T57" fmla="*/ 63 h 369"/>
+                <a:gd name="T58" fmla="*/ 55 w 362"/>
+                <a:gd name="T59" fmla="*/ 51 h 369"/>
+                <a:gd name="T60" fmla="*/ 44 w 362"/>
+                <a:gd name="T61" fmla="*/ 54 h 369"/>
+                <a:gd name="T62" fmla="*/ 1 w 362"/>
+                <a:gd name="T63" fmla="*/ 126 h 369"/>
+                <a:gd name="T64" fmla="*/ 2 w 362"/>
+                <a:gd name="T65" fmla="*/ 139 h 369"/>
+                <a:gd name="T66" fmla="*/ 36 w 362"/>
+                <a:gd name="T67" fmla="*/ 160 h 369"/>
+                <a:gd name="T68" fmla="*/ 36 w 362"/>
+                <a:gd name="T69" fmla="*/ 207 h 369"/>
+                <a:gd name="T70" fmla="*/ 1 w 362"/>
+                <a:gd name="T71" fmla="*/ 230 h 369"/>
+                <a:gd name="T72" fmla="*/ 1 w 362"/>
+                <a:gd name="T73" fmla="*/ 240 h 369"/>
+                <a:gd name="T74" fmla="*/ 44 w 362"/>
+                <a:gd name="T75" fmla="*/ 313 h 369"/>
+                <a:gd name="T76" fmla="*/ 60 w 362"/>
+                <a:gd name="T77" fmla="*/ 314 h 369"/>
+                <a:gd name="T78" fmla="*/ 120 w 362"/>
+                <a:gd name="T79" fmla="*/ 316 h 369"/>
+                <a:gd name="T80" fmla="*/ 132 w 362"/>
+                <a:gd name="T81" fmla="*/ 359 h 369"/>
+                <a:gd name="T82" fmla="*/ 140 w 362"/>
+                <a:gd name="T83" fmla="*/ 368 h 369"/>
+                <a:gd name="T84" fmla="*/ 225 w 362"/>
+                <a:gd name="T85" fmla="*/ 368 h 369"/>
+                <a:gd name="T86" fmla="*/ 233 w 362"/>
+                <a:gd name="T87" fmla="*/ 361 h 369"/>
+                <a:gd name="T88" fmla="*/ 237 w 362"/>
+                <a:gd name="T89" fmla="*/ 321 h 369"/>
+                <a:gd name="T90" fmla="*/ 274 w 362"/>
+                <a:gd name="T91" fmla="*/ 298 h 369"/>
+                <a:gd name="T92" fmla="*/ 310 w 362"/>
+                <a:gd name="T93" fmla="*/ 316 h 369"/>
+                <a:gd name="T94" fmla="*/ 360 w 362"/>
+                <a:gd name="T95" fmla="*/ 243 h 369"/>
+                <a:gd name="T96" fmla="*/ 362 w 362"/>
+                <a:gd name="T97" fmla="*/ 232 h 369"/>
+                <a:gd name="T98" fmla="*/ 354 w 362"/>
+                <a:gd name="T99" fmla="*/ 223 h 369"/>
+              </a:gdLst>
+              <a:ahLst/>
+              <a:cxnLst>
+                <a:cxn ang="0">
+                  <a:pos x="T0" y="T1"/>
+                </a:cxn>
+                <a:cxn ang="0">
+                  <a:pos x="T2" y="T3"/>
+                </a:cxn>
+                <a:cxn ang="0">
+                  <a:pos x="T4" y="T5"/>
+                </a:cxn>
+                <a:cxn ang="0">
+                  <a:pos x="T6" y="T7"/>
+                </a:cxn>
+                <a:cxn ang="0">
+                  <a:pos x="T8" y="T9"/>
+                </a:cxn>
+                <a:cxn ang="0">
+                  <a:pos x="T10" y="T11"/>
+                </a:cxn>
+                <a:cxn ang="0">
+                  <a:pos x="T12" y="T13"/>
+                </a:cxn>
+                <a:cxn ang="0">
+                  <a:pos x="T14" y="T15"/>
+                </a:cxn>
+                <a:cxn ang="0">
+                  <a:pos x="T16" y="T17"/>
+                </a:cxn>
+                <a:cxn ang="0">
+                  <a:pos x="T18" y="T19"/>
+                </a:cxn>
+                <a:cxn ang="0">
+                  <a:pos x="T20" y="T21"/>
+                </a:cxn>
+                <a:cxn ang="0">
+                  <a:pos x="T22" y="T23"/>
+                </a:cxn>
+                <a:cxn ang="0">
+                  <a:pos x="T24" y="T25"/>
+                </a:cxn>
+                <a:cxn ang="0">
+                  <a:pos x="T26" y="T27"/>
+                </a:cxn>
+                <a:cxn ang="0">
+                  <a:pos x="T28" y="T29"/>
+                </a:cxn>
+                <a:cxn ang="0">
+                  <a:pos x="T30" y="T31"/>
+                </a:cxn>
+                <a:cxn ang="0">
+                  <a:pos x="T32" y="T33"/>
+                </a:cxn>
+                <a:cxn ang="0">
+                  <a:pos x="T34" y="T35"/>
+                </a:cxn>
+                <a:cxn ang="0">
+                  <a:pos x="T36" y="T37"/>
+                </a:cxn>
+                <a:cxn ang="0">
+                  <a:pos x="T38" y="T39"/>
+                </a:cxn>
+                <a:cxn ang="0">
+                  <a:pos x="T40" y="T41"/>
+                </a:cxn>
+                <a:cxn ang="0">
+                  <a:pos x="T42" y="T43"/>
+                </a:cxn>
+                <a:cxn ang="0">
+                  <a:pos x="T44" y="T45"/>
+                </a:cxn>
+                <a:cxn ang="0">
+                  <a:pos x="T46" y="T47"/>
+                </a:cxn>
+                <a:cxn ang="0">
+                  <a:pos x="T48" y="T49"/>
+                </a:cxn>
+                <a:cxn ang="0">
+                  <a:pos x="T50" y="T51"/>
+                </a:cxn>
+                <a:cxn ang="0">
+                  <a:pos x="T52" y="T53"/>
+                </a:cxn>
+                <a:cxn ang="0">
+                  <a:pos x="T54" y="T55"/>
+                </a:cxn>
+                <a:cxn ang="0">
+                  <a:pos x="T56" y="T57"/>
+                </a:cxn>
+                <a:cxn ang="0">
+                  <a:pos x="T58" y="T59"/>
+                </a:cxn>
+                <a:cxn ang="0">
+                  <a:pos x="T60" y="T61"/>
+                </a:cxn>
+                <a:cxn ang="0">
+                  <a:pos x="T62" y="T63"/>
+                </a:cxn>
+                <a:cxn ang="0">
+                  <a:pos x="T64" y="T65"/>
+                </a:cxn>
+                <a:cxn ang="0">
+                  <a:pos x="T66" y="T67"/>
+                </a:cxn>
+                <a:cxn ang="0">
+                  <a:pos x="T68" y="T69"/>
+                </a:cxn>
+                <a:cxn ang="0">
+                  <a:pos x="T70" y="T71"/>
+                </a:cxn>
+                <a:cxn ang="0">
+                  <a:pos x="T72" y="T73"/>
+                </a:cxn>
+                <a:cxn ang="0">
+                  <a:pos x="T74" y="T75"/>
+                </a:cxn>
+                <a:cxn ang="0">
+                  <a:pos x="T76" y="T77"/>
+                </a:cxn>
+                <a:cxn ang="0">
+                  <a:pos x="T78" y="T79"/>
+                </a:cxn>
+                <a:cxn ang="0">
+                  <a:pos x="T80" y="T81"/>
+                </a:cxn>
+                <a:cxn ang="0">
+                  <a:pos x="T82" y="T83"/>
+                </a:cxn>
+                <a:cxn ang="0">
+                  <a:pos x="T84" y="T85"/>
+                </a:cxn>
+                <a:cxn ang="0">
+                  <a:pos x="T86" y="T87"/>
+                </a:cxn>
+                <a:cxn ang="0">
+                  <a:pos x="T88" y="T89"/>
+                </a:cxn>
+                <a:cxn ang="0">
+                  <a:pos x="T90" y="T91"/>
+                </a:cxn>
+                <a:cxn ang="0">
+                  <a:pos x="T92" y="T93"/>
+                </a:cxn>
+                <a:cxn ang="0">
+                  <a:pos x="T94" y="T95"/>
+                </a:cxn>
+                <a:cxn ang="0">
+                  <a:pos x="T96" y="T97"/>
+                </a:cxn>
+                <a:cxn ang="0">
+                  <a:pos x="T98" y="T99"/>
+                </a:cxn>
+              </a:cxnLst>
+              <a:rect l="0" t="0" r="r" b="b"/>
+              <a:pathLst>
+                <a:path w="362" h="369">
+                  <a:moveTo>
+                    <a:pt x="181" y="255"/>
+                  </a:moveTo>
+                  <a:lnTo>
+                    <a:pt x="174" y="254"/>
+                  </a:lnTo>
+                  <a:lnTo>
+                    <a:pt x="166" y="253"/>
+                  </a:lnTo>
+                  <a:lnTo>
+                    <a:pt x="160" y="252"/>
+                  </a:lnTo>
+                  <a:lnTo>
+                    <a:pt x="153" y="249"/>
+                  </a:lnTo>
+                  <a:lnTo>
+                    <a:pt x="147" y="247"/>
+                  </a:lnTo>
+                  <a:lnTo>
+                    <a:pt x="141" y="243"/>
+                  </a:lnTo>
+                  <a:lnTo>
+                    <a:pt x="135" y="238"/>
+                  </a:lnTo>
+                  <a:lnTo>
+                    <a:pt x="131" y="234"/>
+                  </a:lnTo>
+                  <a:lnTo>
+                    <a:pt x="125" y="229"/>
+                  </a:lnTo>
+                  <a:lnTo>
+                    <a:pt x="122" y="223"/>
+                  </a:lnTo>
+                  <a:lnTo>
+                    <a:pt x="118" y="218"/>
+                  </a:lnTo>
+                  <a:lnTo>
+                    <a:pt x="115" y="212"/>
+                  </a:lnTo>
+                  <a:lnTo>
+                    <a:pt x="113" y="205"/>
+                  </a:lnTo>
+                  <a:lnTo>
+                    <a:pt x="110" y="198"/>
+                  </a:lnTo>
+                  <a:lnTo>
+                    <a:pt x="109" y="190"/>
+                  </a:lnTo>
+                  <a:lnTo>
+                    <a:pt x="109" y="183"/>
+                  </a:lnTo>
+                  <a:lnTo>
+                    <a:pt x="109" y="176"/>
+                  </a:lnTo>
+                  <a:lnTo>
+                    <a:pt x="110" y="169"/>
+                  </a:lnTo>
+                  <a:lnTo>
+                    <a:pt x="113" y="162"/>
+                  </a:lnTo>
+                  <a:lnTo>
+                    <a:pt x="115" y="156"/>
+                  </a:lnTo>
+                  <a:lnTo>
+                    <a:pt x="118" y="149"/>
+                  </a:lnTo>
+                  <a:lnTo>
+                    <a:pt x="122" y="143"/>
+                  </a:lnTo>
+                  <a:lnTo>
+                    <a:pt x="125" y="138"/>
+                  </a:lnTo>
+                  <a:lnTo>
+                    <a:pt x="131" y="132"/>
+                  </a:lnTo>
+                  <a:lnTo>
+                    <a:pt x="135" y="128"/>
+                  </a:lnTo>
+                  <a:lnTo>
+                    <a:pt x="141" y="124"/>
+                  </a:lnTo>
+                  <a:lnTo>
+                    <a:pt x="147" y="121"/>
+                  </a:lnTo>
+                  <a:lnTo>
+                    <a:pt x="153" y="117"/>
+                  </a:lnTo>
+                  <a:lnTo>
+                    <a:pt x="160" y="114"/>
+                  </a:lnTo>
+                  <a:lnTo>
+                    <a:pt x="166" y="113"/>
+                  </a:lnTo>
+                  <a:lnTo>
+                    <a:pt x="174" y="112"/>
+                  </a:lnTo>
+                  <a:lnTo>
+                    <a:pt x="181" y="111"/>
+                  </a:lnTo>
+                  <a:lnTo>
+                    <a:pt x="189" y="112"/>
+                  </a:lnTo>
+                  <a:lnTo>
+                    <a:pt x="195" y="113"/>
+                  </a:lnTo>
+                  <a:lnTo>
+                    <a:pt x="202" y="114"/>
+                  </a:lnTo>
+                  <a:lnTo>
+                    <a:pt x="209" y="117"/>
+                  </a:lnTo>
+                  <a:lnTo>
+                    <a:pt x="215" y="121"/>
+                  </a:lnTo>
+                  <a:lnTo>
+                    <a:pt x="221" y="124"/>
+                  </a:lnTo>
+                  <a:lnTo>
+                    <a:pt x="226" y="128"/>
+                  </a:lnTo>
+                  <a:lnTo>
+                    <a:pt x="231" y="132"/>
+                  </a:lnTo>
+                  <a:lnTo>
+                    <a:pt x="236" y="138"/>
+                  </a:lnTo>
+                  <a:lnTo>
+                    <a:pt x="240" y="143"/>
+                  </a:lnTo>
+                  <a:lnTo>
+                    <a:pt x="244" y="149"/>
+                  </a:lnTo>
+                  <a:lnTo>
+                    <a:pt x="247" y="156"/>
+                  </a:lnTo>
+                  <a:lnTo>
+                    <a:pt x="250" y="162"/>
+                  </a:lnTo>
+                  <a:lnTo>
+                    <a:pt x="251" y="169"/>
+                  </a:lnTo>
+                  <a:lnTo>
+                    <a:pt x="252" y="176"/>
+                  </a:lnTo>
+                  <a:lnTo>
+                    <a:pt x="253" y="183"/>
+                  </a:lnTo>
+                  <a:lnTo>
+                    <a:pt x="252" y="190"/>
+                  </a:lnTo>
+                  <a:lnTo>
+                    <a:pt x="251" y="198"/>
+                  </a:lnTo>
+                  <a:lnTo>
+                    <a:pt x="250" y="205"/>
+                  </a:lnTo>
+                  <a:lnTo>
+                    <a:pt x="247" y="212"/>
+                  </a:lnTo>
+                  <a:lnTo>
+                    <a:pt x="244" y="218"/>
+                  </a:lnTo>
+                  <a:lnTo>
+                    <a:pt x="240" y="223"/>
+                  </a:lnTo>
+                  <a:lnTo>
+                    <a:pt x="236" y="229"/>
+                  </a:lnTo>
+                  <a:lnTo>
+                    <a:pt x="231" y="234"/>
+                  </a:lnTo>
+                  <a:lnTo>
+                    <a:pt x="226" y="238"/>
+                  </a:lnTo>
+                  <a:lnTo>
+                    <a:pt x="221" y="243"/>
+                  </a:lnTo>
+                  <a:lnTo>
+                    <a:pt x="215" y="247"/>
+                  </a:lnTo>
+                  <a:lnTo>
+                    <a:pt x="209" y="249"/>
+                  </a:lnTo>
+                  <a:lnTo>
+                    <a:pt x="202" y="252"/>
+                  </a:lnTo>
+                  <a:lnTo>
+                    <a:pt x="195" y="253"/>
+                  </a:lnTo>
+                  <a:lnTo>
+                    <a:pt x="189" y="254"/>
+                  </a:lnTo>
+                  <a:lnTo>
+                    <a:pt x="181" y="255"/>
+                  </a:lnTo>
+                  <a:close/>
+                  <a:moveTo>
+                    <a:pt x="354" y="223"/>
+                  </a:moveTo>
+                  <a:lnTo>
+                    <a:pt x="327" y="207"/>
+                  </a:lnTo>
+                  <a:lnTo>
+                    <a:pt x="328" y="195"/>
+                  </a:lnTo>
+                  <a:lnTo>
+                    <a:pt x="328" y="183"/>
+                  </a:lnTo>
+                  <a:lnTo>
+                    <a:pt x="328" y="172"/>
+                  </a:lnTo>
+                  <a:lnTo>
+                    <a:pt x="327" y="160"/>
+                  </a:lnTo>
+                  <a:lnTo>
+                    <a:pt x="354" y="144"/>
+                  </a:lnTo>
+                  <a:lnTo>
+                    <a:pt x="357" y="143"/>
+                  </a:lnTo>
+                  <a:lnTo>
+                    <a:pt x="359" y="141"/>
+                  </a:lnTo>
+                  <a:lnTo>
+                    <a:pt x="360" y="139"/>
+                  </a:lnTo>
+                  <a:lnTo>
+                    <a:pt x="361" y="136"/>
+                  </a:lnTo>
+                  <a:lnTo>
+                    <a:pt x="362" y="132"/>
+                  </a:lnTo>
+                  <a:lnTo>
+                    <a:pt x="362" y="129"/>
+                  </a:lnTo>
+                  <a:lnTo>
+                    <a:pt x="361" y="126"/>
+                  </a:lnTo>
+                  <a:lnTo>
+                    <a:pt x="360" y="124"/>
+                  </a:lnTo>
+                  <a:lnTo>
+                    <a:pt x="322" y="59"/>
+                  </a:lnTo>
+                  <a:lnTo>
+                    <a:pt x="320" y="56"/>
+                  </a:lnTo>
+                  <a:lnTo>
+                    <a:pt x="318" y="54"/>
+                  </a:lnTo>
+                  <a:lnTo>
+                    <a:pt x="316" y="53"/>
+                  </a:lnTo>
+                  <a:lnTo>
+                    <a:pt x="313" y="51"/>
+                  </a:lnTo>
+                  <a:lnTo>
+                    <a:pt x="309" y="51"/>
+                  </a:lnTo>
+                  <a:lnTo>
+                    <a:pt x="307" y="51"/>
+                  </a:lnTo>
+                  <a:lnTo>
+                    <a:pt x="304" y="52"/>
+                  </a:lnTo>
+                  <a:lnTo>
+                    <a:pt x="301" y="53"/>
+                  </a:lnTo>
+                  <a:lnTo>
+                    <a:pt x="274" y="69"/>
+                  </a:lnTo>
+                  <a:lnTo>
+                    <a:pt x="266" y="63"/>
+                  </a:lnTo>
+                  <a:lnTo>
+                    <a:pt x="256" y="56"/>
+                  </a:lnTo>
+                  <a:lnTo>
+                    <a:pt x="246" y="51"/>
+                  </a:lnTo>
+                  <a:lnTo>
+                    <a:pt x="237" y="47"/>
+                  </a:lnTo>
+                  <a:lnTo>
+                    <a:pt x="237" y="14"/>
+                  </a:lnTo>
+                  <a:lnTo>
+                    <a:pt x="236" y="10"/>
+                  </a:lnTo>
+                  <a:lnTo>
+                    <a:pt x="236" y="8"/>
+                  </a:lnTo>
+                  <a:lnTo>
+                    <a:pt x="233" y="5"/>
+                  </a:lnTo>
+                  <a:lnTo>
+                    <a:pt x="232" y="3"/>
+                  </a:lnTo>
+                  <a:lnTo>
+                    <a:pt x="229" y="2"/>
+                  </a:lnTo>
+                  <a:lnTo>
+                    <a:pt x="227" y="1"/>
+                  </a:lnTo>
+                  <a:lnTo>
+                    <a:pt x="224" y="0"/>
+                  </a:lnTo>
+                  <a:lnTo>
+                    <a:pt x="222" y="0"/>
+                  </a:lnTo>
+                  <a:lnTo>
+                    <a:pt x="146" y="0"/>
+                  </a:lnTo>
+                  <a:lnTo>
+                    <a:pt x="143" y="0"/>
+                  </a:lnTo>
+                  <a:lnTo>
+                    <a:pt x="140" y="1"/>
+                  </a:lnTo>
+                  <a:lnTo>
+                    <a:pt x="137" y="2"/>
+                  </a:lnTo>
+                  <a:lnTo>
+                    <a:pt x="135" y="3"/>
+                  </a:lnTo>
+                  <a:lnTo>
+                    <a:pt x="134" y="5"/>
+                  </a:lnTo>
+                  <a:lnTo>
+                    <a:pt x="132" y="8"/>
+                  </a:lnTo>
+                  <a:lnTo>
+                    <a:pt x="132" y="10"/>
+                  </a:lnTo>
+                  <a:lnTo>
+                    <a:pt x="131" y="14"/>
+                  </a:lnTo>
+                  <a:lnTo>
+                    <a:pt x="131" y="47"/>
+                  </a:lnTo>
+                  <a:lnTo>
+                    <a:pt x="120" y="52"/>
+                  </a:lnTo>
+                  <a:lnTo>
+                    <a:pt x="109" y="57"/>
+                  </a:lnTo>
+                  <a:lnTo>
+                    <a:pt x="99" y="63"/>
+                  </a:lnTo>
+                  <a:lnTo>
+                    <a:pt x="90" y="69"/>
+                  </a:lnTo>
+                  <a:lnTo>
+                    <a:pt x="61" y="53"/>
+                  </a:lnTo>
+                  <a:lnTo>
+                    <a:pt x="58" y="52"/>
+                  </a:lnTo>
+                  <a:lnTo>
+                    <a:pt x="55" y="51"/>
+                  </a:lnTo>
+                  <a:lnTo>
+                    <a:pt x="53" y="51"/>
+                  </a:lnTo>
+                  <a:lnTo>
+                    <a:pt x="49" y="51"/>
+                  </a:lnTo>
+                  <a:lnTo>
+                    <a:pt x="47" y="52"/>
+                  </a:lnTo>
+                  <a:lnTo>
+                    <a:pt x="44" y="54"/>
+                  </a:lnTo>
+                  <a:lnTo>
+                    <a:pt x="42" y="56"/>
+                  </a:lnTo>
+                  <a:lnTo>
+                    <a:pt x="41" y="59"/>
+                  </a:lnTo>
+                  <a:lnTo>
+                    <a:pt x="2" y="124"/>
+                  </a:lnTo>
+                  <a:lnTo>
+                    <a:pt x="1" y="126"/>
+                  </a:lnTo>
+                  <a:lnTo>
+                    <a:pt x="0" y="129"/>
+                  </a:lnTo>
+                  <a:lnTo>
+                    <a:pt x="0" y="132"/>
+                  </a:lnTo>
+                  <a:lnTo>
+                    <a:pt x="1" y="136"/>
+                  </a:lnTo>
+                  <a:lnTo>
+                    <a:pt x="2" y="139"/>
+                  </a:lnTo>
+                  <a:lnTo>
+                    <a:pt x="3" y="141"/>
+                  </a:lnTo>
+                  <a:lnTo>
+                    <a:pt x="6" y="143"/>
+                  </a:lnTo>
+                  <a:lnTo>
+                    <a:pt x="8" y="144"/>
+                  </a:lnTo>
+                  <a:lnTo>
+                    <a:pt x="36" y="160"/>
+                  </a:lnTo>
+                  <a:lnTo>
+                    <a:pt x="34" y="172"/>
+                  </a:lnTo>
+                  <a:lnTo>
+                    <a:pt x="34" y="183"/>
+                  </a:lnTo>
+                  <a:lnTo>
+                    <a:pt x="34" y="195"/>
+                  </a:lnTo>
+                  <a:lnTo>
+                    <a:pt x="36" y="207"/>
+                  </a:lnTo>
+                  <a:lnTo>
+                    <a:pt x="8" y="223"/>
+                  </a:lnTo>
+                  <a:lnTo>
+                    <a:pt x="6" y="224"/>
+                  </a:lnTo>
+                  <a:lnTo>
+                    <a:pt x="3" y="227"/>
+                  </a:lnTo>
+                  <a:lnTo>
+                    <a:pt x="1" y="230"/>
+                  </a:lnTo>
+                  <a:lnTo>
+                    <a:pt x="0" y="233"/>
+                  </a:lnTo>
+                  <a:lnTo>
+                    <a:pt x="0" y="235"/>
+                  </a:lnTo>
+                  <a:lnTo>
+                    <a:pt x="0" y="237"/>
+                  </a:lnTo>
+                  <a:lnTo>
+                    <a:pt x="1" y="240"/>
+                  </a:lnTo>
+                  <a:lnTo>
+                    <a:pt x="2" y="243"/>
+                  </a:lnTo>
+                  <a:lnTo>
+                    <a:pt x="40" y="309"/>
+                  </a:lnTo>
+                  <a:lnTo>
+                    <a:pt x="42" y="311"/>
+                  </a:lnTo>
+                  <a:lnTo>
+                    <a:pt x="44" y="313"/>
+                  </a:lnTo>
+                  <a:lnTo>
+                    <a:pt x="46" y="314"/>
+                  </a:lnTo>
+                  <a:lnTo>
+                    <a:pt x="48" y="315"/>
+                  </a:lnTo>
+                  <a:lnTo>
+                    <a:pt x="55" y="316"/>
+                  </a:lnTo>
+                  <a:lnTo>
+                    <a:pt x="60" y="314"/>
+                  </a:lnTo>
+                  <a:lnTo>
+                    <a:pt x="90" y="297"/>
+                  </a:lnTo>
+                  <a:lnTo>
+                    <a:pt x="99" y="304"/>
+                  </a:lnTo>
+                  <a:lnTo>
+                    <a:pt x="109" y="310"/>
+                  </a:lnTo>
+                  <a:lnTo>
+                    <a:pt x="120" y="316"/>
+                  </a:lnTo>
+                  <a:lnTo>
+                    <a:pt x="131" y="321"/>
+                  </a:lnTo>
+                  <a:lnTo>
+                    <a:pt x="131" y="354"/>
+                  </a:lnTo>
+                  <a:lnTo>
+                    <a:pt x="132" y="356"/>
+                  </a:lnTo>
+                  <a:lnTo>
+                    <a:pt x="132" y="359"/>
+                  </a:lnTo>
+                  <a:lnTo>
+                    <a:pt x="134" y="361"/>
+                  </a:lnTo>
+                  <a:lnTo>
+                    <a:pt x="135" y="363"/>
+                  </a:lnTo>
+                  <a:lnTo>
+                    <a:pt x="137" y="366"/>
+                  </a:lnTo>
+                  <a:lnTo>
+                    <a:pt x="140" y="368"/>
+                  </a:lnTo>
+                  <a:lnTo>
+                    <a:pt x="143" y="368"/>
+                  </a:lnTo>
+                  <a:lnTo>
+                    <a:pt x="146" y="369"/>
+                  </a:lnTo>
+                  <a:lnTo>
+                    <a:pt x="222" y="369"/>
+                  </a:lnTo>
+                  <a:lnTo>
+                    <a:pt x="225" y="368"/>
+                  </a:lnTo>
+                  <a:lnTo>
+                    <a:pt x="227" y="368"/>
+                  </a:lnTo>
+                  <a:lnTo>
+                    <a:pt x="229" y="366"/>
+                  </a:lnTo>
+                  <a:lnTo>
+                    <a:pt x="232" y="363"/>
+                  </a:lnTo>
+                  <a:lnTo>
+                    <a:pt x="233" y="361"/>
+                  </a:lnTo>
+                  <a:lnTo>
+                    <a:pt x="236" y="359"/>
+                  </a:lnTo>
+                  <a:lnTo>
+                    <a:pt x="236" y="356"/>
+                  </a:lnTo>
+                  <a:lnTo>
+                    <a:pt x="237" y="354"/>
+                  </a:lnTo>
+                  <a:lnTo>
+                    <a:pt x="237" y="321"/>
+                  </a:lnTo>
+                  <a:lnTo>
+                    <a:pt x="246" y="316"/>
+                  </a:lnTo>
+                  <a:lnTo>
+                    <a:pt x="256" y="311"/>
+                  </a:lnTo>
+                  <a:lnTo>
+                    <a:pt x="266" y="305"/>
+                  </a:lnTo>
+                  <a:lnTo>
+                    <a:pt x="274" y="298"/>
+                  </a:lnTo>
+                  <a:lnTo>
+                    <a:pt x="302" y="313"/>
+                  </a:lnTo>
+                  <a:lnTo>
+                    <a:pt x="305" y="315"/>
+                  </a:lnTo>
+                  <a:lnTo>
+                    <a:pt x="307" y="315"/>
+                  </a:lnTo>
+                  <a:lnTo>
+                    <a:pt x="310" y="316"/>
+                  </a:lnTo>
+                  <a:lnTo>
+                    <a:pt x="314" y="316"/>
+                  </a:lnTo>
+                  <a:lnTo>
+                    <a:pt x="319" y="313"/>
+                  </a:lnTo>
+                  <a:lnTo>
+                    <a:pt x="322" y="309"/>
+                  </a:lnTo>
+                  <a:lnTo>
+                    <a:pt x="360" y="243"/>
+                  </a:lnTo>
+                  <a:lnTo>
+                    <a:pt x="362" y="240"/>
+                  </a:lnTo>
+                  <a:lnTo>
+                    <a:pt x="362" y="237"/>
+                  </a:lnTo>
+                  <a:lnTo>
+                    <a:pt x="362" y="234"/>
+                  </a:lnTo>
+                  <a:lnTo>
+                    <a:pt x="362" y="232"/>
+                  </a:lnTo>
+                  <a:lnTo>
+                    <a:pt x="361" y="229"/>
+                  </a:lnTo>
+                  <a:lnTo>
+                    <a:pt x="359" y="227"/>
+                  </a:lnTo>
+                  <a:lnTo>
+                    <a:pt x="357" y="224"/>
+                  </a:lnTo>
+                  <a:lnTo>
+                    <a:pt x="354" y="223"/>
+                  </a:lnTo>
+                  <a:close/>
+                </a:path>
+              </a:pathLst>
+            </a:custGeom>
+            <a:grpFill/>
+            <a:ln>
+              <a:noFill/>
+            </a:ln>
+            <a:extLst>
+              <a:ext uri="{91240B29-F687-4F45-9708-019B960494DF}">
+                <a14:hiddenLine xmlns:a14="http://schemas.microsoft.com/office/drawing/2010/main" w="9525">
+                  <a:solidFill>
+                    <a:srgbClr val="000000"/>
+                  </a:solidFill>
+                  <a:round/>
+                  <a:headEnd/>
+                  <a:tailEnd/>
+                </a14:hiddenLine>
+              </a:ext>
+            </a:extLst>
+          </p:spPr>
+          <p:txBody>
+            <a:bodyPr vert="horz" wrap="square" lIns="91440" tIns="45720" rIns="91440" bIns="45720" numCol="1" anchor="t" anchorCtr="0" compatLnSpc="1">
+              <a:prstTxWarp prst="textNoShape">
+                <a:avLst/>
+              </a:prstTxWarp>
+            </a:bodyPr>
+            <a:lstStyle/>
+            <a:p>
+              <a:endParaRPr lang="en-US" dirty="0"/>
+            </a:p>
+          </p:txBody>
+        </p:sp>
+      </p:grpSp>
+      <p:sp>
+        <p:nvSpPr>
+          <p:cNvPr id="6" name="Arrow: Right 5">
+            <a:extLst>
+              <a:ext uri="{FF2B5EF4-FFF2-40B4-BE49-F238E27FC236}">
+                <a16:creationId xmlns:a16="http://schemas.microsoft.com/office/drawing/2014/main" id="{76D05755-43E9-48D1-9001-0F6D0236B229}"/>
+              </a:ext>
+            </a:extLst>
+          </p:cNvPr>
+          <p:cNvSpPr/>
+          <p:nvPr/>
+        </p:nvSpPr>
+        <p:spPr>
+          <a:xfrm>
+            <a:off x="557623" y="910696"/>
+            <a:ext cx="1125415" cy="566904"/>
+          </a:xfrm>
+          <a:prstGeom prst="rightArrow">
+            <a:avLst/>
+          </a:prstGeom>
+          <a:solidFill>
+            <a:srgbClr val="FFC000"/>
+          </a:solidFill>
+        </p:spPr>
+        <p:style>
+          <a:lnRef idx="2">
+            <a:schemeClr val="accent1">
+              <a:shade val="50000"/>
+            </a:schemeClr>
+          </a:lnRef>
+          <a:fillRef idx="1">
+            <a:schemeClr val="accent1"/>
+          </a:fillRef>
+          <a:effectRef idx="0">
+            <a:schemeClr val="accent1"/>
+          </a:effectRef>
+          <a:fontRef idx="minor">
+            <a:schemeClr val="lt1"/>
+          </a:fontRef>
+        </p:style>
+        <p:txBody>
+          <a:bodyPr rtlCol="0" anchor="ctr"/>
+          <a:lstStyle/>
+          <a:p>
+            <a:pPr algn="ctr"/>
+            <a:endParaRPr lang="en-ID"/>
+          </a:p>
+        </p:txBody>
+      </p:sp>
+      <p:sp>
+        <p:nvSpPr>
+          <p:cNvPr id="7" name="Rectangle 6">
+            <a:extLst>
+              <a:ext uri="{FF2B5EF4-FFF2-40B4-BE49-F238E27FC236}">
+                <a16:creationId xmlns:a16="http://schemas.microsoft.com/office/drawing/2014/main" id="{61612B95-31BF-4444-9B8E-E77312C31BF1}"/>
+              </a:ext>
+            </a:extLst>
+          </p:cNvPr>
+          <p:cNvSpPr/>
+          <p:nvPr/>
+        </p:nvSpPr>
+        <p:spPr>
+          <a:xfrm>
+            <a:off x="2296176" y="910697"/>
+            <a:ext cx="7171381" cy="1677758"/>
+          </a:xfrm>
+          <a:prstGeom prst="rect">
+            <a:avLst/>
+          </a:prstGeom>
+          <a:solidFill>
+            <a:schemeClr val="accent3"/>
+          </a:solidFill>
+          <a:ln>
+            <a:noFill/>
+          </a:ln>
+        </p:spPr>
+        <p:style>
+          <a:lnRef idx="2">
+            <a:schemeClr val="accent1">
+              <a:shade val="50000"/>
+            </a:schemeClr>
+          </a:lnRef>
+          <a:fillRef idx="1">
+            <a:schemeClr val="accent1"/>
+          </a:fillRef>
+          <a:effectRef idx="0">
+            <a:schemeClr val="accent1"/>
+          </a:effectRef>
+          <a:fontRef idx="minor">
+            <a:schemeClr val="lt1"/>
+          </a:fontRef>
+        </p:style>
+        <p:txBody>
+          <a:bodyPr rtlCol="0" anchor="ctr"/>
+          <a:lstStyle/>
+          <a:p>
+            <a:pPr algn="ctr"/>
+            <a:r>
+              <a:rPr lang="en-ID" b="0" i="0" dirty="0" err="1">
+                <a:solidFill>
+                  <a:schemeClr val="bg1"/>
+                </a:solidFill>
+                <a:effectLst/>
+                <a:latin typeface="Lato"/>
+              </a:rPr>
+              <a:t>Pengelolaan</a:t>
+            </a:r>
+            <a:r>
+              <a:rPr lang="en-ID" b="0" i="0" dirty="0">
+                <a:solidFill>
+                  <a:schemeClr val="bg1"/>
+                </a:solidFill>
+                <a:effectLst/>
+                <a:latin typeface="Lato"/>
+              </a:rPr>
+              <a:t> data </a:t>
+            </a:r>
+            <a:r>
+              <a:rPr lang="en-ID" b="0" i="0" dirty="0" err="1">
+                <a:solidFill>
+                  <a:schemeClr val="bg1"/>
+                </a:solidFill>
+                <a:effectLst/>
+                <a:latin typeface="Lato"/>
+              </a:rPr>
+              <a:t>dapat</a:t>
+            </a:r>
+            <a:r>
+              <a:rPr lang="en-ID" b="0" i="0" dirty="0">
+                <a:solidFill>
+                  <a:schemeClr val="bg1"/>
+                </a:solidFill>
+                <a:effectLst/>
+                <a:latin typeface="Lato"/>
+              </a:rPr>
+              <a:t> </a:t>
+            </a:r>
+            <a:r>
+              <a:rPr lang="en-ID" b="0" i="0" dirty="0" err="1">
+                <a:solidFill>
+                  <a:schemeClr val="bg1"/>
+                </a:solidFill>
+                <a:effectLst/>
+                <a:latin typeface="Lato"/>
+              </a:rPr>
+              <a:t>dipantau</a:t>
+            </a:r>
+            <a:r>
+              <a:rPr lang="en-ID" b="0" i="0" dirty="0">
+                <a:solidFill>
+                  <a:schemeClr val="bg1"/>
+                </a:solidFill>
+                <a:effectLst/>
+                <a:latin typeface="Lato"/>
+              </a:rPr>
+              <a:t> </a:t>
+            </a:r>
+            <a:r>
+              <a:rPr lang="en-ID" b="0" i="0" dirty="0" err="1">
+                <a:solidFill>
+                  <a:schemeClr val="bg1"/>
+                </a:solidFill>
+                <a:effectLst/>
+                <a:latin typeface="Lato"/>
+              </a:rPr>
+              <a:t>secara</a:t>
+            </a:r>
+            <a:r>
+              <a:rPr lang="en-ID" b="0" i="0" dirty="0">
+                <a:solidFill>
+                  <a:schemeClr val="bg1"/>
+                </a:solidFill>
+                <a:effectLst/>
+                <a:latin typeface="Lato"/>
+              </a:rPr>
+              <a:t> real time </a:t>
+            </a:r>
+            <a:r>
+              <a:rPr lang="en-ID" b="0" i="0" dirty="0" err="1">
+                <a:solidFill>
+                  <a:schemeClr val="bg1"/>
+                </a:solidFill>
+                <a:effectLst/>
+                <a:latin typeface="Lato"/>
+              </a:rPr>
+              <a:t>menggunakan</a:t>
+            </a:r>
+            <a:r>
+              <a:rPr lang="en-ID" b="0" i="0" dirty="0">
+                <a:solidFill>
+                  <a:schemeClr val="bg1"/>
+                </a:solidFill>
+                <a:effectLst/>
+                <a:latin typeface="Lato"/>
+              </a:rPr>
+              <a:t> software </a:t>
+            </a:r>
+            <a:r>
+              <a:rPr lang="en-ID" b="0" i="0" dirty="0" err="1">
+                <a:solidFill>
+                  <a:schemeClr val="bg1"/>
+                </a:solidFill>
+                <a:effectLst/>
+                <a:latin typeface="Lato"/>
+              </a:rPr>
+              <a:t>sistem</a:t>
+            </a:r>
+            <a:r>
+              <a:rPr lang="en-ID" b="0" i="0" dirty="0">
+                <a:solidFill>
+                  <a:schemeClr val="bg1"/>
+                </a:solidFill>
+                <a:effectLst/>
+                <a:latin typeface="Lato"/>
+              </a:rPr>
+              <a:t> online </a:t>
+            </a:r>
+            <a:r>
+              <a:rPr lang="en-ID" b="0" i="0" dirty="0" err="1">
+                <a:solidFill>
+                  <a:schemeClr val="bg1"/>
+                </a:solidFill>
+                <a:effectLst/>
+                <a:latin typeface="Lato"/>
+              </a:rPr>
+              <a:t>ini</a:t>
+            </a:r>
+            <a:r>
+              <a:rPr lang="en-ID" b="0" i="0" dirty="0">
+                <a:solidFill>
+                  <a:schemeClr val="bg1"/>
+                </a:solidFill>
+                <a:effectLst/>
+                <a:latin typeface="Lato"/>
+              </a:rPr>
+              <a:t>. </a:t>
+            </a:r>
+            <a:r>
+              <a:rPr lang="en-ID" b="0" i="0" dirty="0" err="1">
+                <a:solidFill>
+                  <a:schemeClr val="bg1"/>
+                </a:solidFill>
+                <a:effectLst/>
+                <a:latin typeface="Lato"/>
+              </a:rPr>
+              <a:t>Dalam</a:t>
+            </a:r>
+            <a:r>
+              <a:rPr lang="en-ID" b="0" i="0" dirty="0">
+                <a:solidFill>
+                  <a:schemeClr val="bg1"/>
+                </a:solidFill>
+                <a:effectLst/>
+                <a:latin typeface="Lato"/>
+              </a:rPr>
+              <a:t> </a:t>
+            </a:r>
+            <a:r>
+              <a:rPr lang="en-ID" b="0" i="0" dirty="0" err="1">
+                <a:solidFill>
+                  <a:schemeClr val="bg1"/>
+                </a:solidFill>
+                <a:effectLst/>
+                <a:latin typeface="Lato"/>
+              </a:rPr>
+              <a:t>hal</a:t>
+            </a:r>
+            <a:r>
+              <a:rPr lang="en-ID" b="0" i="0" dirty="0">
+                <a:solidFill>
+                  <a:schemeClr val="bg1"/>
+                </a:solidFill>
+                <a:effectLst/>
+                <a:latin typeface="Lato"/>
+              </a:rPr>
+              <a:t> </a:t>
+            </a:r>
+            <a:r>
+              <a:rPr lang="en-ID" b="0" i="0" dirty="0" err="1">
+                <a:solidFill>
+                  <a:schemeClr val="bg1"/>
+                </a:solidFill>
+                <a:effectLst/>
+                <a:latin typeface="Lato"/>
+              </a:rPr>
+              <a:t>ini</a:t>
+            </a:r>
+            <a:r>
+              <a:rPr lang="en-ID" b="0" i="0" dirty="0">
+                <a:solidFill>
+                  <a:schemeClr val="bg1"/>
+                </a:solidFill>
+                <a:effectLst/>
+                <a:latin typeface="Lato"/>
+              </a:rPr>
+              <a:t> Anda </a:t>
+            </a:r>
+            <a:r>
+              <a:rPr lang="en-ID" b="0" i="0" dirty="0" err="1">
+                <a:solidFill>
+                  <a:schemeClr val="bg1"/>
+                </a:solidFill>
+                <a:effectLst/>
+                <a:latin typeface="Lato"/>
+              </a:rPr>
+              <a:t>tidak</a:t>
+            </a:r>
+            <a:r>
+              <a:rPr lang="en-ID" b="0" i="0" dirty="0">
+                <a:solidFill>
+                  <a:schemeClr val="bg1"/>
+                </a:solidFill>
+                <a:effectLst/>
+                <a:latin typeface="Lato"/>
+              </a:rPr>
+              <a:t> </a:t>
+            </a:r>
+            <a:r>
+              <a:rPr lang="en-ID" b="0" i="0" dirty="0" err="1">
+                <a:solidFill>
+                  <a:schemeClr val="bg1"/>
+                </a:solidFill>
+                <a:effectLst/>
+                <a:latin typeface="Lato"/>
+              </a:rPr>
+              <a:t>perlu</a:t>
+            </a:r>
+            <a:r>
+              <a:rPr lang="en-ID" b="0" i="0" dirty="0">
+                <a:solidFill>
+                  <a:schemeClr val="bg1"/>
+                </a:solidFill>
+                <a:effectLst/>
+                <a:latin typeface="Lato"/>
+              </a:rPr>
+              <a:t> </a:t>
+            </a:r>
+            <a:r>
+              <a:rPr lang="en-ID" b="0" i="0" dirty="0" err="1">
+                <a:solidFill>
+                  <a:schemeClr val="bg1"/>
+                </a:solidFill>
+                <a:effectLst/>
+                <a:latin typeface="Lato"/>
+              </a:rPr>
+              <a:t>pergi</a:t>
+            </a:r>
+            <a:r>
+              <a:rPr lang="en-ID" b="0" i="0" dirty="0">
+                <a:solidFill>
+                  <a:schemeClr val="bg1"/>
+                </a:solidFill>
+                <a:effectLst/>
+                <a:latin typeface="Lato"/>
+              </a:rPr>
+              <a:t> </a:t>
+            </a:r>
+            <a:r>
+              <a:rPr lang="en-ID" b="0" i="0" dirty="0" err="1">
+                <a:solidFill>
+                  <a:schemeClr val="bg1"/>
+                </a:solidFill>
+                <a:effectLst/>
+                <a:latin typeface="Lato"/>
+              </a:rPr>
+              <a:t>ke</a:t>
+            </a:r>
+            <a:r>
+              <a:rPr lang="en-ID" b="0" i="0" dirty="0">
+                <a:solidFill>
+                  <a:schemeClr val="bg1"/>
+                </a:solidFill>
+                <a:effectLst/>
+                <a:latin typeface="Lato"/>
+              </a:rPr>
+              <a:t> </a:t>
+            </a:r>
+            <a:r>
+              <a:rPr lang="en-ID" b="0" i="0" dirty="0" err="1">
+                <a:solidFill>
+                  <a:schemeClr val="bg1"/>
+                </a:solidFill>
+                <a:effectLst/>
+                <a:latin typeface="Lato"/>
+              </a:rPr>
+              <a:t>kampus</a:t>
+            </a:r>
+            <a:r>
+              <a:rPr lang="en-ID" b="0" i="0" dirty="0">
+                <a:solidFill>
+                  <a:schemeClr val="bg1"/>
+                </a:solidFill>
+                <a:effectLst/>
+                <a:latin typeface="Lato"/>
+              </a:rPr>
+              <a:t> </a:t>
+            </a:r>
+            <a:r>
+              <a:rPr lang="en-ID" b="0" i="0" dirty="0" err="1">
+                <a:solidFill>
+                  <a:schemeClr val="bg1"/>
+                </a:solidFill>
+                <a:effectLst/>
+                <a:latin typeface="Lato"/>
+              </a:rPr>
+              <a:t>untuk</a:t>
+            </a:r>
+            <a:r>
+              <a:rPr lang="en-ID" b="0" i="0" dirty="0">
+                <a:solidFill>
+                  <a:schemeClr val="bg1"/>
+                </a:solidFill>
+                <a:effectLst/>
+                <a:latin typeface="Lato"/>
+              </a:rPr>
+              <a:t> </a:t>
+            </a:r>
+            <a:r>
+              <a:rPr lang="en-ID" b="0" i="0" dirty="0" err="1">
+                <a:solidFill>
+                  <a:schemeClr val="bg1"/>
+                </a:solidFill>
+                <a:effectLst/>
+                <a:latin typeface="Lato"/>
+              </a:rPr>
+              <a:t>ngecek</a:t>
+            </a:r>
+            <a:r>
+              <a:rPr lang="en-ID" b="0" i="0" dirty="0">
+                <a:solidFill>
+                  <a:schemeClr val="bg1"/>
+                </a:solidFill>
+                <a:effectLst/>
+                <a:latin typeface="Lato"/>
+              </a:rPr>
+              <a:t>, </a:t>
+            </a:r>
+            <a:r>
+              <a:rPr lang="en-ID" b="0" i="0" dirty="0" err="1">
+                <a:solidFill>
+                  <a:schemeClr val="bg1"/>
+                </a:solidFill>
+                <a:effectLst/>
+                <a:latin typeface="Lato"/>
+              </a:rPr>
+              <a:t>melainkan</a:t>
+            </a:r>
+            <a:r>
+              <a:rPr lang="en-ID" b="0" i="0" dirty="0">
+                <a:solidFill>
+                  <a:schemeClr val="bg1"/>
+                </a:solidFill>
+                <a:effectLst/>
+                <a:latin typeface="Lato"/>
+              </a:rPr>
+              <a:t> </a:t>
+            </a:r>
+            <a:r>
+              <a:rPr lang="en-ID" b="0" i="0" dirty="0" err="1">
+                <a:solidFill>
+                  <a:schemeClr val="bg1"/>
+                </a:solidFill>
+                <a:effectLst/>
+                <a:latin typeface="Lato"/>
+              </a:rPr>
+              <a:t>cukup</a:t>
+            </a:r>
+            <a:r>
+              <a:rPr lang="en-ID" b="0" i="0" dirty="0">
+                <a:solidFill>
+                  <a:schemeClr val="bg1"/>
+                </a:solidFill>
+                <a:effectLst/>
+                <a:latin typeface="Lato"/>
+              </a:rPr>
+              <a:t> </a:t>
+            </a:r>
+            <a:r>
+              <a:rPr lang="en-ID" b="0" i="0" dirty="0" err="1">
+                <a:solidFill>
+                  <a:schemeClr val="bg1"/>
+                </a:solidFill>
+                <a:effectLst/>
+                <a:latin typeface="Lato"/>
+              </a:rPr>
+              <a:t>melalui</a:t>
+            </a:r>
+            <a:r>
+              <a:rPr lang="en-ID" b="0" i="0" dirty="0">
+                <a:solidFill>
+                  <a:schemeClr val="bg1"/>
+                </a:solidFill>
+                <a:effectLst/>
+                <a:latin typeface="Lato"/>
+              </a:rPr>
+              <a:t> laptop </a:t>
+            </a:r>
+            <a:r>
+              <a:rPr lang="en-ID" b="0" i="0" dirty="0" err="1">
+                <a:solidFill>
+                  <a:schemeClr val="bg1"/>
+                </a:solidFill>
+                <a:effectLst/>
+                <a:latin typeface="Lato"/>
+              </a:rPr>
+              <a:t>pribadi</a:t>
+            </a:r>
+            <a:r>
+              <a:rPr lang="en-ID" b="0" i="0" dirty="0">
+                <a:solidFill>
+                  <a:schemeClr val="bg1"/>
+                </a:solidFill>
+                <a:effectLst/>
+                <a:latin typeface="Lato"/>
+              </a:rPr>
+              <a:t> yang </a:t>
+            </a:r>
+            <a:r>
+              <a:rPr lang="en-ID" b="0" i="0" dirty="0" err="1">
+                <a:solidFill>
+                  <a:schemeClr val="bg1"/>
+                </a:solidFill>
+                <a:effectLst/>
+                <a:latin typeface="Lato"/>
+              </a:rPr>
+              <a:t>sudah</a:t>
+            </a:r>
+            <a:r>
+              <a:rPr lang="en-ID" b="0" i="0" dirty="0">
+                <a:solidFill>
+                  <a:schemeClr val="bg1"/>
+                </a:solidFill>
+                <a:effectLst/>
+                <a:latin typeface="Lato"/>
+              </a:rPr>
+              <a:t> </a:t>
+            </a:r>
+            <a:r>
+              <a:rPr lang="en-ID" b="0" i="0" dirty="0" err="1">
+                <a:solidFill>
+                  <a:schemeClr val="bg1"/>
+                </a:solidFill>
+                <a:effectLst/>
+                <a:latin typeface="Lato"/>
+              </a:rPr>
+              <a:t>terkoneksi</a:t>
+            </a:r>
+            <a:r>
+              <a:rPr lang="en-ID" b="0" i="0" dirty="0">
+                <a:solidFill>
+                  <a:schemeClr val="bg1"/>
+                </a:solidFill>
+                <a:effectLst/>
+                <a:latin typeface="Lato"/>
+              </a:rPr>
+              <a:t> </a:t>
+            </a:r>
+            <a:r>
+              <a:rPr lang="en-ID" b="0" i="0" dirty="0" err="1">
+                <a:solidFill>
+                  <a:schemeClr val="bg1"/>
+                </a:solidFill>
+                <a:effectLst/>
+                <a:latin typeface="Lato"/>
+              </a:rPr>
+              <a:t>dengan</a:t>
+            </a:r>
+            <a:r>
+              <a:rPr lang="en-ID" b="0" i="0" dirty="0">
+                <a:solidFill>
+                  <a:schemeClr val="bg1"/>
+                </a:solidFill>
+                <a:effectLst/>
+                <a:latin typeface="Lato"/>
+              </a:rPr>
+              <a:t> program software </a:t>
+            </a:r>
+            <a:r>
+              <a:rPr lang="en-ID" b="0" i="0" dirty="0" err="1">
+                <a:solidFill>
+                  <a:schemeClr val="bg1"/>
+                </a:solidFill>
+                <a:effectLst/>
+                <a:latin typeface="Lato"/>
+              </a:rPr>
+              <a:t>ini</a:t>
+            </a:r>
+            <a:r>
+              <a:rPr lang="en-ID" b="0" i="0" dirty="0">
+                <a:solidFill>
+                  <a:schemeClr val="bg1"/>
+                </a:solidFill>
+                <a:effectLst/>
+                <a:latin typeface="Lato"/>
+              </a:rPr>
+              <a:t>.</a:t>
+            </a:r>
+          </a:p>
+          <a:p>
+            <a:pPr algn="ctr"/>
+            <a:endParaRPr lang="en-ID" dirty="0"/>
+          </a:p>
+        </p:txBody>
+      </p:sp>
+      <p:sp>
+        <p:nvSpPr>
+          <p:cNvPr id="22" name="Arrow: Right 21">
+            <a:extLst>
+              <a:ext uri="{FF2B5EF4-FFF2-40B4-BE49-F238E27FC236}">
+                <a16:creationId xmlns:a16="http://schemas.microsoft.com/office/drawing/2014/main" id="{AD444AFC-ACA2-4A14-90A0-8F5F3AB0F3BD}"/>
+              </a:ext>
+            </a:extLst>
+          </p:cNvPr>
+          <p:cNvSpPr/>
+          <p:nvPr/>
+        </p:nvSpPr>
+        <p:spPr>
+          <a:xfrm>
+            <a:off x="557624" y="3241088"/>
+            <a:ext cx="1125415" cy="566904"/>
+          </a:xfrm>
+          <a:prstGeom prst="rightArrow">
+            <a:avLst/>
+          </a:prstGeom>
+          <a:solidFill>
+            <a:srgbClr val="FFC000"/>
+          </a:solidFill>
+        </p:spPr>
+        <p:style>
+          <a:lnRef idx="2">
+            <a:schemeClr val="accent1">
+              <a:shade val="50000"/>
+            </a:schemeClr>
+          </a:lnRef>
+          <a:fillRef idx="1">
+            <a:schemeClr val="accent1"/>
+          </a:fillRef>
+          <a:effectRef idx="0">
+            <a:schemeClr val="accent1"/>
+          </a:effectRef>
+          <a:fontRef idx="minor">
+            <a:schemeClr val="lt1"/>
+          </a:fontRef>
+        </p:style>
+        <p:txBody>
+          <a:bodyPr rtlCol="0" anchor="ctr"/>
+          <a:lstStyle/>
+          <a:p>
+            <a:pPr algn="ctr"/>
+            <a:endParaRPr lang="en-ID"/>
+          </a:p>
+        </p:txBody>
+      </p:sp>
+      <p:sp>
+        <p:nvSpPr>
+          <p:cNvPr id="24" name="Rectangle 23">
+            <a:extLst>
+              <a:ext uri="{FF2B5EF4-FFF2-40B4-BE49-F238E27FC236}">
+                <a16:creationId xmlns:a16="http://schemas.microsoft.com/office/drawing/2014/main" id="{5022716F-A51B-415A-B7DB-34CB210D914F}"/>
+              </a:ext>
+            </a:extLst>
+          </p:cNvPr>
+          <p:cNvSpPr/>
+          <p:nvPr/>
+        </p:nvSpPr>
+        <p:spPr>
+          <a:xfrm>
+            <a:off x="2296175" y="3242558"/>
+            <a:ext cx="7171381" cy="1273171"/>
+          </a:xfrm>
+          <a:prstGeom prst="rect">
+            <a:avLst/>
+          </a:prstGeom>
+          <a:solidFill>
+            <a:schemeClr val="accent3"/>
+          </a:solidFill>
+          <a:ln>
+            <a:noFill/>
+          </a:ln>
+        </p:spPr>
+        <p:style>
+          <a:lnRef idx="2">
+            <a:schemeClr val="accent1">
+              <a:shade val="50000"/>
+            </a:schemeClr>
+          </a:lnRef>
+          <a:fillRef idx="1">
+            <a:schemeClr val="accent1"/>
+          </a:fillRef>
+          <a:effectRef idx="0">
+            <a:schemeClr val="accent1"/>
+          </a:effectRef>
+          <a:fontRef idx="minor">
+            <a:schemeClr val="lt1"/>
+          </a:fontRef>
+        </p:style>
+        <p:txBody>
+          <a:bodyPr rtlCol="0" anchor="ctr"/>
+          <a:lstStyle/>
+          <a:p>
+            <a:pPr algn="ctr"/>
+            <a:r>
+              <a:rPr lang="en-US" dirty="0"/>
+              <a:t>Program </a:t>
+            </a:r>
+            <a:r>
+              <a:rPr lang="en-US" dirty="0" err="1"/>
+              <a:t>ini</a:t>
+            </a:r>
+            <a:r>
+              <a:rPr lang="en-US" dirty="0"/>
+              <a:t> user friendly </a:t>
+            </a:r>
+            <a:r>
+              <a:rPr lang="en-US" dirty="0" err="1"/>
+              <a:t>sehingga</a:t>
+            </a:r>
+            <a:r>
+              <a:rPr lang="en-US" dirty="0"/>
+              <a:t> </a:t>
+            </a:r>
+            <a:r>
+              <a:rPr lang="en-US" dirty="0" err="1"/>
+              <a:t>sangat</a:t>
+            </a:r>
+            <a:r>
+              <a:rPr lang="en-US" dirty="0"/>
+              <a:t> </a:t>
+            </a:r>
+            <a:r>
+              <a:rPr lang="en-US" dirty="0" err="1"/>
+              <a:t>mudah</a:t>
+            </a:r>
+            <a:r>
+              <a:rPr lang="en-US" dirty="0"/>
+              <a:t> </a:t>
+            </a:r>
+            <a:r>
+              <a:rPr lang="en-US" dirty="0" err="1"/>
+              <a:t>digunakan</a:t>
+            </a:r>
+            <a:r>
+              <a:rPr lang="en-US" dirty="0"/>
+              <a:t> oleh </a:t>
+            </a:r>
+            <a:r>
+              <a:rPr lang="en-US" dirty="0" err="1"/>
+              <a:t>siapapun</a:t>
+            </a:r>
+            <a:r>
+              <a:rPr lang="en-US" dirty="0"/>
+              <a:t> </a:t>
+            </a:r>
+            <a:r>
+              <a:rPr lang="en-US" dirty="0" err="1"/>
+              <a:t>dengan</a:t>
+            </a:r>
+            <a:r>
+              <a:rPr lang="en-US" dirty="0"/>
+              <a:t> </a:t>
+            </a:r>
+            <a:r>
+              <a:rPr lang="en-US" dirty="0" err="1"/>
+              <a:t>hanya</a:t>
+            </a:r>
+            <a:r>
+              <a:rPr lang="en-US" dirty="0"/>
+              <a:t> </a:t>
+            </a:r>
+            <a:r>
+              <a:rPr lang="en-US" dirty="0" err="1"/>
+              <a:t>melihat</a:t>
+            </a:r>
+            <a:r>
+              <a:rPr lang="en-US" dirty="0"/>
+              <a:t> </a:t>
+            </a:r>
+            <a:r>
+              <a:rPr lang="en-US" dirty="0" err="1"/>
+              <a:t>tampilan</a:t>
+            </a:r>
+            <a:r>
+              <a:rPr lang="en-US" dirty="0"/>
+              <a:t> </a:t>
+            </a:r>
+            <a:r>
+              <a:rPr lang="en-US" dirty="0" err="1"/>
+              <a:t>saja</a:t>
+            </a:r>
+            <a:r>
+              <a:rPr lang="en-US" dirty="0"/>
+              <a:t> kami </a:t>
+            </a:r>
+            <a:r>
+              <a:rPr lang="en-US" dirty="0" err="1"/>
+              <a:t>yakin</a:t>
+            </a:r>
+            <a:r>
+              <a:rPr lang="en-US" dirty="0"/>
+              <a:t> </a:t>
+            </a:r>
+            <a:r>
+              <a:rPr lang="en-US" dirty="0" err="1"/>
+              <a:t>semua</a:t>
+            </a:r>
+            <a:r>
+              <a:rPr lang="en-US" dirty="0"/>
+              <a:t> orang </a:t>
+            </a:r>
+            <a:r>
+              <a:rPr lang="en-US" dirty="0" err="1"/>
+              <a:t>dapat</a:t>
+            </a:r>
+            <a:r>
+              <a:rPr lang="en-US" dirty="0"/>
+              <a:t> </a:t>
+            </a:r>
+            <a:r>
+              <a:rPr lang="en-US" dirty="0" err="1"/>
+              <a:t>menggunakannya</a:t>
+            </a:r>
+            <a:r>
+              <a:rPr lang="en-US" dirty="0"/>
+              <a:t>.</a:t>
+            </a:r>
+            <a:endParaRPr lang="en-ID" dirty="0"/>
+          </a:p>
+        </p:txBody>
+      </p:sp>
+      <p:sp>
+        <p:nvSpPr>
+          <p:cNvPr id="25" name="Arrow: Right 24">
+            <a:extLst>
+              <a:ext uri="{FF2B5EF4-FFF2-40B4-BE49-F238E27FC236}">
+                <a16:creationId xmlns:a16="http://schemas.microsoft.com/office/drawing/2014/main" id="{E615BD61-F88E-462F-95B7-6B6A81BFED5D}"/>
+              </a:ext>
+            </a:extLst>
+          </p:cNvPr>
+          <p:cNvSpPr/>
+          <p:nvPr/>
+        </p:nvSpPr>
+        <p:spPr>
+          <a:xfrm>
+            <a:off x="557623" y="4857726"/>
+            <a:ext cx="1125415" cy="566904"/>
+          </a:xfrm>
+          <a:prstGeom prst="rightArrow">
+            <a:avLst/>
+          </a:prstGeom>
+          <a:solidFill>
+            <a:srgbClr val="FFC000"/>
+          </a:solidFill>
+        </p:spPr>
+        <p:style>
+          <a:lnRef idx="2">
+            <a:schemeClr val="accent1">
+              <a:shade val="50000"/>
+            </a:schemeClr>
+          </a:lnRef>
+          <a:fillRef idx="1">
+            <a:schemeClr val="accent1"/>
+          </a:fillRef>
+          <a:effectRef idx="0">
+            <a:schemeClr val="accent1"/>
+          </a:effectRef>
+          <a:fontRef idx="minor">
+            <a:schemeClr val="lt1"/>
+          </a:fontRef>
+        </p:style>
+        <p:txBody>
+          <a:bodyPr rtlCol="0" anchor="ctr"/>
+          <a:lstStyle/>
+          <a:p>
+            <a:pPr algn="ctr"/>
+            <a:endParaRPr lang="en-ID"/>
+          </a:p>
+        </p:txBody>
+      </p:sp>
+      <p:sp>
+        <p:nvSpPr>
+          <p:cNvPr id="26" name="Rectangle 25">
+            <a:extLst>
+              <a:ext uri="{FF2B5EF4-FFF2-40B4-BE49-F238E27FC236}">
+                <a16:creationId xmlns:a16="http://schemas.microsoft.com/office/drawing/2014/main" id="{B019A60E-DA11-4DB1-85A0-F5126371A126}"/>
+              </a:ext>
+            </a:extLst>
+          </p:cNvPr>
+          <p:cNvSpPr/>
+          <p:nvPr/>
+        </p:nvSpPr>
+        <p:spPr>
+          <a:xfrm>
+            <a:off x="2296174" y="4978211"/>
+            <a:ext cx="7171381" cy="1273171"/>
+          </a:xfrm>
+          <a:prstGeom prst="rect">
+            <a:avLst/>
+          </a:prstGeom>
+          <a:solidFill>
+            <a:schemeClr val="accent3"/>
+          </a:solidFill>
+          <a:ln>
+            <a:noFill/>
+          </a:ln>
+        </p:spPr>
+        <p:style>
+          <a:lnRef idx="2">
+            <a:schemeClr val="accent1">
+              <a:shade val="50000"/>
+            </a:schemeClr>
+          </a:lnRef>
+          <a:fillRef idx="1">
+            <a:schemeClr val="accent1"/>
+          </a:fillRef>
+          <a:effectRef idx="0">
+            <a:schemeClr val="accent1"/>
+          </a:effectRef>
+          <a:fontRef idx="minor">
+            <a:schemeClr val="lt1"/>
+          </a:fontRef>
+        </p:style>
+        <p:txBody>
+          <a:bodyPr rtlCol="0" anchor="ctr"/>
+          <a:lstStyle/>
+          <a:p>
+            <a:pPr algn="ctr"/>
+            <a:r>
+              <a:rPr lang="en-US" dirty="0"/>
+              <a:t>Program </a:t>
+            </a:r>
+            <a:r>
+              <a:rPr lang="en-US" dirty="0" err="1"/>
+              <a:t>ini</a:t>
+            </a:r>
+            <a:r>
+              <a:rPr lang="en-US" dirty="0"/>
+              <a:t> </a:t>
+            </a:r>
+            <a:r>
+              <a:rPr lang="en-US" dirty="0" err="1"/>
+              <a:t>sangat</a:t>
+            </a:r>
+            <a:r>
+              <a:rPr lang="en-US" dirty="0"/>
+              <a:t> </a:t>
+            </a:r>
+            <a:r>
+              <a:rPr lang="en-US" dirty="0" err="1"/>
+              <a:t>sederhana</a:t>
+            </a:r>
+            <a:r>
+              <a:rPr lang="en-US" dirty="0"/>
+              <a:t> dan </a:t>
+            </a:r>
+            <a:r>
+              <a:rPr lang="en-US" dirty="0" err="1"/>
+              <a:t>terhitung</a:t>
+            </a:r>
+            <a:r>
+              <a:rPr lang="en-US" dirty="0"/>
+              <a:t> </a:t>
+            </a:r>
+            <a:r>
+              <a:rPr lang="en-US" dirty="0" err="1"/>
+              <a:t>murah</a:t>
+            </a:r>
+            <a:r>
+              <a:rPr lang="en-US" dirty="0"/>
+              <a:t> </a:t>
+            </a:r>
+            <a:r>
+              <a:rPr lang="en-US" dirty="0" err="1"/>
+              <a:t>jika</a:t>
+            </a:r>
+            <a:r>
+              <a:rPr lang="en-US" dirty="0"/>
+              <a:t> </a:t>
+            </a:r>
+            <a:r>
+              <a:rPr lang="en-US" dirty="0" err="1"/>
+              <a:t>anda</a:t>
+            </a:r>
+            <a:r>
+              <a:rPr lang="en-US" dirty="0"/>
+              <a:t> </a:t>
+            </a:r>
+            <a:r>
+              <a:rPr lang="en-US" dirty="0" err="1"/>
+              <a:t>ingin</a:t>
+            </a:r>
+            <a:r>
+              <a:rPr lang="en-US" dirty="0"/>
+              <a:t> </a:t>
+            </a:r>
+            <a:r>
+              <a:rPr lang="en-US" dirty="0" err="1"/>
+              <a:t>menggunakan</a:t>
+            </a:r>
+            <a:r>
+              <a:rPr lang="en-US" dirty="0"/>
+              <a:t> </a:t>
+            </a:r>
+            <a:r>
+              <a:rPr lang="en-US" dirty="0" err="1"/>
+              <a:t>dibandingkan</a:t>
+            </a:r>
+            <a:r>
+              <a:rPr lang="en-US" dirty="0"/>
+              <a:t> </a:t>
+            </a:r>
+            <a:r>
+              <a:rPr lang="en-US" dirty="0" err="1"/>
+              <a:t>dengan</a:t>
+            </a:r>
+            <a:r>
+              <a:rPr lang="en-US" dirty="0"/>
+              <a:t> software-</a:t>
+            </a:r>
+            <a:r>
+              <a:rPr lang="en-US" dirty="0" err="1"/>
+              <a:t>softwarenya</a:t>
+            </a:r>
+            <a:r>
+              <a:rPr lang="en-US" dirty="0"/>
+              <a:t> dan </a:t>
+            </a:r>
+            <a:r>
+              <a:rPr lang="en-US" dirty="0" err="1"/>
+              <a:t>biaya</a:t>
+            </a:r>
+            <a:r>
+              <a:rPr lang="en-US" dirty="0"/>
+              <a:t> </a:t>
+            </a:r>
+            <a:r>
+              <a:rPr lang="en-US" dirty="0" err="1"/>
+              <a:t>maintenancenya</a:t>
+            </a:r>
+            <a:r>
+              <a:rPr lang="en-US" dirty="0"/>
+              <a:t> pun </a:t>
+            </a:r>
+            <a:r>
+              <a:rPr lang="en-US" dirty="0" err="1"/>
+              <a:t>cukup</a:t>
+            </a:r>
+            <a:r>
+              <a:rPr lang="en-US" dirty="0"/>
+              <a:t> </a:t>
+            </a:r>
+            <a:r>
+              <a:rPr lang="en-US" dirty="0" err="1"/>
+              <a:t>terjangkau</a:t>
+            </a:r>
+            <a:r>
+              <a:rPr lang="en-US" dirty="0"/>
+              <a:t>.</a:t>
+            </a:r>
+            <a:endParaRPr lang="en-ID" dirty="0"/>
+          </a:p>
+        </p:txBody>
+      </p:sp>
+    </p:spTree>
+    <p:extLst>
+      <p:ext uri="{BB962C8B-B14F-4D97-AF65-F5344CB8AC3E}">
+        <p14:creationId xmlns:p14="http://schemas.microsoft.com/office/powerpoint/2010/main" val="3588178419"/>
+      </p:ext>
+    </p:extLst>
+  </p:cSld>
+  <p:clrMapOvr>
+    <a:masterClrMapping/>
+  </p:clrMapOvr>
+  <p:transition spd="slow">
+    <p:push dir="u"/>
+  </p:transition>
+  <p:timing>
+    <p:tnLst>
+      <p:par>
+        <p:cTn id="1" dur="indefinite" restart="never" nodeType="tmRoot">
+          <p:childTnLst>
+            <p:seq concurrent="1" nextAc="seek">
+              <p:cTn id="2" dur="indefinite" nodeType="mainSeq">
+                <p:childTnLst>
+                  <p:par>
+                    <p:cTn id="3" fill="hold">
+                      <p:stCondLst>
+                        <p:cond delay="indefinite"/>
+                      </p:stCondLst>
+                      <p:childTnLst>
+                        <p:par>
+                          <p:cTn id="4" fill="hold">
+                            <p:stCondLst>
+                              <p:cond delay="0"/>
+                            </p:stCondLst>
+                            <p:childTnLst>
+                              <p:par>
+                                <p:cTn id="5" presetID="2" presetClass="entr" presetSubtype="4" fill="hold" grpId="0" nodeType="clickEffect">
+                                  <p:stCondLst>
+                                    <p:cond delay="0"/>
+                                  </p:stCondLst>
+                                  <p:childTnLst>
+                                    <p:set>
+                                      <p:cBhvr>
+                                        <p:cTn id="6" dur="1" fill="hold">
+                                          <p:stCondLst>
+                                            <p:cond delay="0"/>
+                                          </p:stCondLst>
+                                        </p:cTn>
+                                        <p:tgtEl>
+                                          <p:spTgt spid="6"/>
+                                        </p:tgtEl>
+                                        <p:attrNameLst>
+                                          <p:attrName>style.visibility</p:attrName>
+                                        </p:attrNameLst>
+                                      </p:cBhvr>
+                                      <p:to>
+                                        <p:strVal val="visible"/>
+                                      </p:to>
+                                    </p:set>
+                                    <p:anim calcmode="lin" valueType="num">
+                                      <p:cBhvr additive="base">
+                                        <p:cTn id="7" dur="500" fill="hold"/>
+                                        <p:tgtEl>
+                                          <p:spTgt spid="6"/>
+                                        </p:tgtEl>
+                                        <p:attrNameLst>
+                                          <p:attrName>ppt_x</p:attrName>
+                                        </p:attrNameLst>
+                                      </p:cBhvr>
+                                      <p:tavLst>
+                                        <p:tav tm="0">
+                                          <p:val>
+                                            <p:strVal val="#ppt_x"/>
+                                          </p:val>
+                                        </p:tav>
+                                        <p:tav tm="100000">
+                                          <p:val>
+                                            <p:strVal val="#ppt_x"/>
+                                          </p:val>
+                                        </p:tav>
+                                      </p:tavLst>
+                                    </p:anim>
+                                    <p:anim calcmode="lin" valueType="num">
+                                      <p:cBhvr additive="base">
+                                        <p:cTn id="8" dur="500" fill="hold"/>
+                                        <p:tgtEl>
+                                          <p:spTgt spid="6"/>
+                                        </p:tgtEl>
+                                        <p:attrNameLst>
+                                          <p:attrName>ppt_y</p:attrName>
+                                        </p:attrNameLst>
+                                      </p:cBhvr>
+                                      <p:tavLst>
+                                        <p:tav tm="0">
+                                          <p:val>
+                                            <p:strVal val="1+#ppt_h/2"/>
+                                          </p:val>
+                                        </p:tav>
+                                        <p:tav tm="100000">
+                                          <p:val>
+                                            <p:strVal val="#ppt_y"/>
+                                          </p:val>
+                                        </p:tav>
+                                      </p:tavLst>
+                                    </p:anim>
+                                  </p:childTnLst>
+                                </p:cTn>
+                              </p:par>
+                            </p:childTnLst>
+                          </p:cTn>
+                        </p:par>
+                      </p:childTnLst>
+                    </p:cTn>
+                  </p:par>
+                  <p:par>
+                    <p:cTn id="9" fill="hold">
+                      <p:stCondLst>
+                        <p:cond delay="indefinite"/>
+                      </p:stCondLst>
+                      <p:childTnLst>
+                        <p:par>
+                          <p:cTn id="10" fill="hold">
+                            <p:stCondLst>
+                              <p:cond delay="0"/>
+                            </p:stCondLst>
+                            <p:childTnLst>
+                              <p:par>
+                                <p:cTn id="11" presetID="16" presetClass="entr" presetSubtype="21" fill="hold" grpId="0" nodeType="clickEffect">
+                                  <p:stCondLst>
+                                    <p:cond delay="0"/>
+                                  </p:stCondLst>
+                                  <p:childTnLst>
+                                    <p:set>
+                                      <p:cBhvr>
+                                        <p:cTn id="12" dur="1" fill="hold">
+                                          <p:stCondLst>
+                                            <p:cond delay="0"/>
+                                          </p:stCondLst>
+                                        </p:cTn>
+                                        <p:tgtEl>
+                                          <p:spTgt spid="7"/>
+                                        </p:tgtEl>
+                                        <p:attrNameLst>
+                                          <p:attrName>style.visibility</p:attrName>
+                                        </p:attrNameLst>
+                                      </p:cBhvr>
+                                      <p:to>
+                                        <p:strVal val="visible"/>
+                                      </p:to>
+                                    </p:set>
+                                    <p:animEffect transition="in" filter="barn(inVertical)">
+                                      <p:cBhvr>
+                                        <p:cTn id="13" dur="500"/>
+                                        <p:tgtEl>
+                                          <p:spTgt spid="7"/>
+                                        </p:tgtEl>
+                                      </p:cBhvr>
+                                    </p:animEffect>
+                                  </p:childTnLst>
+                                </p:cTn>
+                              </p:par>
+                            </p:childTnLst>
+                          </p:cTn>
+                        </p:par>
+                      </p:childTnLst>
+                    </p:cTn>
+                  </p:par>
+                  <p:par>
+                    <p:cTn id="14" fill="hold">
+                      <p:stCondLst>
+                        <p:cond delay="indefinite"/>
+                      </p:stCondLst>
+                      <p:childTnLst>
+                        <p:par>
+                          <p:cTn id="15" fill="hold">
+                            <p:stCondLst>
+                              <p:cond delay="0"/>
+                            </p:stCondLst>
+                            <p:childTnLst>
+                              <p:par>
+                                <p:cTn id="16" presetID="2" presetClass="entr" presetSubtype="4" fill="hold" grpId="0" nodeType="clickEffect">
+                                  <p:stCondLst>
+                                    <p:cond delay="0"/>
+                                  </p:stCondLst>
+                                  <p:childTnLst>
+                                    <p:set>
+                                      <p:cBhvr>
+                                        <p:cTn id="17" dur="1" fill="hold">
+                                          <p:stCondLst>
+                                            <p:cond delay="0"/>
+                                          </p:stCondLst>
+                                        </p:cTn>
+                                        <p:tgtEl>
+                                          <p:spTgt spid="22"/>
+                                        </p:tgtEl>
+                                        <p:attrNameLst>
+                                          <p:attrName>style.visibility</p:attrName>
+                                        </p:attrNameLst>
+                                      </p:cBhvr>
+                                      <p:to>
+                                        <p:strVal val="visible"/>
+                                      </p:to>
+                                    </p:set>
+                                    <p:anim calcmode="lin" valueType="num">
+                                      <p:cBhvr additive="base">
+                                        <p:cTn id="18" dur="500" fill="hold"/>
+                                        <p:tgtEl>
+                                          <p:spTgt spid="22"/>
+                                        </p:tgtEl>
+                                        <p:attrNameLst>
+                                          <p:attrName>ppt_x</p:attrName>
+                                        </p:attrNameLst>
+                                      </p:cBhvr>
+                                      <p:tavLst>
+                                        <p:tav tm="0">
+                                          <p:val>
+                                            <p:strVal val="#ppt_x"/>
+                                          </p:val>
+                                        </p:tav>
+                                        <p:tav tm="100000">
+                                          <p:val>
+                                            <p:strVal val="#ppt_x"/>
+                                          </p:val>
+                                        </p:tav>
+                                      </p:tavLst>
+                                    </p:anim>
+                                    <p:anim calcmode="lin" valueType="num">
+                                      <p:cBhvr additive="base">
+                                        <p:cTn id="19" dur="500" fill="hold"/>
+                                        <p:tgtEl>
+                                          <p:spTgt spid="22"/>
+                                        </p:tgtEl>
+                                        <p:attrNameLst>
+                                          <p:attrName>ppt_y</p:attrName>
+                                        </p:attrNameLst>
+                                      </p:cBhvr>
+                                      <p:tavLst>
+                                        <p:tav tm="0">
+                                          <p:val>
+                                            <p:strVal val="1+#ppt_h/2"/>
+                                          </p:val>
+                                        </p:tav>
+                                        <p:tav tm="100000">
+                                          <p:val>
+                                            <p:strVal val="#ppt_y"/>
+                                          </p:val>
+                                        </p:tav>
+                                      </p:tavLst>
+                                    </p:anim>
+                                  </p:childTnLst>
+                                </p:cTn>
+                              </p:par>
+                            </p:childTnLst>
+                          </p:cTn>
+                        </p:par>
+                      </p:childTnLst>
+                    </p:cTn>
+                  </p:par>
+                  <p:par>
+                    <p:cTn id="20" fill="hold">
+                      <p:stCondLst>
+                        <p:cond delay="indefinite"/>
+                      </p:stCondLst>
+                      <p:childTnLst>
+                        <p:par>
+                          <p:cTn id="21" fill="hold">
+                            <p:stCondLst>
+                              <p:cond delay="0"/>
+                            </p:stCondLst>
+                            <p:childTnLst>
+                              <p:par>
+                                <p:cTn id="22" presetID="16" presetClass="entr" presetSubtype="21" fill="hold" grpId="0" nodeType="clickEffect">
+                                  <p:stCondLst>
+                                    <p:cond delay="0"/>
+                                  </p:stCondLst>
+                                  <p:childTnLst>
+                                    <p:set>
+                                      <p:cBhvr>
+                                        <p:cTn id="23" dur="1" fill="hold">
+                                          <p:stCondLst>
+                                            <p:cond delay="0"/>
+                                          </p:stCondLst>
+                                        </p:cTn>
+                                        <p:tgtEl>
+                                          <p:spTgt spid="24"/>
+                                        </p:tgtEl>
+                                        <p:attrNameLst>
+                                          <p:attrName>style.visibility</p:attrName>
+                                        </p:attrNameLst>
+                                      </p:cBhvr>
+                                      <p:to>
+                                        <p:strVal val="visible"/>
+                                      </p:to>
+                                    </p:set>
+                                    <p:animEffect transition="in" filter="barn(inVertical)">
+                                      <p:cBhvr>
+                                        <p:cTn id="24" dur="500"/>
+                                        <p:tgtEl>
+                                          <p:spTgt spid="24"/>
+                                        </p:tgtEl>
+                                      </p:cBhvr>
+                                    </p:animEffect>
+                                  </p:childTnLst>
+                                </p:cTn>
+                              </p:par>
+                            </p:childTnLst>
+                          </p:cTn>
+                        </p:par>
+                      </p:childTnLst>
+                    </p:cTn>
+                  </p:par>
+                  <p:par>
+                    <p:cTn id="25" fill="hold">
+                      <p:stCondLst>
+                        <p:cond delay="indefinite"/>
+                      </p:stCondLst>
+                      <p:childTnLst>
+                        <p:par>
+                          <p:cTn id="26" fill="hold">
+                            <p:stCondLst>
+                              <p:cond delay="0"/>
+                            </p:stCondLst>
+                            <p:childTnLst>
+                              <p:par>
+                                <p:cTn id="27" presetID="2" presetClass="entr" presetSubtype="4" fill="hold" grpId="0" nodeType="clickEffect">
+                                  <p:stCondLst>
+                                    <p:cond delay="0"/>
+                                  </p:stCondLst>
+                                  <p:childTnLst>
+                                    <p:set>
+                                      <p:cBhvr>
+                                        <p:cTn id="28" dur="1" fill="hold">
+                                          <p:stCondLst>
+                                            <p:cond delay="0"/>
+                                          </p:stCondLst>
+                                        </p:cTn>
+                                        <p:tgtEl>
+                                          <p:spTgt spid="25"/>
+                                        </p:tgtEl>
+                                        <p:attrNameLst>
+                                          <p:attrName>style.visibility</p:attrName>
+                                        </p:attrNameLst>
+                                      </p:cBhvr>
+                                      <p:to>
+                                        <p:strVal val="visible"/>
+                                      </p:to>
+                                    </p:set>
+                                    <p:anim calcmode="lin" valueType="num">
+                                      <p:cBhvr additive="base">
+                                        <p:cTn id="29" dur="500" fill="hold"/>
+                                        <p:tgtEl>
+                                          <p:spTgt spid="25"/>
+                                        </p:tgtEl>
+                                        <p:attrNameLst>
+                                          <p:attrName>ppt_x</p:attrName>
+                                        </p:attrNameLst>
+                                      </p:cBhvr>
+                                      <p:tavLst>
+                                        <p:tav tm="0">
+                                          <p:val>
+                                            <p:strVal val="#ppt_x"/>
+                                          </p:val>
+                                        </p:tav>
+                                        <p:tav tm="100000">
+                                          <p:val>
+                                            <p:strVal val="#ppt_x"/>
+                                          </p:val>
+                                        </p:tav>
+                                      </p:tavLst>
+                                    </p:anim>
+                                    <p:anim calcmode="lin" valueType="num">
+                                      <p:cBhvr additive="base">
+                                        <p:cTn id="30" dur="500" fill="hold"/>
+                                        <p:tgtEl>
+                                          <p:spTgt spid="25"/>
+                                        </p:tgtEl>
+                                        <p:attrNameLst>
+                                          <p:attrName>ppt_y</p:attrName>
+                                        </p:attrNameLst>
+                                      </p:cBhvr>
+                                      <p:tavLst>
+                                        <p:tav tm="0">
+                                          <p:val>
+                                            <p:strVal val="1+#ppt_h/2"/>
+                                          </p:val>
+                                        </p:tav>
+                                        <p:tav tm="100000">
+                                          <p:val>
+                                            <p:strVal val="#ppt_y"/>
+                                          </p:val>
+                                        </p:tav>
+                                      </p:tavLst>
+                                    </p:anim>
+                                  </p:childTnLst>
+                                </p:cTn>
+                              </p:par>
+                            </p:childTnLst>
+                          </p:cTn>
+                        </p:par>
+                      </p:childTnLst>
+                    </p:cTn>
+                  </p:par>
+                  <p:par>
+                    <p:cTn id="31" fill="hold">
+                      <p:stCondLst>
+                        <p:cond delay="indefinite"/>
+                      </p:stCondLst>
+                      <p:childTnLst>
+                        <p:par>
+                          <p:cTn id="32" fill="hold">
+                            <p:stCondLst>
+                              <p:cond delay="0"/>
+                            </p:stCondLst>
+                            <p:childTnLst>
+                              <p:par>
+                                <p:cTn id="33" presetID="16" presetClass="entr" presetSubtype="21" fill="hold" grpId="0" nodeType="clickEffect">
+                                  <p:stCondLst>
+                                    <p:cond delay="0"/>
+                                  </p:stCondLst>
+                                  <p:childTnLst>
+                                    <p:set>
+                                      <p:cBhvr>
+                                        <p:cTn id="34" dur="1" fill="hold">
+                                          <p:stCondLst>
+                                            <p:cond delay="0"/>
+                                          </p:stCondLst>
+                                        </p:cTn>
+                                        <p:tgtEl>
+                                          <p:spTgt spid="26"/>
+                                        </p:tgtEl>
+                                        <p:attrNameLst>
+                                          <p:attrName>style.visibility</p:attrName>
+                                        </p:attrNameLst>
+                                      </p:cBhvr>
+                                      <p:to>
+                                        <p:strVal val="visible"/>
+                                      </p:to>
+                                    </p:set>
+                                    <p:animEffect transition="in" filter="barn(inVertical)">
+                                      <p:cBhvr>
+                                        <p:cTn id="35" dur="500"/>
+                                        <p:tgtEl>
+                                          <p:spTgt spid="26"/>
+                                        </p:tgtEl>
+                                      </p:cBhvr>
+                                    </p:animEffect>
+                                  </p:childTnLst>
+                                </p:cTn>
+                              </p:par>
+                            </p:childTnLst>
+                          </p:cTn>
+                        </p:par>
+                      </p:childTnLst>
+                    </p:cTn>
+                  </p:par>
+                </p:childTnLst>
+              </p:cTn>
+              <p:prevCondLst>
+                <p:cond evt="onPrev" delay="0">
+                  <p:tgtEl>
+                    <p:sldTgt/>
+                  </p:tgtEl>
+                </p:cond>
+              </p:prevCondLst>
+              <p:nextCondLst>
+                <p:cond evt="onNext" delay="0">
+                  <p:tgtEl>
+                    <p:sldTgt/>
+                  </p:tgtEl>
+                </p:cond>
+              </p:nextCondLst>
+            </p:seq>
+          </p:childTnLst>
+        </p:cTn>
+      </p:par>
+    </p:tnLst>
+    <p:bldLst>
+      <p:bldP spid="6" grpId="0" animBg="1"/>
+      <p:bldP spid="7" grpId="0" animBg="1"/>
+      <p:bldP spid="22" grpId="0" animBg="1"/>
+      <p:bldP spid="24" grpId="0" animBg="1"/>
+      <p:bldP spid="25" grpId="0" animBg="1"/>
+      <p:bldP spid="26" grpId="0" animBg="1"/>
+    </p:bldLst>
+  </p:timing>
+</p:sld>
+</file>
+
+<file path=ppt/slides/slide9.xml><?xml version="1.0" encoding="utf-8"?>
+<p:sld xmlns:a="http://schemas.openxmlformats.org/drawingml/2006/main" xmlns:r="http://schemas.openxmlformats.org/officeDocument/2006/relationships" xmlns:p="http://schemas.openxmlformats.org/presentationml/2006/main">
+  <p:cSld>
     <p:bg>
       <p:bgPr>
         <a:pattFill prst="zigZag">
@@ -46682,23 +55647,6 @@
 </file>
 
 <file path=customXml/item1.xml><?xml version="1.0" encoding="utf-8"?>
-<?mso-contentType ?>
-<FormTemplates xmlns="http://schemas.microsoft.com/sharepoint/v3/contenttype/forms">
-  <Display>DocumentLibraryForm</Display>
-  <Edit>DocumentLibraryForm</Edit>
-  <New>DocumentLibraryForm</New>
-</FormTemplates>
-</file>
-
-<file path=customXml/item2.xml><?xml version="1.0" encoding="utf-8"?>
-<p:properties xmlns:p="http://schemas.microsoft.com/office/2006/metadata/properties" xmlns:xsi="http://www.w3.org/2001/XMLSchema-instance" xmlns:pc="http://schemas.microsoft.com/office/infopath/2007/PartnerControls">
-  <documentManagement>
-    <MediaServiceKeyPoints xmlns="71af3243-3dd4-4a8d-8c0d-dd76da1f02a5" xsi:nil="true"/>
-  </documentManagement>
-</p:properties>
-</file>
-
-<file path=customXml/item3.xml><?xml version="1.0" encoding="utf-8"?>
 <ct:contentTypeSchema xmlns:ct="http://schemas.microsoft.com/office/2006/metadata/contentType" xmlns:ma="http://schemas.microsoft.com/office/2006/metadata/properties/metaAttributes" ct:_="" ma:_="" ma:contentTypeName="Document" ma:contentTypeID="0x01010079F111ED35F8CC479449609E8A0923A6" ma:contentTypeVersion="11" ma:contentTypeDescription="Create a new document." ma:contentTypeScope="" ma:versionID="9677210f24a1be23c92c90fd886aa0aa">
   <xsd:schema xmlns:xsd="http://www.w3.org/2001/XMLSchema" xmlns:xs="http://www.w3.org/2001/XMLSchema" xmlns:p="http://schemas.microsoft.com/office/2006/metadata/properties" xmlns:ns2="71af3243-3dd4-4a8d-8c0d-dd76da1f02a5" xmlns:ns3="16c05727-aa75-4e4a-9b5f-8a80a1165891" targetNamespace="http://schemas.microsoft.com/office/2006/metadata/properties" ma:root="true" ma:fieldsID="60e05723c5c1908df1a1a4ebf11d344e" ns2:_="" ns3:_="">
     <xsd:import namespace="71af3243-3dd4-4a8d-8c0d-dd76da1f02a5"/>
@@ -46909,25 +55857,24 @@
 </ct:contentTypeSchema>
 </file>
 
-<file path=customXml/itemProps1.xml><?xml version="1.0" encoding="utf-8"?>
-<ds:datastoreItem xmlns:ds="http://schemas.openxmlformats.org/officeDocument/2006/customXml" ds:itemID="{2FD05317-60D6-4B3A-8545-888496D1A8EC}">
-  <ds:schemaRefs>
-    <ds:schemaRef ds:uri="http://schemas.microsoft.com/sharepoint/v3/contenttype/forms"/>
-  </ds:schemaRefs>
-</ds:datastoreItem>
+<file path=customXml/item2.xml><?xml version="1.0" encoding="utf-8"?>
+<p:properties xmlns:p="http://schemas.microsoft.com/office/2006/metadata/properties" xmlns:xsi="http://www.w3.org/2001/XMLSchema-instance" xmlns:pc="http://schemas.microsoft.com/office/infopath/2007/PartnerControls">
+  <documentManagement>
+    <MediaServiceKeyPoints xmlns="71af3243-3dd4-4a8d-8c0d-dd76da1f02a5" xsi:nil="true"/>
+  </documentManagement>
+</p:properties>
 </file>
 
-<file path=customXml/itemProps2.xml><?xml version="1.0" encoding="utf-8"?>
-<ds:datastoreItem xmlns:ds="http://schemas.openxmlformats.org/officeDocument/2006/customXml" ds:itemID="{EF609EDA-869E-4BE5-AE5D-B898C584B6FF}">
-  <ds:schemaRefs>
-    <ds:schemaRef ds:uri="http://schemas.microsoft.com/office/2006/metadata/properties"/>
-    <ds:schemaRef ds:uri="http://schemas.microsoft.com/office/infopath/2007/PartnerControls"/>
-    <ds:schemaRef ds:uri="71af3243-3dd4-4a8d-8c0d-dd76da1f02a5"/>
-  </ds:schemaRefs>
-</ds:datastoreItem>
+<file path=customXml/item3.xml><?xml version="1.0" encoding="utf-8"?>
+<?mso-contentType ?>
+<FormTemplates xmlns="http://schemas.microsoft.com/sharepoint/v3/contenttype/forms">
+  <Display>DocumentLibraryForm</Display>
+  <Edit>DocumentLibraryForm</Edit>
+  <New>DocumentLibraryForm</New>
+</FormTemplates>
 </file>
 
-<file path=customXml/itemProps3.xml><?xml version="1.0" encoding="utf-8"?>
+<file path=customXml/itemProps1.xml><?xml version="1.0" encoding="utf-8"?>
 <ds:datastoreItem xmlns:ds="http://schemas.openxmlformats.org/officeDocument/2006/customXml" ds:itemID="{61A00BBF-EEBB-4E18-B8CB-F926EAAC48F7}">
   <ds:schemaRefs>
     <ds:schemaRef ds:uri="http://schemas.microsoft.com/office/2006/metadata/contentType"/>
@@ -46944,4 +55891,22 @@
     <ds:schemaRef ds:uri="http://schemas.microsoft.com/internal/obd"/>
   </ds:schemaRefs>
 </ds:datastoreItem>
+</file>
+
+<file path=customXml/itemProps2.xml><?xml version="1.0" encoding="utf-8"?>
+<ds:datastoreItem xmlns:ds="http://schemas.openxmlformats.org/officeDocument/2006/customXml" ds:itemID="{EF609EDA-869E-4BE5-AE5D-B898C584B6FF}">
+  <ds:schemaRefs>
+    <ds:schemaRef ds:uri="http://schemas.microsoft.com/office/2006/metadata/properties"/>
+    <ds:schemaRef ds:uri="http://schemas.microsoft.com/office/infopath/2007/PartnerControls"/>
+    <ds:schemaRef ds:uri="71af3243-3dd4-4a8d-8c0d-dd76da1f02a5"/>
+  </ds:schemaRefs>
+</ds:datastoreItem>
+</file>
+
+<file path=customXml/itemProps3.xml><?xml version="1.0" encoding="utf-8"?>
+<ds:datastoreItem xmlns:ds="http://schemas.openxmlformats.org/officeDocument/2006/customXml" ds:itemID="{2FD05317-60D6-4B3A-8545-888496D1A8EC}">
+  <ds:schemaRefs>
+    <ds:schemaRef ds:uri="http://schemas.microsoft.com/sharepoint/v3/contenttype/forms"/>
+  </ds:schemaRefs>
+</ds:datastoreItem>
 </file>
--- a/BluePrint/Aplikasi Suhu Tubuh FIX.pptx
+++ b/BluePrint/Aplikasi Suhu Tubuh FIX.pptx
@@ -14585,13 +14585,13 @@
   <p:clrMapOvr>
     <a:masterClrMapping/>
   </p:clrMapOvr>
-  <mc:AlternateContent xmlns:mc="http://schemas.openxmlformats.org/markup-compatibility/2006">
-    <mc:Choice xmlns:p14="http://schemas.microsoft.com/office/powerpoint/2010/main" Requires="p14">
+  <mc:AlternateContent xmlns:mc="http://schemas.openxmlformats.org/markup-compatibility/2006" xmlns:p14="http://schemas.microsoft.com/office/powerpoint/2010/main">
+    <mc:Choice Requires="p14">
       <p:transition spd="med" p14:dur="700">
         <p:fade/>
       </p:transition>
     </mc:Choice>
-    <mc:Fallback>
+    <mc:Fallback xmlns="">
       <p:transition spd="med">
         <p:fade/>
       </p:transition>
@@ -29483,10 +29483,10 @@
       </p:grpSp>
       <p:pic>
         <p:nvPicPr>
-          <p:cNvPr id="5" name="Picture 4">
+          <p:cNvPr id="3" name="Picture 2">
             <a:extLst>
               <a:ext uri="{FF2B5EF4-FFF2-40B4-BE49-F238E27FC236}">
-                <a16:creationId xmlns:a16="http://schemas.microsoft.com/office/drawing/2014/main" id="{1383784D-C2EA-463E-AB4A-9EF0DA6ACAD2}"/>
+                <a16:creationId xmlns:a16="http://schemas.microsoft.com/office/drawing/2014/main" id="{75906A89-1F3D-4F70-BDB6-948D03953C2D}"/>
               </a:ext>
             </a:extLst>
           </p:cNvPr>
@@ -29509,8 +29509,8 @@
         </p:blipFill>
         <p:spPr>
           <a:xfrm>
-            <a:off x="2840401" y="633046"/>
-            <a:ext cx="6511198" cy="5922499"/>
+            <a:off x="2840401" y="855296"/>
+            <a:ext cx="6511198" cy="6002703"/>
           </a:xfrm>
           <a:prstGeom prst="rect">
             <a:avLst/>
@@ -48847,23 +48847,6 @@
 </file>
 
 <file path=customXml/item1.xml><?xml version="1.0" encoding="utf-8"?>
-<?mso-contentType ?>
-<FormTemplates xmlns="http://schemas.microsoft.com/sharepoint/v3/contenttype/forms">
-  <Display>DocumentLibraryForm</Display>
-  <Edit>DocumentLibraryForm</Edit>
-  <New>DocumentLibraryForm</New>
-</FormTemplates>
-</file>
-
-<file path=customXml/item2.xml><?xml version="1.0" encoding="utf-8"?>
-<p:properties xmlns:p="http://schemas.microsoft.com/office/2006/metadata/properties" xmlns:xsi="http://www.w3.org/2001/XMLSchema-instance" xmlns:pc="http://schemas.microsoft.com/office/infopath/2007/PartnerControls">
-  <documentManagement>
-    <MediaServiceKeyPoints xmlns="71af3243-3dd4-4a8d-8c0d-dd76da1f02a5" xsi:nil="true"/>
-  </documentManagement>
-</p:properties>
-</file>
-
-<file path=customXml/item3.xml><?xml version="1.0" encoding="utf-8"?>
 <ct:contentTypeSchema xmlns:ct="http://schemas.microsoft.com/office/2006/metadata/contentType" xmlns:ma="http://schemas.microsoft.com/office/2006/metadata/properties/metaAttributes" ct:_="" ma:_="" ma:contentTypeName="Document" ma:contentTypeID="0x01010079F111ED35F8CC479449609E8A0923A6" ma:contentTypeVersion="11" ma:contentTypeDescription="Create a new document." ma:contentTypeScope="" ma:versionID="9677210f24a1be23c92c90fd886aa0aa">
   <xsd:schema xmlns:xsd="http://www.w3.org/2001/XMLSchema" xmlns:xs="http://www.w3.org/2001/XMLSchema" xmlns:p="http://schemas.microsoft.com/office/2006/metadata/properties" xmlns:ns2="71af3243-3dd4-4a8d-8c0d-dd76da1f02a5" xmlns:ns3="16c05727-aa75-4e4a-9b5f-8a80a1165891" targetNamespace="http://schemas.microsoft.com/office/2006/metadata/properties" ma:root="true" ma:fieldsID="60e05723c5c1908df1a1a4ebf11d344e" ns2:_="" ns3:_="">
     <xsd:import namespace="71af3243-3dd4-4a8d-8c0d-dd76da1f02a5"/>
@@ -49074,25 +49057,24 @@
 </ct:contentTypeSchema>
 </file>
 
-<file path=customXml/itemProps1.xml><?xml version="1.0" encoding="utf-8"?>
-<ds:datastoreItem xmlns:ds="http://schemas.openxmlformats.org/officeDocument/2006/customXml" ds:itemID="{2FD05317-60D6-4B3A-8545-888496D1A8EC}">
-  <ds:schemaRefs>
-    <ds:schemaRef ds:uri="http://schemas.microsoft.com/sharepoint/v3/contenttype/forms"/>
-  </ds:schemaRefs>
-</ds:datastoreItem>
+<file path=customXml/item2.xml><?xml version="1.0" encoding="utf-8"?>
+<p:properties xmlns:p="http://schemas.microsoft.com/office/2006/metadata/properties" xmlns:xsi="http://www.w3.org/2001/XMLSchema-instance" xmlns:pc="http://schemas.microsoft.com/office/infopath/2007/PartnerControls">
+  <documentManagement>
+    <MediaServiceKeyPoints xmlns="71af3243-3dd4-4a8d-8c0d-dd76da1f02a5" xsi:nil="true"/>
+  </documentManagement>
+</p:properties>
 </file>
 
-<file path=customXml/itemProps2.xml><?xml version="1.0" encoding="utf-8"?>
-<ds:datastoreItem xmlns:ds="http://schemas.openxmlformats.org/officeDocument/2006/customXml" ds:itemID="{EF609EDA-869E-4BE5-AE5D-B898C584B6FF}">
-  <ds:schemaRefs>
-    <ds:schemaRef ds:uri="http://schemas.microsoft.com/office/2006/metadata/properties"/>
-    <ds:schemaRef ds:uri="http://schemas.microsoft.com/office/infopath/2007/PartnerControls"/>
-    <ds:schemaRef ds:uri="71af3243-3dd4-4a8d-8c0d-dd76da1f02a5"/>
-  </ds:schemaRefs>
-</ds:datastoreItem>
+<file path=customXml/item3.xml><?xml version="1.0" encoding="utf-8"?>
+<?mso-contentType ?>
+<FormTemplates xmlns="http://schemas.microsoft.com/sharepoint/v3/contenttype/forms">
+  <Display>DocumentLibraryForm</Display>
+  <Edit>DocumentLibraryForm</Edit>
+  <New>DocumentLibraryForm</New>
+</FormTemplates>
 </file>
 
-<file path=customXml/itemProps3.xml><?xml version="1.0" encoding="utf-8"?>
+<file path=customXml/itemProps1.xml><?xml version="1.0" encoding="utf-8"?>
 <ds:datastoreItem xmlns:ds="http://schemas.openxmlformats.org/officeDocument/2006/customXml" ds:itemID="{61A00BBF-EEBB-4E18-B8CB-F926EAAC48F7}">
   <ds:schemaRefs>
     <ds:schemaRef ds:uri="http://schemas.microsoft.com/office/2006/metadata/contentType"/>
@@ -49109,4 +49091,22 @@
     <ds:schemaRef ds:uri="http://schemas.microsoft.com/internal/obd"/>
   </ds:schemaRefs>
 </ds:datastoreItem>
+</file>
+
+<file path=customXml/itemProps2.xml><?xml version="1.0" encoding="utf-8"?>
+<ds:datastoreItem xmlns:ds="http://schemas.openxmlformats.org/officeDocument/2006/customXml" ds:itemID="{EF609EDA-869E-4BE5-AE5D-B898C584B6FF}">
+  <ds:schemaRefs>
+    <ds:schemaRef ds:uri="http://schemas.microsoft.com/office/2006/metadata/properties"/>
+    <ds:schemaRef ds:uri="http://schemas.microsoft.com/office/infopath/2007/PartnerControls"/>
+    <ds:schemaRef ds:uri="71af3243-3dd4-4a8d-8c0d-dd76da1f02a5"/>
+  </ds:schemaRefs>
+</ds:datastoreItem>
+</file>
+
+<file path=customXml/itemProps3.xml><?xml version="1.0" encoding="utf-8"?>
+<ds:datastoreItem xmlns:ds="http://schemas.openxmlformats.org/officeDocument/2006/customXml" ds:itemID="{2FD05317-60D6-4B3A-8545-888496D1A8EC}">
+  <ds:schemaRefs>
+    <ds:schemaRef ds:uri="http://schemas.microsoft.com/sharepoint/v3/contenttype/forms"/>
+  </ds:schemaRefs>
+</ds:datastoreItem>
 </file>
--- a/BluePrint/Aplikasi Suhu Tubuh FIX.pptx
+++ b/BluePrint/Aplikasi Suhu Tubuh FIX.pptx
@@ -5,21 +5,20 @@
     <p:sldMasterId id="2147483648" r:id="rId4"/>
   </p:sldMasterIdLst>
   <p:notesMasterIdLst>
-    <p:notesMasterId r:id="rId14"/>
+    <p:notesMasterId r:id="rId13"/>
   </p:notesMasterIdLst>
   <p:handoutMasterIdLst>
-    <p:handoutMasterId r:id="rId15"/>
+    <p:handoutMasterId r:id="rId14"/>
   </p:handoutMasterIdLst>
   <p:sldIdLst>
     <p:sldId id="256" r:id="rId5"/>
-    <p:sldId id="288" r:id="rId6"/>
-    <p:sldId id="300" r:id="rId7"/>
-    <p:sldId id="290" r:id="rId8"/>
-    <p:sldId id="289" r:id="rId9"/>
-    <p:sldId id="291" r:id="rId10"/>
-    <p:sldId id="299" r:id="rId11"/>
-    <p:sldId id="301" r:id="rId12"/>
-    <p:sldId id="285" r:id="rId13"/>
+    <p:sldId id="300" r:id="rId6"/>
+    <p:sldId id="290" r:id="rId7"/>
+    <p:sldId id="289" r:id="rId8"/>
+    <p:sldId id="291" r:id="rId9"/>
+    <p:sldId id="299" r:id="rId10"/>
+    <p:sldId id="301" r:id="rId11"/>
+    <p:sldId id="285" r:id="rId12"/>
   </p:sldIdLst>
   <p:sldSz cx="12192000" cy="6858000"/>
   <p:notesSz cx="6858000" cy="9144000"/>
@@ -856,7 +855,7 @@
     </p:spTree>
     <p:extLst>
       <p:ext uri="{BB962C8B-B14F-4D97-AF65-F5344CB8AC3E}">
-        <p14:creationId xmlns:p14="http://schemas.microsoft.com/office/powerpoint/2010/main" val="243032922"/>
+        <p14:creationId xmlns:p14="http://schemas.microsoft.com/office/powerpoint/2010/main" val="3700283074"/>
       </p:ext>
     </p:extLst>
   </p:cSld>
@@ -940,7 +939,7 @@
     </p:spTree>
     <p:extLst>
       <p:ext uri="{BB962C8B-B14F-4D97-AF65-F5344CB8AC3E}">
-        <p14:creationId xmlns:p14="http://schemas.microsoft.com/office/powerpoint/2010/main" val="3700283074"/>
+        <p14:creationId xmlns:p14="http://schemas.microsoft.com/office/powerpoint/2010/main" val="973279353"/>
       </p:ext>
     </p:extLst>
   </p:cSld>
@@ -1024,7 +1023,7 @@
     </p:spTree>
     <p:extLst>
       <p:ext uri="{BB962C8B-B14F-4D97-AF65-F5344CB8AC3E}">
-        <p14:creationId xmlns:p14="http://schemas.microsoft.com/office/powerpoint/2010/main" val="973279353"/>
+        <p14:creationId xmlns:p14="http://schemas.microsoft.com/office/powerpoint/2010/main" val="155436415"/>
       </p:ext>
     </p:extLst>
   </p:cSld>
@@ -1108,7 +1107,7 @@
     </p:spTree>
     <p:extLst>
       <p:ext uri="{BB962C8B-B14F-4D97-AF65-F5344CB8AC3E}">
-        <p14:creationId xmlns:p14="http://schemas.microsoft.com/office/powerpoint/2010/main" val="155436415"/>
+        <p14:creationId xmlns:p14="http://schemas.microsoft.com/office/powerpoint/2010/main" val="3314705921"/>
       </p:ext>
     </p:extLst>
   </p:cSld>
@@ -1183,91 +1182,7 @@
           <a:p>
             <a:fld id="{BE60DC36-8EFA-4378-9855-E019C55AC472}" type="slidenum">
               <a:rPr lang="en-US" smtClean="0"/>
-              <a:t>6</a:t>
-            </a:fld>
-            <a:endParaRPr lang="en-US" dirty="0"/>
-          </a:p>
-        </p:txBody>
-      </p:sp>
-    </p:spTree>
-    <p:extLst>
-      <p:ext uri="{BB962C8B-B14F-4D97-AF65-F5344CB8AC3E}">
-        <p14:creationId xmlns:p14="http://schemas.microsoft.com/office/powerpoint/2010/main" val="3314705921"/>
-      </p:ext>
-    </p:extLst>
-  </p:cSld>
-  <p:clrMapOvr>
-    <a:masterClrMapping/>
-  </p:clrMapOvr>
-</p:notes>
-</file>
-
-<file path=ppt/notesSlides/notesSlide7.xml><?xml version="1.0" encoding="utf-8"?>
-<p:notes xmlns:a="http://schemas.openxmlformats.org/drawingml/2006/main" xmlns:r="http://schemas.openxmlformats.org/officeDocument/2006/relationships" xmlns:p="http://schemas.openxmlformats.org/presentationml/2006/main">
-  <p:cSld>
-    <p:spTree>
-      <p:nvGrpSpPr>
-        <p:cNvPr id="1" name=""/>
-        <p:cNvGrpSpPr/>
-        <p:nvPr/>
-      </p:nvGrpSpPr>
-      <p:grpSpPr>
-        <a:xfrm>
-          <a:off x="0" y="0"/>
-          <a:ext cx="0" cy="0"/>
-          <a:chOff x="0" y="0"/>
-          <a:chExt cx="0" cy="0"/>
-        </a:xfrm>
-      </p:grpSpPr>
-      <p:sp>
-        <p:nvSpPr>
-          <p:cNvPr id="2" name="Slide Image Placeholder 1"/>
-          <p:cNvSpPr>
-            <a:spLocks noGrp="1" noRot="1" noChangeAspect="1"/>
-          </p:cNvSpPr>
-          <p:nvPr>
-            <p:ph type="sldImg"/>
-          </p:nvPr>
-        </p:nvSpPr>
-        <p:spPr/>
-      </p:sp>
-      <p:sp>
-        <p:nvSpPr>
-          <p:cNvPr id="3" name="Notes Placeholder 2"/>
-          <p:cNvSpPr>
-            <a:spLocks noGrp="1"/>
-          </p:cNvSpPr>
-          <p:nvPr>
-            <p:ph type="body" idx="1"/>
-          </p:nvPr>
-        </p:nvSpPr>
-        <p:spPr/>
-        <p:txBody>
-          <a:bodyPr/>
-          <a:lstStyle/>
-          <a:p>
-            <a:endParaRPr lang="en-US" dirty="0"/>
-          </a:p>
-        </p:txBody>
-      </p:sp>
-      <p:sp>
-        <p:nvSpPr>
-          <p:cNvPr id="4" name="Slide Number Placeholder 3"/>
-          <p:cNvSpPr>
-            <a:spLocks noGrp="1"/>
-          </p:cNvSpPr>
-          <p:nvPr>
-            <p:ph type="sldNum" sz="quarter" idx="5"/>
-          </p:nvPr>
-        </p:nvSpPr>
-        <p:spPr/>
-        <p:txBody>
-          <a:bodyPr/>
-          <a:lstStyle/>
-          <a:p>
-            <a:fld id="{BE60DC36-8EFA-4378-9855-E019C55AC472}" type="slidenum">
-              <a:rPr lang="en-US" smtClean="0"/>
-              <a:t>9</a:t>
+              <a:t>8</a:t>
             </a:fld>
             <a:endParaRPr lang="en-US" dirty="0"/>
           </a:p>
@@ -6354,8097 +6269,6 @@
           </a:fontRef>
         </p:style>
       </p:cxnSp>
-      <p:grpSp>
-        <p:nvGrpSpPr>
-          <p:cNvPr id="2" name="Group 1">
-            <a:extLst>
-              <a:ext uri="{FF2B5EF4-FFF2-40B4-BE49-F238E27FC236}">
-                <a16:creationId xmlns:a16="http://schemas.microsoft.com/office/drawing/2014/main" id="{B0DEE0A6-D26C-493A-85D6-D676006B237F}"/>
-              </a:ext>
-            </a:extLst>
-          </p:cNvPr>
-          <p:cNvGrpSpPr/>
-          <p:nvPr/>
-        </p:nvGrpSpPr>
-        <p:grpSpPr>
-          <a:xfrm>
-            <a:off x="1126332" y="1208744"/>
-            <a:ext cx="9939335" cy="5003797"/>
-            <a:chOff x="913153" y="1516570"/>
-            <a:chExt cx="8174576" cy="4180825"/>
-          </a:xfrm>
-        </p:grpSpPr>
-        <p:grpSp>
-          <p:nvGrpSpPr>
-            <p:cNvPr id="31" name="Group 30" descr="Icons of bar chart and line graph.">
-              <a:extLst>
-                <a:ext uri="{FF2B5EF4-FFF2-40B4-BE49-F238E27FC236}">
-                  <a16:creationId xmlns:a16="http://schemas.microsoft.com/office/drawing/2014/main" id="{044C3643-8A0E-47C1-BEB8-C73203B5E58D}"/>
-                </a:ext>
-              </a:extLst>
-            </p:cNvPr>
-            <p:cNvGrpSpPr/>
-            <p:nvPr/>
-          </p:nvGrpSpPr>
-          <p:grpSpPr>
-            <a:xfrm>
-              <a:off x="4715661" y="1810536"/>
-              <a:ext cx="347679" cy="347679"/>
-              <a:chOff x="4319588" y="2492375"/>
-              <a:chExt cx="287338" cy="287338"/>
-            </a:xfrm>
-            <a:solidFill>
-              <a:schemeClr val="bg1"/>
-            </a:solidFill>
-          </p:grpSpPr>
-          <p:sp>
-            <p:nvSpPr>
-              <p:cNvPr id="32" name="Freeform 372">
-                <a:extLst>
-                  <a:ext uri="{FF2B5EF4-FFF2-40B4-BE49-F238E27FC236}">
-                    <a16:creationId xmlns:a16="http://schemas.microsoft.com/office/drawing/2014/main" id="{56E8F5A5-5318-470B-8F42-337C264086AA}"/>
-                  </a:ext>
-                </a:extLst>
-              </p:cNvPr>
-              <p:cNvSpPr>
-                <a:spLocks/>
-              </p:cNvSpPr>
-              <p:nvPr/>
-            </p:nvSpPr>
-            <p:spPr bwMode="auto">
-              <a:xfrm>
-                <a:off x="4319588" y="2587625"/>
-                <a:ext cx="287338" cy="192088"/>
-              </a:xfrm>
-              <a:custGeom>
-                <a:avLst/>
-                <a:gdLst>
-                  <a:gd name="T0" fmla="*/ 843 w 904"/>
-                  <a:gd name="T1" fmla="*/ 572 h 602"/>
-                  <a:gd name="T2" fmla="*/ 843 w 904"/>
-                  <a:gd name="T3" fmla="*/ 12 h 602"/>
-                  <a:gd name="T4" fmla="*/ 841 w 904"/>
-                  <a:gd name="T5" fmla="*/ 7 h 602"/>
-                  <a:gd name="T6" fmla="*/ 836 w 904"/>
-                  <a:gd name="T7" fmla="*/ 3 h 602"/>
-                  <a:gd name="T8" fmla="*/ 831 w 904"/>
-                  <a:gd name="T9" fmla="*/ 1 h 602"/>
-                  <a:gd name="T10" fmla="*/ 708 w 904"/>
-                  <a:gd name="T11" fmla="*/ 0 h 602"/>
-                  <a:gd name="T12" fmla="*/ 702 w 904"/>
-                  <a:gd name="T13" fmla="*/ 2 h 602"/>
-                  <a:gd name="T14" fmla="*/ 697 w 904"/>
-                  <a:gd name="T15" fmla="*/ 5 h 602"/>
-                  <a:gd name="T16" fmla="*/ 694 w 904"/>
-                  <a:gd name="T17" fmla="*/ 9 h 602"/>
-                  <a:gd name="T18" fmla="*/ 693 w 904"/>
-                  <a:gd name="T19" fmla="*/ 16 h 602"/>
-                  <a:gd name="T20" fmla="*/ 632 w 904"/>
-                  <a:gd name="T21" fmla="*/ 572 h 602"/>
-                  <a:gd name="T22" fmla="*/ 632 w 904"/>
-                  <a:gd name="T23" fmla="*/ 283 h 602"/>
-                  <a:gd name="T24" fmla="*/ 630 w 904"/>
-                  <a:gd name="T25" fmla="*/ 277 h 602"/>
-                  <a:gd name="T26" fmla="*/ 626 w 904"/>
-                  <a:gd name="T27" fmla="*/ 274 h 602"/>
-                  <a:gd name="T28" fmla="*/ 621 w 904"/>
-                  <a:gd name="T29" fmla="*/ 271 h 602"/>
-                  <a:gd name="T30" fmla="*/ 497 w 904"/>
-                  <a:gd name="T31" fmla="*/ 271 h 602"/>
-                  <a:gd name="T32" fmla="*/ 491 w 904"/>
-                  <a:gd name="T33" fmla="*/ 272 h 602"/>
-                  <a:gd name="T34" fmla="*/ 487 w 904"/>
-                  <a:gd name="T35" fmla="*/ 275 h 602"/>
-                  <a:gd name="T36" fmla="*/ 483 w 904"/>
-                  <a:gd name="T37" fmla="*/ 281 h 602"/>
-                  <a:gd name="T38" fmla="*/ 482 w 904"/>
-                  <a:gd name="T39" fmla="*/ 286 h 602"/>
-                  <a:gd name="T40" fmla="*/ 421 w 904"/>
-                  <a:gd name="T41" fmla="*/ 572 h 602"/>
-                  <a:gd name="T42" fmla="*/ 421 w 904"/>
-                  <a:gd name="T43" fmla="*/ 193 h 602"/>
-                  <a:gd name="T44" fmla="*/ 419 w 904"/>
-                  <a:gd name="T45" fmla="*/ 187 h 602"/>
-                  <a:gd name="T46" fmla="*/ 415 w 904"/>
-                  <a:gd name="T47" fmla="*/ 183 h 602"/>
-                  <a:gd name="T48" fmla="*/ 409 w 904"/>
-                  <a:gd name="T49" fmla="*/ 181 h 602"/>
-                  <a:gd name="T50" fmla="*/ 286 w 904"/>
-                  <a:gd name="T51" fmla="*/ 181 h 602"/>
-                  <a:gd name="T52" fmla="*/ 281 w 904"/>
-                  <a:gd name="T53" fmla="*/ 182 h 602"/>
-                  <a:gd name="T54" fmla="*/ 275 w 904"/>
-                  <a:gd name="T55" fmla="*/ 185 h 602"/>
-                  <a:gd name="T56" fmla="*/ 272 w 904"/>
-                  <a:gd name="T57" fmla="*/ 190 h 602"/>
-                  <a:gd name="T58" fmla="*/ 271 w 904"/>
-                  <a:gd name="T59" fmla="*/ 196 h 602"/>
-                  <a:gd name="T60" fmla="*/ 211 w 904"/>
-                  <a:gd name="T61" fmla="*/ 572 h 602"/>
-                  <a:gd name="T62" fmla="*/ 211 w 904"/>
-                  <a:gd name="T63" fmla="*/ 404 h 602"/>
-                  <a:gd name="T64" fmla="*/ 209 w 904"/>
-                  <a:gd name="T65" fmla="*/ 399 h 602"/>
-                  <a:gd name="T66" fmla="*/ 205 w 904"/>
-                  <a:gd name="T67" fmla="*/ 394 h 602"/>
-                  <a:gd name="T68" fmla="*/ 199 w 904"/>
-                  <a:gd name="T69" fmla="*/ 392 h 602"/>
-                  <a:gd name="T70" fmla="*/ 76 w 904"/>
-                  <a:gd name="T71" fmla="*/ 391 h 602"/>
-                  <a:gd name="T72" fmla="*/ 69 w 904"/>
-                  <a:gd name="T73" fmla="*/ 392 h 602"/>
-                  <a:gd name="T74" fmla="*/ 65 w 904"/>
-                  <a:gd name="T75" fmla="*/ 396 h 602"/>
-                  <a:gd name="T76" fmla="*/ 62 w 904"/>
-                  <a:gd name="T77" fmla="*/ 401 h 602"/>
-                  <a:gd name="T78" fmla="*/ 61 w 904"/>
-                  <a:gd name="T79" fmla="*/ 406 h 602"/>
-                  <a:gd name="T80" fmla="*/ 15 w 904"/>
-                  <a:gd name="T81" fmla="*/ 572 h 602"/>
-                  <a:gd name="T82" fmla="*/ 9 w 904"/>
-                  <a:gd name="T83" fmla="*/ 573 h 602"/>
-                  <a:gd name="T84" fmla="*/ 5 w 904"/>
-                  <a:gd name="T85" fmla="*/ 577 h 602"/>
-                  <a:gd name="T86" fmla="*/ 2 w 904"/>
-                  <a:gd name="T87" fmla="*/ 581 h 602"/>
-                  <a:gd name="T88" fmla="*/ 0 w 904"/>
-                  <a:gd name="T89" fmla="*/ 587 h 602"/>
-                  <a:gd name="T90" fmla="*/ 2 w 904"/>
-                  <a:gd name="T91" fmla="*/ 593 h 602"/>
-                  <a:gd name="T92" fmla="*/ 5 w 904"/>
-                  <a:gd name="T93" fmla="*/ 598 h 602"/>
-                  <a:gd name="T94" fmla="*/ 9 w 904"/>
-                  <a:gd name="T95" fmla="*/ 601 h 602"/>
-                  <a:gd name="T96" fmla="*/ 15 w 904"/>
-                  <a:gd name="T97" fmla="*/ 602 h 602"/>
-                  <a:gd name="T98" fmla="*/ 196 w 904"/>
-                  <a:gd name="T99" fmla="*/ 602 h 602"/>
-                  <a:gd name="T100" fmla="*/ 406 w 904"/>
-                  <a:gd name="T101" fmla="*/ 602 h 602"/>
-                  <a:gd name="T102" fmla="*/ 617 w 904"/>
-                  <a:gd name="T103" fmla="*/ 602 h 602"/>
-                  <a:gd name="T104" fmla="*/ 828 w 904"/>
-                  <a:gd name="T105" fmla="*/ 602 h 602"/>
-                  <a:gd name="T106" fmla="*/ 891 w 904"/>
-                  <a:gd name="T107" fmla="*/ 602 h 602"/>
-                  <a:gd name="T108" fmla="*/ 896 w 904"/>
-                  <a:gd name="T109" fmla="*/ 600 h 602"/>
-                  <a:gd name="T110" fmla="*/ 901 w 904"/>
-                  <a:gd name="T111" fmla="*/ 596 h 602"/>
-                  <a:gd name="T112" fmla="*/ 903 w 904"/>
-                  <a:gd name="T113" fmla="*/ 591 h 602"/>
-                  <a:gd name="T114" fmla="*/ 903 w 904"/>
-                  <a:gd name="T115" fmla="*/ 584 h 602"/>
-                  <a:gd name="T116" fmla="*/ 901 w 904"/>
-                  <a:gd name="T117" fmla="*/ 579 h 602"/>
-                  <a:gd name="T118" fmla="*/ 896 w 904"/>
-                  <a:gd name="T119" fmla="*/ 575 h 602"/>
-                  <a:gd name="T120" fmla="*/ 891 w 904"/>
-                  <a:gd name="T121" fmla="*/ 572 h 602"/>
-                </a:gdLst>
-                <a:ahLst/>
-                <a:cxnLst>
-                  <a:cxn ang="0">
-                    <a:pos x="T0" y="T1"/>
-                  </a:cxn>
-                  <a:cxn ang="0">
-                    <a:pos x="T2" y="T3"/>
-                  </a:cxn>
-                  <a:cxn ang="0">
-                    <a:pos x="T4" y="T5"/>
-                  </a:cxn>
-                  <a:cxn ang="0">
-                    <a:pos x="T6" y="T7"/>
-                  </a:cxn>
-                  <a:cxn ang="0">
-                    <a:pos x="T8" y="T9"/>
-                  </a:cxn>
-                  <a:cxn ang="0">
-                    <a:pos x="T10" y="T11"/>
-                  </a:cxn>
-                  <a:cxn ang="0">
-                    <a:pos x="T12" y="T13"/>
-                  </a:cxn>
-                  <a:cxn ang="0">
-                    <a:pos x="T14" y="T15"/>
-                  </a:cxn>
-                  <a:cxn ang="0">
-                    <a:pos x="T16" y="T17"/>
-                  </a:cxn>
-                  <a:cxn ang="0">
-                    <a:pos x="T18" y="T19"/>
-                  </a:cxn>
-                  <a:cxn ang="0">
-                    <a:pos x="T20" y="T21"/>
-                  </a:cxn>
-                  <a:cxn ang="0">
-                    <a:pos x="T22" y="T23"/>
-                  </a:cxn>
-                  <a:cxn ang="0">
-                    <a:pos x="T24" y="T25"/>
-                  </a:cxn>
-                  <a:cxn ang="0">
-                    <a:pos x="T26" y="T27"/>
-                  </a:cxn>
-                  <a:cxn ang="0">
-                    <a:pos x="T28" y="T29"/>
-                  </a:cxn>
-                  <a:cxn ang="0">
-                    <a:pos x="T30" y="T31"/>
-                  </a:cxn>
-                  <a:cxn ang="0">
-                    <a:pos x="T32" y="T33"/>
-                  </a:cxn>
-                  <a:cxn ang="0">
-                    <a:pos x="T34" y="T35"/>
-                  </a:cxn>
-                  <a:cxn ang="0">
-                    <a:pos x="T36" y="T37"/>
-                  </a:cxn>
-                  <a:cxn ang="0">
-                    <a:pos x="T38" y="T39"/>
-                  </a:cxn>
-                  <a:cxn ang="0">
-                    <a:pos x="T40" y="T41"/>
-                  </a:cxn>
-                  <a:cxn ang="0">
-                    <a:pos x="T42" y="T43"/>
-                  </a:cxn>
-                  <a:cxn ang="0">
-                    <a:pos x="T44" y="T45"/>
-                  </a:cxn>
-                  <a:cxn ang="0">
-                    <a:pos x="T46" y="T47"/>
-                  </a:cxn>
-                  <a:cxn ang="0">
-                    <a:pos x="T48" y="T49"/>
-                  </a:cxn>
-                  <a:cxn ang="0">
-                    <a:pos x="T50" y="T51"/>
-                  </a:cxn>
-                  <a:cxn ang="0">
-                    <a:pos x="T52" y="T53"/>
-                  </a:cxn>
-                  <a:cxn ang="0">
-                    <a:pos x="T54" y="T55"/>
-                  </a:cxn>
-                  <a:cxn ang="0">
-                    <a:pos x="T56" y="T57"/>
-                  </a:cxn>
-                  <a:cxn ang="0">
-                    <a:pos x="T58" y="T59"/>
-                  </a:cxn>
-                  <a:cxn ang="0">
-                    <a:pos x="T60" y="T61"/>
-                  </a:cxn>
-                  <a:cxn ang="0">
-                    <a:pos x="T62" y="T63"/>
-                  </a:cxn>
-                  <a:cxn ang="0">
-                    <a:pos x="T64" y="T65"/>
-                  </a:cxn>
-                  <a:cxn ang="0">
-                    <a:pos x="T66" y="T67"/>
-                  </a:cxn>
-                  <a:cxn ang="0">
-                    <a:pos x="T68" y="T69"/>
-                  </a:cxn>
-                  <a:cxn ang="0">
-                    <a:pos x="T70" y="T71"/>
-                  </a:cxn>
-                  <a:cxn ang="0">
-                    <a:pos x="T72" y="T73"/>
-                  </a:cxn>
-                  <a:cxn ang="0">
-                    <a:pos x="T74" y="T75"/>
-                  </a:cxn>
-                  <a:cxn ang="0">
-                    <a:pos x="T76" y="T77"/>
-                  </a:cxn>
-                  <a:cxn ang="0">
-                    <a:pos x="T78" y="T79"/>
-                  </a:cxn>
-                  <a:cxn ang="0">
-                    <a:pos x="T80" y="T81"/>
-                  </a:cxn>
-                  <a:cxn ang="0">
-                    <a:pos x="T82" y="T83"/>
-                  </a:cxn>
-                  <a:cxn ang="0">
-                    <a:pos x="T84" y="T85"/>
-                  </a:cxn>
-                  <a:cxn ang="0">
-                    <a:pos x="T86" y="T87"/>
-                  </a:cxn>
-                  <a:cxn ang="0">
-                    <a:pos x="T88" y="T89"/>
-                  </a:cxn>
-                  <a:cxn ang="0">
-                    <a:pos x="T90" y="T91"/>
-                  </a:cxn>
-                  <a:cxn ang="0">
-                    <a:pos x="T92" y="T93"/>
-                  </a:cxn>
-                  <a:cxn ang="0">
-                    <a:pos x="T94" y="T95"/>
-                  </a:cxn>
-                  <a:cxn ang="0">
-                    <a:pos x="T96" y="T97"/>
-                  </a:cxn>
-                  <a:cxn ang="0">
-                    <a:pos x="T98" y="T99"/>
-                  </a:cxn>
-                  <a:cxn ang="0">
-                    <a:pos x="T100" y="T101"/>
-                  </a:cxn>
-                  <a:cxn ang="0">
-                    <a:pos x="T102" y="T103"/>
-                  </a:cxn>
-                  <a:cxn ang="0">
-                    <a:pos x="T104" y="T105"/>
-                  </a:cxn>
-                  <a:cxn ang="0">
-                    <a:pos x="T106" y="T107"/>
-                  </a:cxn>
-                  <a:cxn ang="0">
-                    <a:pos x="T108" y="T109"/>
-                  </a:cxn>
-                  <a:cxn ang="0">
-                    <a:pos x="T110" y="T111"/>
-                  </a:cxn>
-                  <a:cxn ang="0">
-                    <a:pos x="T112" y="T113"/>
-                  </a:cxn>
-                  <a:cxn ang="0">
-                    <a:pos x="T114" y="T115"/>
-                  </a:cxn>
-                  <a:cxn ang="0">
-                    <a:pos x="T116" y="T117"/>
-                  </a:cxn>
-                  <a:cxn ang="0">
-                    <a:pos x="T118" y="T119"/>
-                  </a:cxn>
-                  <a:cxn ang="0">
-                    <a:pos x="T120" y="T121"/>
-                  </a:cxn>
-                </a:cxnLst>
-                <a:rect l="0" t="0" r="r" b="b"/>
-                <a:pathLst>
-                  <a:path w="904" h="602">
-                    <a:moveTo>
-                      <a:pt x="889" y="572"/>
-                    </a:moveTo>
-                    <a:lnTo>
-                      <a:pt x="843" y="572"/>
-                    </a:lnTo>
-                    <a:lnTo>
-                      <a:pt x="843" y="16"/>
-                    </a:lnTo>
-                    <a:lnTo>
-                      <a:pt x="843" y="12"/>
-                    </a:lnTo>
-                    <a:lnTo>
-                      <a:pt x="842" y="9"/>
-                    </a:lnTo>
-                    <a:lnTo>
-                      <a:pt x="841" y="7"/>
-                    </a:lnTo>
-                    <a:lnTo>
-                      <a:pt x="838" y="5"/>
-                    </a:lnTo>
-                    <a:lnTo>
-                      <a:pt x="836" y="3"/>
-                    </a:lnTo>
-                    <a:lnTo>
-                      <a:pt x="834" y="2"/>
-                    </a:lnTo>
-                    <a:lnTo>
-                      <a:pt x="831" y="1"/>
-                    </a:lnTo>
-                    <a:lnTo>
-                      <a:pt x="828" y="1"/>
-                    </a:lnTo>
-                    <a:lnTo>
-                      <a:pt x="708" y="0"/>
-                    </a:lnTo>
-                    <a:lnTo>
-                      <a:pt x="704" y="1"/>
-                    </a:lnTo>
-                    <a:lnTo>
-                      <a:pt x="702" y="2"/>
-                    </a:lnTo>
-                    <a:lnTo>
-                      <a:pt x="699" y="3"/>
-                    </a:lnTo>
-                    <a:lnTo>
-                      <a:pt x="697" y="5"/>
-                    </a:lnTo>
-                    <a:lnTo>
-                      <a:pt x="695" y="7"/>
-                    </a:lnTo>
-                    <a:lnTo>
-                      <a:pt x="694" y="9"/>
-                    </a:lnTo>
-                    <a:lnTo>
-                      <a:pt x="693" y="12"/>
-                    </a:lnTo>
-                    <a:lnTo>
-                      <a:pt x="693" y="16"/>
-                    </a:lnTo>
-                    <a:lnTo>
-                      <a:pt x="693" y="572"/>
-                    </a:lnTo>
-                    <a:lnTo>
-                      <a:pt x="632" y="572"/>
-                    </a:lnTo>
-                    <a:lnTo>
-                      <a:pt x="632" y="286"/>
-                    </a:lnTo>
-                    <a:lnTo>
-                      <a:pt x="632" y="283"/>
-                    </a:lnTo>
-                    <a:lnTo>
-                      <a:pt x="631" y="281"/>
-                    </a:lnTo>
-                    <a:lnTo>
-                      <a:pt x="630" y="277"/>
-                    </a:lnTo>
-                    <a:lnTo>
-                      <a:pt x="628" y="275"/>
-                    </a:lnTo>
-                    <a:lnTo>
-                      <a:pt x="626" y="274"/>
-                    </a:lnTo>
-                    <a:lnTo>
-                      <a:pt x="623" y="272"/>
-                    </a:lnTo>
-                    <a:lnTo>
-                      <a:pt x="621" y="271"/>
-                    </a:lnTo>
-                    <a:lnTo>
-                      <a:pt x="617" y="271"/>
-                    </a:lnTo>
-                    <a:lnTo>
-                      <a:pt x="497" y="271"/>
-                    </a:lnTo>
-                    <a:lnTo>
-                      <a:pt x="494" y="271"/>
-                    </a:lnTo>
-                    <a:lnTo>
-                      <a:pt x="491" y="272"/>
-                    </a:lnTo>
-                    <a:lnTo>
-                      <a:pt x="489" y="274"/>
-                    </a:lnTo>
-                    <a:lnTo>
-                      <a:pt x="487" y="275"/>
-                    </a:lnTo>
-                    <a:lnTo>
-                      <a:pt x="484" y="277"/>
-                    </a:lnTo>
-                    <a:lnTo>
-                      <a:pt x="483" y="281"/>
-                    </a:lnTo>
-                    <a:lnTo>
-                      <a:pt x="482" y="283"/>
-                    </a:lnTo>
-                    <a:lnTo>
-                      <a:pt x="482" y="286"/>
-                    </a:lnTo>
-                    <a:lnTo>
-                      <a:pt x="482" y="572"/>
-                    </a:lnTo>
-                    <a:lnTo>
-                      <a:pt x="421" y="572"/>
-                    </a:lnTo>
-                    <a:lnTo>
-                      <a:pt x="421" y="196"/>
-                    </a:lnTo>
-                    <a:lnTo>
-                      <a:pt x="421" y="193"/>
-                    </a:lnTo>
-                    <a:lnTo>
-                      <a:pt x="420" y="190"/>
-                    </a:lnTo>
-                    <a:lnTo>
-                      <a:pt x="419" y="187"/>
-                    </a:lnTo>
-                    <a:lnTo>
-                      <a:pt x="417" y="185"/>
-                    </a:lnTo>
-                    <a:lnTo>
-                      <a:pt x="415" y="183"/>
-                    </a:lnTo>
-                    <a:lnTo>
-                      <a:pt x="413" y="182"/>
-                    </a:lnTo>
-                    <a:lnTo>
-                      <a:pt x="409" y="181"/>
-                    </a:lnTo>
-                    <a:lnTo>
-                      <a:pt x="406" y="181"/>
-                    </a:lnTo>
-                    <a:lnTo>
-                      <a:pt x="286" y="181"/>
-                    </a:lnTo>
-                    <a:lnTo>
-                      <a:pt x="283" y="181"/>
-                    </a:lnTo>
-                    <a:lnTo>
-                      <a:pt x="281" y="182"/>
-                    </a:lnTo>
-                    <a:lnTo>
-                      <a:pt x="277" y="183"/>
-                    </a:lnTo>
-                    <a:lnTo>
-                      <a:pt x="275" y="185"/>
-                    </a:lnTo>
-                    <a:lnTo>
-                      <a:pt x="273" y="187"/>
-                    </a:lnTo>
-                    <a:lnTo>
-                      <a:pt x="272" y="190"/>
-                    </a:lnTo>
-                    <a:lnTo>
-                      <a:pt x="271" y="193"/>
-                    </a:lnTo>
-                    <a:lnTo>
-                      <a:pt x="271" y="196"/>
-                    </a:lnTo>
-                    <a:lnTo>
-                      <a:pt x="271" y="572"/>
-                    </a:lnTo>
-                    <a:lnTo>
-                      <a:pt x="211" y="572"/>
-                    </a:lnTo>
-                    <a:lnTo>
-                      <a:pt x="211" y="406"/>
-                    </a:lnTo>
-                    <a:lnTo>
-                      <a:pt x="211" y="404"/>
-                    </a:lnTo>
-                    <a:lnTo>
-                      <a:pt x="210" y="401"/>
-                    </a:lnTo>
-                    <a:lnTo>
-                      <a:pt x="209" y="399"/>
-                    </a:lnTo>
-                    <a:lnTo>
-                      <a:pt x="207" y="396"/>
-                    </a:lnTo>
-                    <a:lnTo>
-                      <a:pt x="205" y="394"/>
-                    </a:lnTo>
-                    <a:lnTo>
-                      <a:pt x="201" y="393"/>
-                    </a:lnTo>
-                    <a:lnTo>
-                      <a:pt x="199" y="392"/>
-                    </a:lnTo>
-                    <a:lnTo>
-                      <a:pt x="196" y="391"/>
-                    </a:lnTo>
-                    <a:lnTo>
-                      <a:pt x="76" y="391"/>
-                    </a:lnTo>
-                    <a:lnTo>
-                      <a:pt x="73" y="392"/>
-                    </a:lnTo>
-                    <a:lnTo>
-                      <a:pt x="69" y="392"/>
-                    </a:lnTo>
-                    <a:lnTo>
-                      <a:pt x="67" y="394"/>
-                    </a:lnTo>
-                    <a:lnTo>
-                      <a:pt x="65" y="396"/>
-                    </a:lnTo>
-                    <a:lnTo>
-                      <a:pt x="63" y="399"/>
-                    </a:lnTo>
-                    <a:lnTo>
-                      <a:pt x="62" y="401"/>
-                    </a:lnTo>
-                    <a:lnTo>
-                      <a:pt x="61" y="404"/>
-                    </a:lnTo>
-                    <a:lnTo>
-                      <a:pt x="61" y="406"/>
-                    </a:lnTo>
-                    <a:lnTo>
-                      <a:pt x="61" y="572"/>
-                    </a:lnTo>
-                    <a:lnTo>
-                      <a:pt x="15" y="572"/>
-                    </a:lnTo>
-                    <a:lnTo>
-                      <a:pt x="13" y="572"/>
-                    </a:lnTo>
-                    <a:lnTo>
-                      <a:pt x="9" y="573"/>
-                    </a:lnTo>
-                    <a:lnTo>
-                      <a:pt x="7" y="575"/>
-                    </a:lnTo>
-                    <a:lnTo>
-                      <a:pt x="5" y="577"/>
-                    </a:lnTo>
-                    <a:lnTo>
-                      <a:pt x="3" y="579"/>
-                    </a:lnTo>
-                    <a:lnTo>
-                      <a:pt x="2" y="581"/>
-                    </a:lnTo>
-                    <a:lnTo>
-                      <a:pt x="1" y="584"/>
-                    </a:lnTo>
-                    <a:lnTo>
-                      <a:pt x="0" y="587"/>
-                    </a:lnTo>
-                    <a:lnTo>
-                      <a:pt x="1" y="591"/>
-                    </a:lnTo>
-                    <a:lnTo>
-                      <a:pt x="2" y="593"/>
-                    </a:lnTo>
-                    <a:lnTo>
-                      <a:pt x="3" y="596"/>
-                    </a:lnTo>
-                    <a:lnTo>
-                      <a:pt x="5" y="598"/>
-                    </a:lnTo>
-                    <a:lnTo>
-                      <a:pt x="7" y="600"/>
-                    </a:lnTo>
-                    <a:lnTo>
-                      <a:pt x="9" y="601"/>
-                    </a:lnTo>
-                    <a:lnTo>
-                      <a:pt x="13" y="602"/>
-                    </a:lnTo>
-                    <a:lnTo>
-                      <a:pt x="15" y="602"/>
-                    </a:lnTo>
-                    <a:lnTo>
-                      <a:pt x="76" y="602"/>
-                    </a:lnTo>
-                    <a:lnTo>
-                      <a:pt x="196" y="602"/>
-                    </a:lnTo>
-                    <a:lnTo>
-                      <a:pt x="286" y="602"/>
-                    </a:lnTo>
-                    <a:lnTo>
-                      <a:pt x="406" y="602"/>
-                    </a:lnTo>
-                    <a:lnTo>
-                      <a:pt x="497" y="602"/>
-                    </a:lnTo>
-                    <a:lnTo>
-                      <a:pt x="617" y="602"/>
-                    </a:lnTo>
-                    <a:lnTo>
-                      <a:pt x="708" y="602"/>
-                    </a:lnTo>
-                    <a:lnTo>
-                      <a:pt x="828" y="602"/>
-                    </a:lnTo>
-                    <a:lnTo>
-                      <a:pt x="889" y="602"/>
-                    </a:lnTo>
-                    <a:lnTo>
-                      <a:pt x="891" y="602"/>
-                    </a:lnTo>
-                    <a:lnTo>
-                      <a:pt x="894" y="601"/>
-                    </a:lnTo>
-                    <a:lnTo>
-                      <a:pt x="896" y="600"/>
-                    </a:lnTo>
-                    <a:lnTo>
-                      <a:pt x="898" y="598"/>
-                    </a:lnTo>
-                    <a:lnTo>
-                      <a:pt x="901" y="596"/>
-                    </a:lnTo>
-                    <a:lnTo>
-                      <a:pt x="902" y="593"/>
-                    </a:lnTo>
-                    <a:lnTo>
-                      <a:pt x="903" y="591"/>
-                    </a:lnTo>
-                    <a:lnTo>
-                      <a:pt x="904" y="587"/>
-                    </a:lnTo>
-                    <a:lnTo>
-                      <a:pt x="903" y="584"/>
-                    </a:lnTo>
-                    <a:lnTo>
-                      <a:pt x="902" y="581"/>
-                    </a:lnTo>
-                    <a:lnTo>
-                      <a:pt x="901" y="579"/>
-                    </a:lnTo>
-                    <a:lnTo>
-                      <a:pt x="898" y="577"/>
-                    </a:lnTo>
-                    <a:lnTo>
-                      <a:pt x="896" y="575"/>
-                    </a:lnTo>
-                    <a:lnTo>
-                      <a:pt x="894" y="573"/>
-                    </a:lnTo>
-                    <a:lnTo>
-                      <a:pt x="891" y="572"/>
-                    </a:lnTo>
-                    <a:lnTo>
-                      <a:pt x="889" y="572"/>
-                    </a:lnTo>
-                    <a:close/>
-                  </a:path>
-                </a:pathLst>
-              </a:custGeom>
-              <a:grpFill/>
-              <a:ln>
-                <a:noFill/>
-              </a:ln>
-              <a:extLst>
-                <a:ext uri="{91240B29-F687-4F45-9708-019B960494DF}">
-                  <a14:hiddenLine xmlns:a14="http://schemas.microsoft.com/office/drawing/2010/main" w="9525">
-                    <a:solidFill>
-                      <a:srgbClr val="000000"/>
-                    </a:solidFill>
-                    <a:round/>
-                    <a:headEnd/>
-                    <a:tailEnd/>
-                  </a14:hiddenLine>
-                </a:ext>
-              </a:extLst>
-            </p:spPr>
-            <p:txBody>
-              <a:bodyPr vert="horz" wrap="square" lIns="91440" tIns="45720" rIns="91440" bIns="45720" numCol="1" anchor="t" anchorCtr="0" compatLnSpc="1">
-                <a:prstTxWarp prst="textNoShape">
-                  <a:avLst/>
-                </a:prstTxWarp>
-              </a:bodyPr>
-              <a:lstStyle/>
-              <a:p>
-                <a:endParaRPr lang="en-US" dirty="0"/>
-              </a:p>
-            </p:txBody>
-          </p:sp>
-          <p:sp>
-            <p:nvSpPr>
-              <p:cNvPr id="33" name="Freeform 373">
-                <a:extLst>
-                  <a:ext uri="{FF2B5EF4-FFF2-40B4-BE49-F238E27FC236}">
-                    <a16:creationId xmlns:a16="http://schemas.microsoft.com/office/drawing/2014/main" id="{6AA1356D-8F1B-4281-BEC5-5B4EBF7467B1}"/>
-                  </a:ext>
-                </a:extLst>
-              </p:cNvPr>
-              <p:cNvSpPr>
-                <a:spLocks/>
-              </p:cNvSpPr>
-              <p:nvPr/>
-            </p:nvSpPr>
-            <p:spPr bwMode="auto">
-              <a:xfrm>
-                <a:off x="4338638" y="2492375"/>
-                <a:ext cx="252413" cy="157163"/>
-              </a:xfrm>
-              <a:custGeom>
-                <a:avLst/>
-                <a:gdLst>
-                  <a:gd name="T0" fmla="*/ 77 w 797"/>
-                  <a:gd name="T1" fmla="*/ 494 h 497"/>
-                  <a:gd name="T2" fmla="*/ 97 w 797"/>
-                  <a:gd name="T3" fmla="*/ 483 h 497"/>
-                  <a:gd name="T4" fmla="*/ 112 w 797"/>
-                  <a:gd name="T5" fmla="*/ 466 h 497"/>
-                  <a:gd name="T6" fmla="*/ 120 w 797"/>
-                  <a:gd name="T7" fmla="*/ 443 h 497"/>
-                  <a:gd name="T8" fmla="*/ 116 w 797"/>
-                  <a:gd name="T9" fmla="*/ 416 h 497"/>
-                  <a:gd name="T10" fmla="*/ 267 w 797"/>
-                  <a:gd name="T11" fmla="*/ 298 h 497"/>
-                  <a:gd name="T12" fmla="*/ 300 w 797"/>
-                  <a:gd name="T13" fmla="*/ 299 h 497"/>
-                  <a:gd name="T14" fmla="*/ 325 w 797"/>
-                  <a:gd name="T15" fmla="*/ 287 h 497"/>
-                  <a:gd name="T16" fmla="*/ 451 w 797"/>
-                  <a:gd name="T17" fmla="*/ 327 h 497"/>
-                  <a:gd name="T18" fmla="*/ 454 w 797"/>
-                  <a:gd name="T19" fmla="*/ 349 h 497"/>
-                  <a:gd name="T20" fmla="*/ 464 w 797"/>
-                  <a:gd name="T21" fmla="*/ 369 h 497"/>
-                  <a:gd name="T22" fmla="*/ 482 w 797"/>
-                  <a:gd name="T23" fmla="*/ 384 h 497"/>
-                  <a:gd name="T24" fmla="*/ 505 w 797"/>
-                  <a:gd name="T25" fmla="*/ 391 h 497"/>
-                  <a:gd name="T26" fmla="*/ 529 w 797"/>
-                  <a:gd name="T27" fmla="*/ 389 h 497"/>
-                  <a:gd name="T28" fmla="*/ 550 w 797"/>
-                  <a:gd name="T29" fmla="*/ 378 h 497"/>
-                  <a:gd name="T30" fmla="*/ 564 w 797"/>
-                  <a:gd name="T31" fmla="*/ 360 h 497"/>
-                  <a:gd name="T32" fmla="*/ 571 w 797"/>
-                  <a:gd name="T33" fmla="*/ 337 h 497"/>
-                  <a:gd name="T34" fmla="*/ 565 w 797"/>
-                  <a:gd name="T35" fmla="*/ 304 h 497"/>
-                  <a:gd name="T36" fmla="*/ 724 w 797"/>
-                  <a:gd name="T37" fmla="*/ 119 h 497"/>
-                  <a:gd name="T38" fmla="*/ 750 w 797"/>
-                  <a:gd name="T39" fmla="*/ 119 h 497"/>
-                  <a:gd name="T40" fmla="*/ 771 w 797"/>
-                  <a:gd name="T41" fmla="*/ 110 h 497"/>
-                  <a:gd name="T42" fmla="*/ 787 w 797"/>
-                  <a:gd name="T43" fmla="*/ 94 h 497"/>
-                  <a:gd name="T44" fmla="*/ 796 w 797"/>
-                  <a:gd name="T45" fmla="*/ 72 h 497"/>
-                  <a:gd name="T46" fmla="*/ 796 w 797"/>
-                  <a:gd name="T47" fmla="*/ 48 h 497"/>
-                  <a:gd name="T48" fmla="*/ 787 w 797"/>
-                  <a:gd name="T49" fmla="*/ 27 h 497"/>
-                  <a:gd name="T50" fmla="*/ 771 w 797"/>
-                  <a:gd name="T51" fmla="*/ 10 h 497"/>
-                  <a:gd name="T52" fmla="*/ 750 w 797"/>
-                  <a:gd name="T53" fmla="*/ 1 h 497"/>
-                  <a:gd name="T54" fmla="*/ 725 w 797"/>
-                  <a:gd name="T55" fmla="*/ 1 h 497"/>
-                  <a:gd name="T56" fmla="*/ 703 w 797"/>
-                  <a:gd name="T57" fmla="*/ 10 h 497"/>
-                  <a:gd name="T58" fmla="*/ 687 w 797"/>
-                  <a:gd name="T59" fmla="*/ 27 h 497"/>
-                  <a:gd name="T60" fmla="*/ 678 w 797"/>
-                  <a:gd name="T61" fmla="*/ 48 h 497"/>
-                  <a:gd name="T62" fmla="*/ 680 w 797"/>
-                  <a:gd name="T63" fmla="*/ 79 h 497"/>
-                  <a:gd name="T64" fmla="*/ 531 w 797"/>
-                  <a:gd name="T65" fmla="*/ 275 h 497"/>
-                  <a:gd name="T66" fmla="*/ 504 w 797"/>
-                  <a:gd name="T67" fmla="*/ 272 h 497"/>
-                  <a:gd name="T68" fmla="*/ 478 w 797"/>
-                  <a:gd name="T69" fmla="*/ 281 h 497"/>
-                  <a:gd name="T70" fmla="*/ 345 w 797"/>
-                  <a:gd name="T71" fmla="*/ 248 h 497"/>
-                  <a:gd name="T72" fmla="*/ 344 w 797"/>
-                  <a:gd name="T73" fmla="*/ 229 h 497"/>
-                  <a:gd name="T74" fmla="*/ 336 w 797"/>
-                  <a:gd name="T75" fmla="*/ 207 h 497"/>
-                  <a:gd name="T76" fmla="*/ 319 w 797"/>
-                  <a:gd name="T77" fmla="*/ 191 h 497"/>
-                  <a:gd name="T78" fmla="*/ 298 w 797"/>
-                  <a:gd name="T79" fmla="*/ 181 h 497"/>
-                  <a:gd name="T80" fmla="*/ 273 w 797"/>
-                  <a:gd name="T81" fmla="*/ 181 h 497"/>
-                  <a:gd name="T82" fmla="*/ 252 w 797"/>
-                  <a:gd name="T83" fmla="*/ 191 h 497"/>
-                  <a:gd name="T84" fmla="*/ 236 w 797"/>
-                  <a:gd name="T85" fmla="*/ 207 h 497"/>
-                  <a:gd name="T86" fmla="*/ 226 w 797"/>
-                  <a:gd name="T87" fmla="*/ 229 h 497"/>
-                  <a:gd name="T88" fmla="*/ 227 w 797"/>
-                  <a:gd name="T89" fmla="*/ 254 h 497"/>
-                  <a:gd name="T90" fmla="*/ 86 w 797"/>
-                  <a:gd name="T91" fmla="*/ 382 h 497"/>
-                  <a:gd name="T92" fmla="*/ 53 w 797"/>
-                  <a:gd name="T93" fmla="*/ 377 h 497"/>
-                  <a:gd name="T94" fmla="*/ 31 w 797"/>
-                  <a:gd name="T95" fmla="*/ 383 h 497"/>
-                  <a:gd name="T96" fmla="*/ 13 w 797"/>
-                  <a:gd name="T97" fmla="*/ 398 h 497"/>
-                  <a:gd name="T98" fmla="*/ 2 w 797"/>
-                  <a:gd name="T99" fmla="*/ 419 h 497"/>
-                  <a:gd name="T100" fmla="*/ 0 w 797"/>
-                  <a:gd name="T101" fmla="*/ 443 h 497"/>
-                  <a:gd name="T102" fmla="*/ 6 w 797"/>
-                  <a:gd name="T103" fmla="*/ 466 h 497"/>
-                  <a:gd name="T104" fmla="*/ 21 w 797"/>
-                  <a:gd name="T105" fmla="*/ 483 h 497"/>
-                  <a:gd name="T106" fmla="*/ 42 w 797"/>
-                  <a:gd name="T107" fmla="*/ 494 h 497"/>
-                </a:gdLst>
-                <a:ahLst/>
-                <a:cxnLst>
-                  <a:cxn ang="0">
-                    <a:pos x="T0" y="T1"/>
-                  </a:cxn>
-                  <a:cxn ang="0">
-                    <a:pos x="T2" y="T3"/>
-                  </a:cxn>
-                  <a:cxn ang="0">
-                    <a:pos x="T4" y="T5"/>
-                  </a:cxn>
-                  <a:cxn ang="0">
-                    <a:pos x="T6" y="T7"/>
-                  </a:cxn>
-                  <a:cxn ang="0">
-                    <a:pos x="T8" y="T9"/>
-                  </a:cxn>
-                  <a:cxn ang="0">
-                    <a:pos x="T10" y="T11"/>
-                  </a:cxn>
-                  <a:cxn ang="0">
-                    <a:pos x="T12" y="T13"/>
-                  </a:cxn>
-                  <a:cxn ang="0">
-                    <a:pos x="T14" y="T15"/>
-                  </a:cxn>
-                  <a:cxn ang="0">
-                    <a:pos x="T16" y="T17"/>
-                  </a:cxn>
-                  <a:cxn ang="0">
-                    <a:pos x="T18" y="T19"/>
-                  </a:cxn>
-                  <a:cxn ang="0">
-                    <a:pos x="T20" y="T21"/>
-                  </a:cxn>
-                  <a:cxn ang="0">
-                    <a:pos x="T22" y="T23"/>
-                  </a:cxn>
-                  <a:cxn ang="0">
-                    <a:pos x="T24" y="T25"/>
-                  </a:cxn>
-                  <a:cxn ang="0">
-                    <a:pos x="T26" y="T27"/>
-                  </a:cxn>
-                  <a:cxn ang="0">
-                    <a:pos x="T28" y="T29"/>
-                  </a:cxn>
-                  <a:cxn ang="0">
-                    <a:pos x="T30" y="T31"/>
-                  </a:cxn>
-                  <a:cxn ang="0">
-                    <a:pos x="T32" y="T33"/>
-                  </a:cxn>
-                  <a:cxn ang="0">
-                    <a:pos x="T34" y="T35"/>
-                  </a:cxn>
-                  <a:cxn ang="0">
-                    <a:pos x="T36" y="T37"/>
-                  </a:cxn>
-                  <a:cxn ang="0">
-                    <a:pos x="T38" y="T39"/>
-                  </a:cxn>
-                  <a:cxn ang="0">
-                    <a:pos x="T40" y="T41"/>
-                  </a:cxn>
-                  <a:cxn ang="0">
-                    <a:pos x="T42" y="T43"/>
-                  </a:cxn>
-                  <a:cxn ang="0">
-                    <a:pos x="T44" y="T45"/>
-                  </a:cxn>
-                  <a:cxn ang="0">
-                    <a:pos x="T46" y="T47"/>
-                  </a:cxn>
-                  <a:cxn ang="0">
-                    <a:pos x="T48" y="T49"/>
-                  </a:cxn>
-                  <a:cxn ang="0">
-                    <a:pos x="T50" y="T51"/>
-                  </a:cxn>
-                  <a:cxn ang="0">
-                    <a:pos x="T52" y="T53"/>
-                  </a:cxn>
-                  <a:cxn ang="0">
-                    <a:pos x="T54" y="T55"/>
-                  </a:cxn>
-                  <a:cxn ang="0">
-                    <a:pos x="T56" y="T57"/>
-                  </a:cxn>
-                  <a:cxn ang="0">
-                    <a:pos x="T58" y="T59"/>
-                  </a:cxn>
-                  <a:cxn ang="0">
-                    <a:pos x="T60" y="T61"/>
-                  </a:cxn>
-                  <a:cxn ang="0">
-                    <a:pos x="T62" y="T63"/>
-                  </a:cxn>
-                  <a:cxn ang="0">
-                    <a:pos x="T64" y="T65"/>
-                  </a:cxn>
-                  <a:cxn ang="0">
-                    <a:pos x="T66" y="T67"/>
-                  </a:cxn>
-                  <a:cxn ang="0">
-                    <a:pos x="T68" y="T69"/>
-                  </a:cxn>
-                  <a:cxn ang="0">
-                    <a:pos x="T70" y="T71"/>
-                  </a:cxn>
-                  <a:cxn ang="0">
-                    <a:pos x="T72" y="T73"/>
-                  </a:cxn>
-                  <a:cxn ang="0">
-                    <a:pos x="T74" y="T75"/>
-                  </a:cxn>
-                  <a:cxn ang="0">
-                    <a:pos x="T76" y="T77"/>
-                  </a:cxn>
-                  <a:cxn ang="0">
-                    <a:pos x="T78" y="T79"/>
-                  </a:cxn>
-                  <a:cxn ang="0">
-                    <a:pos x="T80" y="T81"/>
-                  </a:cxn>
-                  <a:cxn ang="0">
-                    <a:pos x="T82" y="T83"/>
-                  </a:cxn>
-                  <a:cxn ang="0">
-                    <a:pos x="T84" y="T85"/>
-                  </a:cxn>
-                  <a:cxn ang="0">
-                    <a:pos x="T86" y="T87"/>
-                  </a:cxn>
-                  <a:cxn ang="0">
-                    <a:pos x="T88" y="T89"/>
-                  </a:cxn>
-                  <a:cxn ang="0">
-                    <a:pos x="T90" y="T91"/>
-                  </a:cxn>
-                  <a:cxn ang="0">
-                    <a:pos x="T92" y="T93"/>
-                  </a:cxn>
-                  <a:cxn ang="0">
-                    <a:pos x="T94" y="T95"/>
-                  </a:cxn>
-                  <a:cxn ang="0">
-                    <a:pos x="T96" y="T97"/>
-                  </a:cxn>
-                  <a:cxn ang="0">
-                    <a:pos x="T98" y="T99"/>
-                  </a:cxn>
-                  <a:cxn ang="0">
-                    <a:pos x="T100" y="T101"/>
-                  </a:cxn>
-                  <a:cxn ang="0">
-                    <a:pos x="T102" y="T103"/>
-                  </a:cxn>
-                  <a:cxn ang="0">
-                    <a:pos x="T104" y="T105"/>
-                  </a:cxn>
-                  <a:cxn ang="0">
-                    <a:pos x="T106" y="T107"/>
-                  </a:cxn>
-                </a:cxnLst>
-                <a:rect l="0" t="0" r="r" b="b"/>
-                <a:pathLst>
-                  <a:path w="797" h="497">
-                    <a:moveTo>
-                      <a:pt x="60" y="497"/>
-                    </a:moveTo>
-                    <a:lnTo>
-                      <a:pt x="65" y="497"/>
-                    </a:lnTo>
-                    <a:lnTo>
-                      <a:pt x="72" y="496"/>
-                    </a:lnTo>
-                    <a:lnTo>
-                      <a:pt x="77" y="494"/>
-                    </a:lnTo>
-                    <a:lnTo>
-                      <a:pt x="83" y="493"/>
-                    </a:lnTo>
-                    <a:lnTo>
-                      <a:pt x="89" y="489"/>
-                    </a:lnTo>
-                    <a:lnTo>
-                      <a:pt x="93" y="486"/>
-                    </a:lnTo>
-                    <a:lnTo>
-                      <a:pt x="97" y="483"/>
-                    </a:lnTo>
-                    <a:lnTo>
-                      <a:pt x="102" y="480"/>
-                    </a:lnTo>
-                    <a:lnTo>
-                      <a:pt x="106" y="475"/>
-                    </a:lnTo>
-                    <a:lnTo>
-                      <a:pt x="109" y="470"/>
-                    </a:lnTo>
-                    <a:lnTo>
-                      <a:pt x="112" y="466"/>
-                    </a:lnTo>
-                    <a:lnTo>
-                      <a:pt x="115" y="460"/>
-                    </a:lnTo>
-                    <a:lnTo>
-                      <a:pt x="117" y="455"/>
-                    </a:lnTo>
-                    <a:lnTo>
-                      <a:pt x="119" y="449"/>
-                    </a:lnTo>
-                    <a:lnTo>
-                      <a:pt x="120" y="443"/>
-                    </a:lnTo>
-                    <a:lnTo>
-                      <a:pt x="120" y="437"/>
-                    </a:lnTo>
-                    <a:lnTo>
-                      <a:pt x="119" y="429"/>
-                    </a:lnTo>
-                    <a:lnTo>
-                      <a:pt x="118" y="423"/>
-                    </a:lnTo>
-                    <a:lnTo>
-                      <a:pt x="116" y="416"/>
-                    </a:lnTo>
-                    <a:lnTo>
-                      <a:pt x="114" y="410"/>
-                    </a:lnTo>
-                    <a:lnTo>
-                      <a:pt x="251" y="290"/>
-                    </a:lnTo>
-                    <a:lnTo>
-                      <a:pt x="259" y="295"/>
-                    </a:lnTo>
-                    <a:lnTo>
-                      <a:pt x="267" y="298"/>
-                    </a:lnTo>
-                    <a:lnTo>
-                      <a:pt x="277" y="301"/>
-                    </a:lnTo>
-                    <a:lnTo>
-                      <a:pt x="285" y="302"/>
-                    </a:lnTo>
-                    <a:lnTo>
-                      <a:pt x="293" y="301"/>
-                    </a:lnTo>
-                    <a:lnTo>
-                      <a:pt x="300" y="299"/>
-                    </a:lnTo>
-                    <a:lnTo>
-                      <a:pt x="307" y="297"/>
-                    </a:lnTo>
-                    <a:lnTo>
-                      <a:pt x="313" y="294"/>
-                    </a:lnTo>
-                    <a:lnTo>
-                      <a:pt x="318" y="291"/>
-                    </a:lnTo>
-                    <a:lnTo>
-                      <a:pt x="325" y="287"/>
-                    </a:lnTo>
-                    <a:lnTo>
-                      <a:pt x="329" y="282"/>
-                    </a:lnTo>
-                    <a:lnTo>
-                      <a:pt x="333" y="277"/>
-                    </a:lnTo>
-                    <a:lnTo>
-                      <a:pt x="451" y="324"/>
-                    </a:lnTo>
-                    <a:lnTo>
-                      <a:pt x="451" y="327"/>
-                    </a:lnTo>
-                    <a:lnTo>
-                      <a:pt x="451" y="332"/>
-                    </a:lnTo>
-                    <a:lnTo>
-                      <a:pt x="451" y="337"/>
-                    </a:lnTo>
-                    <a:lnTo>
-                      <a:pt x="452" y="343"/>
-                    </a:lnTo>
-                    <a:lnTo>
-                      <a:pt x="454" y="349"/>
-                    </a:lnTo>
-                    <a:lnTo>
-                      <a:pt x="456" y="354"/>
-                    </a:lnTo>
-                    <a:lnTo>
-                      <a:pt x="458" y="360"/>
-                    </a:lnTo>
-                    <a:lnTo>
-                      <a:pt x="461" y="365"/>
-                    </a:lnTo>
-                    <a:lnTo>
-                      <a:pt x="464" y="369"/>
-                    </a:lnTo>
-                    <a:lnTo>
-                      <a:pt x="469" y="374"/>
-                    </a:lnTo>
-                    <a:lnTo>
-                      <a:pt x="473" y="378"/>
-                    </a:lnTo>
-                    <a:lnTo>
-                      <a:pt x="477" y="381"/>
-                    </a:lnTo>
-                    <a:lnTo>
-                      <a:pt x="482" y="384"/>
-                    </a:lnTo>
-                    <a:lnTo>
-                      <a:pt x="488" y="386"/>
-                    </a:lnTo>
-                    <a:lnTo>
-                      <a:pt x="493" y="389"/>
-                    </a:lnTo>
-                    <a:lnTo>
-                      <a:pt x="499" y="391"/>
-                    </a:lnTo>
-                    <a:lnTo>
-                      <a:pt x="505" y="391"/>
-                    </a:lnTo>
-                    <a:lnTo>
-                      <a:pt x="511" y="392"/>
-                    </a:lnTo>
-                    <a:lnTo>
-                      <a:pt x="518" y="391"/>
-                    </a:lnTo>
-                    <a:lnTo>
-                      <a:pt x="523" y="391"/>
-                    </a:lnTo>
-                    <a:lnTo>
-                      <a:pt x="529" y="389"/>
-                    </a:lnTo>
-                    <a:lnTo>
-                      <a:pt x="535" y="386"/>
-                    </a:lnTo>
-                    <a:lnTo>
-                      <a:pt x="540" y="384"/>
-                    </a:lnTo>
-                    <a:lnTo>
-                      <a:pt x="545" y="381"/>
-                    </a:lnTo>
-                    <a:lnTo>
-                      <a:pt x="550" y="378"/>
-                    </a:lnTo>
-                    <a:lnTo>
-                      <a:pt x="553" y="374"/>
-                    </a:lnTo>
-                    <a:lnTo>
-                      <a:pt x="558" y="369"/>
-                    </a:lnTo>
-                    <a:lnTo>
-                      <a:pt x="561" y="365"/>
-                    </a:lnTo>
-                    <a:lnTo>
-                      <a:pt x="564" y="360"/>
-                    </a:lnTo>
-                    <a:lnTo>
-                      <a:pt x="567" y="354"/>
-                    </a:lnTo>
-                    <a:lnTo>
-                      <a:pt x="568" y="349"/>
-                    </a:lnTo>
-                    <a:lnTo>
-                      <a:pt x="570" y="343"/>
-                    </a:lnTo>
-                    <a:lnTo>
-                      <a:pt x="571" y="337"/>
-                    </a:lnTo>
-                    <a:lnTo>
-                      <a:pt x="571" y="332"/>
-                    </a:lnTo>
-                    <a:lnTo>
-                      <a:pt x="570" y="322"/>
-                    </a:lnTo>
-                    <a:lnTo>
-                      <a:pt x="568" y="312"/>
-                    </a:lnTo>
-                    <a:lnTo>
-                      <a:pt x="565" y="304"/>
-                    </a:lnTo>
-                    <a:lnTo>
-                      <a:pt x="560" y="296"/>
-                    </a:lnTo>
-                    <a:lnTo>
-                      <a:pt x="711" y="114"/>
-                    </a:lnTo>
-                    <a:lnTo>
-                      <a:pt x="717" y="117"/>
-                    </a:lnTo>
-                    <a:lnTo>
-                      <a:pt x="724" y="119"/>
-                    </a:lnTo>
-                    <a:lnTo>
-                      <a:pt x="730" y="120"/>
-                    </a:lnTo>
-                    <a:lnTo>
-                      <a:pt x="737" y="120"/>
-                    </a:lnTo>
-                    <a:lnTo>
-                      <a:pt x="743" y="120"/>
-                    </a:lnTo>
-                    <a:lnTo>
-                      <a:pt x="750" y="119"/>
-                    </a:lnTo>
-                    <a:lnTo>
-                      <a:pt x="755" y="118"/>
-                    </a:lnTo>
-                    <a:lnTo>
-                      <a:pt x="760" y="116"/>
-                    </a:lnTo>
-                    <a:lnTo>
-                      <a:pt x="766" y="113"/>
-                    </a:lnTo>
-                    <a:lnTo>
-                      <a:pt x="771" y="110"/>
-                    </a:lnTo>
-                    <a:lnTo>
-                      <a:pt x="775" y="106"/>
-                    </a:lnTo>
-                    <a:lnTo>
-                      <a:pt x="780" y="103"/>
-                    </a:lnTo>
-                    <a:lnTo>
-                      <a:pt x="784" y="99"/>
-                    </a:lnTo>
-                    <a:lnTo>
-                      <a:pt x="787" y="94"/>
-                    </a:lnTo>
-                    <a:lnTo>
-                      <a:pt x="790" y="89"/>
-                    </a:lnTo>
-                    <a:lnTo>
-                      <a:pt x="792" y="84"/>
-                    </a:lnTo>
-                    <a:lnTo>
-                      <a:pt x="795" y="79"/>
-                    </a:lnTo>
-                    <a:lnTo>
-                      <a:pt x="796" y="72"/>
-                    </a:lnTo>
-                    <a:lnTo>
-                      <a:pt x="797" y="67"/>
-                    </a:lnTo>
-                    <a:lnTo>
-                      <a:pt x="797" y="60"/>
-                    </a:lnTo>
-                    <a:lnTo>
-                      <a:pt x="797" y="54"/>
-                    </a:lnTo>
-                    <a:lnTo>
-                      <a:pt x="796" y="48"/>
-                    </a:lnTo>
-                    <a:lnTo>
-                      <a:pt x="795" y="42"/>
-                    </a:lnTo>
-                    <a:lnTo>
-                      <a:pt x="792" y="37"/>
-                    </a:lnTo>
-                    <a:lnTo>
-                      <a:pt x="790" y="31"/>
-                    </a:lnTo>
-                    <a:lnTo>
-                      <a:pt x="787" y="27"/>
-                    </a:lnTo>
-                    <a:lnTo>
-                      <a:pt x="784" y="22"/>
-                    </a:lnTo>
-                    <a:lnTo>
-                      <a:pt x="780" y="17"/>
-                    </a:lnTo>
-                    <a:lnTo>
-                      <a:pt x="775" y="14"/>
-                    </a:lnTo>
-                    <a:lnTo>
-                      <a:pt x="771" y="10"/>
-                    </a:lnTo>
-                    <a:lnTo>
-                      <a:pt x="766" y="8"/>
-                    </a:lnTo>
-                    <a:lnTo>
-                      <a:pt x="760" y="5"/>
-                    </a:lnTo>
-                    <a:lnTo>
-                      <a:pt x="755" y="2"/>
-                    </a:lnTo>
-                    <a:lnTo>
-                      <a:pt x="750" y="1"/>
-                    </a:lnTo>
-                    <a:lnTo>
-                      <a:pt x="743" y="0"/>
-                    </a:lnTo>
-                    <a:lnTo>
-                      <a:pt x="737" y="0"/>
-                    </a:lnTo>
-                    <a:lnTo>
-                      <a:pt x="731" y="0"/>
-                    </a:lnTo>
-                    <a:lnTo>
-                      <a:pt x="725" y="1"/>
-                    </a:lnTo>
-                    <a:lnTo>
-                      <a:pt x="719" y="2"/>
-                    </a:lnTo>
-                    <a:lnTo>
-                      <a:pt x="713" y="5"/>
-                    </a:lnTo>
-                    <a:lnTo>
-                      <a:pt x="709" y="8"/>
-                    </a:lnTo>
-                    <a:lnTo>
-                      <a:pt x="703" y="10"/>
-                    </a:lnTo>
-                    <a:lnTo>
-                      <a:pt x="699" y="14"/>
-                    </a:lnTo>
-                    <a:lnTo>
-                      <a:pt x="695" y="17"/>
-                    </a:lnTo>
-                    <a:lnTo>
-                      <a:pt x="691" y="22"/>
-                    </a:lnTo>
-                    <a:lnTo>
-                      <a:pt x="687" y="27"/>
-                    </a:lnTo>
-                    <a:lnTo>
-                      <a:pt x="684" y="31"/>
-                    </a:lnTo>
-                    <a:lnTo>
-                      <a:pt x="682" y="37"/>
-                    </a:lnTo>
-                    <a:lnTo>
-                      <a:pt x="680" y="42"/>
-                    </a:lnTo>
-                    <a:lnTo>
-                      <a:pt x="678" y="48"/>
-                    </a:lnTo>
-                    <a:lnTo>
-                      <a:pt x="677" y="54"/>
-                    </a:lnTo>
-                    <a:lnTo>
-                      <a:pt x="677" y="60"/>
-                    </a:lnTo>
-                    <a:lnTo>
-                      <a:pt x="678" y="70"/>
-                    </a:lnTo>
-                    <a:lnTo>
-                      <a:pt x="680" y="79"/>
-                    </a:lnTo>
-                    <a:lnTo>
-                      <a:pt x="683" y="87"/>
-                    </a:lnTo>
-                    <a:lnTo>
-                      <a:pt x="688" y="96"/>
-                    </a:lnTo>
-                    <a:lnTo>
-                      <a:pt x="537" y="277"/>
-                    </a:lnTo>
-                    <a:lnTo>
-                      <a:pt x="531" y="275"/>
-                    </a:lnTo>
-                    <a:lnTo>
-                      <a:pt x="524" y="273"/>
-                    </a:lnTo>
-                    <a:lnTo>
-                      <a:pt x="518" y="272"/>
-                    </a:lnTo>
-                    <a:lnTo>
-                      <a:pt x="511" y="271"/>
-                    </a:lnTo>
-                    <a:lnTo>
-                      <a:pt x="504" y="272"/>
-                    </a:lnTo>
-                    <a:lnTo>
-                      <a:pt x="496" y="273"/>
-                    </a:lnTo>
-                    <a:lnTo>
-                      <a:pt x="490" y="275"/>
-                    </a:lnTo>
-                    <a:lnTo>
-                      <a:pt x="484" y="278"/>
-                    </a:lnTo>
-                    <a:lnTo>
-                      <a:pt x="478" y="281"/>
-                    </a:lnTo>
-                    <a:lnTo>
-                      <a:pt x="472" y="286"/>
-                    </a:lnTo>
-                    <a:lnTo>
-                      <a:pt x="467" y="291"/>
-                    </a:lnTo>
-                    <a:lnTo>
-                      <a:pt x="463" y="295"/>
-                    </a:lnTo>
-                    <a:lnTo>
-                      <a:pt x="345" y="248"/>
-                    </a:lnTo>
-                    <a:lnTo>
-                      <a:pt x="345" y="245"/>
-                    </a:lnTo>
-                    <a:lnTo>
-                      <a:pt x="345" y="240"/>
-                    </a:lnTo>
-                    <a:lnTo>
-                      <a:pt x="345" y="235"/>
-                    </a:lnTo>
-                    <a:lnTo>
-                      <a:pt x="344" y="229"/>
-                    </a:lnTo>
-                    <a:lnTo>
-                      <a:pt x="343" y="223"/>
-                    </a:lnTo>
-                    <a:lnTo>
-                      <a:pt x="341" y="218"/>
-                    </a:lnTo>
-                    <a:lnTo>
-                      <a:pt x="339" y="213"/>
-                    </a:lnTo>
-                    <a:lnTo>
-                      <a:pt x="336" y="207"/>
-                    </a:lnTo>
-                    <a:lnTo>
-                      <a:pt x="332" y="203"/>
-                    </a:lnTo>
-                    <a:lnTo>
-                      <a:pt x="328" y="199"/>
-                    </a:lnTo>
-                    <a:lnTo>
-                      <a:pt x="324" y="194"/>
-                    </a:lnTo>
-                    <a:lnTo>
-                      <a:pt x="319" y="191"/>
-                    </a:lnTo>
-                    <a:lnTo>
-                      <a:pt x="314" y="188"/>
-                    </a:lnTo>
-                    <a:lnTo>
-                      <a:pt x="309" y="186"/>
-                    </a:lnTo>
-                    <a:lnTo>
-                      <a:pt x="303" y="184"/>
-                    </a:lnTo>
-                    <a:lnTo>
-                      <a:pt x="298" y="181"/>
-                    </a:lnTo>
-                    <a:lnTo>
-                      <a:pt x="292" y="181"/>
-                    </a:lnTo>
-                    <a:lnTo>
-                      <a:pt x="285" y="180"/>
-                    </a:lnTo>
-                    <a:lnTo>
-                      <a:pt x="280" y="181"/>
-                    </a:lnTo>
-                    <a:lnTo>
-                      <a:pt x="273" y="181"/>
-                    </a:lnTo>
-                    <a:lnTo>
-                      <a:pt x="268" y="184"/>
-                    </a:lnTo>
-                    <a:lnTo>
-                      <a:pt x="262" y="186"/>
-                    </a:lnTo>
-                    <a:lnTo>
-                      <a:pt x="257" y="188"/>
-                    </a:lnTo>
-                    <a:lnTo>
-                      <a:pt x="252" y="191"/>
-                    </a:lnTo>
-                    <a:lnTo>
-                      <a:pt x="248" y="194"/>
-                    </a:lnTo>
-                    <a:lnTo>
-                      <a:pt x="243" y="199"/>
-                    </a:lnTo>
-                    <a:lnTo>
-                      <a:pt x="239" y="203"/>
-                    </a:lnTo>
-                    <a:lnTo>
-                      <a:pt x="236" y="207"/>
-                    </a:lnTo>
-                    <a:lnTo>
-                      <a:pt x="233" y="213"/>
-                    </a:lnTo>
-                    <a:lnTo>
-                      <a:pt x="230" y="218"/>
-                    </a:lnTo>
-                    <a:lnTo>
-                      <a:pt x="228" y="223"/>
-                    </a:lnTo>
-                    <a:lnTo>
-                      <a:pt x="226" y="229"/>
-                    </a:lnTo>
-                    <a:lnTo>
-                      <a:pt x="225" y="235"/>
-                    </a:lnTo>
-                    <a:lnTo>
-                      <a:pt x="225" y="240"/>
-                    </a:lnTo>
-                    <a:lnTo>
-                      <a:pt x="226" y="248"/>
-                    </a:lnTo>
-                    <a:lnTo>
-                      <a:pt x="227" y="254"/>
-                    </a:lnTo>
-                    <a:lnTo>
-                      <a:pt x="229" y="261"/>
-                    </a:lnTo>
-                    <a:lnTo>
-                      <a:pt x="231" y="267"/>
-                    </a:lnTo>
-                    <a:lnTo>
-                      <a:pt x="94" y="387"/>
-                    </a:lnTo>
-                    <a:lnTo>
-                      <a:pt x="86" y="382"/>
-                    </a:lnTo>
-                    <a:lnTo>
-                      <a:pt x="78" y="379"/>
-                    </a:lnTo>
-                    <a:lnTo>
-                      <a:pt x="68" y="377"/>
-                    </a:lnTo>
-                    <a:lnTo>
-                      <a:pt x="60" y="377"/>
-                    </a:lnTo>
-                    <a:lnTo>
-                      <a:pt x="53" y="377"/>
-                    </a:lnTo>
-                    <a:lnTo>
-                      <a:pt x="47" y="378"/>
-                    </a:lnTo>
-                    <a:lnTo>
-                      <a:pt x="42" y="379"/>
-                    </a:lnTo>
-                    <a:lnTo>
-                      <a:pt x="36" y="381"/>
-                    </a:lnTo>
-                    <a:lnTo>
-                      <a:pt x="31" y="383"/>
-                    </a:lnTo>
-                    <a:lnTo>
-                      <a:pt x="26" y="386"/>
-                    </a:lnTo>
-                    <a:lnTo>
-                      <a:pt x="21" y="391"/>
-                    </a:lnTo>
-                    <a:lnTo>
-                      <a:pt x="17" y="394"/>
-                    </a:lnTo>
-                    <a:lnTo>
-                      <a:pt x="13" y="398"/>
-                    </a:lnTo>
-                    <a:lnTo>
-                      <a:pt x="9" y="402"/>
-                    </a:lnTo>
-                    <a:lnTo>
-                      <a:pt x="6" y="408"/>
-                    </a:lnTo>
-                    <a:lnTo>
-                      <a:pt x="4" y="413"/>
-                    </a:lnTo>
-                    <a:lnTo>
-                      <a:pt x="2" y="419"/>
-                    </a:lnTo>
-                    <a:lnTo>
-                      <a:pt x="1" y="425"/>
-                    </a:lnTo>
-                    <a:lnTo>
-                      <a:pt x="0" y="430"/>
-                    </a:lnTo>
-                    <a:lnTo>
-                      <a:pt x="0" y="437"/>
-                    </a:lnTo>
-                    <a:lnTo>
-                      <a:pt x="0" y="443"/>
-                    </a:lnTo>
-                    <a:lnTo>
-                      <a:pt x="1" y="449"/>
-                    </a:lnTo>
-                    <a:lnTo>
-                      <a:pt x="2" y="455"/>
-                    </a:lnTo>
-                    <a:lnTo>
-                      <a:pt x="4" y="460"/>
-                    </a:lnTo>
-                    <a:lnTo>
-                      <a:pt x="6" y="466"/>
-                    </a:lnTo>
-                    <a:lnTo>
-                      <a:pt x="9" y="470"/>
-                    </a:lnTo>
-                    <a:lnTo>
-                      <a:pt x="13" y="475"/>
-                    </a:lnTo>
-                    <a:lnTo>
-                      <a:pt x="17" y="480"/>
-                    </a:lnTo>
-                    <a:lnTo>
-                      <a:pt x="21" y="483"/>
-                    </a:lnTo>
-                    <a:lnTo>
-                      <a:pt x="26" y="486"/>
-                    </a:lnTo>
-                    <a:lnTo>
-                      <a:pt x="31" y="489"/>
-                    </a:lnTo>
-                    <a:lnTo>
-                      <a:pt x="36" y="493"/>
-                    </a:lnTo>
-                    <a:lnTo>
-                      <a:pt x="42" y="494"/>
-                    </a:lnTo>
-                    <a:lnTo>
-                      <a:pt x="47" y="496"/>
-                    </a:lnTo>
-                    <a:lnTo>
-                      <a:pt x="53" y="497"/>
-                    </a:lnTo>
-                    <a:lnTo>
-                      <a:pt x="60" y="497"/>
-                    </a:lnTo>
-                    <a:close/>
-                  </a:path>
-                </a:pathLst>
-              </a:custGeom>
-              <a:grpFill/>
-              <a:ln>
-                <a:noFill/>
-              </a:ln>
-              <a:extLst>
-                <a:ext uri="{91240B29-F687-4F45-9708-019B960494DF}">
-                  <a14:hiddenLine xmlns:a14="http://schemas.microsoft.com/office/drawing/2010/main" w="9525">
-                    <a:solidFill>
-                      <a:srgbClr val="000000"/>
-                    </a:solidFill>
-                    <a:round/>
-                    <a:headEnd/>
-                    <a:tailEnd/>
-                  </a14:hiddenLine>
-                </a:ext>
-              </a:extLst>
-            </p:spPr>
-            <p:txBody>
-              <a:bodyPr vert="horz" wrap="square" lIns="91440" tIns="45720" rIns="91440" bIns="45720" numCol="1" anchor="t" anchorCtr="0" compatLnSpc="1">
-                <a:prstTxWarp prst="textNoShape">
-                  <a:avLst/>
-                </a:prstTxWarp>
-              </a:bodyPr>
-              <a:lstStyle/>
-              <a:p>
-                <a:endParaRPr lang="en-US" dirty="0"/>
-              </a:p>
-            </p:txBody>
-          </p:sp>
-        </p:grpSp>
-        <p:sp>
-          <p:nvSpPr>
-            <p:cNvPr id="34" name="Freeform 1676" descr="Icon of check box. ">
-              <a:extLst>
-                <a:ext uri="{FF2B5EF4-FFF2-40B4-BE49-F238E27FC236}">
-                  <a16:creationId xmlns:a16="http://schemas.microsoft.com/office/drawing/2014/main" id="{6FB02354-C73F-4DCF-8004-E9CCA66963EA}"/>
-                </a:ext>
-              </a:extLst>
-            </p:cNvPr>
-            <p:cNvSpPr>
-              <a:spLocks noEditPoints="1"/>
-            </p:cNvSpPr>
-            <p:nvPr/>
-          </p:nvSpPr>
-          <p:spPr bwMode="auto">
-            <a:xfrm>
-              <a:off x="7129621" y="1811496"/>
-              <a:ext cx="345758" cy="345758"/>
-            </a:xfrm>
-            <a:custGeom>
-              <a:avLst/>
-              <a:gdLst>
-                <a:gd name="T0" fmla="*/ 374 w 719"/>
-                <a:gd name="T1" fmla="*/ 267 h 719"/>
-                <a:gd name="T2" fmla="*/ 366 w 719"/>
-                <a:gd name="T3" fmla="*/ 263 h 719"/>
-                <a:gd name="T4" fmla="*/ 362 w 719"/>
-                <a:gd name="T5" fmla="*/ 254 h 719"/>
-                <a:gd name="T6" fmla="*/ 366 w 719"/>
-                <a:gd name="T7" fmla="*/ 247 h 719"/>
-                <a:gd name="T8" fmla="*/ 374 w 719"/>
-                <a:gd name="T9" fmla="*/ 243 h 719"/>
-                <a:gd name="T10" fmla="*/ 621 w 719"/>
-                <a:gd name="T11" fmla="*/ 244 h 719"/>
-                <a:gd name="T12" fmla="*/ 627 w 719"/>
-                <a:gd name="T13" fmla="*/ 250 h 719"/>
-                <a:gd name="T14" fmla="*/ 627 w 719"/>
-                <a:gd name="T15" fmla="*/ 260 h 719"/>
-                <a:gd name="T16" fmla="*/ 621 w 719"/>
-                <a:gd name="T17" fmla="*/ 265 h 719"/>
-                <a:gd name="T18" fmla="*/ 616 w 719"/>
-                <a:gd name="T19" fmla="*/ 528 h 719"/>
-                <a:gd name="T20" fmla="*/ 370 w 719"/>
-                <a:gd name="T21" fmla="*/ 527 h 719"/>
-                <a:gd name="T22" fmla="*/ 363 w 719"/>
-                <a:gd name="T23" fmla="*/ 521 h 719"/>
-                <a:gd name="T24" fmla="*/ 363 w 719"/>
-                <a:gd name="T25" fmla="*/ 512 h 719"/>
-                <a:gd name="T26" fmla="*/ 370 w 719"/>
-                <a:gd name="T27" fmla="*/ 505 h 719"/>
-                <a:gd name="T28" fmla="*/ 616 w 719"/>
-                <a:gd name="T29" fmla="*/ 504 h 719"/>
-                <a:gd name="T30" fmla="*/ 625 w 719"/>
-                <a:gd name="T31" fmla="*/ 507 h 719"/>
-                <a:gd name="T32" fmla="*/ 628 w 719"/>
-                <a:gd name="T33" fmla="*/ 516 h 719"/>
-                <a:gd name="T34" fmla="*/ 625 w 719"/>
-                <a:gd name="T35" fmla="*/ 525 h 719"/>
-                <a:gd name="T36" fmla="*/ 616 w 719"/>
-                <a:gd name="T37" fmla="*/ 528 h 719"/>
-                <a:gd name="T38" fmla="*/ 171 w 719"/>
-                <a:gd name="T39" fmla="*/ 279 h 719"/>
-                <a:gd name="T40" fmla="*/ 164 w 719"/>
-                <a:gd name="T41" fmla="*/ 282 h 719"/>
-                <a:gd name="T42" fmla="*/ 155 w 719"/>
-                <a:gd name="T43" fmla="*/ 279 h 719"/>
-                <a:gd name="T44" fmla="*/ 92 w 719"/>
-                <a:gd name="T45" fmla="*/ 214 h 719"/>
-                <a:gd name="T46" fmla="*/ 92 w 719"/>
-                <a:gd name="T47" fmla="*/ 205 h 719"/>
-                <a:gd name="T48" fmla="*/ 98 w 719"/>
-                <a:gd name="T49" fmla="*/ 198 h 719"/>
-                <a:gd name="T50" fmla="*/ 107 w 719"/>
-                <a:gd name="T51" fmla="*/ 198 h 719"/>
-                <a:gd name="T52" fmla="*/ 164 w 719"/>
-                <a:gd name="T53" fmla="*/ 253 h 719"/>
-                <a:gd name="T54" fmla="*/ 309 w 719"/>
-                <a:gd name="T55" fmla="*/ 109 h 719"/>
-                <a:gd name="T56" fmla="*/ 318 w 719"/>
-                <a:gd name="T57" fmla="*/ 109 h 719"/>
-                <a:gd name="T58" fmla="*/ 325 w 719"/>
-                <a:gd name="T59" fmla="*/ 114 h 719"/>
-                <a:gd name="T60" fmla="*/ 325 w 719"/>
-                <a:gd name="T61" fmla="*/ 124 h 719"/>
-                <a:gd name="T62" fmla="*/ 323 w 719"/>
-                <a:gd name="T63" fmla="*/ 414 h 719"/>
-                <a:gd name="T64" fmla="*/ 168 w 719"/>
-                <a:gd name="T65" fmla="*/ 568 h 719"/>
-                <a:gd name="T66" fmla="*/ 158 w 719"/>
-                <a:gd name="T67" fmla="*/ 568 h 719"/>
-                <a:gd name="T68" fmla="*/ 94 w 719"/>
-                <a:gd name="T69" fmla="*/ 505 h 719"/>
-                <a:gd name="T70" fmla="*/ 91 w 719"/>
-                <a:gd name="T71" fmla="*/ 497 h 719"/>
-                <a:gd name="T72" fmla="*/ 94 w 719"/>
-                <a:gd name="T73" fmla="*/ 488 h 719"/>
-                <a:gd name="T74" fmla="*/ 103 w 719"/>
-                <a:gd name="T75" fmla="*/ 485 h 719"/>
-                <a:gd name="T76" fmla="*/ 111 w 719"/>
-                <a:gd name="T77" fmla="*/ 488 h 719"/>
-                <a:gd name="T78" fmla="*/ 306 w 719"/>
-                <a:gd name="T79" fmla="*/ 397 h 719"/>
-                <a:gd name="T80" fmla="*/ 314 w 719"/>
-                <a:gd name="T81" fmla="*/ 394 h 719"/>
-                <a:gd name="T82" fmla="*/ 323 w 719"/>
-                <a:gd name="T83" fmla="*/ 398 h 719"/>
-                <a:gd name="T84" fmla="*/ 326 w 719"/>
-                <a:gd name="T85" fmla="*/ 406 h 719"/>
-                <a:gd name="T86" fmla="*/ 323 w 719"/>
-                <a:gd name="T87" fmla="*/ 414 h 719"/>
-                <a:gd name="T88" fmla="*/ 12 w 719"/>
-                <a:gd name="T89" fmla="*/ 0 h 719"/>
-                <a:gd name="T90" fmla="*/ 3 w 719"/>
-                <a:gd name="T91" fmla="*/ 5 h 719"/>
-                <a:gd name="T92" fmla="*/ 0 w 719"/>
-                <a:gd name="T93" fmla="*/ 13 h 719"/>
-                <a:gd name="T94" fmla="*/ 1 w 719"/>
-                <a:gd name="T95" fmla="*/ 713 h 719"/>
-                <a:gd name="T96" fmla="*/ 8 w 719"/>
-                <a:gd name="T97" fmla="*/ 719 h 719"/>
-                <a:gd name="T98" fmla="*/ 707 w 719"/>
-                <a:gd name="T99" fmla="*/ 719 h 719"/>
-                <a:gd name="T100" fmla="*/ 716 w 719"/>
-                <a:gd name="T101" fmla="*/ 716 h 719"/>
-                <a:gd name="T102" fmla="*/ 719 w 719"/>
-                <a:gd name="T103" fmla="*/ 707 h 719"/>
-                <a:gd name="T104" fmla="*/ 718 w 719"/>
-                <a:gd name="T105" fmla="*/ 8 h 719"/>
-                <a:gd name="T106" fmla="*/ 711 w 719"/>
-                <a:gd name="T107" fmla="*/ 2 h 719"/>
-              </a:gdLst>
-              <a:ahLst/>
-              <a:cxnLst>
-                <a:cxn ang="0">
-                  <a:pos x="T0" y="T1"/>
-                </a:cxn>
-                <a:cxn ang="0">
-                  <a:pos x="T2" y="T3"/>
-                </a:cxn>
-                <a:cxn ang="0">
-                  <a:pos x="T4" y="T5"/>
-                </a:cxn>
-                <a:cxn ang="0">
-                  <a:pos x="T6" y="T7"/>
-                </a:cxn>
-                <a:cxn ang="0">
-                  <a:pos x="T8" y="T9"/>
-                </a:cxn>
-                <a:cxn ang="0">
-                  <a:pos x="T10" y="T11"/>
-                </a:cxn>
-                <a:cxn ang="0">
-                  <a:pos x="T12" y="T13"/>
-                </a:cxn>
-                <a:cxn ang="0">
-                  <a:pos x="T14" y="T15"/>
-                </a:cxn>
-                <a:cxn ang="0">
-                  <a:pos x="T16" y="T17"/>
-                </a:cxn>
-                <a:cxn ang="0">
-                  <a:pos x="T18" y="T19"/>
-                </a:cxn>
-                <a:cxn ang="0">
-                  <a:pos x="T20" y="T21"/>
-                </a:cxn>
-                <a:cxn ang="0">
-                  <a:pos x="T22" y="T23"/>
-                </a:cxn>
-                <a:cxn ang="0">
-                  <a:pos x="T24" y="T25"/>
-                </a:cxn>
-                <a:cxn ang="0">
-                  <a:pos x="T26" y="T27"/>
-                </a:cxn>
-                <a:cxn ang="0">
-                  <a:pos x="T28" y="T29"/>
-                </a:cxn>
-                <a:cxn ang="0">
-                  <a:pos x="T30" y="T31"/>
-                </a:cxn>
-                <a:cxn ang="0">
-                  <a:pos x="T32" y="T33"/>
-                </a:cxn>
-                <a:cxn ang="0">
-                  <a:pos x="T34" y="T35"/>
-                </a:cxn>
-                <a:cxn ang="0">
-                  <a:pos x="T36" y="T37"/>
-                </a:cxn>
-                <a:cxn ang="0">
-                  <a:pos x="T38" y="T39"/>
-                </a:cxn>
-                <a:cxn ang="0">
-                  <a:pos x="T40" y="T41"/>
-                </a:cxn>
-                <a:cxn ang="0">
-                  <a:pos x="T42" y="T43"/>
-                </a:cxn>
-                <a:cxn ang="0">
-                  <a:pos x="T44" y="T45"/>
-                </a:cxn>
-                <a:cxn ang="0">
-                  <a:pos x="T46" y="T47"/>
-                </a:cxn>
-                <a:cxn ang="0">
-                  <a:pos x="T48" y="T49"/>
-                </a:cxn>
-                <a:cxn ang="0">
-                  <a:pos x="T50" y="T51"/>
-                </a:cxn>
-                <a:cxn ang="0">
-                  <a:pos x="T52" y="T53"/>
-                </a:cxn>
-                <a:cxn ang="0">
-                  <a:pos x="T54" y="T55"/>
-                </a:cxn>
-                <a:cxn ang="0">
-                  <a:pos x="T56" y="T57"/>
-                </a:cxn>
-                <a:cxn ang="0">
-                  <a:pos x="T58" y="T59"/>
-                </a:cxn>
-                <a:cxn ang="0">
-                  <a:pos x="T60" y="T61"/>
-                </a:cxn>
-                <a:cxn ang="0">
-                  <a:pos x="T62" y="T63"/>
-                </a:cxn>
-                <a:cxn ang="0">
-                  <a:pos x="T64" y="T65"/>
-                </a:cxn>
-                <a:cxn ang="0">
-                  <a:pos x="T66" y="T67"/>
-                </a:cxn>
-                <a:cxn ang="0">
-                  <a:pos x="T68" y="T69"/>
-                </a:cxn>
-                <a:cxn ang="0">
-                  <a:pos x="T70" y="T71"/>
-                </a:cxn>
-                <a:cxn ang="0">
-                  <a:pos x="T72" y="T73"/>
-                </a:cxn>
-                <a:cxn ang="0">
-                  <a:pos x="T74" y="T75"/>
-                </a:cxn>
-                <a:cxn ang="0">
-                  <a:pos x="T76" y="T77"/>
-                </a:cxn>
-                <a:cxn ang="0">
-                  <a:pos x="T78" y="T79"/>
-                </a:cxn>
-                <a:cxn ang="0">
-                  <a:pos x="T80" y="T81"/>
-                </a:cxn>
-                <a:cxn ang="0">
-                  <a:pos x="T82" y="T83"/>
-                </a:cxn>
-                <a:cxn ang="0">
-                  <a:pos x="T84" y="T85"/>
-                </a:cxn>
-                <a:cxn ang="0">
-                  <a:pos x="T86" y="T87"/>
-                </a:cxn>
-                <a:cxn ang="0">
-                  <a:pos x="T88" y="T89"/>
-                </a:cxn>
-                <a:cxn ang="0">
-                  <a:pos x="T90" y="T91"/>
-                </a:cxn>
-                <a:cxn ang="0">
-                  <a:pos x="T92" y="T93"/>
-                </a:cxn>
-                <a:cxn ang="0">
-                  <a:pos x="T94" y="T95"/>
-                </a:cxn>
-                <a:cxn ang="0">
-                  <a:pos x="T96" y="T97"/>
-                </a:cxn>
-                <a:cxn ang="0">
-                  <a:pos x="T98" y="T99"/>
-                </a:cxn>
-                <a:cxn ang="0">
-                  <a:pos x="T100" y="T101"/>
-                </a:cxn>
-                <a:cxn ang="0">
-                  <a:pos x="T102" y="T103"/>
-                </a:cxn>
-                <a:cxn ang="0">
-                  <a:pos x="T104" y="T105"/>
-                </a:cxn>
-                <a:cxn ang="0">
-                  <a:pos x="T106" y="T107"/>
-                </a:cxn>
-              </a:cxnLst>
-              <a:rect l="0" t="0" r="r" b="b"/>
-              <a:pathLst>
-                <a:path w="719" h="719">
-                  <a:moveTo>
-                    <a:pt x="616" y="267"/>
-                  </a:moveTo>
-                  <a:lnTo>
-                    <a:pt x="374" y="267"/>
-                  </a:lnTo>
-                  <a:lnTo>
-                    <a:pt x="370" y="265"/>
-                  </a:lnTo>
-                  <a:lnTo>
-                    <a:pt x="366" y="263"/>
-                  </a:lnTo>
-                  <a:lnTo>
-                    <a:pt x="363" y="260"/>
-                  </a:lnTo>
-                  <a:lnTo>
-                    <a:pt x="362" y="254"/>
-                  </a:lnTo>
-                  <a:lnTo>
-                    <a:pt x="363" y="250"/>
-                  </a:lnTo>
-                  <a:lnTo>
-                    <a:pt x="366" y="247"/>
-                  </a:lnTo>
-                  <a:lnTo>
-                    <a:pt x="370" y="244"/>
-                  </a:lnTo>
-                  <a:lnTo>
-                    <a:pt x="374" y="243"/>
-                  </a:lnTo>
-                  <a:lnTo>
-                    <a:pt x="616" y="243"/>
-                  </a:lnTo>
-                  <a:lnTo>
-                    <a:pt x="621" y="244"/>
-                  </a:lnTo>
-                  <a:lnTo>
-                    <a:pt x="625" y="247"/>
-                  </a:lnTo>
-                  <a:lnTo>
-                    <a:pt x="627" y="250"/>
-                  </a:lnTo>
-                  <a:lnTo>
-                    <a:pt x="628" y="254"/>
-                  </a:lnTo>
-                  <a:lnTo>
-                    <a:pt x="627" y="260"/>
-                  </a:lnTo>
-                  <a:lnTo>
-                    <a:pt x="625" y="263"/>
-                  </a:lnTo>
-                  <a:lnTo>
-                    <a:pt x="621" y="265"/>
-                  </a:lnTo>
-                  <a:lnTo>
-                    <a:pt x="616" y="267"/>
-                  </a:lnTo>
-                  <a:close/>
-                  <a:moveTo>
-                    <a:pt x="616" y="528"/>
-                  </a:moveTo>
-                  <a:lnTo>
-                    <a:pt x="374" y="528"/>
-                  </a:lnTo>
-                  <a:lnTo>
-                    <a:pt x="370" y="527"/>
-                  </a:lnTo>
-                  <a:lnTo>
-                    <a:pt x="366" y="525"/>
-                  </a:lnTo>
-                  <a:lnTo>
-                    <a:pt x="363" y="521"/>
-                  </a:lnTo>
-                  <a:lnTo>
-                    <a:pt x="362" y="516"/>
-                  </a:lnTo>
-                  <a:lnTo>
-                    <a:pt x="363" y="512"/>
-                  </a:lnTo>
-                  <a:lnTo>
-                    <a:pt x="366" y="507"/>
-                  </a:lnTo>
-                  <a:lnTo>
-                    <a:pt x="370" y="505"/>
-                  </a:lnTo>
-                  <a:lnTo>
-                    <a:pt x="374" y="504"/>
-                  </a:lnTo>
-                  <a:lnTo>
-                    <a:pt x="616" y="504"/>
-                  </a:lnTo>
-                  <a:lnTo>
-                    <a:pt x="621" y="505"/>
-                  </a:lnTo>
-                  <a:lnTo>
-                    <a:pt x="625" y="507"/>
-                  </a:lnTo>
-                  <a:lnTo>
-                    <a:pt x="627" y="512"/>
-                  </a:lnTo>
-                  <a:lnTo>
-                    <a:pt x="628" y="516"/>
-                  </a:lnTo>
-                  <a:lnTo>
-                    <a:pt x="627" y="521"/>
-                  </a:lnTo>
-                  <a:lnTo>
-                    <a:pt x="625" y="525"/>
-                  </a:lnTo>
-                  <a:lnTo>
-                    <a:pt x="621" y="527"/>
-                  </a:lnTo>
-                  <a:lnTo>
-                    <a:pt x="616" y="528"/>
-                  </a:lnTo>
-                  <a:close/>
-                  <a:moveTo>
-                    <a:pt x="323" y="127"/>
-                  </a:moveTo>
-                  <a:lnTo>
-                    <a:pt x="171" y="279"/>
-                  </a:lnTo>
-                  <a:lnTo>
-                    <a:pt x="168" y="282"/>
-                  </a:lnTo>
-                  <a:lnTo>
-                    <a:pt x="164" y="282"/>
-                  </a:lnTo>
-                  <a:lnTo>
-                    <a:pt x="158" y="282"/>
-                  </a:lnTo>
-                  <a:lnTo>
-                    <a:pt x="155" y="279"/>
-                  </a:lnTo>
-                  <a:lnTo>
-                    <a:pt x="94" y="218"/>
-                  </a:lnTo>
-                  <a:lnTo>
-                    <a:pt x="92" y="214"/>
-                  </a:lnTo>
-                  <a:lnTo>
-                    <a:pt x="91" y="209"/>
-                  </a:lnTo>
-                  <a:lnTo>
-                    <a:pt x="92" y="205"/>
-                  </a:lnTo>
-                  <a:lnTo>
-                    <a:pt x="94" y="201"/>
-                  </a:lnTo>
-                  <a:lnTo>
-                    <a:pt x="98" y="198"/>
-                  </a:lnTo>
-                  <a:lnTo>
-                    <a:pt x="103" y="197"/>
-                  </a:lnTo>
-                  <a:lnTo>
-                    <a:pt x="107" y="198"/>
-                  </a:lnTo>
-                  <a:lnTo>
-                    <a:pt x="111" y="201"/>
-                  </a:lnTo>
-                  <a:lnTo>
-                    <a:pt x="164" y="253"/>
-                  </a:lnTo>
-                  <a:lnTo>
-                    <a:pt x="306" y="111"/>
-                  </a:lnTo>
-                  <a:lnTo>
-                    <a:pt x="309" y="109"/>
-                  </a:lnTo>
-                  <a:lnTo>
-                    <a:pt x="314" y="108"/>
-                  </a:lnTo>
-                  <a:lnTo>
-                    <a:pt x="318" y="109"/>
-                  </a:lnTo>
-                  <a:lnTo>
-                    <a:pt x="323" y="111"/>
-                  </a:lnTo>
-                  <a:lnTo>
-                    <a:pt x="325" y="114"/>
-                  </a:lnTo>
-                  <a:lnTo>
-                    <a:pt x="326" y="119"/>
-                  </a:lnTo>
-                  <a:lnTo>
-                    <a:pt x="325" y="124"/>
-                  </a:lnTo>
-                  <a:lnTo>
-                    <a:pt x="323" y="127"/>
-                  </a:lnTo>
-                  <a:close/>
-                  <a:moveTo>
-                    <a:pt x="323" y="414"/>
-                  </a:moveTo>
-                  <a:lnTo>
-                    <a:pt x="171" y="565"/>
-                  </a:lnTo>
-                  <a:lnTo>
-                    <a:pt x="168" y="568"/>
-                  </a:lnTo>
-                  <a:lnTo>
-                    <a:pt x="164" y="569"/>
-                  </a:lnTo>
-                  <a:lnTo>
-                    <a:pt x="158" y="568"/>
-                  </a:lnTo>
-                  <a:lnTo>
-                    <a:pt x="155" y="565"/>
-                  </a:lnTo>
-                  <a:lnTo>
-                    <a:pt x="94" y="505"/>
-                  </a:lnTo>
-                  <a:lnTo>
-                    <a:pt x="92" y="502"/>
-                  </a:lnTo>
-                  <a:lnTo>
-                    <a:pt x="91" y="497"/>
-                  </a:lnTo>
-                  <a:lnTo>
-                    <a:pt x="92" y="493"/>
-                  </a:lnTo>
-                  <a:lnTo>
-                    <a:pt x="94" y="488"/>
-                  </a:lnTo>
-                  <a:lnTo>
-                    <a:pt x="98" y="486"/>
-                  </a:lnTo>
-                  <a:lnTo>
-                    <a:pt x="103" y="485"/>
-                  </a:lnTo>
-                  <a:lnTo>
-                    <a:pt x="107" y="486"/>
-                  </a:lnTo>
-                  <a:lnTo>
-                    <a:pt x="111" y="488"/>
-                  </a:lnTo>
-                  <a:lnTo>
-                    <a:pt x="164" y="540"/>
-                  </a:lnTo>
-                  <a:lnTo>
-                    <a:pt x="306" y="397"/>
-                  </a:lnTo>
-                  <a:lnTo>
-                    <a:pt x="309" y="395"/>
-                  </a:lnTo>
-                  <a:lnTo>
-                    <a:pt x="314" y="394"/>
-                  </a:lnTo>
-                  <a:lnTo>
-                    <a:pt x="318" y="395"/>
-                  </a:lnTo>
-                  <a:lnTo>
-                    <a:pt x="323" y="398"/>
-                  </a:lnTo>
-                  <a:lnTo>
-                    <a:pt x="325" y="401"/>
-                  </a:lnTo>
-                  <a:lnTo>
-                    <a:pt x="326" y="406"/>
-                  </a:lnTo>
-                  <a:lnTo>
-                    <a:pt x="325" y="410"/>
-                  </a:lnTo>
-                  <a:lnTo>
-                    <a:pt x="323" y="414"/>
-                  </a:lnTo>
-                  <a:close/>
-                  <a:moveTo>
-                    <a:pt x="707" y="0"/>
-                  </a:moveTo>
-                  <a:lnTo>
-                    <a:pt x="12" y="0"/>
-                  </a:lnTo>
-                  <a:lnTo>
-                    <a:pt x="8" y="2"/>
-                  </a:lnTo>
-                  <a:lnTo>
-                    <a:pt x="3" y="5"/>
-                  </a:lnTo>
-                  <a:lnTo>
-                    <a:pt x="1" y="8"/>
-                  </a:lnTo>
-                  <a:lnTo>
-                    <a:pt x="0" y="13"/>
-                  </a:lnTo>
-                  <a:lnTo>
-                    <a:pt x="0" y="707"/>
-                  </a:lnTo>
-                  <a:lnTo>
-                    <a:pt x="1" y="713"/>
-                  </a:lnTo>
-                  <a:lnTo>
-                    <a:pt x="3" y="716"/>
-                  </a:lnTo>
-                  <a:lnTo>
-                    <a:pt x="8" y="719"/>
-                  </a:lnTo>
-                  <a:lnTo>
-                    <a:pt x="12" y="719"/>
-                  </a:lnTo>
-                  <a:lnTo>
-                    <a:pt x="707" y="719"/>
-                  </a:lnTo>
-                  <a:lnTo>
-                    <a:pt x="711" y="719"/>
-                  </a:lnTo>
-                  <a:lnTo>
-                    <a:pt x="716" y="716"/>
-                  </a:lnTo>
-                  <a:lnTo>
-                    <a:pt x="718" y="713"/>
-                  </a:lnTo>
-                  <a:lnTo>
-                    <a:pt x="719" y="707"/>
-                  </a:lnTo>
-                  <a:lnTo>
-                    <a:pt x="719" y="13"/>
-                  </a:lnTo>
-                  <a:lnTo>
-                    <a:pt x="718" y="8"/>
-                  </a:lnTo>
-                  <a:lnTo>
-                    <a:pt x="716" y="5"/>
-                  </a:lnTo>
-                  <a:lnTo>
-                    <a:pt x="711" y="2"/>
-                  </a:lnTo>
-                  <a:lnTo>
-                    <a:pt x="707" y="0"/>
-                  </a:lnTo>
-                  <a:close/>
-                </a:path>
-              </a:pathLst>
-            </a:custGeom>
-            <a:solidFill>
-              <a:schemeClr val="bg1"/>
-            </a:solidFill>
-            <a:ln>
-              <a:noFill/>
-            </a:ln>
-          </p:spPr>
-          <p:txBody>
-            <a:bodyPr vert="horz" wrap="square" lIns="91440" tIns="45720" rIns="91440" bIns="45720" numCol="1" anchor="t" anchorCtr="0" compatLnSpc="1">
-              <a:prstTxWarp prst="textNoShape">
-                <a:avLst/>
-              </a:prstTxWarp>
-            </a:bodyPr>
-            <a:lstStyle/>
-            <a:p>
-              <a:endParaRPr lang="en-US" dirty="0"/>
-            </a:p>
-          </p:txBody>
-        </p:sp>
-        <p:sp>
-          <p:nvSpPr>
-            <p:cNvPr id="35" name="Freeform 4665" descr="Icon of graph. ">
-              <a:extLst>
-                <a:ext uri="{FF2B5EF4-FFF2-40B4-BE49-F238E27FC236}">
-                  <a16:creationId xmlns:a16="http://schemas.microsoft.com/office/drawing/2014/main" id="{557E39B2-E017-4E5C-B53E-DDE3B9D4C92C}"/>
-                </a:ext>
-              </a:extLst>
-            </p:cNvPr>
-            <p:cNvSpPr>
-              <a:spLocks/>
-            </p:cNvSpPr>
-            <p:nvPr/>
-          </p:nvSpPr>
-          <p:spPr bwMode="auto">
-            <a:xfrm>
-              <a:off x="7877961" y="3531386"/>
-              <a:ext cx="347679" cy="347679"/>
-            </a:xfrm>
-            <a:custGeom>
-              <a:avLst/>
-              <a:gdLst>
-                <a:gd name="T0" fmla="*/ 761 w 904"/>
-                <a:gd name="T1" fmla="*/ 213 h 903"/>
-                <a:gd name="T2" fmla="*/ 754 w 904"/>
-                <a:gd name="T3" fmla="*/ 225 h 903"/>
-                <a:gd name="T4" fmla="*/ 576 w 904"/>
-                <a:gd name="T5" fmla="*/ 277 h 903"/>
-                <a:gd name="T6" fmla="*/ 498 w 904"/>
-                <a:gd name="T7" fmla="*/ 298 h 903"/>
-                <a:gd name="T8" fmla="*/ 431 w 904"/>
-                <a:gd name="T9" fmla="*/ 329 h 903"/>
-                <a:gd name="T10" fmla="*/ 578 w 904"/>
-                <a:gd name="T11" fmla="*/ 170 h 903"/>
-                <a:gd name="T12" fmla="*/ 618 w 904"/>
-                <a:gd name="T13" fmla="*/ 180 h 903"/>
-                <a:gd name="T14" fmla="*/ 661 w 904"/>
-                <a:gd name="T15" fmla="*/ 169 h 903"/>
-                <a:gd name="T16" fmla="*/ 693 w 904"/>
-                <a:gd name="T17" fmla="*/ 141 h 903"/>
-                <a:gd name="T18" fmla="*/ 707 w 904"/>
-                <a:gd name="T19" fmla="*/ 99 h 903"/>
-                <a:gd name="T20" fmla="*/ 701 w 904"/>
-                <a:gd name="T21" fmla="*/ 55 h 903"/>
-                <a:gd name="T22" fmla="*/ 676 w 904"/>
-                <a:gd name="T23" fmla="*/ 20 h 903"/>
-                <a:gd name="T24" fmla="*/ 636 w 904"/>
-                <a:gd name="T25" fmla="*/ 2 h 903"/>
-                <a:gd name="T26" fmla="*/ 591 w 904"/>
-                <a:gd name="T27" fmla="*/ 4 h 903"/>
-                <a:gd name="T28" fmla="*/ 554 w 904"/>
-                <a:gd name="T29" fmla="*/ 25 h 903"/>
-                <a:gd name="T30" fmla="*/ 531 w 904"/>
-                <a:gd name="T31" fmla="*/ 63 h 903"/>
-                <a:gd name="T32" fmla="*/ 532 w 904"/>
-                <a:gd name="T33" fmla="*/ 118 h 903"/>
-                <a:gd name="T34" fmla="*/ 369 w 904"/>
-                <a:gd name="T35" fmla="*/ 289 h 903"/>
-                <a:gd name="T36" fmla="*/ 325 w 904"/>
-                <a:gd name="T37" fmla="*/ 289 h 903"/>
-                <a:gd name="T38" fmla="*/ 294 w 904"/>
-                <a:gd name="T39" fmla="*/ 308 h 903"/>
-                <a:gd name="T40" fmla="*/ 275 w 904"/>
-                <a:gd name="T41" fmla="*/ 338 h 903"/>
-                <a:gd name="T42" fmla="*/ 275 w 904"/>
-                <a:gd name="T43" fmla="*/ 383 h 903"/>
-                <a:gd name="T44" fmla="*/ 113 w 904"/>
-                <a:gd name="T45" fmla="*/ 545 h 903"/>
-                <a:gd name="T46" fmla="*/ 64 w 904"/>
-                <a:gd name="T47" fmla="*/ 546 h 903"/>
-                <a:gd name="T48" fmla="*/ 26 w 904"/>
-                <a:gd name="T49" fmla="*/ 568 h 903"/>
-                <a:gd name="T50" fmla="*/ 5 w 904"/>
-                <a:gd name="T51" fmla="*/ 605 h 903"/>
-                <a:gd name="T52" fmla="*/ 3 w 904"/>
-                <a:gd name="T53" fmla="*/ 650 h 903"/>
-                <a:gd name="T54" fmla="*/ 21 w 904"/>
-                <a:gd name="T55" fmla="*/ 690 h 903"/>
-                <a:gd name="T56" fmla="*/ 56 w 904"/>
-                <a:gd name="T57" fmla="*/ 716 h 903"/>
-                <a:gd name="T58" fmla="*/ 100 w 904"/>
-                <a:gd name="T59" fmla="*/ 722 h 903"/>
-                <a:gd name="T60" fmla="*/ 142 w 904"/>
-                <a:gd name="T61" fmla="*/ 706 h 903"/>
-                <a:gd name="T62" fmla="*/ 170 w 904"/>
-                <a:gd name="T63" fmla="*/ 675 h 903"/>
-                <a:gd name="T64" fmla="*/ 181 w 904"/>
-                <a:gd name="T65" fmla="*/ 632 h 903"/>
-                <a:gd name="T66" fmla="*/ 171 w 904"/>
-                <a:gd name="T67" fmla="*/ 591 h 903"/>
-                <a:gd name="T68" fmla="*/ 316 w 904"/>
-                <a:gd name="T69" fmla="*/ 430 h 903"/>
-                <a:gd name="T70" fmla="*/ 286 w 904"/>
-                <a:gd name="T71" fmla="*/ 538 h 903"/>
-                <a:gd name="T72" fmla="*/ 271 w 904"/>
-                <a:gd name="T73" fmla="*/ 753 h 903"/>
-                <a:gd name="T74" fmla="*/ 216 w 904"/>
-                <a:gd name="T75" fmla="*/ 757 h 903"/>
-                <a:gd name="T76" fmla="*/ 212 w 904"/>
-                <a:gd name="T77" fmla="*/ 888 h 903"/>
-                <a:gd name="T78" fmla="*/ 218 w 904"/>
-                <a:gd name="T79" fmla="*/ 901 h 903"/>
-                <a:gd name="T80" fmla="*/ 349 w 904"/>
-                <a:gd name="T81" fmla="*/ 903 h 903"/>
-                <a:gd name="T82" fmla="*/ 361 w 904"/>
-                <a:gd name="T83" fmla="*/ 894 h 903"/>
-                <a:gd name="T84" fmla="*/ 361 w 904"/>
-                <a:gd name="T85" fmla="*/ 762 h 903"/>
-                <a:gd name="T86" fmla="*/ 349 w 904"/>
-                <a:gd name="T87" fmla="*/ 753 h 903"/>
-                <a:gd name="T88" fmla="*/ 305 w 904"/>
-                <a:gd name="T89" fmla="*/ 597 h 903"/>
-                <a:gd name="T90" fmla="*/ 343 w 904"/>
-                <a:gd name="T91" fmla="*/ 469 h 903"/>
-                <a:gd name="T92" fmla="*/ 383 w 904"/>
-                <a:gd name="T93" fmla="*/ 426 h 903"/>
-                <a:gd name="T94" fmla="*/ 418 w 904"/>
-                <a:gd name="T95" fmla="*/ 383 h 903"/>
-                <a:gd name="T96" fmla="*/ 471 w 904"/>
-                <a:gd name="T97" fmla="*/ 342 h 903"/>
-                <a:gd name="T98" fmla="*/ 544 w 904"/>
-                <a:gd name="T99" fmla="*/ 315 h 903"/>
-                <a:gd name="T100" fmla="*/ 627 w 904"/>
-                <a:gd name="T101" fmla="*/ 302 h 903"/>
-                <a:gd name="T102" fmla="*/ 754 w 904"/>
-                <a:gd name="T103" fmla="*/ 348 h 903"/>
-                <a:gd name="T104" fmla="*/ 763 w 904"/>
-                <a:gd name="T105" fmla="*/ 360 h 903"/>
-                <a:gd name="T106" fmla="*/ 895 w 904"/>
-                <a:gd name="T107" fmla="*/ 360 h 903"/>
-                <a:gd name="T108" fmla="*/ 904 w 904"/>
-                <a:gd name="T109" fmla="*/ 348 h 903"/>
-                <a:gd name="T110" fmla="*/ 902 w 904"/>
-                <a:gd name="T111" fmla="*/ 217 h 903"/>
-                <a:gd name="T112" fmla="*/ 889 w 904"/>
-                <a:gd name="T113" fmla="*/ 211 h 903"/>
-              </a:gdLst>
-              <a:ahLst/>
-              <a:cxnLst>
-                <a:cxn ang="0">
-                  <a:pos x="T0" y="T1"/>
-                </a:cxn>
-                <a:cxn ang="0">
-                  <a:pos x="T2" y="T3"/>
-                </a:cxn>
-                <a:cxn ang="0">
-                  <a:pos x="T4" y="T5"/>
-                </a:cxn>
-                <a:cxn ang="0">
-                  <a:pos x="T6" y="T7"/>
-                </a:cxn>
-                <a:cxn ang="0">
-                  <a:pos x="T8" y="T9"/>
-                </a:cxn>
-                <a:cxn ang="0">
-                  <a:pos x="T10" y="T11"/>
-                </a:cxn>
-                <a:cxn ang="0">
-                  <a:pos x="T12" y="T13"/>
-                </a:cxn>
-                <a:cxn ang="0">
-                  <a:pos x="T14" y="T15"/>
-                </a:cxn>
-                <a:cxn ang="0">
-                  <a:pos x="T16" y="T17"/>
-                </a:cxn>
-                <a:cxn ang="0">
-                  <a:pos x="T18" y="T19"/>
-                </a:cxn>
-                <a:cxn ang="0">
-                  <a:pos x="T20" y="T21"/>
-                </a:cxn>
-                <a:cxn ang="0">
-                  <a:pos x="T22" y="T23"/>
-                </a:cxn>
-                <a:cxn ang="0">
-                  <a:pos x="T24" y="T25"/>
-                </a:cxn>
-                <a:cxn ang="0">
-                  <a:pos x="T26" y="T27"/>
-                </a:cxn>
-                <a:cxn ang="0">
-                  <a:pos x="T28" y="T29"/>
-                </a:cxn>
-                <a:cxn ang="0">
-                  <a:pos x="T30" y="T31"/>
-                </a:cxn>
-                <a:cxn ang="0">
-                  <a:pos x="T32" y="T33"/>
-                </a:cxn>
-                <a:cxn ang="0">
-                  <a:pos x="T34" y="T35"/>
-                </a:cxn>
-                <a:cxn ang="0">
-                  <a:pos x="T36" y="T37"/>
-                </a:cxn>
-                <a:cxn ang="0">
-                  <a:pos x="T38" y="T39"/>
-                </a:cxn>
-                <a:cxn ang="0">
-                  <a:pos x="T40" y="T41"/>
-                </a:cxn>
-                <a:cxn ang="0">
-                  <a:pos x="T42" y="T43"/>
-                </a:cxn>
-                <a:cxn ang="0">
-                  <a:pos x="T44" y="T45"/>
-                </a:cxn>
-                <a:cxn ang="0">
-                  <a:pos x="T46" y="T47"/>
-                </a:cxn>
-                <a:cxn ang="0">
-                  <a:pos x="T48" y="T49"/>
-                </a:cxn>
-                <a:cxn ang="0">
-                  <a:pos x="T50" y="T51"/>
-                </a:cxn>
-                <a:cxn ang="0">
-                  <a:pos x="T52" y="T53"/>
-                </a:cxn>
-                <a:cxn ang="0">
-                  <a:pos x="T54" y="T55"/>
-                </a:cxn>
-                <a:cxn ang="0">
-                  <a:pos x="T56" y="T57"/>
-                </a:cxn>
-                <a:cxn ang="0">
-                  <a:pos x="T58" y="T59"/>
-                </a:cxn>
-                <a:cxn ang="0">
-                  <a:pos x="T60" y="T61"/>
-                </a:cxn>
-                <a:cxn ang="0">
-                  <a:pos x="T62" y="T63"/>
-                </a:cxn>
-                <a:cxn ang="0">
-                  <a:pos x="T64" y="T65"/>
-                </a:cxn>
-                <a:cxn ang="0">
-                  <a:pos x="T66" y="T67"/>
-                </a:cxn>
-                <a:cxn ang="0">
-                  <a:pos x="T68" y="T69"/>
-                </a:cxn>
-                <a:cxn ang="0">
-                  <a:pos x="T70" y="T71"/>
-                </a:cxn>
-                <a:cxn ang="0">
-                  <a:pos x="T72" y="T73"/>
-                </a:cxn>
-                <a:cxn ang="0">
-                  <a:pos x="T74" y="T75"/>
-                </a:cxn>
-                <a:cxn ang="0">
-                  <a:pos x="T76" y="T77"/>
-                </a:cxn>
-                <a:cxn ang="0">
-                  <a:pos x="T78" y="T79"/>
-                </a:cxn>
-                <a:cxn ang="0">
-                  <a:pos x="T80" y="T81"/>
-                </a:cxn>
-                <a:cxn ang="0">
-                  <a:pos x="T82" y="T83"/>
-                </a:cxn>
-                <a:cxn ang="0">
-                  <a:pos x="T84" y="T85"/>
-                </a:cxn>
-                <a:cxn ang="0">
-                  <a:pos x="T86" y="T87"/>
-                </a:cxn>
-                <a:cxn ang="0">
-                  <a:pos x="T88" y="T89"/>
-                </a:cxn>
-                <a:cxn ang="0">
-                  <a:pos x="T90" y="T91"/>
-                </a:cxn>
-                <a:cxn ang="0">
-                  <a:pos x="T92" y="T93"/>
-                </a:cxn>
-                <a:cxn ang="0">
-                  <a:pos x="T94" y="T95"/>
-                </a:cxn>
-                <a:cxn ang="0">
-                  <a:pos x="T96" y="T97"/>
-                </a:cxn>
-                <a:cxn ang="0">
-                  <a:pos x="T98" y="T99"/>
-                </a:cxn>
-                <a:cxn ang="0">
-                  <a:pos x="T100" y="T101"/>
-                </a:cxn>
-                <a:cxn ang="0">
-                  <a:pos x="T102" y="T103"/>
-                </a:cxn>
-                <a:cxn ang="0">
-                  <a:pos x="T104" y="T105"/>
-                </a:cxn>
-                <a:cxn ang="0">
-                  <a:pos x="T106" y="T107"/>
-                </a:cxn>
-                <a:cxn ang="0">
-                  <a:pos x="T108" y="T109"/>
-                </a:cxn>
-                <a:cxn ang="0">
-                  <a:pos x="T110" y="T111"/>
-                </a:cxn>
-                <a:cxn ang="0">
-                  <a:pos x="T112" y="T113"/>
-                </a:cxn>
-              </a:cxnLst>
-              <a:rect l="0" t="0" r="r" b="b"/>
-              <a:pathLst>
-                <a:path w="904" h="903">
-                  <a:moveTo>
-                    <a:pt x="889" y="211"/>
-                  </a:moveTo>
-                  <a:lnTo>
-                    <a:pt x="768" y="211"/>
-                  </a:lnTo>
-                  <a:lnTo>
-                    <a:pt x="765" y="211"/>
-                  </a:lnTo>
-                  <a:lnTo>
-                    <a:pt x="763" y="212"/>
-                  </a:lnTo>
-                  <a:lnTo>
-                    <a:pt x="761" y="213"/>
-                  </a:lnTo>
-                  <a:lnTo>
-                    <a:pt x="758" y="215"/>
-                  </a:lnTo>
-                  <a:lnTo>
-                    <a:pt x="756" y="217"/>
-                  </a:lnTo>
-                  <a:lnTo>
-                    <a:pt x="755" y="220"/>
-                  </a:lnTo>
-                  <a:lnTo>
-                    <a:pt x="754" y="222"/>
-                  </a:lnTo>
-                  <a:lnTo>
-                    <a:pt x="754" y="225"/>
-                  </a:lnTo>
-                  <a:lnTo>
-                    <a:pt x="754" y="271"/>
-                  </a:lnTo>
-                  <a:lnTo>
-                    <a:pt x="663" y="271"/>
-                  </a:lnTo>
-                  <a:lnTo>
-                    <a:pt x="627" y="272"/>
-                  </a:lnTo>
-                  <a:lnTo>
-                    <a:pt x="593" y="275"/>
-                  </a:lnTo>
-                  <a:lnTo>
-                    <a:pt x="576" y="277"/>
-                  </a:lnTo>
-                  <a:lnTo>
-                    <a:pt x="561" y="281"/>
-                  </a:lnTo>
-                  <a:lnTo>
-                    <a:pt x="545" y="284"/>
-                  </a:lnTo>
-                  <a:lnTo>
-                    <a:pt x="529" y="287"/>
-                  </a:lnTo>
-                  <a:lnTo>
-                    <a:pt x="513" y="292"/>
-                  </a:lnTo>
-                  <a:lnTo>
-                    <a:pt x="498" y="298"/>
-                  </a:lnTo>
-                  <a:lnTo>
-                    <a:pt x="484" y="302"/>
-                  </a:lnTo>
-                  <a:lnTo>
-                    <a:pt x="470" y="309"/>
-                  </a:lnTo>
-                  <a:lnTo>
-                    <a:pt x="457" y="315"/>
-                  </a:lnTo>
-                  <a:lnTo>
-                    <a:pt x="443" y="323"/>
-                  </a:lnTo>
-                  <a:lnTo>
-                    <a:pt x="431" y="329"/>
-                  </a:lnTo>
-                  <a:lnTo>
-                    <a:pt x="418" y="337"/>
-                  </a:lnTo>
-                  <a:lnTo>
-                    <a:pt x="415" y="328"/>
-                  </a:lnTo>
-                  <a:lnTo>
-                    <a:pt x="409" y="319"/>
-                  </a:lnTo>
-                  <a:lnTo>
-                    <a:pt x="565" y="163"/>
-                  </a:lnTo>
-                  <a:lnTo>
-                    <a:pt x="578" y="170"/>
-                  </a:lnTo>
-                  <a:lnTo>
-                    <a:pt x="590" y="176"/>
-                  </a:lnTo>
-                  <a:lnTo>
-                    <a:pt x="597" y="178"/>
-                  </a:lnTo>
-                  <a:lnTo>
-                    <a:pt x="604" y="179"/>
-                  </a:lnTo>
-                  <a:lnTo>
-                    <a:pt x="610" y="180"/>
-                  </a:lnTo>
-                  <a:lnTo>
-                    <a:pt x="618" y="180"/>
-                  </a:lnTo>
-                  <a:lnTo>
-                    <a:pt x="627" y="180"/>
-                  </a:lnTo>
-                  <a:lnTo>
-                    <a:pt x="636" y="178"/>
-                  </a:lnTo>
-                  <a:lnTo>
-                    <a:pt x="644" y="176"/>
-                  </a:lnTo>
-                  <a:lnTo>
-                    <a:pt x="653" y="173"/>
-                  </a:lnTo>
-                  <a:lnTo>
-                    <a:pt x="661" y="169"/>
-                  </a:lnTo>
-                  <a:lnTo>
-                    <a:pt x="668" y="164"/>
-                  </a:lnTo>
-                  <a:lnTo>
-                    <a:pt x="676" y="160"/>
-                  </a:lnTo>
-                  <a:lnTo>
-                    <a:pt x="681" y="154"/>
-                  </a:lnTo>
-                  <a:lnTo>
-                    <a:pt x="687" y="147"/>
-                  </a:lnTo>
-                  <a:lnTo>
-                    <a:pt x="693" y="141"/>
-                  </a:lnTo>
-                  <a:lnTo>
-                    <a:pt x="697" y="133"/>
-                  </a:lnTo>
-                  <a:lnTo>
-                    <a:pt x="701" y="125"/>
-                  </a:lnTo>
-                  <a:lnTo>
-                    <a:pt x="704" y="117"/>
-                  </a:lnTo>
-                  <a:lnTo>
-                    <a:pt x="706" y="108"/>
-                  </a:lnTo>
-                  <a:lnTo>
-                    <a:pt x="707" y="99"/>
-                  </a:lnTo>
-                  <a:lnTo>
-                    <a:pt x="709" y="90"/>
-                  </a:lnTo>
-                  <a:lnTo>
-                    <a:pt x="707" y="81"/>
-                  </a:lnTo>
-                  <a:lnTo>
-                    <a:pt x="706" y="72"/>
-                  </a:lnTo>
-                  <a:lnTo>
-                    <a:pt x="704" y="63"/>
-                  </a:lnTo>
-                  <a:lnTo>
-                    <a:pt x="701" y="55"/>
-                  </a:lnTo>
-                  <a:lnTo>
-                    <a:pt x="697" y="47"/>
-                  </a:lnTo>
-                  <a:lnTo>
-                    <a:pt x="693" y="39"/>
-                  </a:lnTo>
-                  <a:lnTo>
-                    <a:pt x="687" y="32"/>
-                  </a:lnTo>
-                  <a:lnTo>
-                    <a:pt x="681" y="25"/>
-                  </a:lnTo>
-                  <a:lnTo>
-                    <a:pt x="676" y="20"/>
-                  </a:lnTo>
-                  <a:lnTo>
-                    <a:pt x="668" y="15"/>
-                  </a:lnTo>
-                  <a:lnTo>
-                    <a:pt x="661" y="11"/>
-                  </a:lnTo>
-                  <a:lnTo>
-                    <a:pt x="653" y="6"/>
-                  </a:lnTo>
-                  <a:lnTo>
-                    <a:pt x="644" y="4"/>
-                  </a:lnTo>
-                  <a:lnTo>
-                    <a:pt x="636" y="2"/>
-                  </a:lnTo>
-                  <a:lnTo>
-                    <a:pt x="627" y="0"/>
-                  </a:lnTo>
-                  <a:lnTo>
-                    <a:pt x="618" y="0"/>
-                  </a:lnTo>
-                  <a:lnTo>
-                    <a:pt x="609" y="0"/>
-                  </a:lnTo>
-                  <a:lnTo>
-                    <a:pt x="600" y="2"/>
-                  </a:lnTo>
-                  <a:lnTo>
-                    <a:pt x="591" y="4"/>
-                  </a:lnTo>
-                  <a:lnTo>
-                    <a:pt x="583" y="6"/>
-                  </a:lnTo>
-                  <a:lnTo>
-                    <a:pt x="575" y="11"/>
-                  </a:lnTo>
-                  <a:lnTo>
-                    <a:pt x="567" y="15"/>
-                  </a:lnTo>
-                  <a:lnTo>
-                    <a:pt x="561" y="20"/>
-                  </a:lnTo>
-                  <a:lnTo>
-                    <a:pt x="554" y="25"/>
-                  </a:lnTo>
-                  <a:lnTo>
-                    <a:pt x="548" y="32"/>
-                  </a:lnTo>
-                  <a:lnTo>
-                    <a:pt x="543" y="39"/>
-                  </a:lnTo>
-                  <a:lnTo>
-                    <a:pt x="538" y="47"/>
-                  </a:lnTo>
-                  <a:lnTo>
-                    <a:pt x="535" y="55"/>
-                  </a:lnTo>
-                  <a:lnTo>
-                    <a:pt x="531" y="63"/>
-                  </a:lnTo>
-                  <a:lnTo>
-                    <a:pt x="529" y="72"/>
-                  </a:lnTo>
-                  <a:lnTo>
-                    <a:pt x="528" y="81"/>
-                  </a:lnTo>
-                  <a:lnTo>
-                    <a:pt x="528" y="90"/>
-                  </a:lnTo>
-                  <a:lnTo>
-                    <a:pt x="529" y="105"/>
-                  </a:lnTo>
-                  <a:lnTo>
-                    <a:pt x="532" y="118"/>
-                  </a:lnTo>
-                  <a:lnTo>
-                    <a:pt x="537" y="131"/>
-                  </a:lnTo>
-                  <a:lnTo>
-                    <a:pt x="545" y="142"/>
-                  </a:lnTo>
-                  <a:lnTo>
-                    <a:pt x="388" y="298"/>
-                  </a:lnTo>
-                  <a:lnTo>
-                    <a:pt x="379" y="293"/>
-                  </a:lnTo>
-                  <a:lnTo>
-                    <a:pt x="369" y="289"/>
-                  </a:lnTo>
-                  <a:lnTo>
-                    <a:pt x="358" y="286"/>
-                  </a:lnTo>
-                  <a:lnTo>
-                    <a:pt x="347" y="285"/>
-                  </a:lnTo>
-                  <a:lnTo>
-                    <a:pt x="339" y="286"/>
-                  </a:lnTo>
-                  <a:lnTo>
-                    <a:pt x="331" y="287"/>
-                  </a:lnTo>
-                  <a:lnTo>
-                    <a:pt x="325" y="289"/>
-                  </a:lnTo>
-                  <a:lnTo>
-                    <a:pt x="318" y="292"/>
-                  </a:lnTo>
-                  <a:lnTo>
-                    <a:pt x="311" y="294"/>
-                  </a:lnTo>
-                  <a:lnTo>
-                    <a:pt x="304" y="299"/>
-                  </a:lnTo>
-                  <a:lnTo>
-                    <a:pt x="299" y="303"/>
-                  </a:lnTo>
-                  <a:lnTo>
-                    <a:pt x="294" y="308"/>
-                  </a:lnTo>
-                  <a:lnTo>
-                    <a:pt x="288" y="313"/>
-                  </a:lnTo>
-                  <a:lnTo>
-                    <a:pt x="284" y="319"/>
-                  </a:lnTo>
-                  <a:lnTo>
-                    <a:pt x="281" y="325"/>
-                  </a:lnTo>
-                  <a:lnTo>
-                    <a:pt x="277" y="332"/>
-                  </a:lnTo>
-                  <a:lnTo>
-                    <a:pt x="275" y="338"/>
-                  </a:lnTo>
-                  <a:lnTo>
-                    <a:pt x="273" y="346"/>
-                  </a:lnTo>
-                  <a:lnTo>
-                    <a:pt x="271" y="353"/>
-                  </a:lnTo>
-                  <a:lnTo>
-                    <a:pt x="271" y="361"/>
-                  </a:lnTo>
-                  <a:lnTo>
-                    <a:pt x="273" y="372"/>
-                  </a:lnTo>
-                  <a:lnTo>
-                    <a:pt x="275" y="383"/>
-                  </a:lnTo>
-                  <a:lnTo>
-                    <a:pt x="278" y="393"/>
-                  </a:lnTo>
-                  <a:lnTo>
-                    <a:pt x="284" y="403"/>
-                  </a:lnTo>
-                  <a:lnTo>
-                    <a:pt x="134" y="553"/>
-                  </a:lnTo>
-                  <a:lnTo>
-                    <a:pt x="124" y="547"/>
-                  </a:lnTo>
-                  <a:lnTo>
-                    <a:pt x="113" y="545"/>
-                  </a:lnTo>
-                  <a:lnTo>
-                    <a:pt x="102" y="543"/>
-                  </a:lnTo>
-                  <a:lnTo>
-                    <a:pt x="91" y="542"/>
-                  </a:lnTo>
-                  <a:lnTo>
-                    <a:pt x="82" y="542"/>
-                  </a:lnTo>
-                  <a:lnTo>
-                    <a:pt x="73" y="544"/>
-                  </a:lnTo>
-                  <a:lnTo>
-                    <a:pt x="64" y="546"/>
-                  </a:lnTo>
-                  <a:lnTo>
-                    <a:pt x="56" y="548"/>
-                  </a:lnTo>
-                  <a:lnTo>
-                    <a:pt x="48" y="553"/>
-                  </a:lnTo>
-                  <a:lnTo>
-                    <a:pt x="40" y="557"/>
-                  </a:lnTo>
-                  <a:lnTo>
-                    <a:pt x="33" y="562"/>
-                  </a:lnTo>
-                  <a:lnTo>
-                    <a:pt x="26" y="568"/>
-                  </a:lnTo>
-                  <a:lnTo>
-                    <a:pt x="21" y="574"/>
-                  </a:lnTo>
-                  <a:lnTo>
-                    <a:pt x="16" y="581"/>
-                  </a:lnTo>
-                  <a:lnTo>
-                    <a:pt x="12" y="589"/>
-                  </a:lnTo>
-                  <a:lnTo>
-                    <a:pt x="7" y="597"/>
-                  </a:lnTo>
-                  <a:lnTo>
-                    <a:pt x="5" y="605"/>
-                  </a:lnTo>
-                  <a:lnTo>
-                    <a:pt x="3" y="614"/>
-                  </a:lnTo>
-                  <a:lnTo>
-                    <a:pt x="0" y="623"/>
-                  </a:lnTo>
-                  <a:lnTo>
-                    <a:pt x="0" y="632"/>
-                  </a:lnTo>
-                  <a:lnTo>
-                    <a:pt x="0" y="641"/>
-                  </a:lnTo>
-                  <a:lnTo>
-                    <a:pt x="3" y="650"/>
-                  </a:lnTo>
-                  <a:lnTo>
-                    <a:pt x="5" y="659"/>
-                  </a:lnTo>
-                  <a:lnTo>
-                    <a:pt x="7" y="667"/>
-                  </a:lnTo>
-                  <a:lnTo>
-                    <a:pt x="12" y="675"/>
-                  </a:lnTo>
-                  <a:lnTo>
-                    <a:pt x="16" y="683"/>
-                  </a:lnTo>
-                  <a:lnTo>
-                    <a:pt x="21" y="690"/>
-                  </a:lnTo>
-                  <a:lnTo>
-                    <a:pt x="26" y="696"/>
-                  </a:lnTo>
-                  <a:lnTo>
-                    <a:pt x="33" y="702"/>
-                  </a:lnTo>
-                  <a:lnTo>
-                    <a:pt x="40" y="706"/>
-                  </a:lnTo>
-                  <a:lnTo>
-                    <a:pt x="48" y="711"/>
-                  </a:lnTo>
-                  <a:lnTo>
-                    <a:pt x="56" y="716"/>
-                  </a:lnTo>
-                  <a:lnTo>
-                    <a:pt x="64" y="718"/>
-                  </a:lnTo>
-                  <a:lnTo>
-                    <a:pt x="73" y="720"/>
-                  </a:lnTo>
-                  <a:lnTo>
-                    <a:pt x="82" y="722"/>
-                  </a:lnTo>
-                  <a:lnTo>
-                    <a:pt x="91" y="722"/>
-                  </a:lnTo>
-                  <a:lnTo>
-                    <a:pt x="100" y="722"/>
-                  </a:lnTo>
-                  <a:lnTo>
-                    <a:pt x="109" y="720"/>
-                  </a:lnTo>
-                  <a:lnTo>
-                    <a:pt x="118" y="718"/>
-                  </a:lnTo>
-                  <a:lnTo>
-                    <a:pt x="126" y="716"/>
-                  </a:lnTo>
-                  <a:lnTo>
-                    <a:pt x="134" y="711"/>
-                  </a:lnTo>
-                  <a:lnTo>
-                    <a:pt x="142" y="706"/>
-                  </a:lnTo>
-                  <a:lnTo>
-                    <a:pt x="148" y="702"/>
-                  </a:lnTo>
-                  <a:lnTo>
-                    <a:pt x="155" y="696"/>
-                  </a:lnTo>
-                  <a:lnTo>
-                    <a:pt x="161" y="690"/>
-                  </a:lnTo>
-                  <a:lnTo>
-                    <a:pt x="165" y="683"/>
-                  </a:lnTo>
-                  <a:lnTo>
-                    <a:pt x="170" y="675"/>
-                  </a:lnTo>
-                  <a:lnTo>
-                    <a:pt x="174" y="667"/>
-                  </a:lnTo>
-                  <a:lnTo>
-                    <a:pt x="177" y="659"/>
-                  </a:lnTo>
-                  <a:lnTo>
-                    <a:pt x="179" y="650"/>
-                  </a:lnTo>
-                  <a:lnTo>
-                    <a:pt x="181" y="641"/>
-                  </a:lnTo>
-                  <a:lnTo>
-                    <a:pt x="181" y="632"/>
-                  </a:lnTo>
-                  <a:lnTo>
-                    <a:pt x="181" y="623"/>
-                  </a:lnTo>
-                  <a:lnTo>
-                    <a:pt x="180" y="615"/>
-                  </a:lnTo>
-                  <a:lnTo>
-                    <a:pt x="178" y="607"/>
-                  </a:lnTo>
-                  <a:lnTo>
-                    <a:pt x="174" y="599"/>
-                  </a:lnTo>
-                  <a:lnTo>
-                    <a:pt x="171" y="591"/>
-                  </a:lnTo>
-                  <a:lnTo>
-                    <a:pt x="168" y="585"/>
-                  </a:lnTo>
-                  <a:lnTo>
-                    <a:pt x="163" y="578"/>
-                  </a:lnTo>
-                  <a:lnTo>
-                    <a:pt x="157" y="571"/>
-                  </a:lnTo>
-                  <a:lnTo>
-                    <a:pt x="305" y="424"/>
-                  </a:lnTo>
-                  <a:lnTo>
-                    <a:pt x="316" y="430"/>
-                  </a:lnTo>
-                  <a:lnTo>
-                    <a:pt x="328" y="433"/>
-                  </a:lnTo>
-                  <a:lnTo>
-                    <a:pt x="314" y="457"/>
-                  </a:lnTo>
-                  <a:lnTo>
-                    <a:pt x="303" y="483"/>
-                  </a:lnTo>
-                  <a:lnTo>
-                    <a:pt x="294" y="510"/>
-                  </a:lnTo>
-                  <a:lnTo>
-                    <a:pt x="286" y="538"/>
-                  </a:lnTo>
-                  <a:lnTo>
-                    <a:pt x="279" y="568"/>
-                  </a:lnTo>
-                  <a:lnTo>
-                    <a:pt x="275" y="598"/>
-                  </a:lnTo>
-                  <a:lnTo>
-                    <a:pt x="273" y="630"/>
-                  </a:lnTo>
-                  <a:lnTo>
-                    <a:pt x="271" y="662"/>
-                  </a:lnTo>
-                  <a:lnTo>
-                    <a:pt x="271" y="753"/>
-                  </a:lnTo>
-                  <a:lnTo>
-                    <a:pt x="226" y="753"/>
-                  </a:lnTo>
-                  <a:lnTo>
-                    <a:pt x="223" y="753"/>
-                  </a:lnTo>
-                  <a:lnTo>
-                    <a:pt x="221" y="754"/>
-                  </a:lnTo>
-                  <a:lnTo>
-                    <a:pt x="218" y="755"/>
-                  </a:lnTo>
-                  <a:lnTo>
-                    <a:pt x="216" y="757"/>
-                  </a:lnTo>
-                  <a:lnTo>
-                    <a:pt x="214" y="760"/>
-                  </a:lnTo>
-                  <a:lnTo>
-                    <a:pt x="213" y="762"/>
-                  </a:lnTo>
-                  <a:lnTo>
-                    <a:pt x="212" y="764"/>
-                  </a:lnTo>
-                  <a:lnTo>
-                    <a:pt x="212" y="767"/>
-                  </a:lnTo>
-                  <a:lnTo>
-                    <a:pt x="212" y="888"/>
-                  </a:lnTo>
-                  <a:lnTo>
-                    <a:pt x="212" y="891"/>
-                  </a:lnTo>
-                  <a:lnTo>
-                    <a:pt x="213" y="894"/>
-                  </a:lnTo>
-                  <a:lnTo>
-                    <a:pt x="214" y="896"/>
-                  </a:lnTo>
-                  <a:lnTo>
-                    <a:pt x="216" y="898"/>
-                  </a:lnTo>
-                  <a:lnTo>
-                    <a:pt x="218" y="901"/>
-                  </a:lnTo>
-                  <a:lnTo>
-                    <a:pt x="221" y="902"/>
-                  </a:lnTo>
-                  <a:lnTo>
-                    <a:pt x="223" y="903"/>
-                  </a:lnTo>
-                  <a:lnTo>
-                    <a:pt x="226" y="903"/>
-                  </a:lnTo>
-                  <a:lnTo>
-                    <a:pt x="347" y="903"/>
-                  </a:lnTo>
-                  <a:lnTo>
-                    <a:pt x="349" y="903"/>
-                  </a:lnTo>
-                  <a:lnTo>
-                    <a:pt x="353" y="902"/>
-                  </a:lnTo>
-                  <a:lnTo>
-                    <a:pt x="355" y="901"/>
-                  </a:lnTo>
-                  <a:lnTo>
-                    <a:pt x="357" y="898"/>
-                  </a:lnTo>
-                  <a:lnTo>
-                    <a:pt x="360" y="896"/>
-                  </a:lnTo>
-                  <a:lnTo>
-                    <a:pt x="361" y="894"/>
-                  </a:lnTo>
-                  <a:lnTo>
-                    <a:pt x="362" y="891"/>
-                  </a:lnTo>
-                  <a:lnTo>
-                    <a:pt x="362" y="888"/>
-                  </a:lnTo>
-                  <a:lnTo>
-                    <a:pt x="362" y="767"/>
-                  </a:lnTo>
-                  <a:lnTo>
-                    <a:pt x="362" y="764"/>
-                  </a:lnTo>
-                  <a:lnTo>
-                    <a:pt x="361" y="762"/>
-                  </a:lnTo>
-                  <a:lnTo>
-                    <a:pt x="360" y="760"/>
-                  </a:lnTo>
-                  <a:lnTo>
-                    <a:pt x="357" y="757"/>
-                  </a:lnTo>
-                  <a:lnTo>
-                    <a:pt x="355" y="755"/>
-                  </a:lnTo>
-                  <a:lnTo>
-                    <a:pt x="353" y="754"/>
-                  </a:lnTo>
-                  <a:lnTo>
-                    <a:pt x="349" y="753"/>
-                  </a:lnTo>
-                  <a:lnTo>
-                    <a:pt x="347" y="753"/>
-                  </a:lnTo>
-                  <a:lnTo>
-                    <a:pt x="302" y="753"/>
-                  </a:lnTo>
-                  <a:lnTo>
-                    <a:pt x="302" y="662"/>
-                  </a:lnTo>
-                  <a:lnTo>
-                    <a:pt x="303" y="629"/>
-                  </a:lnTo>
-                  <a:lnTo>
-                    <a:pt x="305" y="597"/>
-                  </a:lnTo>
-                  <a:lnTo>
-                    <a:pt x="310" y="566"/>
-                  </a:lnTo>
-                  <a:lnTo>
-                    <a:pt x="317" y="537"/>
-                  </a:lnTo>
-                  <a:lnTo>
-                    <a:pt x="326" y="509"/>
-                  </a:lnTo>
-                  <a:lnTo>
-                    <a:pt x="336" y="482"/>
-                  </a:lnTo>
-                  <a:lnTo>
-                    <a:pt x="343" y="469"/>
-                  </a:lnTo>
-                  <a:lnTo>
-                    <a:pt x="348" y="457"/>
-                  </a:lnTo>
-                  <a:lnTo>
-                    <a:pt x="355" y="446"/>
-                  </a:lnTo>
-                  <a:lnTo>
-                    <a:pt x="363" y="434"/>
-                  </a:lnTo>
-                  <a:lnTo>
-                    <a:pt x="373" y="431"/>
-                  </a:lnTo>
-                  <a:lnTo>
-                    <a:pt x="383" y="426"/>
-                  </a:lnTo>
-                  <a:lnTo>
-                    <a:pt x="393" y="420"/>
-                  </a:lnTo>
-                  <a:lnTo>
-                    <a:pt x="401" y="413"/>
-                  </a:lnTo>
-                  <a:lnTo>
-                    <a:pt x="408" y="404"/>
-                  </a:lnTo>
-                  <a:lnTo>
-                    <a:pt x="414" y="395"/>
-                  </a:lnTo>
-                  <a:lnTo>
-                    <a:pt x="418" y="383"/>
-                  </a:lnTo>
-                  <a:lnTo>
-                    <a:pt x="421" y="372"/>
-                  </a:lnTo>
-                  <a:lnTo>
-                    <a:pt x="433" y="364"/>
-                  </a:lnTo>
-                  <a:lnTo>
-                    <a:pt x="445" y="356"/>
-                  </a:lnTo>
-                  <a:lnTo>
-                    <a:pt x="458" y="348"/>
-                  </a:lnTo>
-                  <a:lnTo>
-                    <a:pt x="471" y="342"/>
-                  </a:lnTo>
-                  <a:lnTo>
-                    <a:pt x="485" y="335"/>
-                  </a:lnTo>
-                  <a:lnTo>
-                    <a:pt x="498" y="329"/>
-                  </a:lnTo>
-                  <a:lnTo>
-                    <a:pt x="513" y="324"/>
-                  </a:lnTo>
-                  <a:lnTo>
-                    <a:pt x="529" y="319"/>
-                  </a:lnTo>
-                  <a:lnTo>
-                    <a:pt x="544" y="315"/>
-                  </a:lnTo>
-                  <a:lnTo>
-                    <a:pt x="559" y="311"/>
-                  </a:lnTo>
-                  <a:lnTo>
-                    <a:pt x="576" y="308"/>
-                  </a:lnTo>
-                  <a:lnTo>
-                    <a:pt x="593" y="306"/>
-                  </a:lnTo>
-                  <a:lnTo>
-                    <a:pt x="610" y="303"/>
-                  </a:lnTo>
-                  <a:lnTo>
-                    <a:pt x="627" y="302"/>
-                  </a:lnTo>
-                  <a:lnTo>
-                    <a:pt x="645" y="301"/>
-                  </a:lnTo>
-                  <a:lnTo>
-                    <a:pt x="663" y="301"/>
-                  </a:lnTo>
-                  <a:lnTo>
-                    <a:pt x="754" y="301"/>
-                  </a:lnTo>
-                  <a:lnTo>
-                    <a:pt x="754" y="346"/>
-                  </a:lnTo>
-                  <a:lnTo>
-                    <a:pt x="754" y="348"/>
-                  </a:lnTo>
-                  <a:lnTo>
-                    <a:pt x="755" y="352"/>
-                  </a:lnTo>
-                  <a:lnTo>
-                    <a:pt x="756" y="354"/>
-                  </a:lnTo>
-                  <a:lnTo>
-                    <a:pt x="758" y="356"/>
-                  </a:lnTo>
-                  <a:lnTo>
-                    <a:pt x="761" y="359"/>
-                  </a:lnTo>
-                  <a:lnTo>
-                    <a:pt x="763" y="360"/>
-                  </a:lnTo>
-                  <a:lnTo>
-                    <a:pt x="765" y="361"/>
-                  </a:lnTo>
-                  <a:lnTo>
-                    <a:pt x="768" y="361"/>
-                  </a:lnTo>
-                  <a:lnTo>
-                    <a:pt x="889" y="361"/>
-                  </a:lnTo>
-                  <a:lnTo>
-                    <a:pt x="892" y="361"/>
-                  </a:lnTo>
-                  <a:lnTo>
-                    <a:pt x="895" y="360"/>
-                  </a:lnTo>
-                  <a:lnTo>
-                    <a:pt x="897" y="359"/>
-                  </a:lnTo>
-                  <a:lnTo>
-                    <a:pt x="899" y="356"/>
-                  </a:lnTo>
-                  <a:lnTo>
-                    <a:pt x="902" y="354"/>
-                  </a:lnTo>
-                  <a:lnTo>
-                    <a:pt x="903" y="352"/>
-                  </a:lnTo>
-                  <a:lnTo>
-                    <a:pt x="904" y="348"/>
-                  </a:lnTo>
-                  <a:lnTo>
-                    <a:pt x="904" y="346"/>
-                  </a:lnTo>
-                  <a:lnTo>
-                    <a:pt x="904" y="225"/>
-                  </a:lnTo>
-                  <a:lnTo>
-                    <a:pt x="904" y="222"/>
-                  </a:lnTo>
-                  <a:lnTo>
-                    <a:pt x="903" y="220"/>
-                  </a:lnTo>
-                  <a:lnTo>
-                    <a:pt x="902" y="217"/>
-                  </a:lnTo>
-                  <a:lnTo>
-                    <a:pt x="899" y="215"/>
-                  </a:lnTo>
-                  <a:lnTo>
-                    <a:pt x="897" y="213"/>
-                  </a:lnTo>
-                  <a:lnTo>
-                    <a:pt x="895" y="212"/>
-                  </a:lnTo>
-                  <a:lnTo>
-                    <a:pt x="892" y="211"/>
-                  </a:lnTo>
-                  <a:lnTo>
-                    <a:pt x="889" y="211"/>
-                  </a:lnTo>
-                  <a:close/>
-                </a:path>
-              </a:pathLst>
-            </a:custGeom>
-            <a:solidFill>
-              <a:schemeClr val="bg1"/>
-            </a:solidFill>
-            <a:ln>
-              <a:noFill/>
-            </a:ln>
-          </p:spPr>
-          <p:txBody>
-            <a:bodyPr vert="horz" wrap="square" lIns="91440" tIns="45720" rIns="91440" bIns="45720" numCol="1" anchor="t" anchorCtr="0" compatLnSpc="1">
-              <a:prstTxWarp prst="textNoShape">
-                <a:avLst/>
-              </a:prstTxWarp>
-            </a:bodyPr>
-            <a:lstStyle/>
-            <a:p>
-              <a:endParaRPr lang="en-US" dirty="0"/>
-            </a:p>
-          </p:txBody>
-        </p:sp>
-        <p:grpSp>
-          <p:nvGrpSpPr>
-            <p:cNvPr id="36" name="Group 35" descr="Icon of human being and gear. ">
-              <a:extLst>
-                <a:ext uri="{FF2B5EF4-FFF2-40B4-BE49-F238E27FC236}">
-                  <a16:creationId xmlns:a16="http://schemas.microsoft.com/office/drawing/2014/main" id="{ECC5F635-1712-4572-A9EC-F94E2199DDBD}"/>
-                </a:ext>
-              </a:extLst>
-            </p:cNvPr>
-            <p:cNvGrpSpPr/>
-            <p:nvPr/>
-          </p:nvGrpSpPr>
-          <p:grpSpPr>
-            <a:xfrm>
-              <a:off x="7133464" y="5355478"/>
-              <a:ext cx="338073" cy="339996"/>
-              <a:chOff x="6450013" y="5349875"/>
-              <a:chExt cx="279399" cy="280988"/>
-            </a:xfrm>
-            <a:solidFill>
-              <a:schemeClr val="bg1"/>
-            </a:solidFill>
-          </p:grpSpPr>
-          <p:sp>
-            <p:nvSpPr>
-              <p:cNvPr id="37" name="Freeform 3673">
-                <a:extLst>
-                  <a:ext uri="{FF2B5EF4-FFF2-40B4-BE49-F238E27FC236}">
-                    <a16:creationId xmlns:a16="http://schemas.microsoft.com/office/drawing/2014/main" id="{D1391604-D4EC-48A8-AE57-EDF194392FB1}"/>
-                  </a:ext>
-                </a:extLst>
-              </p:cNvPr>
-              <p:cNvSpPr>
-                <a:spLocks/>
-              </p:cNvSpPr>
-              <p:nvPr/>
-            </p:nvSpPr>
-            <p:spPr bwMode="auto">
-              <a:xfrm>
-                <a:off x="6450013" y="5349875"/>
-                <a:ext cx="182562" cy="238125"/>
-              </a:xfrm>
-              <a:custGeom>
-                <a:avLst/>
-                <a:gdLst>
-                  <a:gd name="T0" fmla="*/ 379 w 459"/>
-                  <a:gd name="T1" fmla="*/ 550 h 602"/>
-                  <a:gd name="T2" fmla="*/ 380 w 459"/>
-                  <a:gd name="T3" fmla="*/ 519 h 602"/>
-                  <a:gd name="T4" fmla="*/ 345 w 459"/>
-                  <a:gd name="T5" fmla="*/ 495 h 602"/>
-                  <a:gd name="T6" fmla="*/ 397 w 459"/>
-                  <a:gd name="T7" fmla="*/ 400 h 602"/>
-                  <a:gd name="T8" fmla="*/ 408 w 459"/>
-                  <a:gd name="T9" fmla="*/ 395 h 602"/>
-                  <a:gd name="T10" fmla="*/ 450 w 459"/>
-                  <a:gd name="T11" fmla="*/ 406 h 602"/>
-                  <a:gd name="T12" fmla="*/ 412 w 459"/>
-                  <a:gd name="T13" fmla="*/ 384 h 602"/>
-                  <a:gd name="T14" fmla="*/ 376 w 459"/>
-                  <a:gd name="T15" fmla="*/ 370 h 602"/>
-                  <a:gd name="T16" fmla="*/ 361 w 459"/>
-                  <a:gd name="T17" fmla="*/ 307 h 602"/>
-                  <a:gd name="T18" fmla="*/ 379 w 459"/>
-                  <a:gd name="T19" fmla="*/ 288 h 602"/>
-                  <a:gd name="T20" fmla="*/ 397 w 459"/>
-                  <a:gd name="T21" fmla="*/ 252 h 602"/>
-                  <a:gd name="T22" fmla="*/ 406 w 459"/>
-                  <a:gd name="T23" fmla="*/ 214 h 602"/>
-                  <a:gd name="T24" fmla="*/ 415 w 459"/>
-                  <a:gd name="T25" fmla="*/ 202 h 602"/>
-                  <a:gd name="T26" fmla="*/ 420 w 459"/>
-                  <a:gd name="T27" fmla="*/ 183 h 602"/>
-                  <a:gd name="T28" fmla="*/ 416 w 459"/>
-                  <a:gd name="T29" fmla="*/ 152 h 602"/>
-                  <a:gd name="T30" fmla="*/ 412 w 459"/>
-                  <a:gd name="T31" fmla="*/ 121 h 602"/>
-                  <a:gd name="T32" fmla="*/ 420 w 459"/>
-                  <a:gd name="T33" fmla="*/ 78 h 602"/>
-                  <a:gd name="T34" fmla="*/ 415 w 459"/>
-                  <a:gd name="T35" fmla="*/ 45 h 602"/>
-                  <a:gd name="T36" fmla="*/ 403 w 459"/>
-                  <a:gd name="T37" fmla="*/ 27 h 602"/>
-                  <a:gd name="T38" fmla="*/ 382 w 459"/>
-                  <a:gd name="T39" fmla="*/ 15 h 602"/>
-                  <a:gd name="T40" fmla="*/ 341 w 459"/>
-                  <a:gd name="T41" fmla="*/ 3 h 602"/>
-                  <a:gd name="T42" fmla="*/ 291 w 459"/>
-                  <a:gd name="T43" fmla="*/ 0 h 602"/>
-                  <a:gd name="T44" fmla="*/ 245 w 459"/>
-                  <a:gd name="T45" fmla="*/ 9 h 602"/>
-                  <a:gd name="T46" fmla="*/ 213 w 459"/>
-                  <a:gd name="T47" fmla="*/ 27 h 602"/>
-                  <a:gd name="T48" fmla="*/ 201 w 459"/>
-                  <a:gd name="T49" fmla="*/ 42 h 602"/>
-                  <a:gd name="T50" fmla="*/ 181 w 459"/>
-                  <a:gd name="T51" fmla="*/ 44 h 602"/>
-                  <a:gd name="T52" fmla="*/ 163 w 459"/>
-                  <a:gd name="T53" fmla="*/ 56 h 602"/>
-                  <a:gd name="T54" fmla="*/ 155 w 459"/>
-                  <a:gd name="T55" fmla="*/ 87 h 602"/>
-                  <a:gd name="T56" fmla="*/ 164 w 459"/>
-                  <a:gd name="T57" fmla="*/ 138 h 602"/>
-                  <a:gd name="T58" fmla="*/ 159 w 459"/>
-                  <a:gd name="T59" fmla="*/ 144 h 602"/>
-                  <a:gd name="T60" fmla="*/ 150 w 459"/>
-                  <a:gd name="T61" fmla="*/ 162 h 602"/>
-                  <a:gd name="T62" fmla="*/ 149 w 459"/>
-                  <a:gd name="T63" fmla="*/ 184 h 602"/>
-                  <a:gd name="T64" fmla="*/ 154 w 459"/>
-                  <a:gd name="T65" fmla="*/ 201 h 602"/>
-                  <a:gd name="T66" fmla="*/ 163 w 459"/>
-                  <a:gd name="T67" fmla="*/ 214 h 602"/>
-                  <a:gd name="T68" fmla="*/ 169 w 459"/>
-                  <a:gd name="T69" fmla="*/ 237 h 602"/>
-                  <a:gd name="T70" fmla="*/ 179 w 459"/>
-                  <a:gd name="T71" fmla="*/ 271 h 602"/>
-                  <a:gd name="T72" fmla="*/ 203 w 459"/>
-                  <a:gd name="T73" fmla="*/ 306 h 602"/>
-                  <a:gd name="T74" fmla="*/ 215 w 459"/>
-                  <a:gd name="T75" fmla="*/ 364 h 602"/>
-                  <a:gd name="T76" fmla="*/ 171 w 459"/>
-                  <a:gd name="T77" fmla="*/ 381 h 602"/>
-                  <a:gd name="T78" fmla="*/ 106 w 459"/>
-                  <a:gd name="T79" fmla="*/ 401 h 602"/>
-                  <a:gd name="T80" fmla="*/ 46 w 459"/>
-                  <a:gd name="T81" fmla="*/ 428 h 602"/>
-                  <a:gd name="T82" fmla="*/ 22 w 459"/>
-                  <a:gd name="T83" fmla="*/ 449 h 602"/>
-                  <a:gd name="T84" fmla="*/ 10 w 459"/>
-                  <a:gd name="T85" fmla="*/ 479 h 602"/>
-                  <a:gd name="T86" fmla="*/ 2 w 459"/>
-                  <a:gd name="T87" fmla="*/ 540 h 602"/>
-                  <a:gd name="T88" fmla="*/ 1 w 459"/>
-                  <a:gd name="T89" fmla="*/ 594 h 602"/>
-                  <a:gd name="T90" fmla="*/ 11 w 459"/>
-                  <a:gd name="T91" fmla="*/ 602 h 602"/>
-                  <a:gd name="T92" fmla="*/ 345 w 459"/>
-                  <a:gd name="T93" fmla="*/ 589 h 602"/>
-                  <a:gd name="T94" fmla="*/ 352 w 459"/>
-                  <a:gd name="T95" fmla="*/ 577 h 602"/>
-                </a:gdLst>
-                <a:ahLst/>
-                <a:cxnLst>
-                  <a:cxn ang="0">
-                    <a:pos x="T0" y="T1"/>
-                  </a:cxn>
-                  <a:cxn ang="0">
-                    <a:pos x="T2" y="T3"/>
-                  </a:cxn>
-                  <a:cxn ang="0">
-                    <a:pos x="T4" y="T5"/>
-                  </a:cxn>
-                  <a:cxn ang="0">
-                    <a:pos x="T6" y="T7"/>
-                  </a:cxn>
-                  <a:cxn ang="0">
-                    <a:pos x="T8" y="T9"/>
-                  </a:cxn>
-                  <a:cxn ang="0">
-                    <a:pos x="T10" y="T11"/>
-                  </a:cxn>
-                  <a:cxn ang="0">
-                    <a:pos x="T12" y="T13"/>
-                  </a:cxn>
-                  <a:cxn ang="0">
-                    <a:pos x="T14" y="T15"/>
-                  </a:cxn>
-                  <a:cxn ang="0">
-                    <a:pos x="T16" y="T17"/>
-                  </a:cxn>
-                  <a:cxn ang="0">
-                    <a:pos x="T18" y="T19"/>
-                  </a:cxn>
-                  <a:cxn ang="0">
-                    <a:pos x="T20" y="T21"/>
-                  </a:cxn>
-                  <a:cxn ang="0">
-                    <a:pos x="T22" y="T23"/>
-                  </a:cxn>
-                  <a:cxn ang="0">
-                    <a:pos x="T24" y="T25"/>
-                  </a:cxn>
-                  <a:cxn ang="0">
-                    <a:pos x="T26" y="T27"/>
-                  </a:cxn>
-                  <a:cxn ang="0">
-                    <a:pos x="T28" y="T29"/>
-                  </a:cxn>
-                  <a:cxn ang="0">
-                    <a:pos x="T30" y="T31"/>
-                  </a:cxn>
-                  <a:cxn ang="0">
-                    <a:pos x="T32" y="T33"/>
-                  </a:cxn>
-                  <a:cxn ang="0">
-                    <a:pos x="T34" y="T35"/>
-                  </a:cxn>
-                  <a:cxn ang="0">
-                    <a:pos x="T36" y="T37"/>
-                  </a:cxn>
-                  <a:cxn ang="0">
-                    <a:pos x="T38" y="T39"/>
-                  </a:cxn>
-                  <a:cxn ang="0">
-                    <a:pos x="T40" y="T41"/>
-                  </a:cxn>
-                  <a:cxn ang="0">
-                    <a:pos x="T42" y="T43"/>
-                  </a:cxn>
-                  <a:cxn ang="0">
-                    <a:pos x="T44" y="T45"/>
-                  </a:cxn>
-                  <a:cxn ang="0">
-                    <a:pos x="T46" y="T47"/>
-                  </a:cxn>
-                  <a:cxn ang="0">
-                    <a:pos x="T48" y="T49"/>
-                  </a:cxn>
-                  <a:cxn ang="0">
-                    <a:pos x="T50" y="T51"/>
-                  </a:cxn>
-                  <a:cxn ang="0">
-                    <a:pos x="T52" y="T53"/>
-                  </a:cxn>
-                  <a:cxn ang="0">
-                    <a:pos x="T54" y="T55"/>
-                  </a:cxn>
-                  <a:cxn ang="0">
-                    <a:pos x="T56" y="T57"/>
-                  </a:cxn>
-                  <a:cxn ang="0">
-                    <a:pos x="T58" y="T59"/>
-                  </a:cxn>
-                  <a:cxn ang="0">
-                    <a:pos x="T60" y="T61"/>
-                  </a:cxn>
-                  <a:cxn ang="0">
-                    <a:pos x="T62" y="T63"/>
-                  </a:cxn>
-                  <a:cxn ang="0">
-                    <a:pos x="T64" y="T65"/>
-                  </a:cxn>
-                  <a:cxn ang="0">
-                    <a:pos x="T66" y="T67"/>
-                  </a:cxn>
-                  <a:cxn ang="0">
-                    <a:pos x="T68" y="T69"/>
-                  </a:cxn>
-                  <a:cxn ang="0">
-                    <a:pos x="T70" y="T71"/>
-                  </a:cxn>
-                  <a:cxn ang="0">
-                    <a:pos x="T72" y="T73"/>
-                  </a:cxn>
-                  <a:cxn ang="0">
-                    <a:pos x="T74" y="T75"/>
-                  </a:cxn>
-                  <a:cxn ang="0">
-                    <a:pos x="T76" y="T77"/>
-                  </a:cxn>
-                  <a:cxn ang="0">
-                    <a:pos x="T78" y="T79"/>
-                  </a:cxn>
-                  <a:cxn ang="0">
-                    <a:pos x="T80" y="T81"/>
-                  </a:cxn>
-                  <a:cxn ang="0">
-                    <a:pos x="T82" y="T83"/>
-                  </a:cxn>
-                  <a:cxn ang="0">
-                    <a:pos x="T84" y="T85"/>
-                  </a:cxn>
-                  <a:cxn ang="0">
-                    <a:pos x="T86" y="T87"/>
-                  </a:cxn>
-                  <a:cxn ang="0">
-                    <a:pos x="T88" y="T89"/>
-                  </a:cxn>
-                  <a:cxn ang="0">
-                    <a:pos x="T90" y="T91"/>
-                  </a:cxn>
-                  <a:cxn ang="0">
-                    <a:pos x="T92" y="T93"/>
-                  </a:cxn>
-                  <a:cxn ang="0">
-                    <a:pos x="T94" y="T95"/>
-                  </a:cxn>
-                </a:cxnLst>
-                <a:rect l="0" t="0" r="r" b="b"/>
-                <a:pathLst>
-                  <a:path w="459" h="602">
-                    <a:moveTo>
-                      <a:pt x="352" y="577"/>
-                    </a:moveTo>
-                    <a:lnTo>
-                      <a:pt x="380" y="560"/>
-                    </a:lnTo>
-                    <a:lnTo>
-                      <a:pt x="379" y="550"/>
-                    </a:lnTo>
-                    <a:lnTo>
-                      <a:pt x="379" y="540"/>
-                    </a:lnTo>
-                    <a:lnTo>
-                      <a:pt x="379" y="530"/>
-                    </a:lnTo>
-                    <a:lnTo>
-                      <a:pt x="380" y="519"/>
-                    </a:lnTo>
-                    <a:lnTo>
-                      <a:pt x="352" y="503"/>
-                    </a:lnTo>
-                    <a:lnTo>
-                      <a:pt x="348" y="499"/>
-                    </a:lnTo>
-                    <a:lnTo>
-                      <a:pt x="345" y="495"/>
-                    </a:lnTo>
-                    <a:lnTo>
-                      <a:pt x="345" y="490"/>
-                    </a:lnTo>
-                    <a:lnTo>
-                      <a:pt x="346" y="486"/>
-                    </a:lnTo>
-                    <a:lnTo>
-                      <a:pt x="397" y="400"/>
-                    </a:lnTo>
-                    <a:lnTo>
-                      <a:pt x="399" y="397"/>
-                    </a:lnTo>
-                    <a:lnTo>
-                      <a:pt x="403" y="395"/>
-                    </a:lnTo>
-                    <a:lnTo>
-                      <a:pt x="408" y="395"/>
-                    </a:lnTo>
-                    <a:lnTo>
-                      <a:pt x="413" y="396"/>
-                    </a:lnTo>
-                    <a:lnTo>
-                      <a:pt x="441" y="413"/>
-                    </a:lnTo>
-                    <a:lnTo>
-                      <a:pt x="450" y="406"/>
-                    </a:lnTo>
-                    <a:lnTo>
-                      <a:pt x="459" y="401"/>
-                    </a:lnTo>
-                    <a:lnTo>
-                      <a:pt x="424" y="388"/>
-                    </a:lnTo>
-                    <a:lnTo>
-                      <a:pt x="412" y="384"/>
-                    </a:lnTo>
-                    <a:lnTo>
-                      <a:pt x="400" y="379"/>
-                    </a:lnTo>
-                    <a:lnTo>
-                      <a:pt x="389" y="375"/>
-                    </a:lnTo>
-                    <a:lnTo>
-                      <a:pt x="376" y="370"/>
-                    </a:lnTo>
-                    <a:lnTo>
-                      <a:pt x="368" y="368"/>
-                    </a:lnTo>
-                    <a:lnTo>
-                      <a:pt x="361" y="364"/>
-                    </a:lnTo>
-                    <a:lnTo>
-                      <a:pt x="361" y="307"/>
-                    </a:lnTo>
-                    <a:lnTo>
-                      <a:pt x="366" y="302"/>
-                    </a:lnTo>
-                    <a:lnTo>
-                      <a:pt x="372" y="297"/>
-                    </a:lnTo>
-                    <a:lnTo>
-                      <a:pt x="379" y="288"/>
-                    </a:lnTo>
-                    <a:lnTo>
-                      <a:pt x="385" y="279"/>
-                    </a:lnTo>
-                    <a:lnTo>
-                      <a:pt x="391" y="266"/>
-                    </a:lnTo>
-                    <a:lnTo>
-                      <a:pt x="397" y="252"/>
-                    </a:lnTo>
-                    <a:lnTo>
-                      <a:pt x="400" y="235"/>
-                    </a:lnTo>
-                    <a:lnTo>
-                      <a:pt x="402" y="216"/>
-                    </a:lnTo>
-                    <a:lnTo>
-                      <a:pt x="406" y="214"/>
-                    </a:lnTo>
-                    <a:lnTo>
-                      <a:pt x="409" y="211"/>
-                    </a:lnTo>
-                    <a:lnTo>
-                      <a:pt x="412" y="207"/>
-                    </a:lnTo>
-                    <a:lnTo>
-                      <a:pt x="415" y="202"/>
-                    </a:lnTo>
-                    <a:lnTo>
-                      <a:pt x="417" y="197"/>
-                    </a:lnTo>
-                    <a:lnTo>
-                      <a:pt x="418" y="191"/>
-                    </a:lnTo>
-                    <a:lnTo>
-                      <a:pt x="420" y="183"/>
-                    </a:lnTo>
-                    <a:lnTo>
-                      <a:pt x="420" y="175"/>
-                    </a:lnTo>
-                    <a:lnTo>
-                      <a:pt x="420" y="164"/>
-                    </a:lnTo>
-                    <a:lnTo>
-                      <a:pt x="416" y="152"/>
-                    </a:lnTo>
-                    <a:lnTo>
-                      <a:pt x="412" y="144"/>
-                    </a:lnTo>
-                    <a:lnTo>
-                      <a:pt x="406" y="137"/>
-                    </a:lnTo>
-                    <a:lnTo>
-                      <a:pt x="412" y="121"/>
-                    </a:lnTo>
-                    <a:lnTo>
-                      <a:pt x="417" y="101"/>
-                    </a:lnTo>
-                    <a:lnTo>
-                      <a:pt x="420" y="89"/>
-                    </a:lnTo>
-                    <a:lnTo>
-                      <a:pt x="420" y="78"/>
-                    </a:lnTo>
-                    <a:lnTo>
-                      <a:pt x="420" y="65"/>
-                    </a:lnTo>
-                    <a:lnTo>
-                      <a:pt x="417" y="53"/>
-                    </a:lnTo>
-                    <a:lnTo>
-                      <a:pt x="415" y="45"/>
-                    </a:lnTo>
-                    <a:lnTo>
-                      <a:pt x="412" y="39"/>
-                    </a:lnTo>
-                    <a:lnTo>
-                      <a:pt x="407" y="34"/>
-                    </a:lnTo>
-                    <a:lnTo>
-                      <a:pt x="403" y="27"/>
-                    </a:lnTo>
-                    <a:lnTo>
-                      <a:pt x="397" y="24"/>
-                    </a:lnTo>
-                    <a:lnTo>
-                      <a:pt x="390" y="18"/>
-                    </a:lnTo>
-                    <a:lnTo>
-                      <a:pt x="382" y="15"/>
-                    </a:lnTo>
-                    <a:lnTo>
-                      <a:pt x="376" y="12"/>
-                    </a:lnTo>
-                    <a:lnTo>
-                      <a:pt x="359" y="7"/>
-                    </a:lnTo>
-                    <a:lnTo>
-                      <a:pt x="341" y="3"/>
-                    </a:lnTo>
-                    <a:lnTo>
-                      <a:pt x="325" y="0"/>
-                    </a:lnTo>
-                    <a:lnTo>
-                      <a:pt x="307" y="0"/>
-                    </a:lnTo>
-                    <a:lnTo>
-                      <a:pt x="291" y="0"/>
-                    </a:lnTo>
-                    <a:lnTo>
-                      <a:pt x="276" y="2"/>
-                    </a:lnTo>
-                    <a:lnTo>
-                      <a:pt x="260" y="6"/>
-                    </a:lnTo>
-                    <a:lnTo>
-                      <a:pt x="245" y="9"/>
-                    </a:lnTo>
-                    <a:lnTo>
-                      <a:pt x="231" y="16"/>
-                    </a:lnTo>
-                    <a:lnTo>
-                      <a:pt x="218" y="22"/>
-                    </a:lnTo>
-                    <a:lnTo>
-                      <a:pt x="213" y="27"/>
-                    </a:lnTo>
-                    <a:lnTo>
-                      <a:pt x="209" y="31"/>
-                    </a:lnTo>
-                    <a:lnTo>
-                      <a:pt x="204" y="36"/>
-                    </a:lnTo>
-                    <a:lnTo>
-                      <a:pt x="201" y="42"/>
-                    </a:lnTo>
-                    <a:lnTo>
-                      <a:pt x="194" y="42"/>
-                    </a:lnTo>
-                    <a:lnTo>
-                      <a:pt x="187" y="43"/>
-                    </a:lnTo>
-                    <a:lnTo>
-                      <a:pt x="181" y="44"/>
-                    </a:lnTo>
-                    <a:lnTo>
-                      <a:pt x="176" y="45"/>
-                    </a:lnTo>
-                    <a:lnTo>
-                      <a:pt x="168" y="51"/>
-                    </a:lnTo>
-                    <a:lnTo>
-                      <a:pt x="163" y="56"/>
-                    </a:lnTo>
-                    <a:lnTo>
-                      <a:pt x="158" y="65"/>
-                    </a:lnTo>
-                    <a:lnTo>
-                      <a:pt x="155" y="75"/>
-                    </a:lnTo>
-                    <a:lnTo>
-                      <a:pt x="155" y="87"/>
-                    </a:lnTo>
-                    <a:lnTo>
-                      <a:pt x="155" y="98"/>
-                    </a:lnTo>
-                    <a:lnTo>
-                      <a:pt x="159" y="120"/>
-                    </a:lnTo>
-                    <a:lnTo>
-                      <a:pt x="164" y="138"/>
-                    </a:lnTo>
-                    <a:lnTo>
-                      <a:pt x="164" y="139"/>
-                    </a:lnTo>
-                    <a:lnTo>
-                      <a:pt x="164" y="139"/>
-                    </a:lnTo>
-                    <a:lnTo>
-                      <a:pt x="159" y="144"/>
-                    </a:lnTo>
-                    <a:lnTo>
-                      <a:pt x="154" y="151"/>
-                    </a:lnTo>
-                    <a:lnTo>
-                      <a:pt x="151" y="156"/>
-                    </a:lnTo>
-                    <a:lnTo>
-                      <a:pt x="150" y="162"/>
-                    </a:lnTo>
-                    <a:lnTo>
-                      <a:pt x="149" y="170"/>
-                    </a:lnTo>
-                    <a:lnTo>
-                      <a:pt x="149" y="176"/>
-                    </a:lnTo>
-                    <a:lnTo>
-                      <a:pt x="149" y="184"/>
-                    </a:lnTo>
-                    <a:lnTo>
-                      <a:pt x="150" y="191"/>
-                    </a:lnTo>
-                    <a:lnTo>
-                      <a:pt x="151" y="196"/>
-                    </a:lnTo>
-                    <a:lnTo>
-                      <a:pt x="154" y="201"/>
-                    </a:lnTo>
-                    <a:lnTo>
-                      <a:pt x="156" y="206"/>
-                    </a:lnTo>
-                    <a:lnTo>
-                      <a:pt x="159" y="210"/>
-                    </a:lnTo>
-                    <a:lnTo>
-                      <a:pt x="163" y="214"/>
-                    </a:lnTo>
-                    <a:lnTo>
-                      <a:pt x="167" y="216"/>
-                    </a:lnTo>
-                    <a:lnTo>
-                      <a:pt x="168" y="227"/>
-                    </a:lnTo>
-                    <a:lnTo>
-                      <a:pt x="169" y="237"/>
-                    </a:lnTo>
-                    <a:lnTo>
-                      <a:pt x="172" y="246"/>
-                    </a:lnTo>
-                    <a:lnTo>
-                      <a:pt x="174" y="255"/>
-                    </a:lnTo>
-                    <a:lnTo>
-                      <a:pt x="179" y="271"/>
-                    </a:lnTo>
-                    <a:lnTo>
-                      <a:pt x="187" y="286"/>
-                    </a:lnTo>
-                    <a:lnTo>
-                      <a:pt x="195" y="297"/>
-                    </a:lnTo>
-                    <a:lnTo>
-                      <a:pt x="203" y="306"/>
-                    </a:lnTo>
-                    <a:lnTo>
-                      <a:pt x="210" y="314"/>
-                    </a:lnTo>
-                    <a:lnTo>
-                      <a:pt x="215" y="319"/>
-                    </a:lnTo>
-                    <a:lnTo>
-                      <a:pt x="215" y="364"/>
-                    </a:lnTo>
-                    <a:lnTo>
-                      <a:pt x="201" y="369"/>
-                    </a:lnTo>
-                    <a:lnTo>
-                      <a:pt x="186" y="375"/>
-                    </a:lnTo>
-                    <a:lnTo>
-                      <a:pt x="171" y="381"/>
-                    </a:lnTo>
-                    <a:lnTo>
-                      <a:pt x="155" y="384"/>
-                    </a:lnTo>
-                    <a:lnTo>
-                      <a:pt x="129" y="393"/>
-                    </a:lnTo>
-                    <a:lnTo>
-                      <a:pt x="106" y="401"/>
-                    </a:lnTo>
-                    <a:lnTo>
-                      <a:pt x="83" y="410"/>
-                    </a:lnTo>
-                    <a:lnTo>
-                      <a:pt x="64" y="419"/>
-                    </a:lnTo>
-                    <a:lnTo>
-                      <a:pt x="46" y="428"/>
-                    </a:lnTo>
-                    <a:lnTo>
-                      <a:pt x="32" y="438"/>
-                    </a:lnTo>
-                    <a:lnTo>
-                      <a:pt x="27" y="444"/>
-                    </a:lnTo>
-                    <a:lnTo>
-                      <a:pt x="22" y="449"/>
-                    </a:lnTo>
-                    <a:lnTo>
-                      <a:pt x="18" y="455"/>
-                    </a:lnTo>
-                    <a:lnTo>
-                      <a:pt x="15" y="460"/>
-                    </a:lnTo>
-                    <a:lnTo>
-                      <a:pt x="10" y="479"/>
-                    </a:lnTo>
-                    <a:lnTo>
-                      <a:pt x="6" y="499"/>
-                    </a:lnTo>
-                    <a:lnTo>
-                      <a:pt x="4" y="521"/>
-                    </a:lnTo>
-                    <a:lnTo>
-                      <a:pt x="2" y="540"/>
-                    </a:lnTo>
-                    <a:lnTo>
-                      <a:pt x="0" y="573"/>
-                    </a:lnTo>
-                    <a:lnTo>
-                      <a:pt x="0" y="589"/>
-                    </a:lnTo>
-                    <a:lnTo>
-                      <a:pt x="1" y="594"/>
-                    </a:lnTo>
-                    <a:lnTo>
-                      <a:pt x="4" y="598"/>
-                    </a:lnTo>
-                    <a:lnTo>
-                      <a:pt x="7" y="600"/>
-                    </a:lnTo>
-                    <a:lnTo>
-                      <a:pt x="11" y="602"/>
-                    </a:lnTo>
-                    <a:lnTo>
-                      <a:pt x="350" y="602"/>
-                    </a:lnTo>
-                    <a:lnTo>
-                      <a:pt x="346" y="594"/>
-                    </a:lnTo>
-                    <a:lnTo>
-                      <a:pt x="345" y="589"/>
-                    </a:lnTo>
-                    <a:lnTo>
-                      <a:pt x="345" y="585"/>
-                    </a:lnTo>
-                    <a:lnTo>
-                      <a:pt x="348" y="581"/>
-                    </a:lnTo>
-                    <a:lnTo>
-                      <a:pt x="352" y="577"/>
-                    </a:lnTo>
-                    <a:close/>
-                  </a:path>
-                </a:pathLst>
-              </a:custGeom>
-              <a:grpFill/>
-              <a:ln>
-                <a:noFill/>
-              </a:ln>
-              <a:extLst>
-                <a:ext uri="{91240B29-F687-4F45-9708-019B960494DF}">
-                  <a14:hiddenLine xmlns:a14="http://schemas.microsoft.com/office/drawing/2010/main" w="9525">
-                    <a:solidFill>
-                      <a:srgbClr val="000000"/>
-                    </a:solidFill>
-                    <a:round/>
-                    <a:headEnd/>
-                    <a:tailEnd/>
-                  </a14:hiddenLine>
-                </a:ext>
-              </a:extLst>
-            </p:spPr>
-            <p:txBody>
-              <a:bodyPr vert="horz" wrap="square" lIns="91440" tIns="45720" rIns="91440" bIns="45720" numCol="1" anchor="t" anchorCtr="0" compatLnSpc="1">
-                <a:prstTxWarp prst="textNoShape">
-                  <a:avLst/>
-                </a:prstTxWarp>
-              </a:bodyPr>
-              <a:lstStyle/>
-              <a:p>
-                <a:endParaRPr lang="en-US" dirty="0"/>
-              </a:p>
-            </p:txBody>
-          </p:sp>
-          <p:sp>
-            <p:nvSpPr>
-              <p:cNvPr id="38" name="Freeform 3674">
-                <a:extLst>
-                  <a:ext uri="{FF2B5EF4-FFF2-40B4-BE49-F238E27FC236}">
-                    <a16:creationId xmlns:a16="http://schemas.microsoft.com/office/drawing/2014/main" id="{44A4D0F8-0767-41BC-BE62-0AED99EC8B25}"/>
-                  </a:ext>
-                </a:extLst>
-              </p:cNvPr>
-              <p:cNvSpPr>
-                <a:spLocks noEditPoints="1"/>
-              </p:cNvSpPr>
-              <p:nvPr/>
-            </p:nvSpPr>
-            <p:spPr bwMode="auto">
-              <a:xfrm>
-                <a:off x="6597650" y="5497513"/>
-                <a:ext cx="131762" cy="133350"/>
-              </a:xfrm>
-              <a:custGeom>
-                <a:avLst/>
-                <a:gdLst>
-                  <a:gd name="T0" fmla="*/ 151 w 332"/>
-                  <a:gd name="T1" fmla="*/ 243 h 336"/>
-                  <a:gd name="T2" fmla="*/ 129 w 332"/>
-                  <a:gd name="T3" fmla="*/ 235 h 336"/>
-                  <a:gd name="T4" fmla="*/ 111 w 332"/>
-                  <a:gd name="T5" fmla="*/ 222 h 336"/>
-                  <a:gd name="T6" fmla="*/ 97 w 332"/>
-                  <a:gd name="T7" fmla="*/ 204 h 336"/>
-                  <a:gd name="T8" fmla="*/ 89 w 332"/>
-                  <a:gd name="T9" fmla="*/ 182 h 336"/>
-                  <a:gd name="T10" fmla="*/ 88 w 332"/>
-                  <a:gd name="T11" fmla="*/ 159 h 336"/>
-                  <a:gd name="T12" fmla="*/ 94 w 332"/>
-                  <a:gd name="T13" fmla="*/ 136 h 336"/>
-                  <a:gd name="T14" fmla="*/ 106 w 332"/>
-                  <a:gd name="T15" fmla="*/ 117 h 336"/>
-                  <a:gd name="T16" fmla="*/ 122 w 332"/>
-                  <a:gd name="T17" fmla="*/ 103 h 336"/>
-                  <a:gd name="T18" fmla="*/ 143 w 332"/>
-                  <a:gd name="T19" fmla="*/ 92 h 336"/>
-                  <a:gd name="T20" fmla="*/ 166 w 332"/>
-                  <a:gd name="T21" fmla="*/ 89 h 336"/>
-                  <a:gd name="T22" fmla="*/ 189 w 332"/>
-                  <a:gd name="T23" fmla="*/ 92 h 336"/>
-                  <a:gd name="T24" fmla="*/ 210 w 332"/>
-                  <a:gd name="T25" fmla="*/ 103 h 336"/>
-                  <a:gd name="T26" fmla="*/ 226 w 332"/>
-                  <a:gd name="T27" fmla="*/ 117 h 336"/>
-                  <a:gd name="T28" fmla="*/ 238 w 332"/>
-                  <a:gd name="T29" fmla="*/ 136 h 336"/>
-                  <a:gd name="T30" fmla="*/ 243 w 332"/>
-                  <a:gd name="T31" fmla="*/ 159 h 336"/>
-                  <a:gd name="T32" fmla="*/ 242 w 332"/>
-                  <a:gd name="T33" fmla="*/ 182 h 336"/>
-                  <a:gd name="T34" fmla="*/ 234 w 332"/>
-                  <a:gd name="T35" fmla="*/ 204 h 336"/>
-                  <a:gd name="T36" fmla="*/ 221 w 332"/>
-                  <a:gd name="T37" fmla="*/ 222 h 336"/>
-                  <a:gd name="T38" fmla="*/ 203 w 332"/>
-                  <a:gd name="T39" fmla="*/ 235 h 336"/>
-                  <a:gd name="T40" fmla="*/ 181 w 332"/>
-                  <a:gd name="T41" fmla="*/ 243 h 336"/>
-                  <a:gd name="T42" fmla="*/ 306 w 332"/>
-                  <a:gd name="T43" fmla="*/ 204 h 336"/>
-                  <a:gd name="T44" fmla="*/ 300 w 332"/>
-                  <a:gd name="T45" fmla="*/ 195 h 336"/>
-                  <a:gd name="T46" fmla="*/ 302 w 332"/>
-                  <a:gd name="T47" fmla="*/ 167 h 336"/>
-                  <a:gd name="T48" fmla="*/ 300 w 332"/>
-                  <a:gd name="T49" fmla="*/ 139 h 336"/>
-                  <a:gd name="T50" fmla="*/ 306 w 332"/>
-                  <a:gd name="T51" fmla="*/ 130 h 336"/>
-                  <a:gd name="T52" fmla="*/ 269 w 332"/>
-                  <a:gd name="T53" fmla="*/ 64 h 336"/>
-                  <a:gd name="T54" fmla="*/ 257 w 332"/>
-                  <a:gd name="T55" fmla="*/ 65 h 336"/>
-                  <a:gd name="T56" fmla="*/ 242 w 332"/>
-                  <a:gd name="T57" fmla="*/ 53 h 336"/>
-                  <a:gd name="T58" fmla="*/ 215 w 332"/>
-                  <a:gd name="T59" fmla="*/ 35 h 336"/>
-                  <a:gd name="T60" fmla="*/ 207 w 332"/>
-                  <a:gd name="T61" fmla="*/ 27 h 336"/>
-                  <a:gd name="T62" fmla="*/ 135 w 332"/>
-                  <a:gd name="T63" fmla="*/ 0 h 336"/>
-                  <a:gd name="T64" fmla="*/ 133 w 332"/>
-                  <a:gd name="T65" fmla="*/ 31 h 336"/>
-                  <a:gd name="T66" fmla="*/ 113 w 332"/>
-                  <a:gd name="T67" fmla="*/ 41 h 336"/>
-                  <a:gd name="T68" fmla="*/ 77 w 332"/>
-                  <a:gd name="T69" fmla="*/ 63 h 336"/>
-                  <a:gd name="T70" fmla="*/ 67 w 332"/>
-                  <a:gd name="T71" fmla="*/ 65 h 336"/>
-                  <a:gd name="T72" fmla="*/ 0 w 332"/>
-                  <a:gd name="T73" fmla="*/ 114 h 336"/>
-                  <a:gd name="T74" fmla="*/ 31 w 332"/>
-                  <a:gd name="T75" fmla="*/ 135 h 336"/>
-                  <a:gd name="T76" fmla="*/ 30 w 332"/>
-                  <a:gd name="T77" fmla="*/ 154 h 336"/>
-                  <a:gd name="T78" fmla="*/ 31 w 332"/>
-                  <a:gd name="T79" fmla="*/ 191 h 336"/>
-                  <a:gd name="T80" fmla="*/ 29 w 332"/>
-                  <a:gd name="T81" fmla="*/ 202 h 336"/>
-                  <a:gd name="T82" fmla="*/ 38 w 332"/>
-                  <a:gd name="T83" fmla="*/ 284 h 336"/>
-                  <a:gd name="T84" fmla="*/ 71 w 332"/>
-                  <a:gd name="T85" fmla="*/ 267 h 336"/>
-                  <a:gd name="T86" fmla="*/ 89 w 332"/>
-                  <a:gd name="T87" fmla="*/ 279 h 336"/>
-                  <a:gd name="T88" fmla="*/ 139 w 332"/>
-                  <a:gd name="T89" fmla="*/ 300 h 336"/>
-                  <a:gd name="T90" fmla="*/ 146 w 332"/>
-                  <a:gd name="T91" fmla="*/ 308 h 336"/>
-                  <a:gd name="T92" fmla="*/ 207 w 332"/>
-                  <a:gd name="T93" fmla="*/ 336 h 336"/>
-                  <a:gd name="T94" fmla="*/ 208 w 332"/>
-                  <a:gd name="T95" fmla="*/ 306 h 336"/>
-                  <a:gd name="T96" fmla="*/ 223 w 332"/>
-                  <a:gd name="T97" fmla="*/ 297 h 336"/>
-                  <a:gd name="T98" fmla="*/ 246 w 332"/>
-                  <a:gd name="T99" fmla="*/ 279 h 336"/>
-                  <a:gd name="T100" fmla="*/ 257 w 332"/>
-                  <a:gd name="T101" fmla="*/ 268 h 336"/>
-                  <a:gd name="T102" fmla="*/ 269 w 332"/>
-                  <a:gd name="T103" fmla="*/ 270 h 336"/>
-                  <a:gd name="T104" fmla="*/ 306 w 332"/>
-                  <a:gd name="T105" fmla="*/ 204 h 336"/>
-                </a:gdLst>
-                <a:ahLst/>
-                <a:cxnLst>
-                  <a:cxn ang="0">
-                    <a:pos x="T0" y="T1"/>
-                  </a:cxn>
-                  <a:cxn ang="0">
-                    <a:pos x="T2" y="T3"/>
-                  </a:cxn>
-                  <a:cxn ang="0">
-                    <a:pos x="T4" y="T5"/>
-                  </a:cxn>
-                  <a:cxn ang="0">
-                    <a:pos x="T6" y="T7"/>
-                  </a:cxn>
-                  <a:cxn ang="0">
-                    <a:pos x="T8" y="T9"/>
-                  </a:cxn>
-                  <a:cxn ang="0">
-                    <a:pos x="T10" y="T11"/>
-                  </a:cxn>
-                  <a:cxn ang="0">
-                    <a:pos x="T12" y="T13"/>
-                  </a:cxn>
-                  <a:cxn ang="0">
-                    <a:pos x="T14" y="T15"/>
-                  </a:cxn>
-                  <a:cxn ang="0">
-                    <a:pos x="T16" y="T17"/>
-                  </a:cxn>
-                  <a:cxn ang="0">
-                    <a:pos x="T18" y="T19"/>
-                  </a:cxn>
-                  <a:cxn ang="0">
-                    <a:pos x="T20" y="T21"/>
-                  </a:cxn>
-                  <a:cxn ang="0">
-                    <a:pos x="T22" y="T23"/>
-                  </a:cxn>
-                  <a:cxn ang="0">
-                    <a:pos x="T24" y="T25"/>
-                  </a:cxn>
-                  <a:cxn ang="0">
-                    <a:pos x="T26" y="T27"/>
-                  </a:cxn>
-                  <a:cxn ang="0">
-                    <a:pos x="T28" y="T29"/>
-                  </a:cxn>
-                  <a:cxn ang="0">
-                    <a:pos x="T30" y="T31"/>
-                  </a:cxn>
-                  <a:cxn ang="0">
-                    <a:pos x="T32" y="T33"/>
-                  </a:cxn>
-                  <a:cxn ang="0">
-                    <a:pos x="T34" y="T35"/>
-                  </a:cxn>
-                  <a:cxn ang="0">
-                    <a:pos x="T36" y="T37"/>
-                  </a:cxn>
-                  <a:cxn ang="0">
-                    <a:pos x="T38" y="T39"/>
-                  </a:cxn>
-                  <a:cxn ang="0">
-                    <a:pos x="T40" y="T41"/>
-                  </a:cxn>
-                  <a:cxn ang="0">
-                    <a:pos x="T42" y="T43"/>
-                  </a:cxn>
-                  <a:cxn ang="0">
-                    <a:pos x="T44" y="T45"/>
-                  </a:cxn>
-                  <a:cxn ang="0">
-                    <a:pos x="T46" y="T47"/>
-                  </a:cxn>
-                  <a:cxn ang="0">
-                    <a:pos x="T48" y="T49"/>
-                  </a:cxn>
-                  <a:cxn ang="0">
-                    <a:pos x="T50" y="T51"/>
-                  </a:cxn>
-                  <a:cxn ang="0">
-                    <a:pos x="T52" y="T53"/>
-                  </a:cxn>
-                  <a:cxn ang="0">
-                    <a:pos x="T54" y="T55"/>
-                  </a:cxn>
-                  <a:cxn ang="0">
-                    <a:pos x="T56" y="T57"/>
-                  </a:cxn>
-                  <a:cxn ang="0">
-                    <a:pos x="T58" y="T59"/>
-                  </a:cxn>
-                  <a:cxn ang="0">
-                    <a:pos x="T60" y="T61"/>
-                  </a:cxn>
-                  <a:cxn ang="0">
-                    <a:pos x="T62" y="T63"/>
-                  </a:cxn>
-                  <a:cxn ang="0">
-                    <a:pos x="T64" y="T65"/>
-                  </a:cxn>
-                  <a:cxn ang="0">
-                    <a:pos x="T66" y="T67"/>
-                  </a:cxn>
-                  <a:cxn ang="0">
-                    <a:pos x="T68" y="T69"/>
-                  </a:cxn>
-                  <a:cxn ang="0">
-                    <a:pos x="T70" y="T71"/>
-                  </a:cxn>
-                  <a:cxn ang="0">
-                    <a:pos x="T72" y="T73"/>
-                  </a:cxn>
-                  <a:cxn ang="0">
-                    <a:pos x="T74" y="T75"/>
-                  </a:cxn>
-                  <a:cxn ang="0">
-                    <a:pos x="T76" y="T77"/>
-                  </a:cxn>
-                  <a:cxn ang="0">
-                    <a:pos x="T78" y="T79"/>
-                  </a:cxn>
-                  <a:cxn ang="0">
-                    <a:pos x="T80" y="T81"/>
-                  </a:cxn>
-                  <a:cxn ang="0">
-                    <a:pos x="T82" y="T83"/>
-                  </a:cxn>
-                  <a:cxn ang="0">
-                    <a:pos x="T84" y="T85"/>
-                  </a:cxn>
-                  <a:cxn ang="0">
-                    <a:pos x="T86" y="T87"/>
-                  </a:cxn>
-                  <a:cxn ang="0">
-                    <a:pos x="T88" y="T89"/>
-                  </a:cxn>
-                  <a:cxn ang="0">
-                    <a:pos x="T90" y="T91"/>
-                  </a:cxn>
-                  <a:cxn ang="0">
-                    <a:pos x="T92" y="T93"/>
-                  </a:cxn>
-                  <a:cxn ang="0">
-                    <a:pos x="T94" y="T95"/>
-                  </a:cxn>
-                  <a:cxn ang="0">
-                    <a:pos x="T96" y="T97"/>
-                  </a:cxn>
-                  <a:cxn ang="0">
-                    <a:pos x="T98" y="T99"/>
-                  </a:cxn>
-                  <a:cxn ang="0">
-                    <a:pos x="T100" y="T101"/>
-                  </a:cxn>
-                  <a:cxn ang="0">
-                    <a:pos x="T102" y="T103"/>
-                  </a:cxn>
-                  <a:cxn ang="0">
-                    <a:pos x="T104" y="T105"/>
-                  </a:cxn>
-                </a:cxnLst>
-                <a:rect l="0" t="0" r="r" b="b"/>
-                <a:pathLst>
-                  <a:path w="332" h="336">
-                    <a:moveTo>
-                      <a:pt x="166" y="245"/>
-                    </a:moveTo>
-                    <a:lnTo>
-                      <a:pt x="158" y="244"/>
-                    </a:lnTo>
-                    <a:lnTo>
-                      <a:pt x="151" y="243"/>
-                    </a:lnTo>
-                    <a:lnTo>
-                      <a:pt x="143" y="241"/>
-                    </a:lnTo>
-                    <a:lnTo>
-                      <a:pt x="135" y="239"/>
-                    </a:lnTo>
-                    <a:lnTo>
-                      <a:pt x="129" y="235"/>
-                    </a:lnTo>
-                    <a:lnTo>
-                      <a:pt x="122" y="231"/>
-                    </a:lnTo>
-                    <a:lnTo>
-                      <a:pt x="116" y="227"/>
-                    </a:lnTo>
-                    <a:lnTo>
-                      <a:pt x="111" y="222"/>
-                    </a:lnTo>
-                    <a:lnTo>
-                      <a:pt x="106" y="217"/>
-                    </a:lnTo>
-                    <a:lnTo>
-                      <a:pt x="101" y="211"/>
-                    </a:lnTo>
-                    <a:lnTo>
-                      <a:pt x="97" y="204"/>
-                    </a:lnTo>
-                    <a:lnTo>
-                      <a:pt x="94" y="198"/>
-                    </a:lnTo>
-                    <a:lnTo>
-                      <a:pt x="92" y="190"/>
-                    </a:lnTo>
-                    <a:lnTo>
-                      <a:pt x="89" y="182"/>
-                    </a:lnTo>
-                    <a:lnTo>
-                      <a:pt x="88" y="175"/>
-                    </a:lnTo>
-                    <a:lnTo>
-                      <a:pt x="88" y="167"/>
-                    </a:lnTo>
-                    <a:lnTo>
-                      <a:pt x="88" y="159"/>
-                    </a:lnTo>
-                    <a:lnTo>
-                      <a:pt x="89" y="151"/>
-                    </a:lnTo>
-                    <a:lnTo>
-                      <a:pt x="92" y="144"/>
-                    </a:lnTo>
-                    <a:lnTo>
-                      <a:pt x="94" y="136"/>
-                    </a:lnTo>
-                    <a:lnTo>
-                      <a:pt x="97" y="130"/>
-                    </a:lnTo>
-                    <a:lnTo>
-                      <a:pt x="101" y="123"/>
-                    </a:lnTo>
-                    <a:lnTo>
-                      <a:pt x="106" y="117"/>
-                    </a:lnTo>
-                    <a:lnTo>
-                      <a:pt x="111" y="112"/>
-                    </a:lnTo>
-                    <a:lnTo>
-                      <a:pt x="116" y="106"/>
-                    </a:lnTo>
-                    <a:lnTo>
-                      <a:pt x="122" y="103"/>
-                    </a:lnTo>
-                    <a:lnTo>
-                      <a:pt x="129" y="99"/>
-                    </a:lnTo>
-                    <a:lnTo>
-                      <a:pt x="135" y="95"/>
-                    </a:lnTo>
-                    <a:lnTo>
-                      <a:pt x="143" y="92"/>
-                    </a:lnTo>
-                    <a:lnTo>
-                      <a:pt x="151" y="90"/>
-                    </a:lnTo>
-                    <a:lnTo>
-                      <a:pt x="158" y="90"/>
-                    </a:lnTo>
-                    <a:lnTo>
-                      <a:pt x="166" y="89"/>
-                    </a:lnTo>
-                    <a:lnTo>
-                      <a:pt x="174" y="90"/>
-                    </a:lnTo>
-                    <a:lnTo>
-                      <a:pt x="181" y="90"/>
-                    </a:lnTo>
-                    <a:lnTo>
-                      <a:pt x="189" y="92"/>
-                    </a:lnTo>
-                    <a:lnTo>
-                      <a:pt x="196" y="95"/>
-                    </a:lnTo>
-                    <a:lnTo>
-                      <a:pt x="203" y="99"/>
-                    </a:lnTo>
-                    <a:lnTo>
-                      <a:pt x="210" y="103"/>
-                    </a:lnTo>
-                    <a:lnTo>
-                      <a:pt x="215" y="106"/>
-                    </a:lnTo>
-                    <a:lnTo>
-                      <a:pt x="221" y="112"/>
-                    </a:lnTo>
-                    <a:lnTo>
-                      <a:pt x="226" y="117"/>
-                    </a:lnTo>
-                    <a:lnTo>
-                      <a:pt x="230" y="123"/>
-                    </a:lnTo>
-                    <a:lnTo>
-                      <a:pt x="234" y="130"/>
-                    </a:lnTo>
-                    <a:lnTo>
-                      <a:pt x="238" y="136"/>
-                    </a:lnTo>
-                    <a:lnTo>
-                      <a:pt x="241" y="144"/>
-                    </a:lnTo>
-                    <a:lnTo>
-                      <a:pt x="242" y="151"/>
-                    </a:lnTo>
-                    <a:lnTo>
-                      <a:pt x="243" y="159"/>
-                    </a:lnTo>
-                    <a:lnTo>
-                      <a:pt x="244" y="167"/>
-                    </a:lnTo>
-                    <a:lnTo>
-                      <a:pt x="243" y="175"/>
-                    </a:lnTo>
-                    <a:lnTo>
-                      <a:pt x="242" y="182"/>
-                    </a:lnTo>
-                    <a:lnTo>
-                      <a:pt x="241" y="190"/>
-                    </a:lnTo>
-                    <a:lnTo>
-                      <a:pt x="238" y="198"/>
-                    </a:lnTo>
-                    <a:lnTo>
-                      <a:pt x="234" y="204"/>
-                    </a:lnTo>
-                    <a:lnTo>
-                      <a:pt x="230" y="211"/>
-                    </a:lnTo>
-                    <a:lnTo>
-                      <a:pt x="226" y="217"/>
-                    </a:lnTo>
-                    <a:lnTo>
-                      <a:pt x="221" y="222"/>
-                    </a:lnTo>
-                    <a:lnTo>
-                      <a:pt x="215" y="227"/>
-                    </a:lnTo>
-                    <a:lnTo>
-                      <a:pt x="210" y="231"/>
-                    </a:lnTo>
-                    <a:lnTo>
-                      <a:pt x="203" y="235"/>
-                    </a:lnTo>
-                    <a:lnTo>
-                      <a:pt x="196" y="239"/>
-                    </a:lnTo>
-                    <a:lnTo>
-                      <a:pt x="189" y="241"/>
-                    </a:lnTo>
-                    <a:lnTo>
-                      <a:pt x="181" y="243"/>
-                    </a:lnTo>
-                    <a:lnTo>
-                      <a:pt x="174" y="244"/>
-                    </a:lnTo>
-                    <a:lnTo>
-                      <a:pt x="166" y="245"/>
-                    </a:lnTo>
-                    <a:close/>
-                    <a:moveTo>
-                      <a:pt x="306" y="204"/>
-                    </a:moveTo>
-                    <a:lnTo>
-                      <a:pt x="302" y="202"/>
-                    </a:lnTo>
-                    <a:lnTo>
-                      <a:pt x="301" y="199"/>
-                    </a:lnTo>
-                    <a:lnTo>
-                      <a:pt x="300" y="195"/>
-                    </a:lnTo>
-                    <a:lnTo>
-                      <a:pt x="300" y="191"/>
-                    </a:lnTo>
-                    <a:lnTo>
-                      <a:pt x="302" y="180"/>
-                    </a:lnTo>
-                    <a:lnTo>
-                      <a:pt x="302" y="167"/>
-                    </a:lnTo>
-                    <a:lnTo>
-                      <a:pt x="302" y="154"/>
-                    </a:lnTo>
-                    <a:lnTo>
-                      <a:pt x="300" y="142"/>
-                    </a:lnTo>
-                    <a:lnTo>
-                      <a:pt x="300" y="139"/>
-                    </a:lnTo>
-                    <a:lnTo>
-                      <a:pt x="301" y="135"/>
-                    </a:lnTo>
-                    <a:lnTo>
-                      <a:pt x="302" y="132"/>
-                    </a:lnTo>
-                    <a:lnTo>
-                      <a:pt x="306" y="130"/>
-                    </a:lnTo>
-                    <a:lnTo>
-                      <a:pt x="332" y="114"/>
-                    </a:lnTo>
-                    <a:lnTo>
-                      <a:pt x="293" y="50"/>
-                    </a:lnTo>
-                    <a:lnTo>
-                      <a:pt x="269" y="64"/>
-                    </a:lnTo>
-                    <a:lnTo>
-                      <a:pt x="265" y="65"/>
-                    </a:lnTo>
-                    <a:lnTo>
-                      <a:pt x="261" y="65"/>
-                    </a:lnTo>
-                    <a:lnTo>
-                      <a:pt x="257" y="65"/>
-                    </a:lnTo>
-                    <a:lnTo>
-                      <a:pt x="255" y="63"/>
-                    </a:lnTo>
-                    <a:lnTo>
-                      <a:pt x="251" y="59"/>
-                    </a:lnTo>
-                    <a:lnTo>
-                      <a:pt x="242" y="53"/>
-                    </a:lnTo>
-                    <a:lnTo>
-                      <a:pt x="233" y="45"/>
-                    </a:lnTo>
-                    <a:lnTo>
-                      <a:pt x="224" y="40"/>
-                    </a:lnTo>
-                    <a:lnTo>
-                      <a:pt x="215" y="35"/>
-                    </a:lnTo>
-                    <a:lnTo>
-                      <a:pt x="211" y="33"/>
-                    </a:lnTo>
-                    <a:lnTo>
-                      <a:pt x="208" y="31"/>
-                    </a:lnTo>
-                    <a:lnTo>
-                      <a:pt x="207" y="27"/>
-                    </a:lnTo>
-                    <a:lnTo>
-                      <a:pt x="207" y="24"/>
-                    </a:lnTo>
-                    <a:lnTo>
-                      <a:pt x="207" y="0"/>
-                    </a:lnTo>
-                    <a:lnTo>
-                      <a:pt x="135" y="0"/>
-                    </a:lnTo>
-                    <a:lnTo>
-                      <a:pt x="135" y="24"/>
-                    </a:lnTo>
-                    <a:lnTo>
-                      <a:pt x="134" y="27"/>
-                    </a:lnTo>
-                    <a:lnTo>
-                      <a:pt x="133" y="31"/>
-                    </a:lnTo>
-                    <a:lnTo>
-                      <a:pt x="130" y="33"/>
-                    </a:lnTo>
-                    <a:lnTo>
-                      <a:pt x="126" y="35"/>
-                    </a:lnTo>
-                    <a:lnTo>
-                      <a:pt x="113" y="41"/>
-                    </a:lnTo>
-                    <a:lnTo>
-                      <a:pt x="101" y="47"/>
-                    </a:lnTo>
-                    <a:lnTo>
-                      <a:pt x="88" y="55"/>
-                    </a:lnTo>
-                    <a:lnTo>
-                      <a:pt x="77" y="63"/>
-                    </a:lnTo>
-                    <a:lnTo>
-                      <a:pt x="75" y="65"/>
-                    </a:lnTo>
-                    <a:lnTo>
-                      <a:pt x="71" y="65"/>
-                    </a:lnTo>
-                    <a:lnTo>
-                      <a:pt x="67" y="65"/>
-                    </a:lnTo>
-                    <a:lnTo>
-                      <a:pt x="63" y="64"/>
-                    </a:lnTo>
-                    <a:lnTo>
-                      <a:pt x="38" y="50"/>
-                    </a:lnTo>
-                    <a:lnTo>
-                      <a:pt x="0" y="114"/>
-                    </a:lnTo>
-                    <a:lnTo>
-                      <a:pt x="26" y="130"/>
-                    </a:lnTo>
-                    <a:lnTo>
-                      <a:pt x="29" y="132"/>
-                    </a:lnTo>
-                    <a:lnTo>
-                      <a:pt x="31" y="135"/>
-                    </a:lnTo>
-                    <a:lnTo>
-                      <a:pt x="33" y="139"/>
-                    </a:lnTo>
-                    <a:lnTo>
-                      <a:pt x="31" y="142"/>
-                    </a:lnTo>
-                    <a:lnTo>
-                      <a:pt x="30" y="154"/>
-                    </a:lnTo>
-                    <a:lnTo>
-                      <a:pt x="30" y="167"/>
-                    </a:lnTo>
-                    <a:lnTo>
-                      <a:pt x="30" y="178"/>
-                    </a:lnTo>
-                    <a:lnTo>
-                      <a:pt x="31" y="191"/>
-                    </a:lnTo>
-                    <a:lnTo>
-                      <a:pt x="33" y="195"/>
-                    </a:lnTo>
-                    <a:lnTo>
-                      <a:pt x="31" y="199"/>
-                    </a:lnTo>
-                    <a:lnTo>
-                      <a:pt x="29" y="202"/>
-                    </a:lnTo>
-                    <a:lnTo>
-                      <a:pt x="26" y="204"/>
-                    </a:lnTo>
-                    <a:lnTo>
-                      <a:pt x="0" y="220"/>
-                    </a:lnTo>
-                    <a:lnTo>
-                      <a:pt x="38" y="284"/>
-                    </a:lnTo>
-                    <a:lnTo>
-                      <a:pt x="63" y="270"/>
-                    </a:lnTo>
-                    <a:lnTo>
-                      <a:pt x="67" y="268"/>
-                    </a:lnTo>
-                    <a:lnTo>
-                      <a:pt x="71" y="267"/>
-                    </a:lnTo>
-                    <a:lnTo>
-                      <a:pt x="75" y="268"/>
-                    </a:lnTo>
-                    <a:lnTo>
-                      <a:pt x="77" y="271"/>
-                    </a:lnTo>
-                    <a:lnTo>
-                      <a:pt x="89" y="279"/>
-                    </a:lnTo>
-                    <a:lnTo>
-                      <a:pt x="106" y="286"/>
-                    </a:lnTo>
-                    <a:lnTo>
-                      <a:pt x="124" y="295"/>
-                    </a:lnTo>
-                    <a:lnTo>
-                      <a:pt x="139" y="300"/>
-                    </a:lnTo>
-                    <a:lnTo>
-                      <a:pt x="142" y="303"/>
-                    </a:lnTo>
-                    <a:lnTo>
-                      <a:pt x="144" y="306"/>
-                    </a:lnTo>
-                    <a:lnTo>
-                      <a:pt x="146" y="308"/>
-                    </a:lnTo>
-                    <a:lnTo>
-                      <a:pt x="147" y="312"/>
-                    </a:lnTo>
-                    <a:lnTo>
-                      <a:pt x="147" y="336"/>
-                    </a:lnTo>
-                    <a:lnTo>
-                      <a:pt x="207" y="336"/>
-                    </a:lnTo>
-                    <a:lnTo>
-                      <a:pt x="207" y="312"/>
-                    </a:lnTo>
-                    <a:lnTo>
-                      <a:pt x="207" y="308"/>
-                    </a:lnTo>
-                    <a:lnTo>
-                      <a:pt x="208" y="306"/>
-                    </a:lnTo>
-                    <a:lnTo>
-                      <a:pt x="211" y="303"/>
-                    </a:lnTo>
-                    <a:lnTo>
-                      <a:pt x="215" y="300"/>
-                    </a:lnTo>
-                    <a:lnTo>
-                      <a:pt x="223" y="297"/>
-                    </a:lnTo>
-                    <a:lnTo>
-                      <a:pt x="230" y="291"/>
-                    </a:lnTo>
-                    <a:lnTo>
-                      <a:pt x="238" y="285"/>
-                    </a:lnTo>
-                    <a:lnTo>
-                      <a:pt x="246" y="279"/>
-                    </a:lnTo>
-                    <a:lnTo>
-                      <a:pt x="250" y="275"/>
-                    </a:lnTo>
-                    <a:lnTo>
-                      <a:pt x="255" y="271"/>
-                    </a:lnTo>
-                    <a:lnTo>
-                      <a:pt x="257" y="268"/>
-                    </a:lnTo>
-                    <a:lnTo>
-                      <a:pt x="261" y="267"/>
-                    </a:lnTo>
-                    <a:lnTo>
-                      <a:pt x="265" y="268"/>
-                    </a:lnTo>
-                    <a:lnTo>
-                      <a:pt x="269" y="270"/>
-                    </a:lnTo>
-                    <a:lnTo>
-                      <a:pt x="295" y="284"/>
-                    </a:lnTo>
-                    <a:lnTo>
-                      <a:pt x="332" y="220"/>
-                    </a:lnTo>
-                    <a:lnTo>
-                      <a:pt x="306" y="204"/>
-                    </a:lnTo>
-                    <a:close/>
-                  </a:path>
-                </a:pathLst>
-              </a:custGeom>
-              <a:grpFill/>
-              <a:ln>
-                <a:noFill/>
-              </a:ln>
-              <a:extLst>
-                <a:ext uri="{91240B29-F687-4F45-9708-019B960494DF}">
-                  <a14:hiddenLine xmlns:a14="http://schemas.microsoft.com/office/drawing/2010/main" w="9525">
-                    <a:solidFill>
-                      <a:srgbClr val="000000"/>
-                    </a:solidFill>
-                    <a:round/>
-                    <a:headEnd/>
-                    <a:tailEnd/>
-                  </a14:hiddenLine>
-                </a:ext>
-              </a:extLst>
-            </p:spPr>
-            <p:txBody>
-              <a:bodyPr vert="horz" wrap="square" lIns="91440" tIns="45720" rIns="91440" bIns="45720" numCol="1" anchor="t" anchorCtr="0" compatLnSpc="1">
-                <a:prstTxWarp prst="textNoShape">
-                  <a:avLst/>
-                </a:prstTxWarp>
-              </a:bodyPr>
-              <a:lstStyle/>
-              <a:p>
-                <a:endParaRPr lang="en-US" dirty="0"/>
-              </a:p>
-            </p:txBody>
-          </p:sp>
-        </p:grpSp>
-        <p:grpSp>
-          <p:nvGrpSpPr>
-            <p:cNvPr id="39" name="Group 38" descr="Icon of gears. ">
-              <a:extLst>
-                <a:ext uri="{FF2B5EF4-FFF2-40B4-BE49-F238E27FC236}">
-                  <a16:creationId xmlns:a16="http://schemas.microsoft.com/office/drawing/2014/main" id="{5BC0E3F0-447D-4721-AB1F-C8243BA36671}"/>
-                </a:ext>
-              </a:extLst>
-            </p:cNvPr>
-            <p:cNvGrpSpPr/>
-            <p:nvPr/>
-          </p:nvGrpSpPr>
-          <p:grpSpPr>
-            <a:xfrm>
-              <a:off x="4717582" y="5353558"/>
-              <a:ext cx="343837" cy="343837"/>
-              <a:chOff x="7613650" y="1387475"/>
-              <a:chExt cx="284163" cy="284163"/>
-            </a:xfrm>
-            <a:solidFill>
-              <a:schemeClr val="bg1"/>
-            </a:solidFill>
-          </p:grpSpPr>
-          <p:sp>
-            <p:nvSpPr>
-              <p:cNvPr id="40" name="Freeform 4359">
-                <a:extLst>
-                  <a:ext uri="{FF2B5EF4-FFF2-40B4-BE49-F238E27FC236}">
-                    <a16:creationId xmlns:a16="http://schemas.microsoft.com/office/drawing/2014/main" id="{351831F3-9830-4A23-8B34-11A3FCCA027E}"/>
-                  </a:ext>
-                </a:extLst>
-              </p:cNvPr>
-              <p:cNvSpPr>
-                <a:spLocks noEditPoints="1"/>
-              </p:cNvSpPr>
-              <p:nvPr/>
-            </p:nvSpPr>
-            <p:spPr bwMode="auto">
-              <a:xfrm>
-                <a:off x="7613650" y="1471613"/>
-                <a:ext cx="200025" cy="200025"/>
-              </a:xfrm>
-              <a:custGeom>
-                <a:avLst/>
-                <a:gdLst>
-                  <a:gd name="T0" fmla="*/ 276 w 629"/>
-                  <a:gd name="T1" fmla="*/ 436 h 629"/>
-                  <a:gd name="T2" fmla="*/ 233 w 629"/>
-                  <a:gd name="T3" fmla="*/ 411 h 629"/>
-                  <a:gd name="T4" fmla="*/ 202 w 629"/>
-                  <a:gd name="T5" fmla="*/ 374 h 629"/>
-                  <a:gd name="T6" fmla="*/ 187 w 629"/>
-                  <a:gd name="T7" fmla="*/ 325 h 629"/>
-                  <a:gd name="T8" fmla="*/ 192 w 629"/>
-                  <a:gd name="T9" fmla="*/ 274 h 629"/>
-                  <a:gd name="T10" fmla="*/ 216 w 629"/>
-                  <a:gd name="T11" fmla="*/ 231 h 629"/>
-                  <a:gd name="T12" fmla="*/ 253 w 629"/>
-                  <a:gd name="T13" fmla="*/ 199 h 629"/>
-                  <a:gd name="T14" fmla="*/ 301 w 629"/>
-                  <a:gd name="T15" fmla="*/ 184 h 629"/>
-                  <a:gd name="T16" fmla="*/ 352 w 629"/>
-                  <a:gd name="T17" fmla="*/ 190 h 629"/>
-                  <a:gd name="T18" fmla="*/ 395 w 629"/>
-                  <a:gd name="T19" fmla="*/ 213 h 629"/>
-                  <a:gd name="T20" fmla="*/ 426 w 629"/>
-                  <a:gd name="T21" fmla="*/ 252 h 629"/>
-                  <a:gd name="T22" fmla="*/ 441 w 629"/>
-                  <a:gd name="T23" fmla="*/ 300 h 629"/>
-                  <a:gd name="T24" fmla="*/ 436 w 629"/>
-                  <a:gd name="T25" fmla="*/ 350 h 629"/>
-                  <a:gd name="T26" fmla="*/ 413 w 629"/>
-                  <a:gd name="T27" fmla="*/ 394 h 629"/>
-                  <a:gd name="T28" fmla="*/ 375 w 629"/>
-                  <a:gd name="T29" fmla="*/ 425 h 629"/>
-                  <a:gd name="T30" fmla="*/ 327 w 629"/>
-                  <a:gd name="T31" fmla="*/ 440 h 629"/>
-                  <a:gd name="T32" fmla="*/ 572 w 629"/>
-                  <a:gd name="T33" fmla="*/ 346 h 629"/>
-                  <a:gd name="T34" fmla="*/ 574 w 629"/>
-                  <a:gd name="T35" fmla="*/ 302 h 629"/>
-                  <a:gd name="T36" fmla="*/ 620 w 629"/>
-                  <a:gd name="T37" fmla="*/ 241 h 629"/>
-                  <a:gd name="T38" fmla="*/ 628 w 629"/>
-                  <a:gd name="T39" fmla="*/ 231 h 629"/>
-                  <a:gd name="T40" fmla="*/ 625 w 629"/>
-                  <a:gd name="T41" fmla="*/ 219 h 629"/>
-                  <a:gd name="T42" fmla="*/ 544 w 629"/>
-                  <a:gd name="T43" fmla="*/ 84 h 629"/>
-                  <a:gd name="T44" fmla="*/ 532 w 629"/>
-                  <a:gd name="T45" fmla="*/ 83 h 629"/>
-                  <a:gd name="T46" fmla="*/ 447 w 629"/>
-                  <a:gd name="T47" fmla="*/ 88 h 629"/>
-                  <a:gd name="T48" fmla="*/ 407 w 629"/>
-                  <a:gd name="T49" fmla="*/ 69 h 629"/>
-                  <a:gd name="T50" fmla="*/ 404 w 629"/>
-                  <a:gd name="T51" fmla="*/ 7 h 629"/>
-                  <a:gd name="T52" fmla="*/ 395 w 629"/>
-                  <a:gd name="T53" fmla="*/ 0 h 629"/>
-                  <a:gd name="T54" fmla="*/ 235 w 629"/>
-                  <a:gd name="T55" fmla="*/ 1 h 629"/>
-                  <a:gd name="T56" fmla="*/ 227 w 629"/>
-                  <a:gd name="T57" fmla="*/ 10 h 629"/>
-                  <a:gd name="T58" fmla="*/ 216 w 629"/>
-                  <a:gd name="T59" fmla="*/ 72 h 629"/>
-                  <a:gd name="T60" fmla="*/ 177 w 629"/>
-                  <a:gd name="T61" fmla="*/ 91 h 629"/>
-                  <a:gd name="T62" fmla="*/ 98 w 629"/>
-                  <a:gd name="T63" fmla="*/ 84 h 629"/>
-                  <a:gd name="T64" fmla="*/ 87 w 629"/>
-                  <a:gd name="T65" fmla="*/ 83 h 629"/>
-                  <a:gd name="T66" fmla="*/ 78 w 629"/>
-                  <a:gd name="T67" fmla="*/ 90 h 629"/>
-                  <a:gd name="T68" fmla="*/ 1 w 629"/>
-                  <a:gd name="T69" fmla="*/ 228 h 629"/>
-                  <a:gd name="T70" fmla="*/ 57 w 629"/>
-                  <a:gd name="T71" fmla="*/ 269 h 629"/>
-                  <a:gd name="T72" fmla="*/ 54 w 629"/>
-                  <a:gd name="T73" fmla="*/ 313 h 629"/>
-                  <a:gd name="T74" fmla="*/ 57 w 629"/>
-                  <a:gd name="T75" fmla="*/ 355 h 629"/>
-                  <a:gd name="T76" fmla="*/ 2 w 629"/>
-                  <a:gd name="T77" fmla="*/ 391 h 629"/>
-                  <a:gd name="T78" fmla="*/ 1 w 629"/>
-                  <a:gd name="T79" fmla="*/ 402 h 629"/>
-                  <a:gd name="T80" fmla="*/ 86 w 629"/>
-                  <a:gd name="T81" fmla="*/ 543 h 629"/>
-                  <a:gd name="T82" fmla="*/ 98 w 629"/>
-                  <a:gd name="T83" fmla="*/ 542 h 629"/>
-                  <a:gd name="T84" fmla="*/ 177 w 629"/>
-                  <a:gd name="T85" fmla="*/ 533 h 629"/>
-                  <a:gd name="T86" fmla="*/ 216 w 629"/>
-                  <a:gd name="T87" fmla="*/ 552 h 629"/>
-                  <a:gd name="T88" fmla="*/ 227 w 629"/>
-                  <a:gd name="T89" fmla="*/ 620 h 629"/>
-                  <a:gd name="T90" fmla="*/ 235 w 629"/>
-                  <a:gd name="T91" fmla="*/ 628 h 629"/>
-                  <a:gd name="T92" fmla="*/ 395 w 629"/>
-                  <a:gd name="T93" fmla="*/ 629 h 629"/>
-                  <a:gd name="T94" fmla="*/ 404 w 629"/>
-                  <a:gd name="T95" fmla="*/ 623 h 629"/>
-                  <a:gd name="T96" fmla="*/ 407 w 629"/>
-                  <a:gd name="T97" fmla="*/ 556 h 629"/>
-                  <a:gd name="T98" fmla="*/ 447 w 629"/>
-                  <a:gd name="T99" fmla="*/ 538 h 629"/>
-                  <a:gd name="T100" fmla="*/ 533 w 629"/>
-                  <a:gd name="T101" fmla="*/ 543 h 629"/>
-                  <a:gd name="T102" fmla="*/ 545 w 629"/>
-                  <a:gd name="T103" fmla="*/ 543 h 629"/>
-                  <a:gd name="T104" fmla="*/ 627 w 629"/>
-                  <a:gd name="T105" fmla="*/ 405 h 629"/>
-                  <a:gd name="T106" fmla="*/ 628 w 629"/>
-                  <a:gd name="T107" fmla="*/ 394 h 629"/>
-                  <a:gd name="T108" fmla="*/ 621 w 629"/>
-                  <a:gd name="T109" fmla="*/ 385 h 629"/>
-                </a:gdLst>
-                <a:ahLst/>
-                <a:cxnLst>
-                  <a:cxn ang="0">
-                    <a:pos x="T0" y="T1"/>
-                  </a:cxn>
-                  <a:cxn ang="0">
-                    <a:pos x="T2" y="T3"/>
-                  </a:cxn>
-                  <a:cxn ang="0">
-                    <a:pos x="T4" y="T5"/>
-                  </a:cxn>
-                  <a:cxn ang="0">
-                    <a:pos x="T6" y="T7"/>
-                  </a:cxn>
-                  <a:cxn ang="0">
-                    <a:pos x="T8" y="T9"/>
-                  </a:cxn>
-                  <a:cxn ang="0">
-                    <a:pos x="T10" y="T11"/>
-                  </a:cxn>
-                  <a:cxn ang="0">
-                    <a:pos x="T12" y="T13"/>
-                  </a:cxn>
-                  <a:cxn ang="0">
-                    <a:pos x="T14" y="T15"/>
-                  </a:cxn>
-                  <a:cxn ang="0">
-                    <a:pos x="T16" y="T17"/>
-                  </a:cxn>
-                  <a:cxn ang="0">
-                    <a:pos x="T18" y="T19"/>
-                  </a:cxn>
-                  <a:cxn ang="0">
-                    <a:pos x="T20" y="T21"/>
-                  </a:cxn>
-                  <a:cxn ang="0">
-                    <a:pos x="T22" y="T23"/>
-                  </a:cxn>
-                  <a:cxn ang="0">
-                    <a:pos x="T24" y="T25"/>
-                  </a:cxn>
-                  <a:cxn ang="0">
-                    <a:pos x="T26" y="T27"/>
-                  </a:cxn>
-                  <a:cxn ang="0">
-                    <a:pos x="T28" y="T29"/>
-                  </a:cxn>
-                  <a:cxn ang="0">
-                    <a:pos x="T30" y="T31"/>
-                  </a:cxn>
-                  <a:cxn ang="0">
-                    <a:pos x="T32" y="T33"/>
-                  </a:cxn>
-                  <a:cxn ang="0">
-                    <a:pos x="T34" y="T35"/>
-                  </a:cxn>
-                  <a:cxn ang="0">
-                    <a:pos x="T36" y="T37"/>
-                  </a:cxn>
-                  <a:cxn ang="0">
-                    <a:pos x="T38" y="T39"/>
-                  </a:cxn>
-                  <a:cxn ang="0">
-                    <a:pos x="T40" y="T41"/>
-                  </a:cxn>
-                  <a:cxn ang="0">
-                    <a:pos x="T42" y="T43"/>
-                  </a:cxn>
-                  <a:cxn ang="0">
-                    <a:pos x="T44" y="T45"/>
-                  </a:cxn>
-                  <a:cxn ang="0">
-                    <a:pos x="T46" y="T47"/>
-                  </a:cxn>
-                  <a:cxn ang="0">
-                    <a:pos x="T48" y="T49"/>
-                  </a:cxn>
-                  <a:cxn ang="0">
-                    <a:pos x="T50" y="T51"/>
-                  </a:cxn>
-                  <a:cxn ang="0">
-                    <a:pos x="T52" y="T53"/>
-                  </a:cxn>
-                  <a:cxn ang="0">
-                    <a:pos x="T54" y="T55"/>
-                  </a:cxn>
-                  <a:cxn ang="0">
-                    <a:pos x="T56" y="T57"/>
-                  </a:cxn>
-                  <a:cxn ang="0">
-                    <a:pos x="T58" y="T59"/>
-                  </a:cxn>
-                  <a:cxn ang="0">
-                    <a:pos x="T60" y="T61"/>
-                  </a:cxn>
-                  <a:cxn ang="0">
-                    <a:pos x="T62" y="T63"/>
-                  </a:cxn>
-                  <a:cxn ang="0">
-                    <a:pos x="T64" y="T65"/>
-                  </a:cxn>
-                  <a:cxn ang="0">
-                    <a:pos x="T66" y="T67"/>
-                  </a:cxn>
-                  <a:cxn ang="0">
-                    <a:pos x="T68" y="T69"/>
-                  </a:cxn>
-                  <a:cxn ang="0">
-                    <a:pos x="T70" y="T71"/>
-                  </a:cxn>
-                  <a:cxn ang="0">
-                    <a:pos x="T72" y="T73"/>
-                  </a:cxn>
-                  <a:cxn ang="0">
-                    <a:pos x="T74" y="T75"/>
-                  </a:cxn>
-                  <a:cxn ang="0">
-                    <a:pos x="T76" y="T77"/>
-                  </a:cxn>
-                  <a:cxn ang="0">
-                    <a:pos x="T78" y="T79"/>
-                  </a:cxn>
-                  <a:cxn ang="0">
-                    <a:pos x="T80" y="T81"/>
-                  </a:cxn>
-                  <a:cxn ang="0">
-                    <a:pos x="T82" y="T83"/>
-                  </a:cxn>
-                  <a:cxn ang="0">
-                    <a:pos x="T84" y="T85"/>
-                  </a:cxn>
-                  <a:cxn ang="0">
-                    <a:pos x="T86" y="T87"/>
-                  </a:cxn>
-                  <a:cxn ang="0">
-                    <a:pos x="T88" y="T89"/>
-                  </a:cxn>
-                  <a:cxn ang="0">
-                    <a:pos x="T90" y="T91"/>
-                  </a:cxn>
-                  <a:cxn ang="0">
-                    <a:pos x="T92" y="T93"/>
-                  </a:cxn>
-                  <a:cxn ang="0">
-                    <a:pos x="T94" y="T95"/>
-                  </a:cxn>
-                  <a:cxn ang="0">
-                    <a:pos x="T96" y="T97"/>
-                  </a:cxn>
-                  <a:cxn ang="0">
-                    <a:pos x="T98" y="T99"/>
-                  </a:cxn>
-                  <a:cxn ang="0">
-                    <a:pos x="T100" y="T101"/>
-                  </a:cxn>
-                  <a:cxn ang="0">
-                    <a:pos x="T102" y="T103"/>
-                  </a:cxn>
-                  <a:cxn ang="0">
-                    <a:pos x="T104" y="T105"/>
-                  </a:cxn>
-                  <a:cxn ang="0">
-                    <a:pos x="T106" y="T107"/>
-                  </a:cxn>
-                  <a:cxn ang="0">
-                    <a:pos x="T108" y="T109"/>
-                  </a:cxn>
-                </a:cxnLst>
-                <a:rect l="0" t="0" r="r" b="b"/>
-                <a:pathLst>
-                  <a:path w="629" h="629">
-                    <a:moveTo>
-                      <a:pt x="314" y="441"/>
-                    </a:moveTo>
-                    <a:lnTo>
-                      <a:pt x="301" y="440"/>
-                    </a:lnTo>
-                    <a:lnTo>
-                      <a:pt x="288" y="439"/>
-                    </a:lnTo>
-                    <a:lnTo>
-                      <a:pt x="276" y="436"/>
-                    </a:lnTo>
-                    <a:lnTo>
-                      <a:pt x="264" y="430"/>
-                    </a:lnTo>
-                    <a:lnTo>
-                      <a:pt x="253" y="425"/>
-                    </a:lnTo>
-                    <a:lnTo>
-                      <a:pt x="242" y="418"/>
-                    </a:lnTo>
-                    <a:lnTo>
-                      <a:pt x="233" y="411"/>
-                    </a:lnTo>
-                    <a:lnTo>
-                      <a:pt x="223" y="404"/>
-                    </a:lnTo>
-                    <a:lnTo>
-                      <a:pt x="216" y="394"/>
-                    </a:lnTo>
-                    <a:lnTo>
-                      <a:pt x="208" y="384"/>
-                    </a:lnTo>
-                    <a:lnTo>
-                      <a:pt x="202" y="374"/>
-                    </a:lnTo>
-                    <a:lnTo>
-                      <a:pt x="196" y="362"/>
-                    </a:lnTo>
-                    <a:lnTo>
-                      <a:pt x="192" y="350"/>
-                    </a:lnTo>
-                    <a:lnTo>
-                      <a:pt x="189" y="338"/>
-                    </a:lnTo>
-                    <a:lnTo>
-                      <a:pt x="187" y="325"/>
-                    </a:lnTo>
-                    <a:lnTo>
-                      <a:pt x="186" y="313"/>
-                    </a:lnTo>
-                    <a:lnTo>
-                      <a:pt x="187" y="300"/>
-                    </a:lnTo>
-                    <a:lnTo>
-                      <a:pt x="189" y="287"/>
-                    </a:lnTo>
-                    <a:lnTo>
-                      <a:pt x="192" y="274"/>
-                    </a:lnTo>
-                    <a:lnTo>
-                      <a:pt x="196" y="262"/>
-                    </a:lnTo>
-                    <a:lnTo>
-                      <a:pt x="202" y="252"/>
-                    </a:lnTo>
-                    <a:lnTo>
-                      <a:pt x="208" y="241"/>
-                    </a:lnTo>
-                    <a:lnTo>
-                      <a:pt x="216" y="231"/>
-                    </a:lnTo>
-                    <a:lnTo>
-                      <a:pt x="223" y="222"/>
-                    </a:lnTo>
-                    <a:lnTo>
-                      <a:pt x="233" y="213"/>
-                    </a:lnTo>
-                    <a:lnTo>
-                      <a:pt x="242" y="206"/>
-                    </a:lnTo>
-                    <a:lnTo>
-                      <a:pt x="253" y="199"/>
-                    </a:lnTo>
-                    <a:lnTo>
-                      <a:pt x="264" y="194"/>
-                    </a:lnTo>
-                    <a:lnTo>
-                      <a:pt x="276" y="190"/>
-                    </a:lnTo>
-                    <a:lnTo>
-                      <a:pt x="288" y="186"/>
-                    </a:lnTo>
-                    <a:lnTo>
-                      <a:pt x="301" y="184"/>
-                    </a:lnTo>
-                    <a:lnTo>
-                      <a:pt x="314" y="184"/>
-                    </a:lnTo>
-                    <a:lnTo>
-                      <a:pt x="327" y="184"/>
-                    </a:lnTo>
-                    <a:lnTo>
-                      <a:pt x="340" y="186"/>
-                    </a:lnTo>
-                    <a:lnTo>
-                      <a:pt x="352" y="190"/>
-                    </a:lnTo>
-                    <a:lnTo>
-                      <a:pt x="363" y="194"/>
-                    </a:lnTo>
-                    <a:lnTo>
-                      <a:pt x="375" y="199"/>
-                    </a:lnTo>
-                    <a:lnTo>
-                      <a:pt x="386" y="206"/>
-                    </a:lnTo>
-                    <a:lnTo>
-                      <a:pt x="395" y="213"/>
-                    </a:lnTo>
-                    <a:lnTo>
-                      <a:pt x="404" y="222"/>
-                    </a:lnTo>
-                    <a:lnTo>
-                      <a:pt x="413" y="231"/>
-                    </a:lnTo>
-                    <a:lnTo>
-                      <a:pt x="420" y="241"/>
-                    </a:lnTo>
-                    <a:lnTo>
-                      <a:pt x="426" y="252"/>
-                    </a:lnTo>
-                    <a:lnTo>
-                      <a:pt x="432" y="262"/>
-                    </a:lnTo>
-                    <a:lnTo>
-                      <a:pt x="436" y="274"/>
-                    </a:lnTo>
-                    <a:lnTo>
-                      <a:pt x="439" y="287"/>
-                    </a:lnTo>
-                    <a:lnTo>
-                      <a:pt x="441" y="300"/>
-                    </a:lnTo>
-                    <a:lnTo>
-                      <a:pt x="443" y="313"/>
-                    </a:lnTo>
-                    <a:lnTo>
-                      <a:pt x="441" y="325"/>
-                    </a:lnTo>
-                    <a:lnTo>
-                      <a:pt x="439" y="338"/>
-                    </a:lnTo>
-                    <a:lnTo>
-                      <a:pt x="436" y="350"/>
-                    </a:lnTo>
-                    <a:lnTo>
-                      <a:pt x="432" y="362"/>
-                    </a:lnTo>
-                    <a:lnTo>
-                      <a:pt x="426" y="374"/>
-                    </a:lnTo>
-                    <a:lnTo>
-                      <a:pt x="420" y="384"/>
-                    </a:lnTo>
-                    <a:lnTo>
-                      <a:pt x="413" y="394"/>
-                    </a:lnTo>
-                    <a:lnTo>
-                      <a:pt x="404" y="404"/>
-                    </a:lnTo>
-                    <a:lnTo>
-                      <a:pt x="395" y="411"/>
-                    </a:lnTo>
-                    <a:lnTo>
-                      <a:pt x="386" y="418"/>
-                    </a:lnTo>
-                    <a:lnTo>
-                      <a:pt x="375" y="425"/>
-                    </a:lnTo>
-                    <a:lnTo>
-                      <a:pt x="363" y="430"/>
-                    </a:lnTo>
-                    <a:lnTo>
-                      <a:pt x="352" y="436"/>
-                    </a:lnTo>
-                    <a:lnTo>
-                      <a:pt x="340" y="439"/>
-                    </a:lnTo>
-                    <a:lnTo>
-                      <a:pt x="327" y="440"/>
-                    </a:lnTo>
-                    <a:lnTo>
-                      <a:pt x="314" y="441"/>
-                    </a:lnTo>
-                    <a:close/>
-                    <a:moveTo>
-                      <a:pt x="621" y="385"/>
-                    </a:moveTo>
-                    <a:lnTo>
-                      <a:pt x="571" y="355"/>
-                    </a:lnTo>
-                    <a:lnTo>
-                      <a:pt x="572" y="346"/>
-                    </a:lnTo>
-                    <a:lnTo>
-                      <a:pt x="573" y="335"/>
-                    </a:lnTo>
-                    <a:lnTo>
-                      <a:pt x="574" y="323"/>
-                    </a:lnTo>
-                    <a:lnTo>
-                      <a:pt x="574" y="313"/>
-                    </a:lnTo>
-                    <a:lnTo>
-                      <a:pt x="574" y="302"/>
-                    </a:lnTo>
-                    <a:lnTo>
-                      <a:pt x="573" y="291"/>
-                    </a:lnTo>
-                    <a:lnTo>
-                      <a:pt x="572" y="280"/>
-                    </a:lnTo>
-                    <a:lnTo>
-                      <a:pt x="570" y="269"/>
-                    </a:lnTo>
-                    <a:lnTo>
-                      <a:pt x="620" y="241"/>
-                    </a:lnTo>
-                    <a:lnTo>
-                      <a:pt x="623" y="239"/>
-                    </a:lnTo>
-                    <a:lnTo>
-                      <a:pt x="624" y="237"/>
-                    </a:lnTo>
-                    <a:lnTo>
-                      <a:pt x="627" y="234"/>
-                    </a:lnTo>
-                    <a:lnTo>
-                      <a:pt x="628" y="231"/>
-                    </a:lnTo>
-                    <a:lnTo>
-                      <a:pt x="628" y="228"/>
-                    </a:lnTo>
-                    <a:lnTo>
-                      <a:pt x="628" y="226"/>
-                    </a:lnTo>
-                    <a:lnTo>
-                      <a:pt x="628" y="223"/>
-                    </a:lnTo>
-                    <a:lnTo>
-                      <a:pt x="625" y="219"/>
-                    </a:lnTo>
-                    <a:lnTo>
-                      <a:pt x="551" y="90"/>
-                    </a:lnTo>
-                    <a:lnTo>
-                      <a:pt x="548" y="87"/>
-                    </a:lnTo>
-                    <a:lnTo>
-                      <a:pt x="546" y="85"/>
-                    </a:lnTo>
-                    <a:lnTo>
-                      <a:pt x="544" y="84"/>
-                    </a:lnTo>
-                    <a:lnTo>
-                      <a:pt x="541" y="83"/>
-                    </a:lnTo>
-                    <a:lnTo>
-                      <a:pt x="539" y="81"/>
-                    </a:lnTo>
-                    <a:lnTo>
-                      <a:pt x="536" y="81"/>
-                    </a:lnTo>
-                    <a:lnTo>
-                      <a:pt x="532" y="83"/>
-                    </a:lnTo>
-                    <a:lnTo>
-                      <a:pt x="530" y="84"/>
-                    </a:lnTo>
-                    <a:lnTo>
-                      <a:pt x="481" y="113"/>
-                    </a:lnTo>
-                    <a:lnTo>
-                      <a:pt x="465" y="99"/>
-                    </a:lnTo>
-                    <a:lnTo>
-                      <a:pt x="447" y="88"/>
-                    </a:lnTo>
-                    <a:lnTo>
-                      <a:pt x="438" y="83"/>
-                    </a:lnTo>
-                    <a:lnTo>
-                      <a:pt x="429" y="77"/>
-                    </a:lnTo>
-                    <a:lnTo>
-                      <a:pt x="418" y="73"/>
-                    </a:lnTo>
-                    <a:lnTo>
-                      <a:pt x="407" y="69"/>
-                    </a:lnTo>
-                    <a:lnTo>
-                      <a:pt x="407" y="15"/>
-                    </a:lnTo>
-                    <a:lnTo>
-                      <a:pt x="407" y="12"/>
-                    </a:lnTo>
-                    <a:lnTo>
-                      <a:pt x="406" y="10"/>
-                    </a:lnTo>
-                    <a:lnTo>
-                      <a:pt x="404" y="7"/>
-                    </a:lnTo>
-                    <a:lnTo>
-                      <a:pt x="403" y="4"/>
-                    </a:lnTo>
-                    <a:lnTo>
-                      <a:pt x="401" y="2"/>
-                    </a:lnTo>
-                    <a:lnTo>
-                      <a:pt x="398" y="1"/>
-                    </a:lnTo>
-                    <a:lnTo>
-                      <a:pt x="395" y="0"/>
-                    </a:lnTo>
-                    <a:lnTo>
-                      <a:pt x="392" y="0"/>
-                    </a:lnTo>
-                    <a:lnTo>
-                      <a:pt x="241" y="0"/>
-                    </a:lnTo>
-                    <a:lnTo>
-                      <a:pt x="238" y="0"/>
-                    </a:lnTo>
-                    <a:lnTo>
-                      <a:pt x="235" y="1"/>
-                    </a:lnTo>
-                    <a:lnTo>
-                      <a:pt x="233" y="2"/>
-                    </a:lnTo>
-                    <a:lnTo>
-                      <a:pt x="231" y="4"/>
-                    </a:lnTo>
-                    <a:lnTo>
-                      <a:pt x="229" y="7"/>
-                    </a:lnTo>
-                    <a:lnTo>
-                      <a:pt x="227" y="10"/>
-                    </a:lnTo>
-                    <a:lnTo>
-                      <a:pt x="226" y="12"/>
-                    </a:lnTo>
-                    <a:lnTo>
-                      <a:pt x="226" y="15"/>
-                    </a:lnTo>
-                    <a:lnTo>
-                      <a:pt x="226" y="69"/>
-                    </a:lnTo>
-                    <a:lnTo>
-                      <a:pt x="216" y="72"/>
-                    </a:lnTo>
-                    <a:lnTo>
-                      <a:pt x="206" y="76"/>
-                    </a:lnTo>
-                    <a:lnTo>
-                      <a:pt x="196" y="80"/>
-                    </a:lnTo>
-                    <a:lnTo>
-                      <a:pt x="187" y="86"/>
-                    </a:lnTo>
-                    <a:lnTo>
-                      <a:pt x="177" y="91"/>
-                    </a:lnTo>
-                    <a:lnTo>
-                      <a:pt x="168" y="98"/>
-                    </a:lnTo>
-                    <a:lnTo>
-                      <a:pt x="159" y="105"/>
-                    </a:lnTo>
-                    <a:lnTo>
-                      <a:pt x="149" y="113"/>
-                    </a:lnTo>
-                    <a:lnTo>
-                      <a:pt x="98" y="84"/>
-                    </a:lnTo>
-                    <a:lnTo>
-                      <a:pt x="96" y="83"/>
-                    </a:lnTo>
-                    <a:lnTo>
-                      <a:pt x="93" y="81"/>
-                    </a:lnTo>
-                    <a:lnTo>
-                      <a:pt x="90" y="81"/>
-                    </a:lnTo>
-                    <a:lnTo>
-                      <a:pt x="87" y="83"/>
-                    </a:lnTo>
-                    <a:lnTo>
-                      <a:pt x="84" y="84"/>
-                    </a:lnTo>
-                    <a:lnTo>
-                      <a:pt x="82" y="85"/>
-                    </a:lnTo>
-                    <a:lnTo>
-                      <a:pt x="80" y="87"/>
-                    </a:lnTo>
-                    <a:lnTo>
-                      <a:pt x="78" y="90"/>
-                    </a:lnTo>
-                    <a:lnTo>
-                      <a:pt x="3" y="219"/>
-                    </a:lnTo>
-                    <a:lnTo>
-                      <a:pt x="1" y="222"/>
-                    </a:lnTo>
-                    <a:lnTo>
-                      <a:pt x="1" y="225"/>
-                    </a:lnTo>
-                    <a:lnTo>
-                      <a:pt x="1" y="228"/>
-                    </a:lnTo>
-                    <a:lnTo>
-                      <a:pt x="1" y="230"/>
-                    </a:lnTo>
-                    <a:lnTo>
-                      <a:pt x="4" y="236"/>
-                    </a:lnTo>
-                    <a:lnTo>
-                      <a:pt x="8" y="241"/>
-                    </a:lnTo>
-                    <a:lnTo>
-                      <a:pt x="57" y="269"/>
-                    </a:lnTo>
-                    <a:lnTo>
-                      <a:pt x="56" y="280"/>
-                    </a:lnTo>
-                    <a:lnTo>
-                      <a:pt x="55" y="291"/>
-                    </a:lnTo>
-                    <a:lnTo>
-                      <a:pt x="54" y="302"/>
-                    </a:lnTo>
-                    <a:lnTo>
-                      <a:pt x="54" y="313"/>
-                    </a:lnTo>
-                    <a:lnTo>
-                      <a:pt x="54" y="323"/>
-                    </a:lnTo>
-                    <a:lnTo>
-                      <a:pt x="55" y="335"/>
-                    </a:lnTo>
-                    <a:lnTo>
-                      <a:pt x="56" y="346"/>
-                    </a:lnTo>
-                    <a:lnTo>
-                      <a:pt x="57" y="355"/>
-                    </a:lnTo>
-                    <a:lnTo>
-                      <a:pt x="7" y="385"/>
-                    </a:lnTo>
-                    <a:lnTo>
-                      <a:pt x="5" y="387"/>
-                    </a:lnTo>
-                    <a:lnTo>
-                      <a:pt x="3" y="389"/>
-                    </a:lnTo>
-                    <a:lnTo>
-                      <a:pt x="2" y="391"/>
-                    </a:lnTo>
-                    <a:lnTo>
-                      <a:pt x="1" y="394"/>
-                    </a:lnTo>
-                    <a:lnTo>
-                      <a:pt x="0" y="396"/>
-                    </a:lnTo>
-                    <a:lnTo>
-                      <a:pt x="1" y="399"/>
-                    </a:lnTo>
-                    <a:lnTo>
-                      <a:pt x="1" y="402"/>
-                    </a:lnTo>
-                    <a:lnTo>
-                      <a:pt x="2" y="405"/>
-                    </a:lnTo>
-                    <a:lnTo>
-                      <a:pt x="78" y="536"/>
-                    </a:lnTo>
-                    <a:lnTo>
-                      <a:pt x="81" y="540"/>
-                    </a:lnTo>
-                    <a:lnTo>
-                      <a:pt x="86" y="543"/>
-                    </a:lnTo>
-                    <a:lnTo>
-                      <a:pt x="89" y="544"/>
-                    </a:lnTo>
-                    <a:lnTo>
-                      <a:pt x="93" y="544"/>
-                    </a:lnTo>
-                    <a:lnTo>
-                      <a:pt x="95" y="543"/>
-                    </a:lnTo>
-                    <a:lnTo>
-                      <a:pt x="98" y="542"/>
-                    </a:lnTo>
-                    <a:lnTo>
-                      <a:pt x="149" y="513"/>
-                    </a:lnTo>
-                    <a:lnTo>
-                      <a:pt x="159" y="520"/>
-                    </a:lnTo>
-                    <a:lnTo>
-                      <a:pt x="168" y="527"/>
-                    </a:lnTo>
-                    <a:lnTo>
-                      <a:pt x="177" y="533"/>
-                    </a:lnTo>
-                    <a:lnTo>
-                      <a:pt x="187" y="539"/>
-                    </a:lnTo>
-                    <a:lnTo>
-                      <a:pt x="196" y="544"/>
-                    </a:lnTo>
-                    <a:lnTo>
-                      <a:pt x="206" y="549"/>
-                    </a:lnTo>
-                    <a:lnTo>
-                      <a:pt x="216" y="552"/>
-                    </a:lnTo>
-                    <a:lnTo>
-                      <a:pt x="226" y="556"/>
-                    </a:lnTo>
-                    <a:lnTo>
-                      <a:pt x="226" y="614"/>
-                    </a:lnTo>
-                    <a:lnTo>
-                      <a:pt x="226" y="617"/>
-                    </a:lnTo>
-                    <a:lnTo>
-                      <a:pt x="227" y="620"/>
-                    </a:lnTo>
-                    <a:lnTo>
-                      <a:pt x="229" y="623"/>
-                    </a:lnTo>
-                    <a:lnTo>
-                      <a:pt x="231" y="625"/>
-                    </a:lnTo>
-                    <a:lnTo>
-                      <a:pt x="233" y="627"/>
-                    </a:lnTo>
-                    <a:lnTo>
-                      <a:pt x="235" y="628"/>
-                    </a:lnTo>
-                    <a:lnTo>
-                      <a:pt x="238" y="629"/>
-                    </a:lnTo>
-                    <a:lnTo>
-                      <a:pt x="241" y="629"/>
-                    </a:lnTo>
-                    <a:lnTo>
-                      <a:pt x="392" y="629"/>
-                    </a:lnTo>
-                    <a:lnTo>
-                      <a:pt x="395" y="629"/>
-                    </a:lnTo>
-                    <a:lnTo>
-                      <a:pt x="398" y="628"/>
-                    </a:lnTo>
-                    <a:lnTo>
-                      <a:pt x="401" y="627"/>
-                    </a:lnTo>
-                    <a:lnTo>
-                      <a:pt x="403" y="625"/>
-                    </a:lnTo>
-                    <a:lnTo>
-                      <a:pt x="404" y="623"/>
-                    </a:lnTo>
-                    <a:lnTo>
-                      <a:pt x="406" y="620"/>
-                    </a:lnTo>
-                    <a:lnTo>
-                      <a:pt x="407" y="617"/>
-                    </a:lnTo>
-                    <a:lnTo>
-                      <a:pt x="407" y="614"/>
-                    </a:lnTo>
-                    <a:lnTo>
-                      <a:pt x="407" y="556"/>
-                    </a:lnTo>
-                    <a:lnTo>
-                      <a:pt x="418" y="552"/>
-                    </a:lnTo>
-                    <a:lnTo>
-                      <a:pt x="429" y="548"/>
-                    </a:lnTo>
-                    <a:lnTo>
-                      <a:pt x="438" y="544"/>
-                    </a:lnTo>
-                    <a:lnTo>
-                      <a:pt x="447" y="538"/>
-                    </a:lnTo>
-                    <a:lnTo>
-                      <a:pt x="465" y="527"/>
-                    </a:lnTo>
-                    <a:lnTo>
-                      <a:pt x="481" y="513"/>
-                    </a:lnTo>
-                    <a:lnTo>
-                      <a:pt x="530" y="542"/>
-                    </a:lnTo>
-                    <a:lnTo>
-                      <a:pt x="533" y="543"/>
-                    </a:lnTo>
-                    <a:lnTo>
-                      <a:pt x="537" y="544"/>
-                    </a:lnTo>
-                    <a:lnTo>
-                      <a:pt x="539" y="544"/>
-                    </a:lnTo>
-                    <a:lnTo>
-                      <a:pt x="542" y="543"/>
-                    </a:lnTo>
-                    <a:lnTo>
-                      <a:pt x="545" y="543"/>
-                    </a:lnTo>
-                    <a:lnTo>
-                      <a:pt x="547" y="540"/>
-                    </a:lnTo>
-                    <a:lnTo>
-                      <a:pt x="550" y="539"/>
-                    </a:lnTo>
-                    <a:lnTo>
-                      <a:pt x="552" y="536"/>
-                    </a:lnTo>
-                    <a:lnTo>
-                      <a:pt x="627" y="405"/>
-                    </a:lnTo>
-                    <a:lnTo>
-                      <a:pt x="628" y="402"/>
-                    </a:lnTo>
-                    <a:lnTo>
-                      <a:pt x="628" y="399"/>
-                    </a:lnTo>
-                    <a:lnTo>
-                      <a:pt x="629" y="396"/>
-                    </a:lnTo>
-                    <a:lnTo>
-                      <a:pt x="628" y="394"/>
-                    </a:lnTo>
-                    <a:lnTo>
-                      <a:pt x="627" y="391"/>
-                    </a:lnTo>
-                    <a:lnTo>
-                      <a:pt x="625" y="389"/>
-                    </a:lnTo>
-                    <a:lnTo>
-                      <a:pt x="623" y="387"/>
-                    </a:lnTo>
-                    <a:lnTo>
-                      <a:pt x="621" y="385"/>
-                    </a:lnTo>
-                    <a:close/>
-                  </a:path>
-                </a:pathLst>
-              </a:custGeom>
-              <a:grpFill/>
-              <a:ln>
-                <a:noFill/>
-              </a:ln>
-              <a:extLst>
-                <a:ext uri="{91240B29-F687-4F45-9708-019B960494DF}">
-                  <a14:hiddenLine xmlns:a14="http://schemas.microsoft.com/office/drawing/2010/main" w="9525">
-                    <a:solidFill>
-                      <a:srgbClr val="000000"/>
-                    </a:solidFill>
-                    <a:round/>
-                    <a:headEnd/>
-                    <a:tailEnd/>
-                  </a14:hiddenLine>
-                </a:ext>
-              </a:extLst>
-            </p:spPr>
-            <p:txBody>
-              <a:bodyPr vert="horz" wrap="square" lIns="91440" tIns="45720" rIns="91440" bIns="45720" numCol="1" anchor="t" anchorCtr="0" compatLnSpc="1">
-                <a:prstTxWarp prst="textNoShape">
-                  <a:avLst/>
-                </a:prstTxWarp>
-              </a:bodyPr>
-              <a:lstStyle/>
-              <a:p>
-                <a:endParaRPr lang="en-US" dirty="0"/>
-              </a:p>
-            </p:txBody>
-          </p:sp>
-          <p:sp>
-            <p:nvSpPr>
-              <p:cNvPr id="41" name="Freeform 4360">
-                <a:extLst>
-                  <a:ext uri="{FF2B5EF4-FFF2-40B4-BE49-F238E27FC236}">
-                    <a16:creationId xmlns:a16="http://schemas.microsoft.com/office/drawing/2014/main" id="{CDB8F87B-81A2-480F-ADA8-BFB5FD890ACD}"/>
-                  </a:ext>
-                </a:extLst>
-              </p:cNvPr>
-              <p:cNvSpPr>
-                <a:spLocks noEditPoints="1"/>
-              </p:cNvSpPr>
-              <p:nvPr/>
-            </p:nvSpPr>
-            <p:spPr bwMode="auto">
-              <a:xfrm>
-                <a:off x="7781925" y="1387475"/>
-                <a:ext cx="115888" cy="117475"/>
-              </a:xfrm>
-              <a:custGeom>
-                <a:avLst/>
-                <a:gdLst>
-                  <a:gd name="T0" fmla="*/ 160 w 362"/>
-                  <a:gd name="T1" fmla="*/ 252 h 369"/>
-                  <a:gd name="T2" fmla="*/ 135 w 362"/>
-                  <a:gd name="T3" fmla="*/ 238 h 369"/>
-                  <a:gd name="T4" fmla="*/ 118 w 362"/>
-                  <a:gd name="T5" fmla="*/ 218 h 369"/>
-                  <a:gd name="T6" fmla="*/ 109 w 362"/>
-                  <a:gd name="T7" fmla="*/ 190 h 369"/>
-                  <a:gd name="T8" fmla="*/ 113 w 362"/>
-                  <a:gd name="T9" fmla="*/ 162 h 369"/>
-                  <a:gd name="T10" fmla="*/ 125 w 362"/>
-                  <a:gd name="T11" fmla="*/ 138 h 369"/>
-                  <a:gd name="T12" fmla="*/ 147 w 362"/>
-                  <a:gd name="T13" fmla="*/ 121 h 369"/>
-                  <a:gd name="T14" fmla="*/ 174 w 362"/>
-                  <a:gd name="T15" fmla="*/ 112 h 369"/>
-                  <a:gd name="T16" fmla="*/ 202 w 362"/>
-                  <a:gd name="T17" fmla="*/ 114 h 369"/>
-                  <a:gd name="T18" fmla="*/ 226 w 362"/>
-                  <a:gd name="T19" fmla="*/ 128 h 369"/>
-                  <a:gd name="T20" fmla="*/ 244 w 362"/>
-                  <a:gd name="T21" fmla="*/ 149 h 369"/>
-                  <a:gd name="T22" fmla="*/ 252 w 362"/>
-                  <a:gd name="T23" fmla="*/ 176 h 369"/>
-                  <a:gd name="T24" fmla="*/ 250 w 362"/>
-                  <a:gd name="T25" fmla="*/ 205 h 369"/>
-                  <a:gd name="T26" fmla="*/ 236 w 362"/>
-                  <a:gd name="T27" fmla="*/ 229 h 369"/>
-                  <a:gd name="T28" fmla="*/ 215 w 362"/>
-                  <a:gd name="T29" fmla="*/ 247 h 369"/>
-                  <a:gd name="T30" fmla="*/ 189 w 362"/>
-                  <a:gd name="T31" fmla="*/ 254 h 369"/>
-                  <a:gd name="T32" fmla="*/ 328 w 362"/>
-                  <a:gd name="T33" fmla="*/ 195 h 369"/>
-                  <a:gd name="T34" fmla="*/ 354 w 362"/>
-                  <a:gd name="T35" fmla="*/ 144 h 369"/>
-                  <a:gd name="T36" fmla="*/ 361 w 362"/>
-                  <a:gd name="T37" fmla="*/ 136 h 369"/>
-                  <a:gd name="T38" fmla="*/ 360 w 362"/>
-                  <a:gd name="T39" fmla="*/ 124 h 369"/>
-                  <a:gd name="T40" fmla="*/ 316 w 362"/>
-                  <a:gd name="T41" fmla="*/ 53 h 369"/>
-                  <a:gd name="T42" fmla="*/ 304 w 362"/>
-                  <a:gd name="T43" fmla="*/ 52 h 369"/>
-                  <a:gd name="T44" fmla="*/ 256 w 362"/>
-                  <a:gd name="T45" fmla="*/ 56 h 369"/>
-                  <a:gd name="T46" fmla="*/ 236 w 362"/>
-                  <a:gd name="T47" fmla="*/ 10 h 369"/>
-                  <a:gd name="T48" fmla="*/ 229 w 362"/>
-                  <a:gd name="T49" fmla="*/ 2 h 369"/>
-                  <a:gd name="T50" fmla="*/ 146 w 362"/>
-                  <a:gd name="T51" fmla="*/ 0 h 369"/>
-                  <a:gd name="T52" fmla="*/ 135 w 362"/>
-                  <a:gd name="T53" fmla="*/ 3 h 369"/>
-                  <a:gd name="T54" fmla="*/ 131 w 362"/>
-                  <a:gd name="T55" fmla="*/ 14 h 369"/>
-                  <a:gd name="T56" fmla="*/ 99 w 362"/>
-                  <a:gd name="T57" fmla="*/ 63 h 369"/>
-                  <a:gd name="T58" fmla="*/ 55 w 362"/>
-                  <a:gd name="T59" fmla="*/ 51 h 369"/>
-                  <a:gd name="T60" fmla="*/ 44 w 362"/>
-                  <a:gd name="T61" fmla="*/ 54 h 369"/>
-                  <a:gd name="T62" fmla="*/ 1 w 362"/>
-                  <a:gd name="T63" fmla="*/ 126 h 369"/>
-                  <a:gd name="T64" fmla="*/ 2 w 362"/>
-                  <a:gd name="T65" fmla="*/ 139 h 369"/>
-                  <a:gd name="T66" fmla="*/ 36 w 362"/>
-                  <a:gd name="T67" fmla="*/ 160 h 369"/>
-                  <a:gd name="T68" fmla="*/ 36 w 362"/>
-                  <a:gd name="T69" fmla="*/ 207 h 369"/>
-                  <a:gd name="T70" fmla="*/ 1 w 362"/>
-                  <a:gd name="T71" fmla="*/ 230 h 369"/>
-                  <a:gd name="T72" fmla="*/ 1 w 362"/>
-                  <a:gd name="T73" fmla="*/ 240 h 369"/>
-                  <a:gd name="T74" fmla="*/ 44 w 362"/>
-                  <a:gd name="T75" fmla="*/ 313 h 369"/>
-                  <a:gd name="T76" fmla="*/ 60 w 362"/>
-                  <a:gd name="T77" fmla="*/ 314 h 369"/>
-                  <a:gd name="T78" fmla="*/ 120 w 362"/>
-                  <a:gd name="T79" fmla="*/ 316 h 369"/>
-                  <a:gd name="T80" fmla="*/ 132 w 362"/>
-                  <a:gd name="T81" fmla="*/ 359 h 369"/>
-                  <a:gd name="T82" fmla="*/ 140 w 362"/>
-                  <a:gd name="T83" fmla="*/ 368 h 369"/>
-                  <a:gd name="T84" fmla="*/ 225 w 362"/>
-                  <a:gd name="T85" fmla="*/ 368 h 369"/>
-                  <a:gd name="T86" fmla="*/ 233 w 362"/>
-                  <a:gd name="T87" fmla="*/ 361 h 369"/>
-                  <a:gd name="T88" fmla="*/ 237 w 362"/>
-                  <a:gd name="T89" fmla="*/ 321 h 369"/>
-                  <a:gd name="T90" fmla="*/ 274 w 362"/>
-                  <a:gd name="T91" fmla="*/ 298 h 369"/>
-                  <a:gd name="T92" fmla="*/ 310 w 362"/>
-                  <a:gd name="T93" fmla="*/ 316 h 369"/>
-                  <a:gd name="T94" fmla="*/ 360 w 362"/>
-                  <a:gd name="T95" fmla="*/ 243 h 369"/>
-                  <a:gd name="T96" fmla="*/ 362 w 362"/>
-                  <a:gd name="T97" fmla="*/ 232 h 369"/>
-                  <a:gd name="T98" fmla="*/ 354 w 362"/>
-                  <a:gd name="T99" fmla="*/ 223 h 369"/>
-                </a:gdLst>
-                <a:ahLst/>
-                <a:cxnLst>
-                  <a:cxn ang="0">
-                    <a:pos x="T0" y="T1"/>
-                  </a:cxn>
-                  <a:cxn ang="0">
-                    <a:pos x="T2" y="T3"/>
-                  </a:cxn>
-                  <a:cxn ang="0">
-                    <a:pos x="T4" y="T5"/>
-                  </a:cxn>
-                  <a:cxn ang="0">
-                    <a:pos x="T6" y="T7"/>
-                  </a:cxn>
-                  <a:cxn ang="0">
-                    <a:pos x="T8" y="T9"/>
-                  </a:cxn>
-                  <a:cxn ang="0">
-                    <a:pos x="T10" y="T11"/>
-                  </a:cxn>
-                  <a:cxn ang="0">
-                    <a:pos x="T12" y="T13"/>
-                  </a:cxn>
-                  <a:cxn ang="0">
-                    <a:pos x="T14" y="T15"/>
-                  </a:cxn>
-                  <a:cxn ang="0">
-                    <a:pos x="T16" y="T17"/>
-                  </a:cxn>
-                  <a:cxn ang="0">
-                    <a:pos x="T18" y="T19"/>
-                  </a:cxn>
-                  <a:cxn ang="0">
-                    <a:pos x="T20" y="T21"/>
-                  </a:cxn>
-                  <a:cxn ang="0">
-                    <a:pos x="T22" y="T23"/>
-                  </a:cxn>
-                  <a:cxn ang="0">
-                    <a:pos x="T24" y="T25"/>
-                  </a:cxn>
-                  <a:cxn ang="0">
-                    <a:pos x="T26" y="T27"/>
-                  </a:cxn>
-                  <a:cxn ang="0">
-                    <a:pos x="T28" y="T29"/>
-                  </a:cxn>
-                  <a:cxn ang="0">
-                    <a:pos x="T30" y="T31"/>
-                  </a:cxn>
-                  <a:cxn ang="0">
-                    <a:pos x="T32" y="T33"/>
-                  </a:cxn>
-                  <a:cxn ang="0">
-                    <a:pos x="T34" y="T35"/>
-                  </a:cxn>
-                  <a:cxn ang="0">
-                    <a:pos x="T36" y="T37"/>
-                  </a:cxn>
-                  <a:cxn ang="0">
-                    <a:pos x="T38" y="T39"/>
-                  </a:cxn>
-                  <a:cxn ang="0">
-                    <a:pos x="T40" y="T41"/>
-                  </a:cxn>
-                  <a:cxn ang="0">
-                    <a:pos x="T42" y="T43"/>
-                  </a:cxn>
-                  <a:cxn ang="0">
-                    <a:pos x="T44" y="T45"/>
-                  </a:cxn>
-                  <a:cxn ang="0">
-                    <a:pos x="T46" y="T47"/>
-                  </a:cxn>
-                  <a:cxn ang="0">
-                    <a:pos x="T48" y="T49"/>
-                  </a:cxn>
-                  <a:cxn ang="0">
-                    <a:pos x="T50" y="T51"/>
-                  </a:cxn>
-                  <a:cxn ang="0">
-                    <a:pos x="T52" y="T53"/>
-                  </a:cxn>
-                  <a:cxn ang="0">
-                    <a:pos x="T54" y="T55"/>
-                  </a:cxn>
-                  <a:cxn ang="0">
-                    <a:pos x="T56" y="T57"/>
-                  </a:cxn>
-                  <a:cxn ang="0">
-                    <a:pos x="T58" y="T59"/>
-                  </a:cxn>
-                  <a:cxn ang="0">
-                    <a:pos x="T60" y="T61"/>
-                  </a:cxn>
-                  <a:cxn ang="0">
-                    <a:pos x="T62" y="T63"/>
-                  </a:cxn>
-                  <a:cxn ang="0">
-                    <a:pos x="T64" y="T65"/>
-                  </a:cxn>
-                  <a:cxn ang="0">
-                    <a:pos x="T66" y="T67"/>
-                  </a:cxn>
-                  <a:cxn ang="0">
-                    <a:pos x="T68" y="T69"/>
-                  </a:cxn>
-                  <a:cxn ang="0">
-                    <a:pos x="T70" y="T71"/>
-                  </a:cxn>
-                  <a:cxn ang="0">
-                    <a:pos x="T72" y="T73"/>
-                  </a:cxn>
-                  <a:cxn ang="0">
-                    <a:pos x="T74" y="T75"/>
-                  </a:cxn>
-                  <a:cxn ang="0">
-                    <a:pos x="T76" y="T77"/>
-                  </a:cxn>
-                  <a:cxn ang="0">
-                    <a:pos x="T78" y="T79"/>
-                  </a:cxn>
-                  <a:cxn ang="0">
-                    <a:pos x="T80" y="T81"/>
-                  </a:cxn>
-                  <a:cxn ang="0">
-                    <a:pos x="T82" y="T83"/>
-                  </a:cxn>
-                  <a:cxn ang="0">
-                    <a:pos x="T84" y="T85"/>
-                  </a:cxn>
-                  <a:cxn ang="0">
-                    <a:pos x="T86" y="T87"/>
-                  </a:cxn>
-                  <a:cxn ang="0">
-                    <a:pos x="T88" y="T89"/>
-                  </a:cxn>
-                  <a:cxn ang="0">
-                    <a:pos x="T90" y="T91"/>
-                  </a:cxn>
-                  <a:cxn ang="0">
-                    <a:pos x="T92" y="T93"/>
-                  </a:cxn>
-                  <a:cxn ang="0">
-                    <a:pos x="T94" y="T95"/>
-                  </a:cxn>
-                  <a:cxn ang="0">
-                    <a:pos x="T96" y="T97"/>
-                  </a:cxn>
-                  <a:cxn ang="0">
-                    <a:pos x="T98" y="T99"/>
-                  </a:cxn>
-                </a:cxnLst>
-                <a:rect l="0" t="0" r="r" b="b"/>
-                <a:pathLst>
-                  <a:path w="362" h="369">
-                    <a:moveTo>
-                      <a:pt x="181" y="255"/>
-                    </a:moveTo>
-                    <a:lnTo>
-                      <a:pt x="174" y="254"/>
-                    </a:lnTo>
-                    <a:lnTo>
-                      <a:pt x="166" y="253"/>
-                    </a:lnTo>
-                    <a:lnTo>
-                      <a:pt x="160" y="252"/>
-                    </a:lnTo>
-                    <a:lnTo>
-                      <a:pt x="153" y="249"/>
-                    </a:lnTo>
-                    <a:lnTo>
-                      <a:pt x="147" y="247"/>
-                    </a:lnTo>
-                    <a:lnTo>
-                      <a:pt x="141" y="243"/>
-                    </a:lnTo>
-                    <a:lnTo>
-                      <a:pt x="135" y="238"/>
-                    </a:lnTo>
-                    <a:lnTo>
-                      <a:pt x="131" y="234"/>
-                    </a:lnTo>
-                    <a:lnTo>
-                      <a:pt x="125" y="229"/>
-                    </a:lnTo>
-                    <a:lnTo>
-                      <a:pt x="122" y="223"/>
-                    </a:lnTo>
-                    <a:lnTo>
-                      <a:pt x="118" y="218"/>
-                    </a:lnTo>
-                    <a:lnTo>
-                      <a:pt x="115" y="212"/>
-                    </a:lnTo>
-                    <a:lnTo>
-                      <a:pt x="113" y="205"/>
-                    </a:lnTo>
-                    <a:lnTo>
-                      <a:pt x="110" y="198"/>
-                    </a:lnTo>
-                    <a:lnTo>
-                      <a:pt x="109" y="190"/>
-                    </a:lnTo>
-                    <a:lnTo>
-                      <a:pt x="109" y="183"/>
-                    </a:lnTo>
-                    <a:lnTo>
-                      <a:pt x="109" y="176"/>
-                    </a:lnTo>
-                    <a:lnTo>
-                      <a:pt x="110" y="169"/>
-                    </a:lnTo>
-                    <a:lnTo>
-                      <a:pt x="113" y="162"/>
-                    </a:lnTo>
-                    <a:lnTo>
-                      <a:pt x="115" y="156"/>
-                    </a:lnTo>
-                    <a:lnTo>
-                      <a:pt x="118" y="149"/>
-                    </a:lnTo>
-                    <a:lnTo>
-                      <a:pt x="122" y="143"/>
-                    </a:lnTo>
-                    <a:lnTo>
-                      <a:pt x="125" y="138"/>
-                    </a:lnTo>
-                    <a:lnTo>
-                      <a:pt x="131" y="132"/>
-                    </a:lnTo>
-                    <a:lnTo>
-                      <a:pt x="135" y="128"/>
-                    </a:lnTo>
-                    <a:lnTo>
-                      <a:pt x="141" y="124"/>
-                    </a:lnTo>
-                    <a:lnTo>
-                      <a:pt x="147" y="121"/>
-                    </a:lnTo>
-                    <a:lnTo>
-                      <a:pt x="153" y="117"/>
-                    </a:lnTo>
-                    <a:lnTo>
-                      <a:pt x="160" y="114"/>
-                    </a:lnTo>
-                    <a:lnTo>
-                      <a:pt x="166" y="113"/>
-                    </a:lnTo>
-                    <a:lnTo>
-                      <a:pt x="174" y="112"/>
-                    </a:lnTo>
-                    <a:lnTo>
-                      <a:pt x="181" y="111"/>
-                    </a:lnTo>
-                    <a:lnTo>
-                      <a:pt x="189" y="112"/>
-                    </a:lnTo>
-                    <a:lnTo>
-                      <a:pt x="195" y="113"/>
-                    </a:lnTo>
-                    <a:lnTo>
-                      <a:pt x="202" y="114"/>
-                    </a:lnTo>
-                    <a:lnTo>
-                      <a:pt x="209" y="117"/>
-                    </a:lnTo>
-                    <a:lnTo>
-                      <a:pt x="215" y="121"/>
-                    </a:lnTo>
-                    <a:lnTo>
-                      <a:pt x="221" y="124"/>
-                    </a:lnTo>
-                    <a:lnTo>
-                      <a:pt x="226" y="128"/>
-                    </a:lnTo>
-                    <a:lnTo>
-                      <a:pt x="231" y="132"/>
-                    </a:lnTo>
-                    <a:lnTo>
-                      <a:pt x="236" y="138"/>
-                    </a:lnTo>
-                    <a:lnTo>
-                      <a:pt x="240" y="143"/>
-                    </a:lnTo>
-                    <a:lnTo>
-                      <a:pt x="244" y="149"/>
-                    </a:lnTo>
-                    <a:lnTo>
-                      <a:pt x="247" y="156"/>
-                    </a:lnTo>
-                    <a:lnTo>
-                      <a:pt x="250" y="162"/>
-                    </a:lnTo>
-                    <a:lnTo>
-                      <a:pt x="251" y="169"/>
-                    </a:lnTo>
-                    <a:lnTo>
-                      <a:pt x="252" y="176"/>
-                    </a:lnTo>
-                    <a:lnTo>
-                      <a:pt x="253" y="183"/>
-                    </a:lnTo>
-                    <a:lnTo>
-                      <a:pt x="252" y="190"/>
-                    </a:lnTo>
-                    <a:lnTo>
-                      <a:pt x="251" y="198"/>
-                    </a:lnTo>
-                    <a:lnTo>
-                      <a:pt x="250" y="205"/>
-                    </a:lnTo>
-                    <a:lnTo>
-                      <a:pt x="247" y="212"/>
-                    </a:lnTo>
-                    <a:lnTo>
-                      <a:pt x="244" y="218"/>
-                    </a:lnTo>
-                    <a:lnTo>
-                      <a:pt x="240" y="223"/>
-                    </a:lnTo>
-                    <a:lnTo>
-                      <a:pt x="236" y="229"/>
-                    </a:lnTo>
-                    <a:lnTo>
-                      <a:pt x="231" y="234"/>
-                    </a:lnTo>
-                    <a:lnTo>
-                      <a:pt x="226" y="238"/>
-                    </a:lnTo>
-                    <a:lnTo>
-                      <a:pt x="221" y="243"/>
-                    </a:lnTo>
-                    <a:lnTo>
-                      <a:pt x="215" y="247"/>
-                    </a:lnTo>
-                    <a:lnTo>
-                      <a:pt x="209" y="249"/>
-                    </a:lnTo>
-                    <a:lnTo>
-                      <a:pt x="202" y="252"/>
-                    </a:lnTo>
-                    <a:lnTo>
-                      <a:pt x="195" y="253"/>
-                    </a:lnTo>
-                    <a:lnTo>
-                      <a:pt x="189" y="254"/>
-                    </a:lnTo>
-                    <a:lnTo>
-                      <a:pt x="181" y="255"/>
-                    </a:lnTo>
-                    <a:close/>
-                    <a:moveTo>
-                      <a:pt x="354" y="223"/>
-                    </a:moveTo>
-                    <a:lnTo>
-                      <a:pt x="327" y="207"/>
-                    </a:lnTo>
-                    <a:lnTo>
-                      <a:pt x="328" y="195"/>
-                    </a:lnTo>
-                    <a:lnTo>
-                      <a:pt x="328" y="183"/>
-                    </a:lnTo>
-                    <a:lnTo>
-                      <a:pt x="328" y="172"/>
-                    </a:lnTo>
-                    <a:lnTo>
-                      <a:pt x="327" y="160"/>
-                    </a:lnTo>
-                    <a:lnTo>
-                      <a:pt x="354" y="144"/>
-                    </a:lnTo>
-                    <a:lnTo>
-                      <a:pt x="357" y="143"/>
-                    </a:lnTo>
-                    <a:lnTo>
-                      <a:pt x="359" y="141"/>
-                    </a:lnTo>
-                    <a:lnTo>
-                      <a:pt x="360" y="139"/>
-                    </a:lnTo>
-                    <a:lnTo>
-                      <a:pt x="361" y="136"/>
-                    </a:lnTo>
-                    <a:lnTo>
-                      <a:pt x="362" y="132"/>
-                    </a:lnTo>
-                    <a:lnTo>
-                      <a:pt x="362" y="129"/>
-                    </a:lnTo>
-                    <a:lnTo>
-                      <a:pt x="361" y="126"/>
-                    </a:lnTo>
-                    <a:lnTo>
-                      <a:pt x="360" y="124"/>
-                    </a:lnTo>
-                    <a:lnTo>
-                      <a:pt x="322" y="59"/>
-                    </a:lnTo>
-                    <a:lnTo>
-                      <a:pt x="320" y="56"/>
-                    </a:lnTo>
-                    <a:lnTo>
-                      <a:pt x="318" y="54"/>
-                    </a:lnTo>
-                    <a:lnTo>
-                      <a:pt x="316" y="53"/>
-                    </a:lnTo>
-                    <a:lnTo>
-                      <a:pt x="313" y="51"/>
-                    </a:lnTo>
-                    <a:lnTo>
-                      <a:pt x="309" y="51"/>
-                    </a:lnTo>
-                    <a:lnTo>
-                      <a:pt x="307" y="51"/>
-                    </a:lnTo>
-                    <a:lnTo>
-                      <a:pt x="304" y="52"/>
-                    </a:lnTo>
-                    <a:lnTo>
-                      <a:pt x="301" y="53"/>
-                    </a:lnTo>
-                    <a:lnTo>
-                      <a:pt x="274" y="69"/>
-                    </a:lnTo>
-                    <a:lnTo>
-                      <a:pt x="266" y="63"/>
-                    </a:lnTo>
-                    <a:lnTo>
-                      <a:pt x="256" y="56"/>
-                    </a:lnTo>
-                    <a:lnTo>
-                      <a:pt x="246" y="51"/>
-                    </a:lnTo>
-                    <a:lnTo>
-                      <a:pt x="237" y="47"/>
-                    </a:lnTo>
-                    <a:lnTo>
-                      <a:pt x="237" y="14"/>
-                    </a:lnTo>
-                    <a:lnTo>
-                      <a:pt x="236" y="10"/>
-                    </a:lnTo>
-                    <a:lnTo>
-                      <a:pt x="236" y="8"/>
-                    </a:lnTo>
-                    <a:lnTo>
-                      <a:pt x="233" y="5"/>
-                    </a:lnTo>
-                    <a:lnTo>
-                      <a:pt x="232" y="3"/>
-                    </a:lnTo>
-                    <a:lnTo>
-                      <a:pt x="229" y="2"/>
-                    </a:lnTo>
-                    <a:lnTo>
-                      <a:pt x="227" y="1"/>
-                    </a:lnTo>
-                    <a:lnTo>
-                      <a:pt x="224" y="0"/>
-                    </a:lnTo>
-                    <a:lnTo>
-                      <a:pt x="222" y="0"/>
-                    </a:lnTo>
-                    <a:lnTo>
-                      <a:pt x="146" y="0"/>
-                    </a:lnTo>
-                    <a:lnTo>
-                      <a:pt x="143" y="0"/>
-                    </a:lnTo>
-                    <a:lnTo>
-                      <a:pt x="140" y="1"/>
-                    </a:lnTo>
-                    <a:lnTo>
-                      <a:pt x="137" y="2"/>
-                    </a:lnTo>
-                    <a:lnTo>
-                      <a:pt x="135" y="3"/>
-                    </a:lnTo>
-                    <a:lnTo>
-                      <a:pt x="134" y="5"/>
-                    </a:lnTo>
-                    <a:lnTo>
-                      <a:pt x="132" y="8"/>
-                    </a:lnTo>
-                    <a:lnTo>
-                      <a:pt x="132" y="10"/>
-                    </a:lnTo>
-                    <a:lnTo>
-                      <a:pt x="131" y="14"/>
-                    </a:lnTo>
-                    <a:lnTo>
-                      <a:pt x="131" y="47"/>
-                    </a:lnTo>
-                    <a:lnTo>
-                      <a:pt x="120" y="52"/>
-                    </a:lnTo>
-                    <a:lnTo>
-                      <a:pt x="109" y="57"/>
-                    </a:lnTo>
-                    <a:lnTo>
-                      <a:pt x="99" y="63"/>
-                    </a:lnTo>
-                    <a:lnTo>
-                      <a:pt x="90" y="69"/>
-                    </a:lnTo>
-                    <a:lnTo>
-                      <a:pt x="61" y="53"/>
-                    </a:lnTo>
-                    <a:lnTo>
-                      <a:pt x="58" y="52"/>
-                    </a:lnTo>
-                    <a:lnTo>
-                      <a:pt x="55" y="51"/>
-                    </a:lnTo>
-                    <a:lnTo>
-                      <a:pt x="53" y="51"/>
-                    </a:lnTo>
-                    <a:lnTo>
-                      <a:pt x="49" y="51"/>
-                    </a:lnTo>
-                    <a:lnTo>
-                      <a:pt x="47" y="52"/>
-                    </a:lnTo>
-                    <a:lnTo>
-                      <a:pt x="44" y="54"/>
-                    </a:lnTo>
-                    <a:lnTo>
-                      <a:pt x="42" y="56"/>
-                    </a:lnTo>
-                    <a:lnTo>
-                      <a:pt x="41" y="59"/>
-                    </a:lnTo>
-                    <a:lnTo>
-                      <a:pt x="2" y="124"/>
-                    </a:lnTo>
-                    <a:lnTo>
-                      <a:pt x="1" y="126"/>
-                    </a:lnTo>
-                    <a:lnTo>
-                      <a:pt x="0" y="129"/>
-                    </a:lnTo>
-                    <a:lnTo>
-                      <a:pt x="0" y="132"/>
-                    </a:lnTo>
-                    <a:lnTo>
-                      <a:pt x="1" y="136"/>
-                    </a:lnTo>
-                    <a:lnTo>
-                      <a:pt x="2" y="139"/>
-                    </a:lnTo>
-                    <a:lnTo>
-                      <a:pt x="3" y="141"/>
-                    </a:lnTo>
-                    <a:lnTo>
-                      <a:pt x="6" y="143"/>
-                    </a:lnTo>
-                    <a:lnTo>
-                      <a:pt x="8" y="144"/>
-                    </a:lnTo>
-                    <a:lnTo>
-                      <a:pt x="36" y="160"/>
-                    </a:lnTo>
-                    <a:lnTo>
-                      <a:pt x="34" y="172"/>
-                    </a:lnTo>
-                    <a:lnTo>
-                      <a:pt x="34" y="183"/>
-                    </a:lnTo>
-                    <a:lnTo>
-                      <a:pt x="34" y="195"/>
-                    </a:lnTo>
-                    <a:lnTo>
-                      <a:pt x="36" y="207"/>
-                    </a:lnTo>
-                    <a:lnTo>
-                      <a:pt x="8" y="223"/>
-                    </a:lnTo>
-                    <a:lnTo>
-                      <a:pt x="6" y="224"/>
-                    </a:lnTo>
-                    <a:lnTo>
-                      <a:pt x="3" y="227"/>
-                    </a:lnTo>
-                    <a:lnTo>
-                      <a:pt x="1" y="230"/>
-                    </a:lnTo>
-                    <a:lnTo>
-                      <a:pt x="0" y="233"/>
-                    </a:lnTo>
-                    <a:lnTo>
-                      <a:pt x="0" y="235"/>
-                    </a:lnTo>
-                    <a:lnTo>
-                      <a:pt x="0" y="237"/>
-                    </a:lnTo>
-                    <a:lnTo>
-                      <a:pt x="1" y="240"/>
-                    </a:lnTo>
-                    <a:lnTo>
-                      <a:pt x="2" y="243"/>
-                    </a:lnTo>
-                    <a:lnTo>
-                      <a:pt x="40" y="309"/>
-                    </a:lnTo>
-                    <a:lnTo>
-                      <a:pt x="42" y="311"/>
-                    </a:lnTo>
-                    <a:lnTo>
-                      <a:pt x="44" y="313"/>
-                    </a:lnTo>
-                    <a:lnTo>
-                      <a:pt x="46" y="314"/>
-                    </a:lnTo>
-                    <a:lnTo>
-                      <a:pt x="48" y="315"/>
-                    </a:lnTo>
-                    <a:lnTo>
-                      <a:pt x="55" y="316"/>
-                    </a:lnTo>
-                    <a:lnTo>
-                      <a:pt x="60" y="314"/>
-                    </a:lnTo>
-                    <a:lnTo>
-                      <a:pt x="90" y="297"/>
-                    </a:lnTo>
-                    <a:lnTo>
-                      <a:pt x="99" y="304"/>
-                    </a:lnTo>
-                    <a:lnTo>
-                      <a:pt x="109" y="310"/>
-                    </a:lnTo>
-                    <a:lnTo>
-                      <a:pt x="120" y="316"/>
-                    </a:lnTo>
-                    <a:lnTo>
-                      <a:pt x="131" y="321"/>
-                    </a:lnTo>
-                    <a:lnTo>
-                      <a:pt x="131" y="354"/>
-                    </a:lnTo>
-                    <a:lnTo>
-                      <a:pt x="132" y="356"/>
-                    </a:lnTo>
-                    <a:lnTo>
-                      <a:pt x="132" y="359"/>
-                    </a:lnTo>
-                    <a:lnTo>
-                      <a:pt x="134" y="361"/>
-                    </a:lnTo>
-                    <a:lnTo>
-                      <a:pt x="135" y="363"/>
-                    </a:lnTo>
-                    <a:lnTo>
-                      <a:pt x="137" y="366"/>
-                    </a:lnTo>
-                    <a:lnTo>
-                      <a:pt x="140" y="368"/>
-                    </a:lnTo>
-                    <a:lnTo>
-                      <a:pt x="143" y="368"/>
-                    </a:lnTo>
-                    <a:lnTo>
-                      <a:pt x="146" y="369"/>
-                    </a:lnTo>
-                    <a:lnTo>
-                      <a:pt x="222" y="369"/>
-                    </a:lnTo>
-                    <a:lnTo>
-                      <a:pt x="225" y="368"/>
-                    </a:lnTo>
-                    <a:lnTo>
-                      <a:pt x="227" y="368"/>
-                    </a:lnTo>
-                    <a:lnTo>
-                      <a:pt x="229" y="366"/>
-                    </a:lnTo>
-                    <a:lnTo>
-                      <a:pt x="232" y="363"/>
-                    </a:lnTo>
-                    <a:lnTo>
-                      <a:pt x="233" y="361"/>
-                    </a:lnTo>
-                    <a:lnTo>
-                      <a:pt x="236" y="359"/>
-                    </a:lnTo>
-                    <a:lnTo>
-                      <a:pt x="236" y="356"/>
-                    </a:lnTo>
-                    <a:lnTo>
-                      <a:pt x="237" y="354"/>
-                    </a:lnTo>
-                    <a:lnTo>
-                      <a:pt x="237" y="321"/>
-                    </a:lnTo>
-                    <a:lnTo>
-                      <a:pt x="246" y="316"/>
-                    </a:lnTo>
-                    <a:lnTo>
-                      <a:pt x="256" y="311"/>
-                    </a:lnTo>
-                    <a:lnTo>
-                      <a:pt x="266" y="305"/>
-                    </a:lnTo>
-                    <a:lnTo>
-                      <a:pt x="274" y="298"/>
-                    </a:lnTo>
-                    <a:lnTo>
-                      <a:pt x="302" y="313"/>
-                    </a:lnTo>
-                    <a:lnTo>
-                      <a:pt x="305" y="315"/>
-                    </a:lnTo>
-                    <a:lnTo>
-                      <a:pt x="307" y="315"/>
-                    </a:lnTo>
-                    <a:lnTo>
-                      <a:pt x="310" y="316"/>
-                    </a:lnTo>
-                    <a:lnTo>
-                      <a:pt x="314" y="316"/>
-                    </a:lnTo>
-                    <a:lnTo>
-                      <a:pt x="319" y="313"/>
-                    </a:lnTo>
-                    <a:lnTo>
-                      <a:pt x="322" y="309"/>
-                    </a:lnTo>
-                    <a:lnTo>
-                      <a:pt x="360" y="243"/>
-                    </a:lnTo>
-                    <a:lnTo>
-                      <a:pt x="362" y="240"/>
-                    </a:lnTo>
-                    <a:lnTo>
-                      <a:pt x="362" y="237"/>
-                    </a:lnTo>
-                    <a:lnTo>
-                      <a:pt x="362" y="234"/>
-                    </a:lnTo>
-                    <a:lnTo>
-                      <a:pt x="362" y="232"/>
-                    </a:lnTo>
-                    <a:lnTo>
-                      <a:pt x="361" y="229"/>
-                    </a:lnTo>
-                    <a:lnTo>
-                      <a:pt x="359" y="227"/>
-                    </a:lnTo>
-                    <a:lnTo>
-                      <a:pt x="357" y="224"/>
-                    </a:lnTo>
-                    <a:lnTo>
-                      <a:pt x="354" y="223"/>
-                    </a:lnTo>
-                    <a:close/>
-                  </a:path>
-                </a:pathLst>
-              </a:custGeom>
-              <a:grpFill/>
-              <a:ln>
-                <a:noFill/>
-              </a:ln>
-              <a:extLst>
-                <a:ext uri="{91240B29-F687-4F45-9708-019B960494DF}">
-                  <a14:hiddenLine xmlns:a14="http://schemas.microsoft.com/office/drawing/2010/main" w="9525">
-                    <a:solidFill>
-                      <a:srgbClr val="000000"/>
-                    </a:solidFill>
-                    <a:round/>
-                    <a:headEnd/>
-                    <a:tailEnd/>
-                  </a14:hiddenLine>
-                </a:ext>
-              </a:extLst>
-            </p:spPr>
-            <p:txBody>
-              <a:bodyPr vert="horz" wrap="square" lIns="91440" tIns="45720" rIns="91440" bIns="45720" numCol="1" anchor="t" anchorCtr="0" compatLnSpc="1">
-                <a:prstTxWarp prst="textNoShape">
-                  <a:avLst/>
-                </a:prstTxWarp>
-              </a:bodyPr>
-              <a:lstStyle/>
-              <a:p>
-                <a:endParaRPr lang="en-US" dirty="0"/>
-              </a:p>
-            </p:txBody>
-          </p:sp>
-        </p:grpSp>
-        <p:sp>
-          <p:nvSpPr>
-            <p:cNvPr id="43" name="Rectangle: Rounded Corners 42">
-              <a:extLst>
-                <a:ext uri="{FF2B5EF4-FFF2-40B4-BE49-F238E27FC236}">
-                  <a16:creationId xmlns:a16="http://schemas.microsoft.com/office/drawing/2014/main" id="{B85F08E2-A4F8-481B-A230-C4AE4566AD87}"/>
-                </a:ext>
-                <a:ext uri="{C183D7F6-B498-43B3-948B-1728B52AA6E4}">
-                  <adec:decorative xmlns:adec="http://schemas.microsoft.com/office/drawing/2017/decorative" val="1"/>
-                </a:ext>
-              </a:extLst>
-            </p:cNvPr>
-            <p:cNvSpPr/>
-            <p:nvPr/>
-          </p:nvSpPr>
-          <p:spPr>
-            <a:xfrm>
-              <a:off x="1297931" y="1612904"/>
-              <a:ext cx="7789797" cy="775597"/>
-            </a:xfrm>
-            <a:prstGeom prst="roundRect">
-              <a:avLst>
-                <a:gd name="adj" fmla="val 50000"/>
-              </a:avLst>
-            </a:prstGeom>
-            <a:solidFill>
-              <a:schemeClr val="accent3"/>
-            </a:solidFill>
-            <a:ln>
-              <a:noFill/>
-            </a:ln>
-          </p:spPr>
-          <p:style>
-            <a:lnRef idx="2">
-              <a:schemeClr val="accent1">
-                <a:shade val="50000"/>
-              </a:schemeClr>
-            </a:lnRef>
-            <a:fillRef idx="1">
-              <a:schemeClr val="accent1"/>
-            </a:fillRef>
-            <a:effectRef idx="0">
-              <a:schemeClr val="accent1"/>
-            </a:effectRef>
-            <a:fontRef idx="minor">
-              <a:schemeClr val="lt1"/>
-            </a:fontRef>
-          </p:style>
-          <p:txBody>
-            <a:bodyPr rtlCol="0" anchor="ctr"/>
-            <a:lstStyle/>
-            <a:p>
-              <a:pPr algn="ctr"/>
-              <a:r>
-                <a:rPr lang="en-US" sz="1600" dirty="0" err="1"/>
-                <a:t>Adanya</a:t>
-              </a:r>
-              <a:r>
-                <a:rPr lang="en-US" sz="1600" dirty="0"/>
-                <a:t> Covid19 </a:t>
-              </a:r>
-              <a:r>
-                <a:rPr lang="en-US" sz="1600" dirty="0" err="1"/>
-                <a:t>dibutuh</a:t>
-              </a:r>
-              <a:r>
-                <a:rPr lang="en-US" sz="1600" dirty="0"/>
-                <a:t> </a:t>
-              </a:r>
-              <a:r>
-                <a:rPr lang="en-US" sz="1600" dirty="0" err="1"/>
-                <a:t>sebuah</a:t>
-              </a:r>
-              <a:r>
-                <a:rPr lang="en-US" sz="1600" dirty="0"/>
-                <a:t> system </a:t>
-              </a:r>
-              <a:r>
-                <a:rPr lang="en-US" sz="1600" dirty="0" err="1"/>
-                <a:t>perekaman</a:t>
-              </a:r>
-              <a:r>
-                <a:rPr lang="en-US" sz="1600" dirty="0"/>
-                <a:t> data </a:t>
-              </a:r>
-              <a:r>
-                <a:rPr lang="en-US" sz="1600" dirty="0" err="1"/>
-                <a:t>pengunjung</a:t>
-              </a:r>
-              <a:r>
-                <a:rPr lang="en-US" sz="1600" dirty="0"/>
-                <a:t>.</a:t>
-              </a:r>
-            </a:p>
-          </p:txBody>
-        </p:sp>
-        <p:sp>
-          <p:nvSpPr>
-            <p:cNvPr id="19" name="Rectangle: Rounded Corners 18">
-              <a:extLst>
-                <a:ext uri="{FF2B5EF4-FFF2-40B4-BE49-F238E27FC236}">
-                  <a16:creationId xmlns:a16="http://schemas.microsoft.com/office/drawing/2014/main" id="{3D72410A-AC77-4EF6-8F3B-05ADF287F056}"/>
-                </a:ext>
-                <a:ext uri="{C183D7F6-B498-43B3-948B-1728B52AA6E4}">
-                  <adec:decorative xmlns:adec="http://schemas.microsoft.com/office/drawing/2017/decorative" val="1"/>
-                </a:ext>
-              </a:extLst>
-            </p:cNvPr>
-            <p:cNvSpPr/>
-            <p:nvPr/>
-          </p:nvSpPr>
-          <p:spPr>
-            <a:xfrm>
-              <a:off x="1710121" y="2632154"/>
-              <a:ext cx="7377607" cy="740997"/>
-            </a:xfrm>
-            <a:prstGeom prst="roundRect">
-              <a:avLst>
-                <a:gd name="adj" fmla="val 50000"/>
-              </a:avLst>
-            </a:prstGeom>
-            <a:solidFill>
-              <a:schemeClr val="accent4"/>
-            </a:solidFill>
-            <a:ln>
-              <a:noFill/>
-            </a:ln>
-          </p:spPr>
-          <p:style>
-            <a:lnRef idx="2">
-              <a:schemeClr val="accent1">
-                <a:shade val="50000"/>
-              </a:schemeClr>
-            </a:lnRef>
-            <a:fillRef idx="1">
-              <a:schemeClr val="accent1"/>
-            </a:fillRef>
-            <a:effectRef idx="0">
-              <a:schemeClr val="accent1"/>
-            </a:effectRef>
-            <a:fontRef idx="minor">
-              <a:schemeClr val="lt1"/>
-            </a:fontRef>
-          </p:style>
-          <p:txBody>
-            <a:bodyPr rtlCol="0" anchor="ctr"/>
-            <a:lstStyle/>
-            <a:p>
-              <a:pPr algn="ctr"/>
-              <a:r>
-                <a:rPr lang="en-US" sz="1600" dirty="0" err="1"/>
-                <a:t>Dengan</a:t>
-              </a:r>
-              <a:r>
-                <a:rPr lang="en-US" sz="1600" dirty="0"/>
-                <a:t> </a:t>
-              </a:r>
-              <a:r>
-                <a:rPr lang="en-US" sz="1600" dirty="0" err="1"/>
-                <a:t>teknologi</a:t>
-              </a:r>
-              <a:r>
-                <a:rPr lang="en-US" sz="1600" dirty="0"/>
-                <a:t> </a:t>
-              </a:r>
-              <a:r>
-                <a:rPr lang="en-US" sz="1600" dirty="0" err="1"/>
-                <a:t>ini</a:t>
-              </a:r>
-              <a:r>
-                <a:rPr lang="en-US" sz="1600" dirty="0"/>
-                <a:t> </a:t>
-              </a:r>
-              <a:r>
-                <a:rPr lang="en-US" sz="1600" dirty="0" err="1"/>
-                <a:t>perekaman</a:t>
-              </a:r>
-              <a:r>
-                <a:rPr lang="en-US" sz="1600" dirty="0"/>
-                <a:t> data </a:t>
-              </a:r>
-              <a:r>
-                <a:rPr lang="en-US" sz="1600" dirty="0" err="1"/>
-                <a:t>bisa</a:t>
-              </a:r>
-              <a:r>
-                <a:rPr lang="en-US" sz="1600" dirty="0"/>
-                <a:t> </a:t>
-              </a:r>
-              <a:r>
-                <a:rPr lang="en-US" sz="1600" dirty="0" err="1"/>
-                <a:t>dibuat</a:t>
-              </a:r>
-              <a:r>
-                <a:rPr lang="en-US" sz="1600" dirty="0"/>
-                <a:t> </a:t>
-              </a:r>
-              <a:r>
-                <a:rPr lang="en-US" sz="1600" dirty="0" err="1"/>
-                <a:t>dengan</a:t>
-              </a:r>
-              <a:r>
-                <a:rPr lang="en-US" sz="1600" dirty="0"/>
-                <a:t> </a:t>
-              </a:r>
-              <a:r>
-                <a:rPr lang="en-US" sz="1600" dirty="0" err="1"/>
-                <a:t>kapasitas</a:t>
-              </a:r>
-              <a:r>
-                <a:rPr lang="en-US" sz="1600" dirty="0"/>
-                <a:t> yang </a:t>
-              </a:r>
-              <a:r>
-                <a:rPr lang="en-US" sz="1600" dirty="0" err="1"/>
-                <a:t>besar</a:t>
-              </a:r>
-              <a:r>
-                <a:rPr lang="en-US" sz="1600" dirty="0"/>
-                <a:t> </a:t>
-              </a:r>
-            </a:p>
-          </p:txBody>
-        </p:sp>
-        <p:sp>
-          <p:nvSpPr>
-            <p:cNvPr id="20" name="Oval 19">
-              <a:extLst>
-                <a:ext uri="{FF2B5EF4-FFF2-40B4-BE49-F238E27FC236}">
-                  <a16:creationId xmlns:a16="http://schemas.microsoft.com/office/drawing/2014/main" id="{10B465C6-13D6-4122-AE30-5D7919E8DA97}"/>
-                </a:ext>
-                <a:ext uri="{C183D7F6-B498-43B3-948B-1728B52AA6E4}">
-                  <adec:decorative xmlns:adec="http://schemas.microsoft.com/office/drawing/2017/decorative" val="1"/>
-                </a:ext>
-              </a:extLst>
-            </p:cNvPr>
-            <p:cNvSpPr/>
-            <p:nvPr/>
-          </p:nvSpPr>
-          <p:spPr>
-            <a:xfrm>
-              <a:off x="913153" y="2546380"/>
-              <a:ext cx="939800" cy="939800"/>
-            </a:xfrm>
-            <a:prstGeom prst="ellipse">
-              <a:avLst/>
-            </a:prstGeom>
-            <a:solidFill>
-              <a:schemeClr val="accent4">
-                <a:lumMod val="75000"/>
-              </a:schemeClr>
-            </a:solidFill>
-            <a:ln>
-              <a:noFill/>
-            </a:ln>
-          </p:spPr>
-          <p:style>
-            <a:lnRef idx="2">
-              <a:schemeClr val="accent1">
-                <a:shade val="50000"/>
-              </a:schemeClr>
-            </a:lnRef>
-            <a:fillRef idx="1">
-              <a:schemeClr val="accent1"/>
-            </a:fillRef>
-            <a:effectRef idx="0">
-              <a:schemeClr val="accent1"/>
-            </a:effectRef>
-            <a:fontRef idx="minor">
-              <a:schemeClr val="lt1"/>
-            </a:fontRef>
-          </p:style>
-          <p:txBody>
-            <a:bodyPr rtlCol="0" anchor="ctr"/>
-            <a:lstStyle/>
-            <a:p>
-              <a:pPr algn="ctr"/>
-              <a:r>
-                <a:rPr lang="en-US" b="1" dirty="0">
-                  <a:latin typeface="Arial Rounded MT Bold" panose="020F0704030504030204" pitchFamily="34" charset="0"/>
-                </a:rPr>
-                <a:t>-</a:t>
-              </a:r>
-            </a:p>
-          </p:txBody>
-        </p:sp>
-        <p:sp>
-          <p:nvSpPr>
-            <p:cNvPr id="21" name="Oval 20">
-              <a:extLst>
-                <a:ext uri="{FF2B5EF4-FFF2-40B4-BE49-F238E27FC236}">
-                  <a16:creationId xmlns:a16="http://schemas.microsoft.com/office/drawing/2014/main" id="{ABFFAE89-7F08-417C-9541-5EB97924A461}"/>
-                </a:ext>
-                <a:ext uri="{C183D7F6-B498-43B3-948B-1728B52AA6E4}">
-                  <adec:decorative xmlns:adec="http://schemas.microsoft.com/office/drawing/2017/decorative" val="1"/>
-                </a:ext>
-              </a:extLst>
-            </p:cNvPr>
-            <p:cNvSpPr/>
-            <p:nvPr/>
-          </p:nvSpPr>
-          <p:spPr>
-            <a:xfrm>
-              <a:off x="913153" y="1516570"/>
-              <a:ext cx="939800" cy="939800"/>
-            </a:xfrm>
-            <a:prstGeom prst="ellipse">
-              <a:avLst/>
-            </a:prstGeom>
-            <a:solidFill>
-              <a:schemeClr val="accent3">
-                <a:lumMod val="75000"/>
-              </a:schemeClr>
-            </a:solidFill>
-            <a:ln>
-              <a:noFill/>
-            </a:ln>
-          </p:spPr>
-          <p:style>
-            <a:lnRef idx="2">
-              <a:schemeClr val="accent1">
-                <a:shade val="50000"/>
-              </a:schemeClr>
-            </a:lnRef>
-            <a:fillRef idx="1">
-              <a:schemeClr val="accent1"/>
-            </a:fillRef>
-            <a:effectRef idx="0">
-              <a:schemeClr val="accent1"/>
-            </a:effectRef>
-            <a:fontRef idx="minor">
-              <a:schemeClr val="lt1"/>
-            </a:fontRef>
-          </p:style>
-          <p:txBody>
-            <a:bodyPr rtlCol="0" anchor="ctr"/>
-            <a:lstStyle/>
-            <a:p>
-              <a:pPr algn="ctr"/>
-              <a:r>
-                <a:rPr lang="en-US" b="1" dirty="0">
-                  <a:latin typeface="Arial Rounded MT Bold" panose="020F0704030504030204" pitchFamily="34" charset="0"/>
-                </a:rPr>
-                <a:t>-</a:t>
-              </a:r>
-            </a:p>
-          </p:txBody>
-        </p:sp>
-        <p:sp>
-          <p:nvSpPr>
-            <p:cNvPr id="22" name="Rectangle: Rounded Corners 21">
-              <a:extLst>
-                <a:ext uri="{FF2B5EF4-FFF2-40B4-BE49-F238E27FC236}">
-                  <a16:creationId xmlns:a16="http://schemas.microsoft.com/office/drawing/2014/main" id="{D8067A0D-5ED4-4DD5-9D59-C97270252565}"/>
-                </a:ext>
-                <a:ext uri="{C183D7F6-B498-43B3-948B-1728B52AA6E4}">
-                  <adec:decorative xmlns:adec="http://schemas.microsoft.com/office/drawing/2017/decorative" val="1"/>
-                </a:ext>
-              </a:extLst>
-            </p:cNvPr>
-            <p:cNvSpPr/>
-            <p:nvPr/>
-          </p:nvSpPr>
-          <p:spPr>
-            <a:xfrm>
-              <a:off x="1573213" y="3678506"/>
-              <a:ext cx="7514516" cy="775597"/>
-            </a:xfrm>
-            <a:prstGeom prst="roundRect">
-              <a:avLst>
-                <a:gd name="adj" fmla="val 50000"/>
-              </a:avLst>
-            </a:prstGeom>
-            <a:solidFill>
-              <a:schemeClr val="accent3"/>
-            </a:solidFill>
-            <a:ln>
-              <a:noFill/>
-            </a:ln>
-          </p:spPr>
-          <p:style>
-            <a:lnRef idx="2">
-              <a:schemeClr val="accent1">
-                <a:shade val="50000"/>
-              </a:schemeClr>
-            </a:lnRef>
-            <a:fillRef idx="1">
-              <a:schemeClr val="accent1"/>
-            </a:fillRef>
-            <a:effectRef idx="0">
-              <a:schemeClr val="accent1"/>
-            </a:effectRef>
-            <a:fontRef idx="minor">
-              <a:schemeClr val="lt1"/>
-            </a:fontRef>
-          </p:style>
-          <p:txBody>
-            <a:bodyPr rtlCol="0" anchor="ctr"/>
-            <a:lstStyle/>
-            <a:p>
-              <a:pPr algn="ctr"/>
-              <a:r>
-                <a:rPr lang="en-US" sz="1600" dirty="0" err="1"/>
-                <a:t>Lebih</a:t>
-              </a:r>
-              <a:r>
-                <a:rPr lang="en-US" sz="1600" dirty="0"/>
-                <a:t> </a:t>
-              </a:r>
-              <a:r>
-                <a:rPr lang="en-US" sz="1600" dirty="0" err="1"/>
-                <a:t>mudah</a:t>
-              </a:r>
-              <a:r>
-                <a:rPr lang="en-US" sz="1600" dirty="0"/>
-                <a:t> </a:t>
-              </a:r>
-              <a:r>
-                <a:rPr lang="en-US" sz="1600" dirty="0" err="1"/>
-                <a:t>melakukan</a:t>
-              </a:r>
-              <a:r>
-                <a:rPr lang="en-US" sz="1600" dirty="0"/>
-                <a:t> Tracking </a:t>
-              </a:r>
-              <a:r>
-                <a:rPr lang="en-US" sz="1600" dirty="0" err="1"/>
-                <a:t>jika</a:t>
-              </a:r>
-              <a:r>
-                <a:rPr lang="en-US" sz="1600" dirty="0"/>
-                <a:t> </a:t>
-              </a:r>
-              <a:r>
-                <a:rPr lang="en-US" sz="1600" dirty="0" err="1"/>
-                <a:t>terdapat</a:t>
-              </a:r>
-              <a:r>
-                <a:rPr lang="en-US" sz="1600" dirty="0"/>
-                <a:t> </a:t>
-              </a:r>
-              <a:r>
-                <a:rPr lang="en-US" sz="1600" dirty="0" err="1"/>
-                <a:t>seseorang</a:t>
-              </a:r>
-              <a:r>
-                <a:rPr lang="en-US" sz="1600" dirty="0"/>
-                <a:t> </a:t>
-              </a:r>
-              <a:r>
-                <a:rPr lang="en-US" sz="1600" dirty="0" err="1"/>
-                <a:t>dengan</a:t>
-              </a:r>
-              <a:r>
-                <a:rPr lang="en-US" sz="1600" dirty="0"/>
-                <a:t> </a:t>
-              </a:r>
-              <a:r>
-                <a:rPr lang="en-US" sz="1600" dirty="0" err="1"/>
-                <a:t>suhu</a:t>
-              </a:r>
-              <a:r>
-                <a:rPr lang="en-US" sz="1600" dirty="0"/>
-                <a:t> </a:t>
-              </a:r>
-              <a:r>
-                <a:rPr lang="en-US" sz="1600" dirty="0" err="1"/>
-                <a:t>lebih</a:t>
-              </a:r>
-              <a:endParaRPr lang="en-US" sz="1600" dirty="0"/>
-            </a:p>
-            <a:p>
-              <a:pPr algn="ctr"/>
-              <a:r>
-                <a:rPr lang="en-US" sz="1600" dirty="0"/>
-                <a:t>Dari 37</a:t>
-              </a:r>
-            </a:p>
-          </p:txBody>
-        </p:sp>
-        <p:sp>
-          <p:nvSpPr>
-            <p:cNvPr id="24" name="Rectangle: Rounded Corners 23">
-              <a:extLst>
-                <a:ext uri="{FF2B5EF4-FFF2-40B4-BE49-F238E27FC236}">
-                  <a16:creationId xmlns:a16="http://schemas.microsoft.com/office/drawing/2014/main" id="{DB15AF86-4D1E-4572-870A-95217189475C}"/>
-                </a:ext>
-                <a:ext uri="{C183D7F6-B498-43B3-948B-1728B52AA6E4}">
-                  <adec:decorative xmlns:adec="http://schemas.microsoft.com/office/drawing/2017/decorative" val="1"/>
-                </a:ext>
-              </a:extLst>
-            </p:cNvPr>
-            <p:cNvSpPr/>
-            <p:nvPr/>
-          </p:nvSpPr>
-          <p:spPr>
-            <a:xfrm>
-              <a:off x="1556049" y="4714368"/>
-              <a:ext cx="7531679" cy="740997"/>
-            </a:xfrm>
-            <a:prstGeom prst="roundRect">
-              <a:avLst>
-                <a:gd name="adj" fmla="val 50000"/>
-              </a:avLst>
-            </a:prstGeom>
-            <a:solidFill>
-              <a:schemeClr val="accent4"/>
-            </a:solidFill>
-            <a:ln>
-              <a:noFill/>
-            </a:ln>
-          </p:spPr>
-          <p:style>
-            <a:lnRef idx="2">
-              <a:schemeClr val="accent1">
-                <a:shade val="50000"/>
-              </a:schemeClr>
-            </a:lnRef>
-            <a:fillRef idx="1">
-              <a:schemeClr val="accent1"/>
-            </a:fillRef>
-            <a:effectRef idx="0">
-              <a:schemeClr val="accent1"/>
-            </a:effectRef>
-            <a:fontRef idx="minor">
-              <a:schemeClr val="lt1"/>
-            </a:fontRef>
-          </p:style>
-          <p:txBody>
-            <a:bodyPr rtlCol="0" anchor="ctr"/>
-            <a:lstStyle/>
-            <a:p>
-              <a:pPr algn="ctr"/>
-              <a:r>
-                <a:rPr lang="en-US" sz="1600" dirty="0" err="1"/>
-                <a:t>Kebanyakan</a:t>
-              </a:r>
-              <a:r>
-                <a:rPr lang="en-US" sz="1600" dirty="0"/>
-                <a:t> area </a:t>
-              </a:r>
-              <a:r>
-                <a:rPr lang="en-US" sz="1600" dirty="0" err="1"/>
-                <a:t>perkuliahan</a:t>
-              </a:r>
-              <a:r>
-                <a:rPr lang="en-US" sz="1600" dirty="0"/>
-                <a:t>/</a:t>
-              </a:r>
-              <a:r>
-                <a:rPr lang="en-US" sz="1600" dirty="0" err="1"/>
-                <a:t>perkantoran</a:t>
-              </a:r>
-              <a:r>
-                <a:rPr lang="en-US" sz="1600" dirty="0"/>
-                <a:t> </a:t>
-              </a:r>
-              <a:r>
-                <a:rPr lang="en-US" sz="1600" dirty="0" err="1"/>
-                <a:t>melakukan</a:t>
-              </a:r>
-              <a:r>
-                <a:rPr lang="en-US" sz="1600" dirty="0"/>
-                <a:t> </a:t>
-              </a:r>
-              <a:r>
-                <a:rPr lang="en-US" sz="1600" dirty="0" err="1"/>
-                <a:t>perekaman</a:t>
-              </a:r>
-              <a:r>
-                <a:rPr lang="en-US" sz="1600" dirty="0"/>
-                <a:t> data </a:t>
-              </a:r>
-              <a:r>
-                <a:rPr lang="en-US" sz="1600" dirty="0" err="1"/>
-                <a:t>masih</a:t>
-              </a:r>
-              <a:r>
-                <a:rPr lang="en-US" sz="1600" dirty="0"/>
-                <a:t> </a:t>
-              </a:r>
-              <a:r>
-                <a:rPr lang="en-US" sz="1600" dirty="0" err="1"/>
-                <a:t>bersifat</a:t>
-              </a:r>
-              <a:r>
-                <a:rPr lang="en-US" sz="1600" dirty="0"/>
-                <a:t> </a:t>
-              </a:r>
-              <a:r>
-                <a:rPr lang="en-US" sz="1600" dirty="0" err="1"/>
-                <a:t>pembukuan</a:t>
-              </a:r>
-              <a:r>
-                <a:rPr lang="en-US" sz="1600" dirty="0"/>
-                <a:t>.</a:t>
-              </a:r>
-              <a:endParaRPr lang="en-ID" sz="1600" dirty="0"/>
-            </a:p>
-          </p:txBody>
-        </p:sp>
-        <p:sp>
-          <p:nvSpPr>
-            <p:cNvPr id="25" name="Oval 24">
-              <a:extLst>
-                <a:ext uri="{FF2B5EF4-FFF2-40B4-BE49-F238E27FC236}">
-                  <a16:creationId xmlns:a16="http://schemas.microsoft.com/office/drawing/2014/main" id="{783F11CE-E5D3-4B60-BF5B-401DF6B85DBD}"/>
-                </a:ext>
-                <a:ext uri="{C183D7F6-B498-43B3-948B-1728B52AA6E4}">
-                  <adec:decorative xmlns:adec="http://schemas.microsoft.com/office/drawing/2017/decorative" val="1"/>
-                </a:ext>
-              </a:extLst>
-            </p:cNvPr>
-            <p:cNvSpPr/>
-            <p:nvPr/>
-          </p:nvSpPr>
-          <p:spPr>
-            <a:xfrm>
-              <a:off x="913153" y="3596404"/>
-              <a:ext cx="939800" cy="939800"/>
-            </a:xfrm>
-            <a:prstGeom prst="ellipse">
-              <a:avLst/>
-            </a:prstGeom>
-            <a:solidFill>
-              <a:schemeClr val="accent3">
-                <a:lumMod val="75000"/>
-              </a:schemeClr>
-            </a:solidFill>
-            <a:ln>
-              <a:noFill/>
-            </a:ln>
-          </p:spPr>
-          <p:style>
-            <a:lnRef idx="2">
-              <a:schemeClr val="accent1">
-                <a:shade val="50000"/>
-              </a:schemeClr>
-            </a:lnRef>
-            <a:fillRef idx="1">
-              <a:schemeClr val="accent1"/>
-            </a:fillRef>
-            <a:effectRef idx="0">
-              <a:schemeClr val="accent1"/>
-            </a:effectRef>
-            <a:fontRef idx="minor">
-              <a:schemeClr val="lt1"/>
-            </a:fontRef>
-          </p:style>
-          <p:txBody>
-            <a:bodyPr rtlCol="0" anchor="ctr"/>
-            <a:lstStyle/>
-            <a:p>
-              <a:pPr algn="ctr"/>
-              <a:r>
-                <a:rPr lang="en-US" b="1" dirty="0">
-                  <a:latin typeface="Arial Rounded MT Bold" panose="020F0704030504030204" pitchFamily="34" charset="0"/>
-                </a:rPr>
-                <a:t>-</a:t>
-              </a:r>
-            </a:p>
-          </p:txBody>
-        </p:sp>
-        <p:sp>
-          <p:nvSpPr>
-            <p:cNvPr id="26" name="Oval 25">
-              <a:extLst>
-                <a:ext uri="{FF2B5EF4-FFF2-40B4-BE49-F238E27FC236}">
-                  <a16:creationId xmlns:a16="http://schemas.microsoft.com/office/drawing/2014/main" id="{1D67E428-402F-4FBC-9D6C-3DC666AD1F47}"/>
-                </a:ext>
-                <a:ext uri="{C183D7F6-B498-43B3-948B-1728B52AA6E4}">
-                  <adec:decorative xmlns:adec="http://schemas.microsoft.com/office/drawing/2017/decorative" val="1"/>
-                </a:ext>
-              </a:extLst>
-            </p:cNvPr>
-            <p:cNvSpPr/>
-            <p:nvPr/>
-          </p:nvSpPr>
-          <p:spPr>
-            <a:xfrm>
-              <a:off x="913153" y="4625790"/>
-              <a:ext cx="939800" cy="939800"/>
-            </a:xfrm>
-            <a:prstGeom prst="ellipse">
-              <a:avLst/>
-            </a:prstGeom>
-            <a:solidFill>
-              <a:schemeClr val="accent4">
-                <a:lumMod val="75000"/>
-              </a:schemeClr>
-            </a:solidFill>
-            <a:ln>
-              <a:noFill/>
-            </a:ln>
-          </p:spPr>
-          <p:style>
-            <a:lnRef idx="2">
-              <a:schemeClr val="accent1">
-                <a:shade val="50000"/>
-              </a:schemeClr>
-            </a:lnRef>
-            <a:fillRef idx="1">
-              <a:schemeClr val="accent1"/>
-            </a:fillRef>
-            <a:effectRef idx="0">
-              <a:schemeClr val="accent1"/>
-            </a:effectRef>
-            <a:fontRef idx="minor">
-              <a:schemeClr val="lt1"/>
-            </a:fontRef>
-          </p:style>
-          <p:txBody>
-            <a:bodyPr rtlCol="0" anchor="ctr"/>
-            <a:lstStyle/>
-            <a:p>
-              <a:pPr algn="ctr"/>
-              <a:r>
-                <a:rPr lang="en-US" b="1" dirty="0">
-                  <a:latin typeface="Arial Rounded MT Bold" panose="020F0704030504030204" pitchFamily="34" charset="0"/>
-                </a:rPr>
-                <a:t>-</a:t>
-              </a:r>
-            </a:p>
-          </p:txBody>
-        </p:sp>
-      </p:grpSp>
-    </p:spTree>
-    <p:extLst>
-      <p:ext uri="{BB962C8B-B14F-4D97-AF65-F5344CB8AC3E}">
-        <p14:creationId xmlns:p14="http://schemas.microsoft.com/office/powerpoint/2010/main" val="2592998544"/>
-      </p:ext>
-    </p:extLst>
-  </p:cSld>
-  <p:clrMapOvr>
-    <a:masterClrMapping/>
-  </p:clrMapOvr>
-  <mc:AlternateContent xmlns:mc="http://schemas.openxmlformats.org/markup-compatibility/2006" xmlns:p14="http://schemas.microsoft.com/office/powerpoint/2010/main">
-    <mc:Choice Requires="p14">
-      <p:transition spd="med" p14:dur="700">
-        <p:fade/>
-      </p:transition>
-    </mc:Choice>
-    <mc:Fallback xmlns="">
-      <p:transition spd="med">
-        <p:fade/>
-      </p:transition>
-    </mc:Fallback>
-  </mc:AlternateContent>
-</p:sld>
-</file>
-
-<file path=ppt/slides/slide3.xml><?xml version="1.0" encoding="utf-8"?>
-<p:sld xmlns:a="http://schemas.openxmlformats.org/drawingml/2006/main" xmlns:r="http://schemas.openxmlformats.org/officeDocument/2006/relationships" xmlns:p="http://schemas.openxmlformats.org/presentationml/2006/main">
-  <p:cSld>
-    <p:spTree>
-      <p:nvGrpSpPr>
-        <p:cNvPr id="1" name=""/>
-        <p:cNvGrpSpPr/>
-        <p:nvPr/>
-      </p:nvGrpSpPr>
-      <p:grpSpPr>
-        <a:xfrm>
-          <a:off x="0" y="0"/>
-          <a:ext cx="0" cy="0"/>
-          <a:chOff x="0" y="0"/>
-          <a:chExt cx="0" cy="0"/>
-        </a:xfrm>
-      </p:grpSpPr>
-      <p:sp>
-        <p:nvSpPr>
-          <p:cNvPr id="4" name="Title 3" hidden="1">
-            <a:extLst>
-              <a:ext uri="{FF2B5EF4-FFF2-40B4-BE49-F238E27FC236}">
-                <a16:creationId xmlns:a16="http://schemas.microsoft.com/office/drawing/2014/main" id="{B5981CF1-BC08-49F8-B0F9-AAF98EC67450}"/>
-              </a:ext>
-            </a:extLst>
-          </p:cNvPr>
-          <p:cNvSpPr>
-            <a:spLocks noGrp="1"/>
-          </p:cNvSpPr>
-          <p:nvPr>
-            <p:ph type="title" idx="4294967295"/>
-          </p:nvPr>
-        </p:nvSpPr>
-        <p:spPr>
-          <a:xfrm>
-            <a:off x="0" y="365125"/>
-            <a:ext cx="10515600" cy="1325563"/>
-          </a:xfrm>
-        </p:spPr>
-        <p:txBody>
-          <a:bodyPr/>
-          <a:lstStyle/>
-          <a:p>
-            <a:r>
-              <a:rPr lang="en-US" dirty="0"/>
-              <a:t>Project analysis slide 2</a:t>
-            </a:r>
-          </a:p>
-        </p:txBody>
-      </p:sp>
-      <p:cxnSp>
-        <p:nvCxnSpPr>
-          <p:cNvPr id="8" name="Straight Connector 7">
-            <a:extLst>
-              <a:ext uri="{FF2B5EF4-FFF2-40B4-BE49-F238E27FC236}">
-                <a16:creationId xmlns:a16="http://schemas.microsoft.com/office/drawing/2014/main" id="{D0986099-F5F2-4E8B-BE17-81194861A00C}"/>
-              </a:ext>
-              <a:ext uri="{C183D7F6-B498-43B3-948B-1728B52AA6E4}">
-                <adec:decorative xmlns:adec="http://schemas.microsoft.com/office/drawing/2017/decorative" val="1"/>
-              </a:ext>
-            </a:extLst>
-          </p:cNvPr>
-          <p:cNvCxnSpPr>
-            <a:cxnSpLocks/>
-          </p:cNvCxnSpPr>
-          <p:nvPr/>
-        </p:nvCxnSpPr>
-        <p:spPr>
-          <a:xfrm>
-            <a:off x="8105775" y="522898"/>
-            <a:ext cx="4086225" cy="0"/>
-          </a:xfrm>
-          <a:prstGeom prst="line">
-            <a:avLst/>
-          </a:prstGeom>
-          <a:ln>
-            <a:solidFill>
-              <a:schemeClr val="accent3">
-                <a:lumMod val="50000"/>
-              </a:schemeClr>
-            </a:solidFill>
-            <a:headEnd type="oval"/>
-          </a:ln>
-        </p:spPr>
-        <p:style>
-          <a:lnRef idx="1">
-            <a:schemeClr val="accent1"/>
-          </a:lnRef>
-          <a:fillRef idx="0">
-            <a:schemeClr val="accent1"/>
-          </a:fillRef>
-          <a:effectRef idx="0">
-            <a:schemeClr val="accent1"/>
-          </a:effectRef>
-          <a:fontRef idx="minor">
-            <a:schemeClr val="tx1"/>
-          </a:fontRef>
-        </p:style>
-      </p:cxnSp>
-      <p:sp>
-        <p:nvSpPr>
-          <p:cNvPr id="11" name="Title 1">
-            <a:extLst>
-              <a:ext uri="{FF2B5EF4-FFF2-40B4-BE49-F238E27FC236}">
-                <a16:creationId xmlns:a16="http://schemas.microsoft.com/office/drawing/2014/main" id="{4E3F5479-058B-4FA8-92E9-18CAB8CDC5C5}"/>
-              </a:ext>
-            </a:extLst>
-          </p:cNvPr>
-          <p:cNvSpPr txBox="1">
-            <a:spLocks/>
-          </p:cNvSpPr>
-          <p:nvPr/>
-        </p:nvSpPr>
-        <p:spPr>
-          <a:xfrm>
-            <a:off x="228600" y="190500"/>
-            <a:ext cx="11734800" cy="775597"/>
-          </a:xfrm>
-          <a:prstGeom prst="rect">
-            <a:avLst/>
-          </a:prstGeom>
-        </p:spPr>
-        <p:txBody>
-          <a:bodyPr vert="horz" wrap="square" lIns="0" tIns="0" rIns="0" bIns="0" rtlCol="0" anchor="t">
-            <a:spAutoFit/>
-          </a:bodyPr>
-          <a:lstStyle>
-            <a:lvl1pPr algn="l" defTabSz="914400" rtl="0" eaLnBrk="1" latinLnBrk="0" hangingPunct="1">
-              <a:lnSpc>
-                <a:spcPct val="90000"/>
-              </a:lnSpc>
-              <a:spcBef>
-                <a:spcPct val="0"/>
-              </a:spcBef>
-              <a:buNone/>
-              <a:defRPr sz="4400" kern="1200">
-                <a:solidFill>
-                  <a:schemeClr val="tx1"/>
-                </a:solidFill>
-                <a:latin typeface="+mj-lt"/>
-                <a:ea typeface="+mj-ea"/>
-                <a:cs typeface="+mj-cs"/>
-              </a:defRPr>
-            </a:lvl1pPr>
-          </a:lstStyle>
-          <a:p>
-            <a:pPr algn="ctr"/>
-            <a:r>
-              <a:rPr lang="en-US" sz="2800" b="1" dirty="0">
-                <a:solidFill>
-                  <a:schemeClr val="tx1">
-                    <a:lumMod val="75000"/>
-                    <a:lumOff val="25000"/>
-                  </a:schemeClr>
-                </a:solidFill>
-              </a:rPr>
-              <a:t>LATAR BELAKANG</a:t>
-            </a:r>
-            <a:br>
-              <a:rPr lang="en-US" sz="2800" dirty="0">
-                <a:solidFill>
-                  <a:schemeClr val="tx1">
-                    <a:lumMod val="75000"/>
-                    <a:lumOff val="25000"/>
-                  </a:schemeClr>
-                </a:solidFill>
-              </a:rPr>
-            </a:br>
-            <a:endParaRPr lang="en-US" sz="2800" dirty="0">
-              <a:solidFill>
-                <a:schemeClr val="tx1">
-                  <a:lumMod val="75000"/>
-                  <a:lumOff val="25000"/>
-                </a:schemeClr>
-              </a:solidFill>
-            </a:endParaRPr>
-          </a:p>
-        </p:txBody>
-      </p:sp>
-      <p:cxnSp>
-        <p:nvCxnSpPr>
-          <p:cNvPr id="14" name="Straight Connector 13">
-            <a:extLst>
-              <a:ext uri="{FF2B5EF4-FFF2-40B4-BE49-F238E27FC236}">
-                <a16:creationId xmlns:a16="http://schemas.microsoft.com/office/drawing/2014/main" id="{83E690F4-843A-47A5-8620-4FB01C0D8E68}"/>
-              </a:ext>
-              <a:ext uri="{C183D7F6-B498-43B3-948B-1728B52AA6E4}">
-                <adec:decorative xmlns:adec="http://schemas.microsoft.com/office/drawing/2017/decorative" val="1"/>
-              </a:ext>
-            </a:extLst>
-          </p:cNvPr>
-          <p:cNvCxnSpPr>
-            <a:cxnSpLocks/>
-          </p:cNvCxnSpPr>
-          <p:nvPr/>
-        </p:nvCxnSpPr>
-        <p:spPr>
-          <a:xfrm>
-            <a:off x="0" y="522898"/>
-            <a:ext cx="4086225" cy="0"/>
-          </a:xfrm>
-          <a:prstGeom prst="line">
-            <a:avLst/>
-          </a:prstGeom>
-          <a:ln>
-            <a:solidFill>
-              <a:schemeClr val="accent3">
-                <a:lumMod val="50000"/>
-              </a:schemeClr>
-            </a:solidFill>
-            <a:tailEnd type="oval"/>
-          </a:ln>
-        </p:spPr>
-        <p:style>
-          <a:lnRef idx="1">
-            <a:schemeClr val="accent1"/>
-          </a:lnRef>
-          <a:fillRef idx="0">
-            <a:schemeClr val="accent1"/>
-          </a:fillRef>
-          <a:effectRef idx="0">
-            <a:schemeClr val="accent1"/>
-          </a:effectRef>
-          <a:fontRef idx="minor">
-            <a:schemeClr val="tx1"/>
-          </a:fontRef>
-        </p:style>
-      </p:cxnSp>
       <p:pic>
         <p:nvPicPr>
           <p:cNvPr id="5" name="Picture 4">
@@ -14789,7 +6613,7 @@
 </p:sld>
 </file>
 
-<file path=ppt/slides/slide4.xml><?xml version="1.0" encoding="utf-8"?>
+<file path=ppt/slides/slide3.xml><?xml version="1.0" encoding="utf-8"?>
 <p:sld xmlns:a="http://schemas.openxmlformats.org/drawingml/2006/main" xmlns:r="http://schemas.openxmlformats.org/officeDocument/2006/relationships" xmlns:p="http://schemas.openxmlformats.org/presentationml/2006/main">
   <p:cSld>
     <p:spTree>
@@ -22161,7 +13985,7 @@
 </p:sld>
 </file>
 
-<file path=ppt/slides/slide5.xml><?xml version="1.0" encoding="utf-8"?>
+<file path=ppt/slides/slide4.xml><?xml version="1.0" encoding="utf-8"?>
 <p:sld xmlns:a="http://schemas.openxmlformats.org/drawingml/2006/main" xmlns:r="http://schemas.openxmlformats.org/officeDocument/2006/relationships" xmlns:p="http://schemas.openxmlformats.org/presentationml/2006/main">
   <p:cSld>
     <p:spTree>
@@ -29533,7 +21357,7 @@
 </p:sld>
 </file>
 
-<file path=ppt/slides/slide6.xml><?xml version="1.0" encoding="utf-8"?>
+<file path=ppt/slides/slide5.xml><?xml version="1.0" encoding="utf-8"?>
 <p:sld xmlns:a="http://schemas.openxmlformats.org/drawingml/2006/main" xmlns:r="http://schemas.openxmlformats.org/officeDocument/2006/relationships" xmlns:p="http://schemas.openxmlformats.org/presentationml/2006/main">
   <p:cSld>
     <p:spTree>
@@ -36905,7 +28729,7 @@
 </p:sld>
 </file>
 
-<file path=ppt/slides/slide7.xml><?xml version="1.0" encoding="utf-8"?>
+<file path=ppt/slides/slide6.xml><?xml version="1.0" encoding="utf-8"?>
 <p:sld xmlns:a="http://schemas.openxmlformats.org/drawingml/2006/main" xmlns:r="http://schemas.openxmlformats.org/officeDocument/2006/relationships" xmlns:p="http://schemas.openxmlformats.org/presentationml/2006/main">
   <p:cSld>
     <p:spTree>
@@ -46972,7 +38796,7 @@
 </p:sld>
 </file>
 
-<file path=ppt/slides/slide8.xml><?xml version="1.0" encoding="utf-8"?>
+<file path=ppt/slides/slide7.xml><?xml version="1.0" encoding="utf-8"?>
 <p:sld xmlns:a="http://schemas.openxmlformats.org/drawingml/2006/main" xmlns:r="http://schemas.openxmlformats.org/officeDocument/2006/relationships" xmlns:p="http://schemas.openxmlformats.org/presentationml/2006/main">
   <p:cSld>
     <p:spTree>
@@ -47833,7 +39657,7 @@
 </p:sld>
 </file>
 
-<file path=ppt/slides/slide9.xml><?xml version="1.0" encoding="utf-8"?>
+<file path=ppt/slides/slide8.xml><?xml version="1.0" encoding="utf-8"?>
 <p:sld xmlns:a="http://schemas.openxmlformats.org/drawingml/2006/main" xmlns:r="http://schemas.openxmlformats.org/officeDocument/2006/relationships" xmlns:p="http://schemas.openxmlformats.org/presentationml/2006/main">
   <p:cSld>
     <p:bg>
@@ -48847,6 +40671,23 @@
 </file>
 
 <file path=customXml/item1.xml><?xml version="1.0" encoding="utf-8"?>
+<?mso-contentType ?>
+<FormTemplates xmlns="http://schemas.microsoft.com/sharepoint/v3/contenttype/forms">
+  <Display>DocumentLibraryForm</Display>
+  <Edit>DocumentLibraryForm</Edit>
+  <New>DocumentLibraryForm</New>
+</FormTemplates>
+</file>
+
+<file path=customXml/item2.xml><?xml version="1.0" encoding="utf-8"?>
+<p:properties xmlns:p="http://schemas.microsoft.com/office/2006/metadata/properties" xmlns:xsi="http://www.w3.org/2001/XMLSchema-instance" xmlns:pc="http://schemas.microsoft.com/office/infopath/2007/PartnerControls">
+  <documentManagement>
+    <MediaServiceKeyPoints xmlns="71af3243-3dd4-4a8d-8c0d-dd76da1f02a5" xsi:nil="true"/>
+  </documentManagement>
+</p:properties>
+</file>
+
+<file path=customXml/item3.xml><?xml version="1.0" encoding="utf-8"?>
 <ct:contentTypeSchema xmlns:ct="http://schemas.microsoft.com/office/2006/metadata/contentType" xmlns:ma="http://schemas.microsoft.com/office/2006/metadata/properties/metaAttributes" ct:_="" ma:_="" ma:contentTypeName="Document" ma:contentTypeID="0x01010079F111ED35F8CC479449609E8A0923A6" ma:contentTypeVersion="11" ma:contentTypeDescription="Create a new document." ma:contentTypeScope="" ma:versionID="9677210f24a1be23c92c90fd886aa0aa">
   <xsd:schema xmlns:xsd="http://www.w3.org/2001/XMLSchema" xmlns:xs="http://www.w3.org/2001/XMLSchema" xmlns:p="http://schemas.microsoft.com/office/2006/metadata/properties" xmlns:ns2="71af3243-3dd4-4a8d-8c0d-dd76da1f02a5" xmlns:ns3="16c05727-aa75-4e4a-9b5f-8a80a1165891" targetNamespace="http://schemas.microsoft.com/office/2006/metadata/properties" ma:root="true" ma:fieldsID="60e05723c5c1908df1a1a4ebf11d344e" ns2:_="" ns3:_="">
     <xsd:import namespace="71af3243-3dd4-4a8d-8c0d-dd76da1f02a5"/>
@@ -49057,24 +40898,25 @@
 </ct:contentTypeSchema>
 </file>
 
-<file path=customXml/item2.xml><?xml version="1.0" encoding="utf-8"?>
-<p:properties xmlns:p="http://schemas.microsoft.com/office/2006/metadata/properties" xmlns:xsi="http://www.w3.org/2001/XMLSchema-instance" xmlns:pc="http://schemas.microsoft.com/office/infopath/2007/PartnerControls">
-  <documentManagement>
-    <MediaServiceKeyPoints xmlns="71af3243-3dd4-4a8d-8c0d-dd76da1f02a5" xsi:nil="true"/>
-  </documentManagement>
-</p:properties>
+<file path=customXml/itemProps1.xml><?xml version="1.0" encoding="utf-8"?>
+<ds:datastoreItem xmlns:ds="http://schemas.openxmlformats.org/officeDocument/2006/customXml" ds:itemID="{2FD05317-60D6-4B3A-8545-888496D1A8EC}">
+  <ds:schemaRefs>
+    <ds:schemaRef ds:uri="http://schemas.microsoft.com/sharepoint/v3/contenttype/forms"/>
+  </ds:schemaRefs>
+</ds:datastoreItem>
 </file>
 
-<file path=customXml/item3.xml><?xml version="1.0" encoding="utf-8"?>
-<?mso-contentType ?>
-<FormTemplates xmlns="http://schemas.microsoft.com/sharepoint/v3/contenttype/forms">
-  <Display>DocumentLibraryForm</Display>
-  <Edit>DocumentLibraryForm</Edit>
-  <New>DocumentLibraryForm</New>
-</FormTemplates>
+<file path=customXml/itemProps2.xml><?xml version="1.0" encoding="utf-8"?>
+<ds:datastoreItem xmlns:ds="http://schemas.openxmlformats.org/officeDocument/2006/customXml" ds:itemID="{EF609EDA-869E-4BE5-AE5D-B898C584B6FF}">
+  <ds:schemaRefs>
+    <ds:schemaRef ds:uri="http://schemas.microsoft.com/office/2006/metadata/properties"/>
+    <ds:schemaRef ds:uri="http://schemas.microsoft.com/office/infopath/2007/PartnerControls"/>
+    <ds:schemaRef ds:uri="71af3243-3dd4-4a8d-8c0d-dd76da1f02a5"/>
+  </ds:schemaRefs>
+</ds:datastoreItem>
 </file>
 
-<file path=customXml/itemProps1.xml><?xml version="1.0" encoding="utf-8"?>
+<file path=customXml/itemProps3.xml><?xml version="1.0" encoding="utf-8"?>
 <ds:datastoreItem xmlns:ds="http://schemas.openxmlformats.org/officeDocument/2006/customXml" ds:itemID="{61A00BBF-EEBB-4E18-B8CB-F926EAAC48F7}">
   <ds:schemaRefs>
     <ds:schemaRef ds:uri="http://schemas.microsoft.com/office/2006/metadata/contentType"/>
@@ -49091,22 +40933,4 @@
     <ds:schemaRef ds:uri="http://schemas.microsoft.com/internal/obd"/>
   </ds:schemaRefs>
 </ds:datastoreItem>
-</file>
-
-<file path=customXml/itemProps2.xml><?xml version="1.0" encoding="utf-8"?>
-<ds:datastoreItem xmlns:ds="http://schemas.openxmlformats.org/officeDocument/2006/customXml" ds:itemID="{EF609EDA-869E-4BE5-AE5D-B898C584B6FF}">
-  <ds:schemaRefs>
-    <ds:schemaRef ds:uri="http://schemas.microsoft.com/office/2006/metadata/properties"/>
-    <ds:schemaRef ds:uri="http://schemas.microsoft.com/office/infopath/2007/PartnerControls"/>
-    <ds:schemaRef ds:uri="71af3243-3dd4-4a8d-8c0d-dd76da1f02a5"/>
-  </ds:schemaRefs>
-</ds:datastoreItem>
-</file>
-
-<file path=customXml/itemProps3.xml><?xml version="1.0" encoding="utf-8"?>
-<ds:datastoreItem xmlns:ds="http://schemas.openxmlformats.org/officeDocument/2006/customXml" ds:itemID="{2FD05317-60D6-4B3A-8545-888496D1A8EC}">
-  <ds:schemaRefs>
-    <ds:schemaRef ds:uri="http://schemas.microsoft.com/sharepoint/v3/contenttype/forms"/>
-  </ds:schemaRefs>
-</ds:datastoreItem>
 </file>
--- a/BluePrint/Aplikasi Suhu Tubuh FIX.pptx
+++ b/BluePrint/Aplikasi Suhu Tubuh FIX.pptx
@@ -253,7 +253,7 @@
           <a:p>
             <a:fld id="{6E5C0719-993D-42E1-80ED-8F01056F36C2}" type="datetimeFigureOut">
               <a:rPr lang="en-US" smtClean="0"/>
-              <a:t>12/14/2020</a:t>
+              <a:t>12/15/2020</a:t>
             </a:fld>
             <a:endParaRPr lang="en-US" dirty="0"/>
           </a:p>
@@ -38916,7 +38916,7 @@
                   <a:schemeClr val="tx1"/>
                 </a:solidFill>
               </a:rPr>
-              <a:t>Apasih</a:t>
+              <a:t>Apa</a:t>
             </a:r>
             <a:r>
               <a:rPr lang="en-US" dirty="0">
@@ -39019,7 +39019,7 @@
             <a:avLst/>
           </a:prstGeom>
           <a:solidFill>
-            <a:schemeClr val="accent3"/>
+            <a:srgbClr val="00B0F0"/>
           </a:solidFill>
           <a:ln>
             <a:noFill/>
@@ -39045,7 +39045,7 @@
           <a:bodyPr rtlCol="0" anchor="ctr"/>
           <a:lstStyle/>
           <a:p>
-            <a:pPr algn="ctr"/>
+            <a:pPr algn="just"/>
             <a:r>
               <a:rPr lang="en-ID" b="0" i="0" dirty="0" err="1">
                 <a:solidFill>
@@ -39205,7 +39205,7 @@
             <a:avLst/>
           </a:prstGeom>
           <a:solidFill>
-            <a:schemeClr val="accent3"/>
+            <a:srgbClr val="00B0F0"/>
           </a:solidFill>
           <a:ln>
             <a:noFill/>
@@ -39231,7 +39231,7 @@
           <a:bodyPr rtlCol="0" anchor="ctr"/>
           <a:lstStyle/>
           <a:p>
-            <a:pPr algn="ctr"/>
+            <a:pPr algn="just"/>
             <a:r>
               <a:rPr lang="en-ID" b="0" i="0" dirty="0" err="1">
                 <a:solidFill>
@@ -39351,7 +39351,7 @@
             <a:avLst/>
           </a:prstGeom>
           <a:solidFill>
-            <a:schemeClr val="accent3"/>
+            <a:srgbClr val="00B0F0"/>
           </a:solidFill>
           <a:ln>
             <a:noFill/>
@@ -39377,12 +39377,13 @@
           <a:bodyPr rtlCol="0" anchor="ctr"/>
           <a:lstStyle/>
           <a:p>
-            <a:pPr algn="ctr"/>
+            <a:pPr algn="just"/>
             <a:r>
               <a:rPr lang="en-US" dirty="0">
                 <a:solidFill>
                   <a:schemeClr val="bg1"/>
                 </a:solidFill>
+                <a:latin typeface="Martel Sans"/>
               </a:rPr>
               <a:t>Program </a:t>
             </a:r>
@@ -39391,6 +39392,7 @@
                 <a:solidFill>
                   <a:schemeClr val="bg1"/>
                 </a:solidFill>
+                <a:latin typeface="Martel Sans"/>
               </a:rPr>
               <a:t>ini</a:t>
             </a:r>
@@ -39399,6 +39401,7 @@
                 <a:solidFill>
                   <a:schemeClr val="bg1"/>
                 </a:solidFill>
+                <a:latin typeface="Martel Sans"/>
               </a:rPr>
               <a:t> </a:t>
             </a:r>
@@ -39407,6 +39410,7 @@
                 <a:solidFill>
                   <a:schemeClr val="bg1"/>
                 </a:solidFill>
+                <a:latin typeface="Martel Sans"/>
               </a:rPr>
               <a:t>mudah</a:t>
             </a:r>
@@ -39415,6 +39419,7 @@
                 <a:solidFill>
                   <a:schemeClr val="bg1"/>
                 </a:solidFill>
+                <a:latin typeface="Martel Sans"/>
               </a:rPr>
               <a:t> </a:t>
             </a:r>
@@ -39423,6 +39428,7 @@
                 <a:solidFill>
                   <a:schemeClr val="bg1"/>
                 </a:solidFill>
+                <a:latin typeface="Martel Sans"/>
               </a:rPr>
               <a:t>digunakan</a:t>
             </a:r>
@@ -39431,6 +39437,7 @@
                 <a:solidFill>
                   <a:schemeClr val="bg1"/>
                 </a:solidFill>
+                <a:latin typeface="Martel Sans"/>
               </a:rPr>
               <a:t> oleh </a:t>
             </a:r>
@@ -39439,6 +39446,7 @@
                 <a:solidFill>
                   <a:schemeClr val="bg1"/>
                 </a:solidFill>
+                <a:latin typeface="Martel Sans"/>
               </a:rPr>
               <a:t>siapapun</a:t>
             </a:r>
@@ -39446,6 +39454,7 @@
               <a:solidFill>
                 <a:schemeClr val="bg1"/>
               </a:solidFill>
+              <a:latin typeface="Martel Sans"/>
             </a:endParaRPr>
           </a:p>
         </p:txBody>
@@ -40671,23 +40680,6 @@
 </file>
 
 <file path=customXml/item1.xml><?xml version="1.0" encoding="utf-8"?>
-<?mso-contentType ?>
-<FormTemplates xmlns="http://schemas.microsoft.com/sharepoint/v3/contenttype/forms">
-  <Display>DocumentLibraryForm</Display>
-  <Edit>DocumentLibraryForm</Edit>
-  <New>DocumentLibraryForm</New>
-</FormTemplates>
-</file>
-
-<file path=customXml/item2.xml><?xml version="1.0" encoding="utf-8"?>
-<p:properties xmlns:p="http://schemas.microsoft.com/office/2006/metadata/properties" xmlns:xsi="http://www.w3.org/2001/XMLSchema-instance" xmlns:pc="http://schemas.microsoft.com/office/infopath/2007/PartnerControls">
-  <documentManagement>
-    <MediaServiceKeyPoints xmlns="71af3243-3dd4-4a8d-8c0d-dd76da1f02a5" xsi:nil="true"/>
-  </documentManagement>
-</p:properties>
-</file>
-
-<file path=customXml/item3.xml><?xml version="1.0" encoding="utf-8"?>
 <ct:contentTypeSchema xmlns:ct="http://schemas.microsoft.com/office/2006/metadata/contentType" xmlns:ma="http://schemas.microsoft.com/office/2006/metadata/properties/metaAttributes" ct:_="" ma:_="" ma:contentTypeName="Document" ma:contentTypeID="0x01010079F111ED35F8CC479449609E8A0923A6" ma:contentTypeVersion="11" ma:contentTypeDescription="Create a new document." ma:contentTypeScope="" ma:versionID="9677210f24a1be23c92c90fd886aa0aa">
   <xsd:schema xmlns:xsd="http://www.w3.org/2001/XMLSchema" xmlns:xs="http://www.w3.org/2001/XMLSchema" xmlns:p="http://schemas.microsoft.com/office/2006/metadata/properties" xmlns:ns2="71af3243-3dd4-4a8d-8c0d-dd76da1f02a5" xmlns:ns3="16c05727-aa75-4e4a-9b5f-8a80a1165891" targetNamespace="http://schemas.microsoft.com/office/2006/metadata/properties" ma:root="true" ma:fieldsID="60e05723c5c1908df1a1a4ebf11d344e" ns2:_="" ns3:_="">
     <xsd:import namespace="71af3243-3dd4-4a8d-8c0d-dd76da1f02a5"/>
@@ -40898,25 +40890,24 @@
 </ct:contentTypeSchema>
 </file>
 
-<file path=customXml/itemProps1.xml><?xml version="1.0" encoding="utf-8"?>
-<ds:datastoreItem xmlns:ds="http://schemas.openxmlformats.org/officeDocument/2006/customXml" ds:itemID="{2FD05317-60D6-4B3A-8545-888496D1A8EC}">
-  <ds:schemaRefs>
-    <ds:schemaRef ds:uri="http://schemas.microsoft.com/sharepoint/v3/contenttype/forms"/>
-  </ds:schemaRefs>
-</ds:datastoreItem>
+<file path=customXml/item2.xml><?xml version="1.0" encoding="utf-8"?>
+<p:properties xmlns:p="http://schemas.microsoft.com/office/2006/metadata/properties" xmlns:xsi="http://www.w3.org/2001/XMLSchema-instance" xmlns:pc="http://schemas.microsoft.com/office/infopath/2007/PartnerControls">
+  <documentManagement>
+    <MediaServiceKeyPoints xmlns="71af3243-3dd4-4a8d-8c0d-dd76da1f02a5" xsi:nil="true"/>
+  </documentManagement>
+</p:properties>
 </file>
 
-<file path=customXml/itemProps2.xml><?xml version="1.0" encoding="utf-8"?>
-<ds:datastoreItem xmlns:ds="http://schemas.openxmlformats.org/officeDocument/2006/customXml" ds:itemID="{EF609EDA-869E-4BE5-AE5D-B898C584B6FF}">
-  <ds:schemaRefs>
-    <ds:schemaRef ds:uri="http://schemas.microsoft.com/office/2006/metadata/properties"/>
-    <ds:schemaRef ds:uri="http://schemas.microsoft.com/office/infopath/2007/PartnerControls"/>
-    <ds:schemaRef ds:uri="71af3243-3dd4-4a8d-8c0d-dd76da1f02a5"/>
-  </ds:schemaRefs>
-</ds:datastoreItem>
+<file path=customXml/item3.xml><?xml version="1.0" encoding="utf-8"?>
+<?mso-contentType ?>
+<FormTemplates xmlns="http://schemas.microsoft.com/sharepoint/v3/contenttype/forms">
+  <Display>DocumentLibraryForm</Display>
+  <Edit>DocumentLibraryForm</Edit>
+  <New>DocumentLibraryForm</New>
+</FormTemplates>
 </file>
 
-<file path=customXml/itemProps3.xml><?xml version="1.0" encoding="utf-8"?>
+<file path=customXml/itemProps1.xml><?xml version="1.0" encoding="utf-8"?>
 <ds:datastoreItem xmlns:ds="http://schemas.openxmlformats.org/officeDocument/2006/customXml" ds:itemID="{61A00BBF-EEBB-4E18-B8CB-F926EAAC48F7}">
   <ds:schemaRefs>
     <ds:schemaRef ds:uri="http://schemas.microsoft.com/office/2006/metadata/contentType"/>
@@ -40933,4 +40924,22 @@
     <ds:schemaRef ds:uri="http://schemas.microsoft.com/internal/obd"/>
   </ds:schemaRefs>
 </ds:datastoreItem>
+</file>
+
+<file path=customXml/itemProps2.xml><?xml version="1.0" encoding="utf-8"?>
+<ds:datastoreItem xmlns:ds="http://schemas.openxmlformats.org/officeDocument/2006/customXml" ds:itemID="{EF609EDA-869E-4BE5-AE5D-B898C584B6FF}">
+  <ds:schemaRefs>
+    <ds:schemaRef ds:uri="http://schemas.microsoft.com/office/2006/metadata/properties"/>
+    <ds:schemaRef ds:uri="http://schemas.microsoft.com/office/infopath/2007/PartnerControls"/>
+    <ds:schemaRef ds:uri="71af3243-3dd4-4a8d-8c0d-dd76da1f02a5"/>
+  </ds:schemaRefs>
+</ds:datastoreItem>
+</file>
+
+<file path=customXml/itemProps3.xml><?xml version="1.0" encoding="utf-8"?>
+<ds:datastoreItem xmlns:ds="http://schemas.openxmlformats.org/officeDocument/2006/customXml" ds:itemID="{2FD05317-60D6-4B3A-8545-888496D1A8EC}">
+  <ds:schemaRefs>
+    <ds:schemaRef ds:uri="http://schemas.microsoft.com/sharepoint/v3/contenttype/forms"/>
+  </ds:schemaRefs>
+</ds:datastoreItem>
 </file>
--- a/BluePrint/Aplikasi Suhu Tubuh FIX.pptx
+++ b/BluePrint/Aplikasi Suhu Tubuh FIX.pptx
@@ -430,7 +430,7 @@
           <a:p>
             <a:fld id="{21D3BC9C-6C58-464F-B94E-FD73C5FB016E}" type="datetimeFigureOut">
               <a:rPr lang="en-US" smtClean="0"/>
-              <a:t>12/14/2020</a:t>
+              <a:t>12/15/2020</a:t>
             </a:fld>
             <a:endParaRPr lang="en-US" dirty="0"/>
           </a:p>
@@ -1348,7 +1348,7 @@
           <a:p>
             <a:fld id="{40DA1498-92C7-4E4B-8045-C9195F453964}" type="datetimeFigureOut">
               <a:rPr lang="en-US" smtClean="0"/>
-              <a:t>12/14/2020</a:t>
+              <a:t>12/15/2020</a:t>
             </a:fld>
             <a:endParaRPr lang="en-US" dirty="0"/>
           </a:p>
@@ -1546,7 +1546,7 @@
           <a:p>
             <a:fld id="{40DA1498-92C7-4E4B-8045-C9195F453964}" type="datetimeFigureOut">
               <a:rPr lang="en-US" smtClean="0"/>
-              <a:t>12/14/2020</a:t>
+              <a:t>12/15/2020</a:t>
             </a:fld>
             <a:endParaRPr lang="en-US" dirty="0"/>
           </a:p>
@@ -1754,7 +1754,7 @@
           <a:p>
             <a:fld id="{40DA1498-92C7-4E4B-8045-C9195F453964}" type="datetimeFigureOut">
               <a:rPr lang="en-US" smtClean="0"/>
-              <a:t>12/14/2020</a:t>
+              <a:t>12/15/2020</a:t>
             </a:fld>
             <a:endParaRPr lang="en-US" dirty="0"/>
           </a:p>
@@ -1952,7 +1952,7 @@
           <a:p>
             <a:fld id="{40DA1498-92C7-4E4B-8045-C9195F453964}" type="datetimeFigureOut">
               <a:rPr lang="en-US" smtClean="0"/>
-              <a:t>12/14/2020</a:t>
+              <a:t>12/15/2020</a:t>
             </a:fld>
             <a:endParaRPr lang="en-US" dirty="0"/>
           </a:p>
@@ -2227,7 +2227,7 @@
           <a:p>
             <a:fld id="{40DA1498-92C7-4E4B-8045-C9195F453964}" type="datetimeFigureOut">
               <a:rPr lang="en-US" smtClean="0"/>
-              <a:t>12/14/2020</a:t>
+              <a:t>12/15/2020</a:t>
             </a:fld>
             <a:endParaRPr lang="en-US" dirty="0"/>
           </a:p>
@@ -2492,7 +2492,7 @@
           <a:p>
             <a:fld id="{40DA1498-92C7-4E4B-8045-C9195F453964}" type="datetimeFigureOut">
               <a:rPr lang="en-US" smtClean="0"/>
-              <a:t>12/14/2020</a:t>
+              <a:t>12/15/2020</a:t>
             </a:fld>
             <a:endParaRPr lang="en-US" dirty="0"/>
           </a:p>
@@ -2904,7 +2904,7 @@
           <a:p>
             <a:fld id="{40DA1498-92C7-4E4B-8045-C9195F453964}" type="datetimeFigureOut">
               <a:rPr lang="en-US" smtClean="0"/>
-              <a:t>12/14/2020</a:t>
+              <a:t>12/15/2020</a:t>
             </a:fld>
             <a:endParaRPr lang="en-US" dirty="0"/>
           </a:p>
@@ -3045,7 +3045,7 @@
           <a:p>
             <a:fld id="{40DA1498-92C7-4E4B-8045-C9195F453964}" type="datetimeFigureOut">
               <a:rPr lang="en-US" smtClean="0"/>
-              <a:t>12/14/2020</a:t>
+              <a:t>12/15/2020</a:t>
             </a:fld>
             <a:endParaRPr lang="en-US" dirty="0"/>
           </a:p>
@@ -3158,7 +3158,7 @@
           <a:p>
             <a:fld id="{40DA1498-92C7-4E4B-8045-C9195F453964}" type="datetimeFigureOut">
               <a:rPr lang="en-US" smtClean="0"/>
-              <a:t>12/14/2020</a:t>
+              <a:t>12/15/2020</a:t>
             </a:fld>
             <a:endParaRPr lang="en-US" dirty="0"/>
           </a:p>
@@ -3469,7 +3469,7 @@
           <a:p>
             <a:fld id="{40DA1498-92C7-4E4B-8045-C9195F453964}" type="datetimeFigureOut">
               <a:rPr lang="en-US" smtClean="0"/>
-              <a:t>12/14/2020</a:t>
+              <a:t>12/15/2020</a:t>
             </a:fld>
             <a:endParaRPr lang="en-US" dirty="0"/>
           </a:p>
@@ -3761,7 +3761,7 @@
           <a:p>
             <a:fld id="{40DA1498-92C7-4E4B-8045-C9195F453964}" type="datetimeFigureOut">
               <a:rPr lang="en-US" smtClean="0"/>
-              <a:t>12/14/2020</a:t>
+              <a:t>12/15/2020</a:t>
             </a:fld>
             <a:endParaRPr lang="en-US" dirty="0"/>
           </a:p>
@@ -4002,7 +4002,7 @@
           <a:p>
             <a:fld id="{40DA1498-92C7-4E4B-8045-C9195F453964}" type="datetimeFigureOut">
               <a:rPr lang="en-US" smtClean="0"/>
-              <a:t>12/14/2020</a:t>
+              <a:t>12/15/2020</a:t>
             </a:fld>
             <a:endParaRPr lang="en-US" dirty="0"/>
           </a:p>
@@ -21307,10 +21307,10 @@
       </p:grpSp>
       <p:pic>
         <p:nvPicPr>
-          <p:cNvPr id="3" name="Picture 2">
+          <p:cNvPr id="5" name="Picture 4">
             <a:extLst>
               <a:ext uri="{FF2B5EF4-FFF2-40B4-BE49-F238E27FC236}">
-                <a16:creationId xmlns:a16="http://schemas.microsoft.com/office/drawing/2014/main" id="{75906A89-1F3D-4F70-BDB6-948D03953C2D}"/>
+                <a16:creationId xmlns:a16="http://schemas.microsoft.com/office/drawing/2014/main" id="{8DEE64A2-DEEE-4E28-AF92-310523104890}"/>
               </a:ext>
             </a:extLst>
           </p:cNvPr>
@@ -21333,8 +21333,8 @@
         </p:blipFill>
         <p:spPr>
           <a:xfrm>
-            <a:off x="2840401" y="855296"/>
-            <a:ext cx="6511198" cy="6002703"/>
+            <a:off x="2840401" y="647114"/>
+            <a:ext cx="6511198" cy="6210885"/>
           </a:xfrm>
           <a:prstGeom prst="rect">
             <a:avLst/>
@@ -28679,10 +28679,10 @@
       </p:grpSp>
       <p:pic>
         <p:nvPicPr>
-          <p:cNvPr id="7" name="Picture 6">
+          <p:cNvPr id="3" name="Picture 2">
             <a:extLst>
               <a:ext uri="{FF2B5EF4-FFF2-40B4-BE49-F238E27FC236}">
-                <a16:creationId xmlns:a16="http://schemas.microsoft.com/office/drawing/2014/main" id="{F91082BA-AE03-4733-9846-DABFCEA88D9D}"/>
+                <a16:creationId xmlns:a16="http://schemas.microsoft.com/office/drawing/2014/main" id="{BF74A483-490D-4607-BF50-EA4EE2CDE7A3}"/>
               </a:ext>
             </a:extLst>
           </p:cNvPr>
@@ -28705,8 +28705,8 @@
         </p:blipFill>
         <p:spPr>
           <a:xfrm>
-            <a:off x="928468" y="741769"/>
-            <a:ext cx="10803987" cy="5166649"/>
+            <a:off x="22078" y="1107249"/>
+            <a:ext cx="12192000" cy="4588225"/>
           </a:xfrm>
           <a:prstGeom prst="rect">
             <a:avLst/>
@@ -40680,6 +40680,23 @@
 </file>
 
 <file path=customXml/item1.xml><?xml version="1.0" encoding="utf-8"?>
+<?mso-contentType ?>
+<FormTemplates xmlns="http://schemas.microsoft.com/sharepoint/v3/contenttype/forms">
+  <Display>DocumentLibraryForm</Display>
+  <Edit>DocumentLibraryForm</Edit>
+  <New>DocumentLibraryForm</New>
+</FormTemplates>
+</file>
+
+<file path=customXml/item2.xml><?xml version="1.0" encoding="utf-8"?>
+<p:properties xmlns:p="http://schemas.microsoft.com/office/2006/metadata/properties" xmlns:xsi="http://www.w3.org/2001/XMLSchema-instance" xmlns:pc="http://schemas.microsoft.com/office/infopath/2007/PartnerControls">
+  <documentManagement>
+    <MediaServiceKeyPoints xmlns="71af3243-3dd4-4a8d-8c0d-dd76da1f02a5" xsi:nil="true"/>
+  </documentManagement>
+</p:properties>
+</file>
+
+<file path=customXml/item3.xml><?xml version="1.0" encoding="utf-8"?>
 <ct:contentTypeSchema xmlns:ct="http://schemas.microsoft.com/office/2006/metadata/contentType" xmlns:ma="http://schemas.microsoft.com/office/2006/metadata/properties/metaAttributes" ct:_="" ma:_="" ma:contentTypeName="Document" ma:contentTypeID="0x01010079F111ED35F8CC479449609E8A0923A6" ma:contentTypeVersion="11" ma:contentTypeDescription="Create a new document." ma:contentTypeScope="" ma:versionID="9677210f24a1be23c92c90fd886aa0aa">
   <xsd:schema xmlns:xsd="http://www.w3.org/2001/XMLSchema" xmlns:xs="http://www.w3.org/2001/XMLSchema" xmlns:p="http://schemas.microsoft.com/office/2006/metadata/properties" xmlns:ns2="71af3243-3dd4-4a8d-8c0d-dd76da1f02a5" xmlns:ns3="16c05727-aa75-4e4a-9b5f-8a80a1165891" targetNamespace="http://schemas.microsoft.com/office/2006/metadata/properties" ma:root="true" ma:fieldsID="60e05723c5c1908df1a1a4ebf11d344e" ns2:_="" ns3:_="">
     <xsd:import namespace="71af3243-3dd4-4a8d-8c0d-dd76da1f02a5"/>
@@ -40890,24 +40907,25 @@
 </ct:contentTypeSchema>
 </file>
 
-<file path=customXml/item2.xml><?xml version="1.0" encoding="utf-8"?>
-<p:properties xmlns:p="http://schemas.microsoft.com/office/2006/metadata/properties" xmlns:xsi="http://www.w3.org/2001/XMLSchema-instance" xmlns:pc="http://schemas.microsoft.com/office/infopath/2007/PartnerControls">
-  <documentManagement>
-    <MediaServiceKeyPoints xmlns="71af3243-3dd4-4a8d-8c0d-dd76da1f02a5" xsi:nil="true"/>
-  </documentManagement>
-</p:properties>
+<file path=customXml/itemProps1.xml><?xml version="1.0" encoding="utf-8"?>
+<ds:datastoreItem xmlns:ds="http://schemas.openxmlformats.org/officeDocument/2006/customXml" ds:itemID="{2FD05317-60D6-4B3A-8545-888496D1A8EC}">
+  <ds:schemaRefs>
+    <ds:schemaRef ds:uri="http://schemas.microsoft.com/sharepoint/v3/contenttype/forms"/>
+  </ds:schemaRefs>
+</ds:datastoreItem>
 </file>
 
-<file path=customXml/item3.xml><?xml version="1.0" encoding="utf-8"?>
-<?mso-contentType ?>
-<FormTemplates xmlns="http://schemas.microsoft.com/sharepoint/v3/contenttype/forms">
-  <Display>DocumentLibraryForm</Display>
-  <Edit>DocumentLibraryForm</Edit>
-  <New>DocumentLibraryForm</New>
-</FormTemplates>
+<file path=customXml/itemProps2.xml><?xml version="1.0" encoding="utf-8"?>
+<ds:datastoreItem xmlns:ds="http://schemas.openxmlformats.org/officeDocument/2006/customXml" ds:itemID="{EF609EDA-869E-4BE5-AE5D-B898C584B6FF}">
+  <ds:schemaRefs>
+    <ds:schemaRef ds:uri="http://schemas.microsoft.com/office/2006/metadata/properties"/>
+    <ds:schemaRef ds:uri="http://schemas.microsoft.com/office/infopath/2007/PartnerControls"/>
+    <ds:schemaRef ds:uri="71af3243-3dd4-4a8d-8c0d-dd76da1f02a5"/>
+  </ds:schemaRefs>
+</ds:datastoreItem>
 </file>
 
-<file path=customXml/itemProps1.xml><?xml version="1.0" encoding="utf-8"?>
+<file path=customXml/itemProps3.xml><?xml version="1.0" encoding="utf-8"?>
 <ds:datastoreItem xmlns:ds="http://schemas.openxmlformats.org/officeDocument/2006/customXml" ds:itemID="{61A00BBF-EEBB-4E18-B8CB-F926EAAC48F7}">
   <ds:schemaRefs>
     <ds:schemaRef ds:uri="http://schemas.microsoft.com/office/2006/metadata/contentType"/>
@@ -40924,22 +40942,4 @@
     <ds:schemaRef ds:uri="http://schemas.microsoft.com/internal/obd"/>
   </ds:schemaRefs>
 </ds:datastoreItem>
-</file>
-
-<file path=customXml/itemProps2.xml><?xml version="1.0" encoding="utf-8"?>
-<ds:datastoreItem xmlns:ds="http://schemas.openxmlformats.org/officeDocument/2006/customXml" ds:itemID="{EF609EDA-869E-4BE5-AE5D-B898C584B6FF}">
-  <ds:schemaRefs>
-    <ds:schemaRef ds:uri="http://schemas.microsoft.com/office/2006/metadata/properties"/>
-    <ds:schemaRef ds:uri="http://schemas.microsoft.com/office/infopath/2007/PartnerControls"/>
-    <ds:schemaRef ds:uri="71af3243-3dd4-4a8d-8c0d-dd76da1f02a5"/>
-  </ds:schemaRefs>
-</ds:datastoreItem>
-</file>
-
-<file path=customXml/itemProps3.xml><?xml version="1.0" encoding="utf-8"?>
-<ds:datastoreItem xmlns:ds="http://schemas.openxmlformats.org/officeDocument/2006/customXml" ds:itemID="{2FD05317-60D6-4B3A-8545-888496D1A8EC}">
-  <ds:schemaRefs>
-    <ds:schemaRef ds:uri="http://schemas.microsoft.com/sharepoint/v3/contenttype/forms"/>
-  </ds:schemaRefs>
-</ds:datastoreItem>
 </file>
--- a/BluePrint/Aplikasi Suhu Tubuh FIX.pptx
+++ b/BluePrint/Aplikasi Suhu Tubuh FIX.pptx
@@ -28705,7 +28705,7 @@
         </p:blipFill>
         <p:spPr>
           <a:xfrm>
-            <a:off x="22078" y="1107249"/>
+            <a:off x="-1257403" y="1107249"/>
             <a:ext cx="12192000" cy="4588225"/>
           </a:xfrm>
           <a:prstGeom prst="rect">
@@ -40680,23 +40680,6 @@
 </file>
 
 <file path=customXml/item1.xml><?xml version="1.0" encoding="utf-8"?>
-<?mso-contentType ?>
-<FormTemplates xmlns="http://schemas.microsoft.com/sharepoint/v3/contenttype/forms">
-  <Display>DocumentLibraryForm</Display>
-  <Edit>DocumentLibraryForm</Edit>
-  <New>DocumentLibraryForm</New>
-</FormTemplates>
-</file>
-
-<file path=customXml/item2.xml><?xml version="1.0" encoding="utf-8"?>
-<p:properties xmlns:p="http://schemas.microsoft.com/office/2006/metadata/properties" xmlns:xsi="http://www.w3.org/2001/XMLSchema-instance" xmlns:pc="http://schemas.microsoft.com/office/infopath/2007/PartnerControls">
-  <documentManagement>
-    <MediaServiceKeyPoints xmlns="71af3243-3dd4-4a8d-8c0d-dd76da1f02a5" xsi:nil="true"/>
-  </documentManagement>
-</p:properties>
-</file>
-
-<file path=customXml/item3.xml><?xml version="1.0" encoding="utf-8"?>
 <ct:contentTypeSchema xmlns:ct="http://schemas.microsoft.com/office/2006/metadata/contentType" xmlns:ma="http://schemas.microsoft.com/office/2006/metadata/properties/metaAttributes" ct:_="" ma:_="" ma:contentTypeName="Document" ma:contentTypeID="0x01010079F111ED35F8CC479449609E8A0923A6" ma:contentTypeVersion="11" ma:contentTypeDescription="Create a new document." ma:contentTypeScope="" ma:versionID="9677210f24a1be23c92c90fd886aa0aa">
   <xsd:schema xmlns:xsd="http://www.w3.org/2001/XMLSchema" xmlns:xs="http://www.w3.org/2001/XMLSchema" xmlns:p="http://schemas.microsoft.com/office/2006/metadata/properties" xmlns:ns2="71af3243-3dd4-4a8d-8c0d-dd76da1f02a5" xmlns:ns3="16c05727-aa75-4e4a-9b5f-8a80a1165891" targetNamespace="http://schemas.microsoft.com/office/2006/metadata/properties" ma:root="true" ma:fieldsID="60e05723c5c1908df1a1a4ebf11d344e" ns2:_="" ns3:_="">
     <xsd:import namespace="71af3243-3dd4-4a8d-8c0d-dd76da1f02a5"/>
@@ -40907,25 +40890,24 @@
 </ct:contentTypeSchema>
 </file>
 
-<file path=customXml/itemProps1.xml><?xml version="1.0" encoding="utf-8"?>
-<ds:datastoreItem xmlns:ds="http://schemas.openxmlformats.org/officeDocument/2006/customXml" ds:itemID="{2FD05317-60D6-4B3A-8545-888496D1A8EC}">
-  <ds:schemaRefs>
-    <ds:schemaRef ds:uri="http://schemas.microsoft.com/sharepoint/v3/contenttype/forms"/>
-  </ds:schemaRefs>
-</ds:datastoreItem>
+<file path=customXml/item2.xml><?xml version="1.0" encoding="utf-8"?>
+<p:properties xmlns:p="http://schemas.microsoft.com/office/2006/metadata/properties" xmlns:xsi="http://www.w3.org/2001/XMLSchema-instance" xmlns:pc="http://schemas.microsoft.com/office/infopath/2007/PartnerControls">
+  <documentManagement>
+    <MediaServiceKeyPoints xmlns="71af3243-3dd4-4a8d-8c0d-dd76da1f02a5" xsi:nil="true"/>
+  </documentManagement>
+</p:properties>
 </file>
 
-<file path=customXml/itemProps2.xml><?xml version="1.0" encoding="utf-8"?>
-<ds:datastoreItem xmlns:ds="http://schemas.openxmlformats.org/officeDocument/2006/customXml" ds:itemID="{EF609EDA-869E-4BE5-AE5D-B898C584B6FF}">
-  <ds:schemaRefs>
-    <ds:schemaRef ds:uri="http://schemas.microsoft.com/office/2006/metadata/properties"/>
-    <ds:schemaRef ds:uri="http://schemas.microsoft.com/office/infopath/2007/PartnerControls"/>
-    <ds:schemaRef ds:uri="71af3243-3dd4-4a8d-8c0d-dd76da1f02a5"/>
-  </ds:schemaRefs>
-</ds:datastoreItem>
+<file path=customXml/item3.xml><?xml version="1.0" encoding="utf-8"?>
+<?mso-contentType ?>
+<FormTemplates xmlns="http://schemas.microsoft.com/sharepoint/v3/contenttype/forms">
+  <Display>DocumentLibraryForm</Display>
+  <Edit>DocumentLibraryForm</Edit>
+  <New>DocumentLibraryForm</New>
+</FormTemplates>
 </file>
 
-<file path=customXml/itemProps3.xml><?xml version="1.0" encoding="utf-8"?>
+<file path=customXml/itemProps1.xml><?xml version="1.0" encoding="utf-8"?>
 <ds:datastoreItem xmlns:ds="http://schemas.openxmlformats.org/officeDocument/2006/customXml" ds:itemID="{61A00BBF-EEBB-4E18-B8CB-F926EAAC48F7}">
   <ds:schemaRefs>
     <ds:schemaRef ds:uri="http://schemas.microsoft.com/office/2006/metadata/contentType"/>
@@ -40942,4 +40924,22 @@
     <ds:schemaRef ds:uri="http://schemas.microsoft.com/internal/obd"/>
   </ds:schemaRefs>
 </ds:datastoreItem>
+</file>
+
+<file path=customXml/itemProps2.xml><?xml version="1.0" encoding="utf-8"?>
+<ds:datastoreItem xmlns:ds="http://schemas.openxmlformats.org/officeDocument/2006/customXml" ds:itemID="{EF609EDA-869E-4BE5-AE5D-B898C584B6FF}">
+  <ds:schemaRefs>
+    <ds:schemaRef ds:uri="http://schemas.microsoft.com/office/2006/metadata/properties"/>
+    <ds:schemaRef ds:uri="http://schemas.microsoft.com/office/infopath/2007/PartnerControls"/>
+    <ds:schemaRef ds:uri="71af3243-3dd4-4a8d-8c0d-dd76da1f02a5"/>
+  </ds:schemaRefs>
+</ds:datastoreItem>
+</file>
+
+<file path=customXml/itemProps3.xml><?xml version="1.0" encoding="utf-8"?>
+<ds:datastoreItem xmlns:ds="http://schemas.openxmlformats.org/officeDocument/2006/customXml" ds:itemID="{2FD05317-60D6-4B3A-8545-888496D1A8EC}">
+  <ds:schemaRefs>
+    <ds:schemaRef ds:uri="http://schemas.microsoft.com/sharepoint/v3/contenttype/forms"/>
+  </ds:schemaRefs>
+</ds:datastoreItem>
 </file>
--- a/BluePrint/Aplikasi Suhu Tubuh FIX.pptx
+++ b/BluePrint/Aplikasi Suhu Tubuh FIX.pptx
@@ -21333,8 +21333,8 @@
         </p:blipFill>
         <p:spPr>
           <a:xfrm>
-            <a:off x="2840401" y="647114"/>
-            <a:ext cx="6511198" cy="6210885"/>
+            <a:off x="2821351" y="770939"/>
+            <a:ext cx="6055949" cy="5776633"/>
           </a:xfrm>
           <a:prstGeom prst="rect">
             <a:avLst/>
@@ -28691,7 +28691,7 @@
           </p:cNvPicPr>
           <p:nvPr/>
         </p:nvPicPr>
-        <p:blipFill>
+        <p:blipFill rotWithShape="1">
           <a:blip r:embed="rId3">
             <a:extLst>
               <a:ext uri="{28A0092B-C50C-407E-A947-70E740481C1C}">
@@ -28699,14 +28699,13 @@
               </a:ext>
             </a:extLst>
           </a:blip>
-          <a:stretch>
-            <a:fillRect/>
-          </a:stretch>
+          <a:srcRect l="18181"/>
+          <a:stretch/>
         </p:blipFill>
         <p:spPr>
           <a:xfrm>
-            <a:off x="-1257403" y="1107249"/>
-            <a:ext cx="12192000" cy="4588225"/>
+            <a:off x="959224" y="1107249"/>
+            <a:ext cx="9975372" cy="4588225"/>
           </a:xfrm>
           <a:prstGeom prst="rect">
             <a:avLst/>
@@ -40680,6 +40679,23 @@
 </file>
 
 <file path=customXml/item1.xml><?xml version="1.0" encoding="utf-8"?>
+<?mso-contentType ?>
+<FormTemplates xmlns="http://schemas.microsoft.com/sharepoint/v3/contenttype/forms">
+  <Display>DocumentLibraryForm</Display>
+  <Edit>DocumentLibraryForm</Edit>
+  <New>DocumentLibraryForm</New>
+</FormTemplates>
+</file>
+
+<file path=customXml/item2.xml><?xml version="1.0" encoding="utf-8"?>
+<p:properties xmlns:p="http://schemas.microsoft.com/office/2006/metadata/properties" xmlns:xsi="http://www.w3.org/2001/XMLSchema-instance" xmlns:pc="http://schemas.microsoft.com/office/infopath/2007/PartnerControls">
+  <documentManagement>
+    <MediaServiceKeyPoints xmlns="71af3243-3dd4-4a8d-8c0d-dd76da1f02a5" xsi:nil="true"/>
+  </documentManagement>
+</p:properties>
+</file>
+
+<file path=customXml/item3.xml><?xml version="1.0" encoding="utf-8"?>
 <ct:contentTypeSchema xmlns:ct="http://schemas.microsoft.com/office/2006/metadata/contentType" xmlns:ma="http://schemas.microsoft.com/office/2006/metadata/properties/metaAttributes" ct:_="" ma:_="" ma:contentTypeName="Document" ma:contentTypeID="0x01010079F111ED35F8CC479449609E8A0923A6" ma:contentTypeVersion="11" ma:contentTypeDescription="Create a new document." ma:contentTypeScope="" ma:versionID="9677210f24a1be23c92c90fd886aa0aa">
   <xsd:schema xmlns:xsd="http://www.w3.org/2001/XMLSchema" xmlns:xs="http://www.w3.org/2001/XMLSchema" xmlns:p="http://schemas.microsoft.com/office/2006/metadata/properties" xmlns:ns2="71af3243-3dd4-4a8d-8c0d-dd76da1f02a5" xmlns:ns3="16c05727-aa75-4e4a-9b5f-8a80a1165891" targetNamespace="http://schemas.microsoft.com/office/2006/metadata/properties" ma:root="true" ma:fieldsID="60e05723c5c1908df1a1a4ebf11d344e" ns2:_="" ns3:_="">
     <xsd:import namespace="71af3243-3dd4-4a8d-8c0d-dd76da1f02a5"/>
@@ -40890,24 +40906,25 @@
 </ct:contentTypeSchema>
 </file>
 
-<file path=customXml/item2.xml><?xml version="1.0" encoding="utf-8"?>
-<p:properties xmlns:p="http://schemas.microsoft.com/office/2006/metadata/properties" xmlns:xsi="http://www.w3.org/2001/XMLSchema-instance" xmlns:pc="http://schemas.microsoft.com/office/infopath/2007/PartnerControls">
-  <documentManagement>
-    <MediaServiceKeyPoints xmlns="71af3243-3dd4-4a8d-8c0d-dd76da1f02a5" xsi:nil="true"/>
-  </documentManagement>
-</p:properties>
+<file path=customXml/itemProps1.xml><?xml version="1.0" encoding="utf-8"?>
+<ds:datastoreItem xmlns:ds="http://schemas.openxmlformats.org/officeDocument/2006/customXml" ds:itemID="{2FD05317-60D6-4B3A-8545-888496D1A8EC}">
+  <ds:schemaRefs>
+    <ds:schemaRef ds:uri="http://schemas.microsoft.com/sharepoint/v3/contenttype/forms"/>
+  </ds:schemaRefs>
+</ds:datastoreItem>
 </file>
 
-<file path=customXml/item3.xml><?xml version="1.0" encoding="utf-8"?>
-<?mso-contentType ?>
-<FormTemplates xmlns="http://schemas.microsoft.com/sharepoint/v3/contenttype/forms">
-  <Display>DocumentLibraryForm</Display>
-  <Edit>DocumentLibraryForm</Edit>
-  <New>DocumentLibraryForm</New>
-</FormTemplates>
+<file path=customXml/itemProps2.xml><?xml version="1.0" encoding="utf-8"?>
+<ds:datastoreItem xmlns:ds="http://schemas.openxmlformats.org/officeDocument/2006/customXml" ds:itemID="{EF609EDA-869E-4BE5-AE5D-B898C584B6FF}">
+  <ds:schemaRefs>
+    <ds:schemaRef ds:uri="http://schemas.microsoft.com/office/2006/metadata/properties"/>
+    <ds:schemaRef ds:uri="http://schemas.microsoft.com/office/infopath/2007/PartnerControls"/>
+    <ds:schemaRef ds:uri="71af3243-3dd4-4a8d-8c0d-dd76da1f02a5"/>
+  </ds:schemaRefs>
+</ds:datastoreItem>
 </file>
 
-<file path=customXml/itemProps1.xml><?xml version="1.0" encoding="utf-8"?>
+<file path=customXml/itemProps3.xml><?xml version="1.0" encoding="utf-8"?>
 <ds:datastoreItem xmlns:ds="http://schemas.openxmlformats.org/officeDocument/2006/customXml" ds:itemID="{61A00BBF-EEBB-4E18-B8CB-F926EAAC48F7}">
   <ds:schemaRefs>
     <ds:schemaRef ds:uri="http://schemas.microsoft.com/office/2006/metadata/contentType"/>
@@ -40924,22 +40941,4 @@
     <ds:schemaRef ds:uri="http://schemas.microsoft.com/internal/obd"/>
   </ds:schemaRefs>
 </ds:datastoreItem>
-</file>
-
-<file path=customXml/itemProps2.xml><?xml version="1.0" encoding="utf-8"?>
-<ds:datastoreItem xmlns:ds="http://schemas.openxmlformats.org/officeDocument/2006/customXml" ds:itemID="{EF609EDA-869E-4BE5-AE5D-B898C584B6FF}">
-  <ds:schemaRefs>
-    <ds:schemaRef ds:uri="http://schemas.microsoft.com/office/2006/metadata/properties"/>
-    <ds:schemaRef ds:uri="http://schemas.microsoft.com/office/infopath/2007/PartnerControls"/>
-    <ds:schemaRef ds:uri="71af3243-3dd4-4a8d-8c0d-dd76da1f02a5"/>
-  </ds:schemaRefs>
-</ds:datastoreItem>
-</file>
-
-<file path=customXml/itemProps3.xml><?xml version="1.0" encoding="utf-8"?>
-<ds:datastoreItem xmlns:ds="http://schemas.openxmlformats.org/officeDocument/2006/customXml" ds:itemID="{2FD05317-60D6-4B3A-8545-888496D1A8EC}">
-  <ds:schemaRefs>
-    <ds:schemaRef ds:uri="http://schemas.microsoft.com/sharepoint/v3/contenttype/forms"/>
-  </ds:schemaRefs>
-</ds:datastoreItem>
 </file>